--- a/interview/notes/private/分布式事务数据库集群在线扩容 笔试题.pptx
+++ b/interview/notes/private/分布式事务数据库集群在线扩容 笔试题.pptx
@@ -270,7 +270,7 @@
           <a:p>
             <a:fld id="{A4FDA4E8-0E80-480A-8B96-41F4A9E07DF3}" type="datetimeFigureOut">
               <a:rPr lang="zh-CN" altLang="en-US" smtClean="0"/>
-              <a:t>2020/4/21</a:t>
+              <a:t>2020/4/22</a:t>
             </a:fld>
             <a:endParaRPr lang="zh-CN" altLang="en-US"/>
           </a:p>
@@ -468,7 +468,7 @@
           <a:p>
             <a:fld id="{A4FDA4E8-0E80-480A-8B96-41F4A9E07DF3}" type="datetimeFigureOut">
               <a:rPr lang="zh-CN" altLang="en-US" smtClean="0"/>
-              <a:t>2020/4/21</a:t>
+              <a:t>2020/4/22</a:t>
             </a:fld>
             <a:endParaRPr lang="zh-CN" altLang="en-US"/>
           </a:p>
@@ -676,7 +676,7 @@
           <a:p>
             <a:fld id="{A4FDA4E8-0E80-480A-8B96-41F4A9E07DF3}" type="datetimeFigureOut">
               <a:rPr lang="zh-CN" altLang="en-US" smtClean="0"/>
-              <a:t>2020/4/21</a:t>
+              <a:t>2020/4/22</a:t>
             </a:fld>
             <a:endParaRPr lang="zh-CN" altLang="en-US"/>
           </a:p>
@@ -874,7 +874,7 @@
           <a:p>
             <a:fld id="{A4FDA4E8-0E80-480A-8B96-41F4A9E07DF3}" type="datetimeFigureOut">
               <a:rPr lang="zh-CN" altLang="en-US" smtClean="0"/>
-              <a:t>2020/4/21</a:t>
+              <a:t>2020/4/22</a:t>
             </a:fld>
             <a:endParaRPr lang="zh-CN" altLang="en-US"/>
           </a:p>
@@ -1149,7 +1149,7 @@
           <a:p>
             <a:fld id="{A4FDA4E8-0E80-480A-8B96-41F4A9E07DF3}" type="datetimeFigureOut">
               <a:rPr lang="zh-CN" altLang="en-US" smtClean="0"/>
-              <a:t>2020/4/21</a:t>
+              <a:t>2020/4/22</a:t>
             </a:fld>
             <a:endParaRPr lang="zh-CN" altLang="en-US"/>
           </a:p>
@@ -1414,7 +1414,7 @@
           <a:p>
             <a:fld id="{A4FDA4E8-0E80-480A-8B96-41F4A9E07DF3}" type="datetimeFigureOut">
               <a:rPr lang="zh-CN" altLang="en-US" smtClean="0"/>
-              <a:t>2020/4/21</a:t>
+              <a:t>2020/4/22</a:t>
             </a:fld>
             <a:endParaRPr lang="zh-CN" altLang="en-US"/>
           </a:p>
@@ -1826,7 +1826,7 @@
           <a:p>
             <a:fld id="{A4FDA4E8-0E80-480A-8B96-41F4A9E07DF3}" type="datetimeFigureOut">
               <a:rPr lang="zh-CN" altLang="en-US" smtClean="0"/>
-              <a:t>2020/4/21</a:t>
+              <a:t>2020/4/22</a:t>
             </a:fld>
             <a:endParaRPr lang="zh-CN" altLang="en-US"/>
           </a:p>
@@ -1967,7 +1967,7 @@
           <a:p>
             <a:fld id="{A4FDA4E8-0E80-480A-8B96-41F4A9E07DF3}" type="datetimeFigureOut">
               <a:rPr lang="zh-CN" altLang="en-US" smtClean="0"/>
-              <a:t>2020/4/21</a:t>
+              <a:t>2020/4/22</a:t>
             </a:fld>
             <a:endParaRPr lang="zh-CN" altLang="en-US"/>
           </a:p>
@@ -2080,7 +2080,7 @@
           <a:p>
             <a:fld id="{A4FDA4E8-0E80-480A-8B96-41F4A9E07DF3}" type="datetimeFigureOut">
               <a:rPr lang="zh-CN" altLang="en-US" smtClean="0"/>
-              <a:t>2020/4/21</a:t>
+              <a:t>2020/4/22</a:t>
             </a:fld>
             <a:endParaRPr lang="zh-CN" altLang="en-US"/>
           </a:p>
@@ -2391,7 +2391,7 @@
           <a:p>
             <a:fld id="{A4FDA4E8-0E80-480A-8B96-41F4A9E07DF3}" type="datetimeFigureOut">
               <a:rPr lang="zh-CN" altLang="en-US" smtClean="0"/>
-              <a:t>2020/4/21</a:t>
+              <a:t>2020/4/22</a:t>
             </a:fld>
             <a:endParaRPr lang="zh-CN" altLang="en-US"/>
           </a:p>
@@ -2679,7 +2679,7 @@
           <a:p>
             <a:fld id="{A4FDA4E8-0E80-480A-8B96-41F4A9E07DF3}" type="datetimeFigureOut">
               <a:rPr lang="zh-CN" altLang="en-US" smtClean="0"/>
-              <a:t>2020/4/21</a:t>
+              <a:t>2020/4/22</a:t>
             </a:fld>
             <a:endParaRPr lang="zh-CN" altLang="en-US"/>
           </a:p>
@@ -2920,7 +2920,7 @@
           <a:p>
             <a:fld id="{A4FDA4E8-0E80-480A-8B96-41F4A9E07DF3}" type="datetimeFigureOut">
               <a:rPr lang="zh-CN" altLang="en-US" smtClean="0"/>
-              <a:t>2020/4/21</a:t>
+              <a:t>2020/4/22</a:t>
             </a:fld>
             <a:endParaRPr lang="zh-CN" altLang="en-US"/>
           </a:p>
@@ -6296,7 +6296,7 @@
         </p:nvSpPr>
         <p:spPr>
           <a:xfrm>
-            <a:off x="184297" y="3974863"/>
+            <a:off x="242487" y="3963879"/>
             <a:ext cx="1156379" cy="246221"/>
           </a:xfrm>
           <a:prstGeom prst="rect">
@@ -6348,7 +6348,7 @@
         </p:nvSpPr>
         <p:spPr>
           <a:xfrm>
-            <a:off x="1373412" y="6208055"/>
+            <a:off x="1351595" y="6208055"/>
             <a:ext cx="893494" cy="295978"/>
           </a:xfrm>
           <a:prstGeom prst="rect">
@@ -6521,7 +6521,7 @@
         </p:nvSpPr>
         <p:spPr>
           <a:xfrm>
-            <a:off x="4903111" y="6216640"/>
+            <a:off x="4940477" y="6218352"/>
             <a:ext cx="893494" cy="246221"/>
           </a:xfrm>
           <a:prstGeom prst="rect">
@@ -7910,7 +7910,7 @@
         </p:nvSpPr>
         <p:spPr>
           <a:xfrm>
-            <a:off x="2545686" y="1021825"/>
+            <a:off x="2526904" y="1046945"/>
             <a:ext cx="2099444" cy="276999"/>
           </a:xfrm>
           <a:prstGeom prst="rect">
@@ -7935,7 +7935,7 @@
                 <a:latin typeface="Consolas" panose="020B0609020204030204" pitchFamily="49" charset="0"/>
                 <a:ea typeface="微软雅黑" panose="020B0503020204020204" pitchFamily="34" charset="-122"/>
               </a:rPr>
-              <a:t>业务低谷期数据重均衡</a:t>
+              <a:t>业务低谷期数据重均衡继续</a:t>
             </a:r>
             <a:endParaRPr lang="en-US" altLang="zh-CN" sz="1200" b="1" dirty="0">
               <a:solidFill>
@@ -8063,7 +8063,7 @@
         </p:nvSpPr>
         <p:spPr>
           <a:xfrm>
-            <a:off x="4819707" y="4514755"/>
+            <a:off x="4820370" y="4512465"/>
             <a:ext cx="990780" cy="246221"/>
           </a:xfrm>
           <a:prstGeom prst="rect">
@@ -8484,7 +8484,7 @@
         </p:nvGrpSpPr>
         <p:grpSpPr>
           <a:xfrm>
-            <a:off x="4743672" y="5266852"/>
+            <a:off x="4761460" y="5328032"/>
             <a:ext cx="1236008" cy="721967"/>
             <a:chOff x="7958889" y="98570"/>
             <a:chExt cx="1236008" cy="721967"/>
@@ -8649,7 +8649,7 @@
         </p:nvGrpSpPr>
         <p:grpSpPr>
           <a:xfrm>
-            <a:off x="1185492" y="5230140"/>
+            <a:off x="1214878" y="5317056"/>
             <a:ext cx="1236008" cy="721967"/>
             <a:chOff x="7958889" y="98570"/>
             <a:chExt cx="1236008" cy="721967"/>
@@ -8814,7 +8814,7 @@
         </p:nvGrpSpPr>
         <p:grpSpPr>
           <a:xfrm>
-            <a:off x="1463501" y="4178208"/>
+            <a:off x="1400892" y="4178305"/>
             <a:ext cx="4354782" cy="463909"/>
             <a:chOff x="1817827" y="6698003"/>
             <a:chExt cx="4354782" cy="463909"/>
@@ -8952,14 +8952,12 @@
           </p:cNvPr>
           <p:cNvCxnSpPr>
             <a:cxnSpLocks/>
-            <a:stCxn id="93" idx="2"/>
-            <a:endCxn id="312" idx="1"/>
           </p:cNvCxnSpPr>
           <p:nvPr/>
         </p:nvCxnSpPr>
         <p:spPr bwMode="auto">
           <a:xfrm>
-            <a:off x="2232666" y="3649239"/>
+            <a:off x="2167167" y="3764690"/>
             <a:ext cx="1890726" cy="1088699"/>
           </a:xfrm>
           <a:prstGeom prst="straightConnector1">
@@ -9067,8 +9065,8 @@
         </p:nvCxnSpPr>
         <p:spPr bwMode="auto">
           <a:xfrm flipH="1">
-            <a:off x="3028614" y="3654235"/>
-            <a:ext cx="531238" cy="1077702"/>
+            <a:off x="3028614" y="3648234"/>
+            <a:ext cx="544584" cy="1083703"/>
           </a:xfrm>
           <a:prstGeom prst="straightConnector1">
             <a:avLst/>
@@ -9225,15 +9223,14 @@
           </p:cNvPr>
           <p:cNvCxnSpPr>
             <a:cxnSpLocks/>
-            <a:stCxn id="94" idx="2"/>
-            <a:endCxn id="312" idx="1"/>
+            <a:endCxn id="18" idx="1"/>
           </p:cNvCxnSpPr>
           <p:nvPr/>
         </p:nvCxnSpPr>
         <p:spPr bwMode="auto">
           <a:xfrm flipH="1">
-            <a:off x="4123392" y="3646284"/>
-            <a:ext cx="812550" cy="1091654"/>
+            <a:off x="4130774" y="3672939"/>
+            <a:ext cx="781339" cy="1050421"/>
           </a:xfrm>
           <a:prstGeom prst="straightConnector1">
             <a:avLst/>
@@ -9432,6 +9429,66 @@
           </a:prstGeom>
           <a:solidFill>
             <a:srgbClr val="5C5D5E"/>
+          </a:solidFill>
+          <a:ln>
+            <a:noFill/>
+          </a:ln>
+          <a:extLst>
+            <a:ext uri="{91240B29-F687-4F45-9708-019B960494DF}">
+              <a14:hiddenLine xmlns:a14="http://schemas.microsoft.com/office/drawing/2010/main" w="9525">
+                <a:solidFill>
+                  <a:srgbClr val="000000"/>
+                </a:solidFill>
+                <a:round/>
+                <a:headEnd/>
+                <a:tailEnd/>
+              </a14:hiddenLine>
+            </a:ext>
+          </a:extLst>
+        </p:spPr>
+        <p:txBody>
+          <a:bodyPr vert="horz" wrap="square" lIns="121920" tIns="60960" rIns="121920" bIns="60960" numCol="1" anchor="t" anchorCtr="0" compatLnSpc="1">
+            <a:prstTxWarp prst="textNoShape">
+              <a:avLst/>
+            </a:prstTxWarp>
+          </a:bodyPr>
+          <a:lstStyle/>
+          <a:p>
+            <a:pPr defTabSz="914377"/>
+            <a:endParaRPr lang="zh-CN" altLang="en-US">
+              <a:solidFill>
+                <a:prstClr val="black"/>
+              </a:solidFill>
+              <a:latin typeface="Calibri"/>
+              <a:ea typeface="宋体" panose="02010600030101010101" pitchFamily="2" charset="-122"/>
+            </a:endParaRPr>
+          </a:p>
+        </p:txBody>
+      </p:sp>
+      <p:sp>
+        <p:nvSpPr>
+          <p:cNvPr id="165" name="Oval 69">
+            <a:extLst>
+              <a:ext uri="{FF2B5EF4-FFF2-40B4-BE49-F238E27FC236}">
+                <a16:creationId xmlns:a16="http://schemas.microsoft.com/office/drawing/2014/main" id="{621D71A2-3959-45D7-9A81-D4DA223E50B0}"/>
+              </a:ext>
+            </a:extLst>
+          </p:cNvPr>
+          <p:cNvSpPr>
+            <a:spLocks noChangeArrowheads="1"/>
+          </p:cNvSpPr>
+          <p:nvPr/>
+        </p:nvSpPr>
+        <p:spPr bwMode="auto">
+          <a:xfrm>
+            <a:off x="3122305" y="1901516"/>
+            <a:ext cx="960967" cy="963084"/>
+          </a:xfrm>
+          <a:prstGeom prst="ellipse">
+            <a:avLst/>
+          </a:prstGeom>
+          <a:solidFill>
+            <a:srgbClr val="EBF0F2"/>
           </a:solidFill>
           <a:ln>
             <a:noFill/>
@@ -10510,7 +10567,7 @@
         </p:nvSpPr>
         <p:spPr>
           <a:xfrm>
-            <a:off x="2026711" y="1033543"/>
+            <a:off x="2113349" y="1018061"/>
             <a:ext cx="3103104" cy="276999"/>
           </a:xfrm>
           <a:prstGeom prst="rect">
@@ -10581,7 +10638,7 @@
         </p:nvSpPr>
         <p:spPr>
           <a:xfrm>
-            <a:off x="1976804" y="1033853"/>
+            <a:off x="2097110" y="1026497"/>
             <a:ext cx="3103104" cy="276999"/>
           </a:xfrm>
           <a:prstGeom prst="rect">
@@ -10788,7 +10845,7 @@
       </p:sp>
       <p:sp>
         <p:nvSpPr>
-          <p:cNvPr id="382" name="文本框 381" hidden="1">
+          <p:cNvPr id="382" name="文本框 381">
             <a:extLst>
               <a:ext uri="{FF2B5EF4-FFF2-40B4-BE49-F238E27FC236}">
                 <a16:creationId xmlns:a16="http://schemas.microsoft.com/office/drawing/2014/main" id="{C1AFFD0D-8365-4641-A49B-BE1AE9B71CC6}"/>
@@ -10830,6 +10887,522 @@
           </a:p>
         </p:txBody>
       </p:sp>
+      <p:sp>
+        <p:nvSpPr>
+          <p:cNvPr id="145" name="文本框 144">
+            <a:extLst>
+              <a:ext uri="{FF2B5EF4-FFF2-40B4-BE49-F238E27FC236}">
+                <a16:creationId xmlns:a16="http://schemas.microsoft.com/office/drawing/2014/main" id="{6B53FD8B-BB53-4748-B656-9AAA92404D98}"/>
+              </a:ext>
+            </a:extLst>
+          </p:cNvPr>
+          <p:cNvSpPr txBox="1"/>
+          <p:nvPr/>
+        </p:nvSpPr>
+        <p:spPr>
+          <a:xfrm>
+            <a:off x="1331880" y="4466785"/>
+            <a:ext cx="990780" cy="246221"/>
+          </a:xfrm>
+          <a:prstGeom prst="rect">
+            <a:avLst/>
+          </a:prstGeom>
+          <a:solidFill>
+            <a:schemeClr val="bg1"/>
+          </a:solidFill>
+        </p:spPr>
+        <p:txBody>
+          <a:bodyPr wrap="square" rtlCol="0">
+            <a:spAutoFit/>
+          </a:bodyPr>
+          <a:lstStyle/>
+          <a:p>
+            <a:pPr algn="ctr" defTabSz="914377"/>
+            <a:r>
+              <a:rPr lang="zh-CN" altLang="en-US" sz="1000" dirty="0">
+                <a:solidFill>
+                  <a:prstClr val="black"/>
+                </a:solidFill>
+                <a:latin typeface="Consolas" panose="020B0609020204030204" pitchFamily="49" charset="0"/>
+                <a:ea typeface="微软雅黑" panose="020B0503020204020204" pitchFamily="34" charset="-122"/>
+              </a:rPr>
+              <a:t>数据重新分布</a:t>
+            </a:r>
+            <a:endParaRPr lang="en-US" altLang="zh-CN" sz="1000" dirty="0">
+              <a:solidFill>
+                <a:prstClr val="black"/>
+              </a:solidFill>
+              <a:latin typeface="Consolas" panose="020B0609020204030204" pitchFamily="49" charset="0"/>
+              <a:ea typeface="微软雅黑" panose="020B0503020204020204" pitchFamily="34" charset="-122"/>
+            </a:endParaRPr>
+          </a:p>
+        </p:txBody>
+      </p:sp>
+      <p:sp>
+        <p:nvSpPr>
+          <p:cNvPr id="148" name="文本框 147">
+            <a:extLst>
+              <a:ext uri="{FF2B5EF4-FFF2-40B4-BE49-F238E27FC236}">
+                <a16:creationId xmlns:a16="http://schemas.microsoft.com/office/drawing/2014/main" id="{84281BDA-9E61-47D7-A4E7-FDB5D01C121D}"/>
+              </a:ext>
+            </a:extLst>
+          </p:cNvPr>
+          <p:cNvSpPr txBox="1"/>
+          <p:nvPr/>
+        </p:nvSpPr>
+        <p:spPr>
+          <a:xfrm>
+            <a:off x="1302952" y="5219296"/>
+            <a:ext cx="990780" cy="246221"/>
+          </a:xfrm>
+          <a:prstGeom prst="rect">
+            <a:avLst/>
+          </a:prstGeom>
+          <a:solidFill>
+            <a:schemeClr val="bg1"/>
+          </a:solidFill>
+        </p:spPr>
+        <p:txBody>
+          <a:bodyPr wrap="square" rtlCol="0">
+            <a:spAutoFit/>
+          </a:bodyPr>
+          <a:lstStyle/>
+          <a:p>
+            <a:pPr algn="ctr" defTabSz="914377"/>
+            <a:r>
+              <a:rPr lang="zh-CN" altLang="en-US" sz="1000" dirty="0">
+                <a:solidFill>
+                  <a:prstClr val="black"/>
+                </a:solidFill>
+                <a:latin typeface="Consolas" panose="020B0609020204030204" pitchFamily="49" charset="0"/>
+                <a:ea typeface="微软雅黑" panose="020B0503020204020204" pitchFamily="34" charset="-122"/>
+              </a:rPr>
+              <a:t>数据重新分布</a:t>
+            </a:r>
+            <a:endParaRPr lang="en-US" altLang="zh-CN" sz="1000" dirty="0">
+              <a:solidFill>
+                <a:prstClr val="black"/>
+              </a:solidFill>
+              <a:latin typeface="Consolas" panose="020B0609020204030204" pitchFamily="49" charset="0"/>
+              <a:ea typeface="微软雅黑" panose="020B0503020204020204" pitchFamily="34" charset="-122"/>
+            </a:endParaRPr>
+          </a:p>
+        </p:txBody>
+      </p:sp>
+      <p:sp>
+        <p:nvSpPr>
+          <p:cNvPr id="158" name="文本框 157">
+            <a:extLst>
+              <a:ext uri="{FF2B5EF4-FFF2-40B4-BE49-F238E27FC236}">
+                <a16:creationId xmlns:a16="http://schemas.microsoft.com/office/drawing/2014/main" id="{F07E308F-1A09-454E-994D-D5AEBE7DCE51}"/>
+              </a:ext>
+            </a:extLst>
+          </p:cNvPr>
+          <p:cNvSpPr txBox="1"/>
+          <p:nvPr/>
+        </p:nvSpPr>
+        <p:spPr>
+          <a:xfrm>
+            <a:off x="4835881" y="4475178"/>
+            <a:ext cx="990780" cy="246221"/>
+          </a:xfrm>
+          <a:prstGeom prst="rect">
+            <a:avLst/>
+          </a:prstGeom>
+          <a:solidFill>
+            <a:schemeClr val="bg1"/>
+          </a:solidFill>
+        </p:spPr>
+        <p:txBody>
+          <a:bodyPr wrap="square" rtlCol="0">
+            <a:spAutoFit/>
+          </a:bodyPr>
+          <a:lstStyle/>
+          <a:p>
+            <a:pPr algn="ctr" defTabSz="914377"/>
+            <a:r>
+              <a:rPr lang="zh-CN" altLang="en-US" sz="1000" dirty="0">
+                <a:solidFill>
+                  <a:prstClr val="black"/>
+                </a:solidFill>
+                <a:latin typeface="Consolas" panose="020B0609020204030204" pitchFamily="49" charset="0"/>
+                <a:ea typeface="微软雅黑" panose="020B0503020204020204" pitchFamily="34" charset="-122"/>
+              </a:rPr>
+              <a:t>数据重新分布</a:t>
+            </a:r>
+            <a:endParaRPr lang="en-US" altLang="zh-CN" sz="1000" dirty="0">
+              <a:solidFill>
+                <a:prstClr val="black"/>
+              </a:solidFill>
+              <a:latin typeface="Consolas" panose="020B0609020204030204" pitchFamily="49" charset="0"/>
+              <a:ea typeface="微软雅黑" panose="020B0503020204020204" pitchFamily="34" charset="-122"/>
+            </a:endParaRPr>
+          </a:p>
+        </p:txBody>
+      </p:sp>
+      <p:sp>
+        <p:nvSpPr>
+          <p:cNvPr id="160" name="文本框 159">
+            <a:extLst>
+              <a:ext uri="{FF2B5EF4-FFF2-40B4-BE49-F238E27FC236}">
+                <a16:creationId xmlns:a16="http://schemas.microsoft.com/office/drawing/2014/main" id="{05966A6D-04A2-44E6-AE6A-1B04A2524071}"/>
+              </a:ext>
+            </a:extLst>
+          </p:cNvPr>
+          <p:cNvSpPr txBox="1"/>
+          <p:nvPr/>
+        </p:nvSpPr>
+        <p:spPr>
+          <a:xfrm>
+            <a:off x="4847097" y="5166599"/>
+            <a:ext cx="990780" cy="246221"/>
+          </a:xfrm>
+          <a:prstGeom prst="rect">
+            <a:avLst/>
+          </a:prstGeom>
+          <a:solidFill>
+            <a:schemeClr val="bg1"/>
+          </a:solidFill>
+        </p:spPr>
+        <p:txBody>
+          <a:bodyPr wrap="square" rtlCol="0">
+            <a:spAutoFit/>
+          </a:bodyPr>
+          <a:lstStyle/>
+          <a:p>
+            <a:pPr algn="ctr" defTabSz="914377"/>
+            <a:r>
+              <a:rPr lang="zh-CN" altLang="en-US" sz="1000" dirty="0">
+                <a:solidFill>
+                  <a:prstClr val="black"/>
+                </a:solidFill>
+                <a:latin typeface="Consolas" panose="020B0609020204030204" pitchFamily="49" charset="0"/>
+                <a:ea typeface="微软雅黑" panose="020B0503020204020204" pitchFamily="34" charset="-122"/>
+              </a:rPr>
+              <a:t>数据重新分布</a:t>
+            </a:r>
+            <a:endParaRPr lang="en-US" altLang="zh-CN" sz="1000" dirty="0">
+              <a:solidFill>
+                <a:prstClr val="black"/>
+              </a:solidFill>
+              <a:latin typeface="Consolas" panose="020B0609020204030204" pitchFamily="49" charset="0"/>
+              <a:ea typeface="微软雅黑" panose="020B0503020204020204" pitchFamily="34" charset="-122"/>
+            </a:endParaRPr>
+          </a:p>
+        </p:txBody>
+      </p:sp>
+      <p:sp>
+        <p:nvSpPr>
+          <p:cNvPr id="161" name="文本框 160">
+            <a:extLst>
+              <a:ext uri="{FF2B5EF4-FFF2-40B4-BE49-F238E27FC236}">
+                <a16:creationId xmlns:a16="http://schemas.microsoft.com/office/drawing/2014/main" id="{9E38888A-7385-4790-A2C2-79006A88CAC0}"/>
+              </a:ext>
+            </a:extLst>
+          </p:cNvPr>
+          <p:cNvSpPr txBox="1"/>
+          <p:nvPr/>
+        </p:nvSpPr>
+        <p:spPr>
+          <a:xfrm>
+            <a:off x="1324926" y="4481886"/>
+            <a:ext cx="990780" cy="246221"/>
+          </a:xfrm>
+          <a:prstGeom prst="rect">
+            <a:avLst/>
+          </a:prstGeom>
+          <a:solidFill>
+            <a:schemeClr val="bg1"/>
+          </a:solidFill>
+        </p:spPr>
+        <p:txBody>
+          <a:bodyPr wrap="square" rtlCol="0">
+            <a:spAutoFit/>
+          </a:bodyPr>
+          <a:lstStyle/>
+          <a:p>
+            <a:pPr algn="ctr" defTabSz="914377"/>
+            <a:r>
+              <a:rPr lang="zh-CN" altLang="en-US" sz="1000" dirty="0">
+                <a:solidFill>
+                  <a:prstClr val="black"/>
+                </a:solidFill>
+                <a:latin typeface="Consolas" panose="020B0609020204030204" pitchFamily="49" charset="0"/>
+                <a:ea typeface="微软雅黑" panose="020B0503020204020204" pitchFamily="34" charset="-122"/>
+              </a:rPr>
+              <a:t>数据重新分布</a:t>
+            </a:r>
+            <a:endParaRPr lang="en-US" altLang="zh-CN" sz="1000" dirty="0">
+              <a:solidFill>
+                <a:prstClr val="black"/>
+              </a:solidFill>
+              <a:latin typeface="Consolas" panose="020B0609020204030204" pitchFamily="49" charset="0"/>
+              <a:ea typeface="微软雅黑" panose="020B0503020204020204" pitchFamily="34" charset="-122"/>
+            </a:endParaRPr>
+          </a:p>
+        </p:txBody>
+      </p:sp>
+      <p:sp>
+        <p:nvSpPr>
+          <p:cNvPr id="162" name="文本框 161">
+            <a:extLst>
+              <a:ext uri="{FF2B5EF4-FFF2-40B4-BE49-F238E27FC236}">
+                <a16:creationId xmlns:a16="http://schemas.microsoft.com/office/drawing/2014/main" id="{54FA35EF-13F2-4988-8803-0AB166108567}"/>
+              </a:ext>
+            </a:extLst>
+          </p:cNvPr>
+          <p:cNvSpPr txBox="1"/>
+          <p:nvPr/>
+        </p:nvSpPr>
+        <p:spPr>
+          <a:xfrm>
+            <a:off x="1295998" y="5234397"/>
+            <a:ext cx="990780" cy="246221"/>
+          </a:xfrm>
+          <a:prstGeom prst="rect">
+            <a:avLst/>
+          </a:prstGeom>
+          <a:solidFill>
+            <a:schemeClr val="bg1"/>
+          </a:solidFill>
+        </p:spPr>
+        <p:txBody>
+          <a:bodyPr wrap="square" rtlCol="0">
+            <a:spAutoFit/>
+          </a:bodyPr>
+          <a:lstStyle/>
+          <a:p>
+            <a:pPr algn="ctr" defTabSz="914377"/>
+            <a:r>
+              <a:rPr lang="zh-CN" altLang="en-US" sz="1000" dirty="0">
+                <a:solidFill>
+                  <a:prstClr val="black"/>
+                </a:solidFill>
+                <a:latin typeface="Consolas" panose="020B0609020204030204" pitchFamily="49" charset="0"/>
+                <a:ea typeface="微软雅黑" panose="020B0503020204020204" pitchFamily="34" charset="-122"/>
+              </a:rPr>
+              <a:t>数据重新分布</a:t>
+            </a:r>
+            <a:endParaRPr lang="en-US" altLang="zh-CN" sz="1000" dirty="0">
+              <a:solidFill>
+                <a:prstClr val="black"/>
+              </a:solidFill>
+              <a:latin typeface="Consolas" panose="020B0609020204030204" pitchFamily="49" charset="0"/>
+              <a:ea typeface="微软雅黑" panose="020B0503020204020204" pitchFamily="34" charset="-122"/>
+            </a:endParaRPr>
+          </a:p>
+        </p:txBody>
+      </p:sp>
+      <p:sp>
+        <p:nvSpPr>
+          <p:cNvPr id="163" name="文本框 162">
+            <a:extLst>
+              <a:ext uri="{FF2B5EF4-FFF2-40B4-BE49-F238E27FC236}">
+                <a16:creationId xmlns:a16="http://schemas.microsoft.com/office/drawing/2014/main" id="{4DD9BB83-5A10-491D-9895-E0EF98C80D1C}"/>
+              </a:ext>
+            </a:extLst>
+          </p:cNvPr>
+          <p:cNvSpPr txBox="1"/>
+          <p:nvPr/>
+        </p:nvSpPr>
+        <p:spPr>
+          <a:xfrm>
+            <a:off x="4828927" y="4490279"/>
+            <a:ext cx="990780" cy="246221"/>
+          </a:xfrm>
+          <a:prstGeom prst="rect">
+            <a:avLst/>
+          </a:prstGeom>
+          <a:solidFill>
+            <a:schemeClr val="bg1"/>
+          </a:solidFill>
+        </p:spPr>
+        <p:txBody>
+          <a:bodyPr wrap="square" rtlCol="0">
+            <a:spAutoFit/>
+          </a:bodyPr>
+          <a:lstStyle/>
+          <a:p>
+            <a:pPr algn="ctr" defTabSz="914377"/>
+            <a:r>
+              <a:rPr lang="zh-CN" altLang="en-US" sz="1000" dirty="0">
+                <a:solidFill>
+                  <a:prstClr val="black"/>
+                </a:solidFill>
+                <a:latin typeface="Consolas" panose="020B0609020204030204" pitchFamily="49" charset="0"/>
+                <a:ea typeface="微软雅黑" panose="020B0503020204020204" pitchFamily="34" charset="-122"/>
+              </a:rPr>
+              <a:t>数据重新分布</a:t>
+            </a:r>
+            <a:endParaRPr lang="en-US" altLang="zh-CN" sz="1000" dirty="0">
+              <a:solidFill>
+                <a:prstClr val="black"/>
+              </a:solidFill>
+              <a:latin typeface="Consolas" panose="020B0609020204030204" pitchFamily="49" charset="0"/>
+              <a:ea typeface="微软雅黑" panose="020B0503020204020204" pitchFamily="34" charset="-122"/>
+            </a:endParaRPr>
+          </a:p>
+        </p:txBody>
+      </p:sp>
+      <p:sp>
+        <p:nvSpPr>
+          <p:cNvPr id="164" name="文本框 163">
+            <a:extLst>
+              <a:ext uri="{FF2B5EF4-FFF2-40B4-BE49-F238E27FC236}">
+                <a16:creationId xmlns:a16="http://schemas.microsoft.com/office/drawing/2014/main" id="{D21AD08A-D323-45AB-AC32-0B5200E1E367}"/>
+              </a:ext>
+            </a:extLst>
+          </p:cNvPr>
+          <p:cNvSpPr txBox="1"/>
+          <p:nvPr/>
+        </p:nvSpPr>
+        <p:spPr>
+          <a:xfrm>
+            <a:off x="4840143" y="5181700"/>
+            <a:ext cx="990780" cy="246221"/>
+          </a:xfrm>
+          <a:prstGeom prst="rect">
+            <a:avLst/>
+          </a:prstGeom>
+          <a:solidFill>
+            <a:schemeClr val="bg1"/>
+          </a:solidFill>
+        </p:spPr>
+        <p:txBody>
+          <a:bodyPr wrap="square" rtlCol="0">
+            <a:spAutoFit/>
+          </a:bodyPr>
+          <a:lstStyle/>
+          <a:p>
+            <a:pPr algn="ctr" defTabSz="914377"/>
+            <a:r>
+              <a:rPr lang="zh-CN" altLang="en-US" sz="1000" dirty="0">
+                <a:solidFill>
+                  <a:prstClr val="black"/>
+                </a:solidFill>
+                <a:latin typeface="Consolas" panose="020B0609020204030204" pitchFamily="49" charset="0"/>
+                <a:ea typeface="微软雅黑" panose="020B0503020204020204" pitchFamily="34" charset="-122"/>
+              </a:rPr>
+              <a:t>数据重新分布</a:t>
+            </a:r>
+            <a:endParaRPr lang="en-US" altLang="zh-CN" sz="1000" dirty="0">
+              <a:solidFill>
+                <a:prstClr val="black"/>
+              </a:solidFill>
+              <a:latin typeface="Consolas" panose="020B0609020204030204" pitchFamily="49" charset="0"/>
+              <a:ea typeface="微软雅黑" panose="020B0503020204020204" pitchFamily="34" charset="-122"/>
+            </a:endParaRPr>
+          </a:p>
+        </p:txBody>
+      </p:sp>
+      <p:cxnSp>
+        <p:nvCxnSpPr>
+          <p:cNvPr id="167" name="直接箭头连接符 166">
+            <a:extLst>
+              <a:ext uri="{FF2B5EF4-FFF2-40B4-BE49-F238E27FC236}">
+                <a16:creationId xmlns:a16="http://schemas.microsoft.com/office/drawing/2014/main" id="{A3F9BB6B-7945-4DEC-AF4E-424E50CAF2AD}"/>
+              </a:ext>
+            </a:extLst>
+          </p:cNvPr>
+          <p:cNvCxnSpPr>
+            <a:cxnSpLocks/>
+            <a:endCxn id="311" idx="1"/>
+          </p:cNvCxnSpPr>
+          <p:nvPr/>
+        </p:nvCxnSpPr>
+        <p:spPr bwMode="auto">
+          <a:xfrm flipH="1">
+            <a:off x="3028614" y="3666985"/>
+            <a:ext cx="520972" cy="1064952"/>
+          </a:xfrm>
+          <a:prstGeom prst="straightConnector1">
+            <a:avLst/>
+          </a:prstGeom>
+          <a:ln w="19050">
+            <a:solidFill>
+              <a:schemeClr val="accent1"/>
+            </a:solidFill>
+            <a:prstDash val="solid"/>
+            <a:headEnd type="none" w="med" len="med"/>
+            <a:tailEnd type="triangle" w="med" len="med"/>
+          </a:ln>
+          <a:effectLst>
+            <a:outerShdw blurRad="50800" dist="38100" dir="2700000" algn="tl" rotWithShape="0">
+              <a:prstClr val="black">
+                <a:alpha val="40000"/>
+              </a:prstClr>
+            </a:outerShdw>
+          </a:effectLst>
+        </p:spPr>
+        <p:style>
+          <a:lnRef idx="1">
+            <a:schemeClr val="accent1"/>
+          </a:lnRef>
+          <a:fillRef idx="0">
+            <a:schemeClr val="accent1"/>
+          </a:fillRef>
+          <a:effectRef idx="0">
+            <a:schemeClr val="accent1"/>
+          </a:effectRef>
+          <a:fontRef idx="minor">
+            <a:schemeClr val="tx1"/>
+          </a:fontRef>
+        </p:style>
+      </p:cxnSp>
+      <p:cxnSp>
+        <p:nvCxnSpPr>
+          <p:cNvPr id="170" name="直接箭头连接符 169">
+            <a:extLst>
+              <a:ext uri="{FF2B5EF4-FFF2-40B4-BE49-F238E27FC236}">
+                <a16:creationId xmlns:a16="http://schemas.microsoft.com/office/drawing/2014/main" id="{1131C557-5B82-4495-AB7C-3B835154E7A0}"/>
+              </a:ext>
+            </a:extLst>
+          </p:cNvPr>
+          <p:cNvCxnSpPr>
+            <a:cxnSpLocks/>
+            <a:endCxn id="18" idx="1"/>
+          </p:cNvCxnSpPr>
+          <p:nvPr/>
+        </p:nvCxnSpPr>
+        <p:spPr bwMode="auto">
+          <a:xfrm>
+            <a:off x="3578546" y="3656523"/>
+            <a:ext cx="552228" cy="1066837"/>
+          </a:xfrm>
+          <a:prstGeom prst="straightConnector1">
+            <a:avLst/>
+          </a:prstGeom>
+          <a:ln w="19050">
+            <a:solidFill>
+              <a:schemeClr val="accent1"/>
+            </a:solidFill>
+            <a:prstDash val="solid"/>
+            <a:headEnd type="none" w="med" len="med"/>
+            <a:tailEnd type="triangle" w="med" len="med"/>
+          </a:ln>
+          <a:effectLst>
+            <a:outerShdw blurRad="50800" dist="38100" dir="2700000" algn="tl" rotWithShape="0">
+              <a:prstClr val="black">
+                <a:alpha val="40000"/>
+              </a:prstClr>
+            </a:outerShdw>
+          </a:effectLst>
+        </p:spPr>
+        <p:style>
+          <a:lnRef idx="1">
+            <a:schemeClr val="accent1"/>
+          </a:lnRef>
+          <a:fillRef idx="0">
+            <a:schemeClr val="accent1"/>
+          </a:fillRef>
+          <a:effectRef idx="0">
+            <a:schemeClr val="accent1"/>
+          </a:effectRef>
+          <a:fontRef idx="minor">
+            <a:schemeClr val="tx1"/>
+          </a:fontRef>
+        </p:style>
+      </p:cxnSp>
     </p:spTree>
     <p:extLst>
       <p:ext uri="{BB962C8B-B14F-4D97-AF65-F5344CB8AC3E}">
@@ -12008,30 +12581,21 @@
                                   </p:childTnLst>
                                 </p:cTn>
                               </p:par>
-                            </p:childTnLst>
-                          </p:cTn>
-                        </p:par>
-                        <p:par>
-                          <p:cTn id="108" fill="hold">
-                            <p:stCondLst>
-                              <p:cond delay="19500"/>
-                            </p:stCondLst>
-                            <p:childTnLst>
-                              <p:par>
-                                <p:cTn id="109" presetID="10" presetClass="entr" presetSubtype="0" fill="hold" grpId="0" nodeType="afterEffect">
+                              <p:par>
+                                <p:cTn id="108" presetID="10" presetClass="entr" presetSubtype="0" fill="hold" nodeType="withEffect">
                                   <p:stCondLst>
                                     <p:cond delay="0"/>
                                   </p:stCondLst>
                                   <p:childTnLst>
                                     <p:set>
                                       <p:cBhvr>
-                                        <p:cTn id="110" dur="1" fill="hold">
+                                        <p:cTn id="109" dur="1" fill="hold">
                                           <p:stCondLst>
                                             <p:cond delay="0"/>
                                           </p:stCondLst>
                                         </p:cTn>
                                         <p:tgtEl>
-                                          <p:spTgt spid="230"/>
+                                          <p:spTgt spid="167"/>
                                         </p:tgtEl>
                                         <p:attrNameLst>
                                           <p:attrName>style.visibility</p:attrName>
@@ -12043,114 +12607,30 @@
                                     </p:set>
                                     <p:animEffect transition="in" filter="fade">
                                       <p:cBhvr>
-                                        <p:cTn id="111" dur="1000"/>
-                                        <p:tgtEl>
-                                          <p:spTgt spid="230"/>
+                                        <p:cTn id="110" dur="500"/>
+                                        <p:tgtEl>
+                                          <p:spTgt spid="167"/>
                                         </p:tgtEl>
                                       </p:cBhvr>
                                     </p:animEffect>
                                   </p:childTnLst>
                                 </p:cTn>
                               </p:par>
-                            </p:childTnLst>
-                          </p:cTn>
-                        </p:par>
-                        <p:par>
-                          <p:cTn id="112" fill="hold">
-                            <p:stCondLst>
-                              <p:cond delay="20500"/>
-                            </p:stCondLst>
-                            <p:childTnLst>
-                              <p:par>
-                                <p:cTn id="113" presetID="42" presetClass="path" presetSubtype="0" accel="50000" decel="50000" fill="hold" grpId="1" nodeType="afterEffect">
+                              <p:par>
+                                <p:cTn id="111" presetID="10" presetClass="entr" presetSubtype="0" fill="hold" nodeType="withEffect">
                                   <p:stCondLst>
                                     <p:cond delay="0"/>
                                   </p:stCondLst>
                                   <p:childTnLst>
-                                    <p:animMotion origin="layout" path="M 4.79167E-6 -2.59259E-6 L -0.24062 0.00046 " pathEditMode="relative" rAng="0" ptsTypes="AA">
-                                      <p:cBhvr>
-                                        <p:cTn id="114" dur="2000" fill="hold"/>
-                                        <p:tgtEl>
-                                          <p:spTgt spid="230"/>
-                                        </p:tgtEl>
-                                        <p:attrNameLst>
-                                          <p:attrName>ppt_x</p:attrName>
-                                          <p:attrName>ppt_y</p:attrName>
-                                        </p:attrNameLst>
-                                      </p:cBhvr>
-                                      <p:rCtr x="-11810" y="93"/>
-                                    </p:animMotion>
-                                  </p:childTnLst>
-                                </p:cTn>
-                              </p:par>
-                            </p:childTnLst>
-                          </p:cTn>
-                        </p:par>
-                        <p:par>
-                          <p:cTn id="115" fill="hold">
-                            <p:stCondLst>
-                              <p:cond delay="22500"/>
-                            </p:stCondLst>
-                            <p:childTnLst>
-                              <p:par>
-                                <p:cTn id="116" presetID="10" presetClass="exit" presetSubtype="0" fill="hold" grpId="2" nodeType="afterEffect">
-                                  <p:stCondLst>
-                                    <p:cond delay="0"/>
-                                  </p:stCondLst>
-                                  <p:childTnLst>
-                                    <p:animEffect transition="out" filter="fade">
-                                      <p:cBhvr>
-                                        <p:cTn id="117" dur="500"/>
-                                        <p:tgtEl>
-                                          <p:spTgt spid="230"/>
-                                        </p:tgtEl>
-                                      </p:cBhvr>
-                                    </p:animEffect>
                                     <p:set>
                                       <p:cBhvr>
-                                        <p:cTn id="118" dur="1" fill="hold">
-                                          <p:stCondLst>
-                                            <p:cond delay="499"/>
-                                          </p:stCondLst>
-                                        </p:cTn>
-                                        <p:tgtEl>
-                                          <p:spTgt spid="230"/>
-                                        </p:tgtEl>
-                                        <p:attrNameLst>
-                                          <p:attrName>style.visibility</p:attrName>
-                                        </p:attrNameLst>
-                                      </p:cBhvr>
-                                      <p:to>
-                                        <p:strVal val="hidden"/>
-                                      </p:to>
-                                    </p:set>
-                                  </p:childTnLst>
-                                </p:cTn>
-                              </p:par>
-                            </p:childTnLst>
-                          </p:cTn>
-                        </p:par>
-                        <p:par>
-                          <p:cTn id="119" fill="hold">
-                            <p:stCondLst>
-                              <p:cond delay="23000"/>
-                            </p:stCondLst>
-                            <p:childTnLst>
-                              <p:par>
-                                <p:cTn id="120" presetID="10" presetClass="entr" presetSubtype="0" fill="hold" grpId="0" nodeType="afterEffect">
-                                  <p:stCondLst>
-                                    <p:cond delay="0"/>
-                                  </p:stCondLst>
-                                  <p:childTnLst>
-                                    <p:set>
-                                      <p:cBhvr>
-                                        <p:cTn id="121" dur="1" fill="hold">
+                                        <p:cTn id="112" dur="1" fill="hold">
                                           <p:stCondLst>
                                             <p:cond delay="0"/>
                                           </p:stCondLst>
                                         </p:cTn>
                                         <p:tgtEl>
-                                          <p:spTgt spid="231"/>
+                                          <p:spTgt spid="170"/>
                                         </p:tgtEl>
                                         <p:attrNameLst>
                                           <p:attrName>style.visibility</p:attrName>
@@ -12162,9 +12642,9 @@
                                     </p:set>
                                     <p:animEffect transition="in" filter="fade">
                                       <p:cBhvr>
-                                        <p:cTn id="122" dur="1000"/>
-                                        <p:tgtEl>
-                                          <p:spTgt spid="231"/>
+                                        <p:cTn id="113" dur="500"/>
+                                        <p:tgtEl>
+                                          <p:spTgt spid="170"/>
                                         </p:tgtEl>
                                       </p:cBhvr>
                                     </p:animEffect>
@@ -12175,101 +12655,26 @@
                           </p:cTn>
                         </p:par>
                         <p:par>
-                          <p:cTn id="123" fill="hold">
+                          <p:cTn id="114" fill="hold">
                             <p:stCondLst>
-                              <p:cond delay="24000"/>
+                              <p:cond delay="19500"/>
                             </p:stCondLst>
                             <p:childTnLst>
                               <p:par>
-                                <p:cTn id="124" presetID="42" presetClass="path" presetSubtype="0" accel="50000" decel="50000" fill="hold" grpId="1" nodeType="afterEffect">
+                                <p:cTn id="115" presetID="10" presetClass="entr" presetSubtype="0" fill="hold" grpId="0" nodeType="afterEffect">
                                   <p:stCondLst>
                                     <p:cond delay="0"/>
                                   </p:stCondLst>
                                   <p:childTnLst>
-                                    <p:animMotion origin="layout" path="M 8.33333E-7 1.11111E-6 L 0.23789 -0.00023 " pathEditMode="relative" rAng="0" ptsTypes="AA">
-                                      <p:cBhvr>
-                                        <p:cTn id="125" dur="2000" fill="hold"/>
-                                        <p:tgtEl>
-                                          <p:spTgt spid="231"/>
-                                        </p:tgtEl>
-                                        <p:attrNameLst>
-                                          <p:attrName>ppt_x</p:attrName>
-                                          <p:attrName>ppt_y</p:attrName>
-                                        </p:attrNameLst>
-                                      </p:cBhvr>
-                                      <p:rCtr x="11888" y="-23"/>
-                                    </p:animMotion>
-                                  </p:childTnLst>
-                                </p:cTn>
-                              </p:par>
-                            </p:childTnLst>
-                          </p:cTn>
-                        </p:par>
-                        <p:par>
-                          <p:cTn id="126" fill="hold">
-                            <p:stCondLst>
-                              <p:cond delay="26000"/>
-                            </p:stCondLst>
-                            <p:childTnLst>
-                              <p:par>
-                                <p:cTn id="127" presetID="10" presetClass="exit" presetSubtype="0" fill="hold" grpId="2" nodeType="afterEffect">
-                                  <p:stCondLst>
-                                    <p:cond delay="0"/>
-                                  </p:stCondLst>
-                                  <p:childTnLst>
-                                    <p:animEffect transition="out" filter="fade">
-                                      <p:cBhvr>
-                                        <p:cTn id="128" dur="500"/>
-                                        <p:tgtEl>
-                                          <p:spTgt spid="231"/>
-                                        </p:tgtEl>
-                                      </p:cBhvr>
-                                    </p:animEffect>
                                     <p:set>
                                       <p:cBhvr>
-                                        <p:cTn id="129" dur="1" fill="hold">
-                                          <p:stCondLst>
-                                            <p:cond delay="499"/>
-                                          </p:stCondLst>
-                                        </p:cTn>
-                                        <p:tgtEl>
-                                          <p:spTgt spid="231"/>
-                                        </p:tgtEl>
-                                        <p:attrNameLst>
-                                          <p:attrName>style.visibility</p:attrName>
-                                        </p:attrNameLst>
-                                      </p:cBhvr>
-                                      <p:to>
-                                        <p:strVal val="hidden"/>
-                                      </p:to>
-                                    </p:set>
-                                  </p:childTnLst>
-                                </p:cTn>
-                              </p:par>
-                            </p:childTnLst>
-                          </p:cTn>
-                        </p:par>
-                        <p:par>
-                          <p:cTn id="130" fill="hold">
-                            <p:stCondLst>
-                              <p:cond delay="26500"/>
-                            </p:stCondLst>
-                            <p:childTnLst>
-                              <p:par>
-                                <p:cTn id="131" presetID="10" presetClass="entr" presetSubtype="0" fill="hold" grpId="0" nodeType="afterEffect">
-                                  <p:stCondLst>
-                                    <p:cond delay="0"/>
-                                  </p:stCondLst>
-                                  <p:childTnLst>
-                                    <p:set>
-                                      <p:cBhvr>
-                                        <p:cTn id="132" dur="1" fill="hold">
+                                        <p:cTn id="116" dur="1" fill="hold">
                                           <p:stCondLst>
                                             <p:cond delay="0"/>
                                           </p:stCondLst>
                                         </p:cTn>
                                         <p:tgtEl>
-                                          <p:spTgt spid="232"/>
+                                          <p:spTgt spid="230"/>
                                         </p:tgtEl>
                                         <p:attrNameLst>
                                           <p:attrName>style.visibility</p:attrName>
@@ -12281,30 +12686,114 @@
                                     </p:set>
                                     <p:animEffect transition="in" filter="fade">
                                       <p:cBhvr>
-                                        <p:cTn id="133" dur="1000"/>
-                                        <p:tgtEl>
-                                          <p:spTgt spid="232"/>
+                                        <p:cTn id="117" dur="1000"/>
+                                        <p:tgtEl>
+                                          <p:spTgt spid="230"/>
                                         </p:tgtEl>
                                       </p:cBhvr>
                                     </p:animEffect>
                                   </p:childTnLst>
                                 </p:cTn>
                               </p:par>
-                              <p:par>
-                                <p:cTn id="134" presetID="10" presetClass="entr" presetSubtype="0" fill="hold" grpId="0" nodeType="withEffect">
+                            </p:childTnLst>
+                          </p:cTn>
+                        </p:par>
+                        <p:par>
+                          <p:cTn id="118" fill="hold">
+                            <p:stCondLst>
+                              <p:cond delay="20500"/>
+                            </p:stCondLst>
+                            <p:childTnLst>
+                              <p:par>
+                                <p:cTn id="119" presetID="42" presetClass="path" presetSubtype="0" accel="50000" decel="50000" fill="hold" grpId="1" nodeType="afterEffect">
                                   <p:stCondLst>
                                     <p:cond delay="0"/>
                                   </p:stCondLst>
                                   <p:childTnLst>
+                                    <p:animMotion origin="layout" path="M 4.79167E-6 -2.59259E-6 L -0.24062 0.00046 " pathEditMode="relative" rAng="0" ptsTypes="AA">
+                                      <p:cBhvr>
+                                        <p:cTn id="120" dur="2000" fill="hold"/>
+                                        <p:tgtEl>
+                                          <p:spTgt spid="230"/>
+                                        </p:tgtEl>
+                                        <p:attrNameLst>
+                                          <p:attrName>ppt_x</p:attrName>
+                                          <p:attrName>ppt_y</p:attrName>
+                                        </p:attrNameLst>
+                                      </p:cBhvr>
+                                      <p:rCtr x="-11810" y="93"/>
+                                    </p:animMotion>
+                                  </p:childTnLst>
+                                </p:cTn>
+                              </p:par>
+                            </p:childTnLst>
+                          </p:cTn>
+                        </p:par>
+                        <p:par>
+                          <p:cTn id="121" fill="hold">
+                            <p:stCondLst>
+                              <p:cond delay="22500"/>
+                            </p:stCondLst>
+                            <p:childTnLst>
+                              <p:par>
+                                <p:cTn id="122" presetID="10" presetClass="exit" presetSubtype="0" fill="hold" grpId="2" nodeType="afterEffect">
+                                  <p:stCondLst>
+                                    <p:cond delay="0"/>
+                                  </p:stCondLst>
+                                  <p:childTnLst>
+                                    <p:animEffect transition="out" filter="fade">
+                                      <p:cBhvr>
+                                        <p:cTn id="123" dur="500"/>
+                                        <p:tgtEl>
+                                          <p:spTgt spid="230"/>
+                                        </p:tgtEl>
+                                      </p:cBhvr>
+                                    </p:animEffect>
                                     <p:set>
                                       <p:cBhvr>
-                                        <p:cTn id="135" dur="1" fill="hold">
+                                        <p:cTn id="124" dur="1" fill="hold">
+                                          <p:stCondLst>
+                                            <p:cond delay="499"/>
+                                          </p:stCondLst>
+                                        </p:cTn>
+                                        <p:tgtEl>
+                                          <p:spTgt spid="230"/>
+                                        </p:tgtEl>
+                                        <p:attrNameLst>
+                                          <p:attrName>style.visibility</p:attrName>
+                                        </p:attrNameLst>
+                                      </p:cBhvr>
+                                      <p:to>
+                                        <p:strVal val="hidden"/>
+                                      </p:to>
+                                    </p:set>
+                                  </p:childTnLst>
+                                </p:cTn>
+                              </p:par>
+                            </p:childTnLst>
+                          </p:cTn>
+                        </p:par>
+                        <p:par>
+                          <p:cTn id="125" fill="hold">
+                            <p:stCondLst>
+                              <p:cond delay="23000"/>
+                            </p:stCondLst>
+                            <p:childTnLst>
+                              <p:par>
+                                <p:cTn id="126" presetID="10" presetClass="entr" presetSubtype="0" fill="hold" grpId="0" nodeType="afterEffect">
+                                  <p:stCondLst>
+                                    <p:cond delay="0"/>
+                                  </p:stCondLst>
+                                  <p:childTnLst>
+                                    <p:set>
+                                      <p:cBhvr>
+                                        <p:cTn id="127" dur="1" fill="hold">
                                           <p:stCondLst>
                                             <p:cond delay="0"/>
                                           </p:stCondLst>
                                         </p:cTn>
                                         <p:tgtEl>
-                                          <p:spTgt spid="234"/>
+                                          <p:spTgt spid="231"/>
                                         </p:tgtEl>
                                         <p:attrNameLst>
                                           <p:attrName>style.visibility</p:attrName>
@@ -12316,17 +12805,101 @@
                                     </p:set>
                                     <p:animEffect transition="in" filter="fade">
                                       <p:cBhvr>
-                                        <p:cTn id="136" dur="1000"/>
-                                        <p:tgtEl>
-                                          <p:spTgt spid="234"/>
+                                        <p:cTn id="128" dur="1000"/>
+                                        <p:tgtEl>
+                                          <p:spTgt spid="231"/>
                                         </p:tgtEl>
                                       </p:cBhvr>
                                     </p:animEffect>
                                   </p:childTnLst>
                                 </p:cTn>
                               </p:par>
-                              <p:par>
-                                <p:cTn id="137" presetID="10" presetClass="entr" presetSubtype="0" fill="hold" grpId="0" nodeType="withEffect">
+                            </p:childTnLst>
+                          </p:cTn>
+                        </p:par>
+                        <p:par>
+                          <p:cTn id="129" fill="hold">
+                            <p:stCondLst>
+                              <p:cond delay="24000"/>
+                            </p:stCondLst>
+                            <p:childTnLst>
+                              <p:par>
+                                <p:cTn id="130" presetID="42" presetClass="path" presetSubtype="0" accel="50000" decel="50000" fill="hold" grpId="1" nodeType="afterEffect">
+                                  <p:stCondLst>
+                                    <p:cond delay="0"/>
+                                  </p:stCondLst>
+                                  <p:childTnLst>
+                                    <p:animMotion origin="layout" path="M 8.33333E-7 1.11111E-6 L 0.23789 -0.00023 " pathEditMode="relative" rAng="0" ptsTypes="AA">
+                                      <p:cBhvr>
+                                        <p:cTn id="131" dur="2000" fill="hold"/>
+                                        <p:tgtEl>
+                                          <p:spTgt spid="231"/>
+                                        </p:tgtEl>
+                                        <p:attrNameLst>
+                                          <p:attrName>ppt_x</p:attrName>
+                                          <p:attrName>ppt_y</p:attrName>
+                                        </p:attrNameLst>
+                                      </p:cBhvr>
+                                      <p:rCtr x="11888" y="-23"/>
+                                    </p:animMotion>
+                                  </p:childTnLst>
+                                </p:cTn>
+                              </p:par>
+                            </p:childTnLst>
+                          </p:cTn>
+                        </p:par>
+                        <p:par>
+                          <p:cTn id="132" fill="hold">
+                            <p:stCondLst>
+                              <p:cond delay="26000"/>
+                            </p:stCondLst>
+                            <p:childTnLst>
+                              <p:par>
+                                <p:cTn id="133" presetID="10" presetClass="exit" presetSubtype="0" fill="hold" grpId="2" nodeType="afterEffect">
+                                  <p:stCondLst>
+                                    <p:cond delay="0"/>
+                                  </p:stCondLst>
+                                  <p:childTnLst>
+                                    <p:animEffect transition="out" filter="fade">
+                                      <p:cBhvr>
+                                        <p:cTn id="134" dur="500"/>
+                                        <p:tgtEl>
+                                          <p:spTgt spid="231"/>
+                                        </p:tgtEl>
+                                      </p:cBhvr>
+                                    </p:animEffect>
+                                    <p:set>
+                                      <p:cBhvr>
+                                        <p:cTn id="135" dur="1" fill="hold">
+                                          <p:stCondLst>
+                                            <p:cond delay="499"/>
+                                          </p:stCondLst>
+                                        </p:cTn>
+                                        <p:tgtEl>
+                                          <p:spTgt spid="231"/>
+                                        </p:tgtEl>
+                                        <p:attrNameLst>
+                                          <p:attrName>style.visibility</p:attrName>
+                                        </p:attrNameLst>
+                                      </p:cBhvr>
+                                      <p:to>
+                                        <p:strVal val="hidden"/>
+                                      </p:to>
+                                    </p:set>
+                                  </p:childTnLst>
+                                </p:cTn>
+                              </p:par>
+                            </p:childTnLst>
+                          </p:cTn>
+                        </p:par>
+                        <p:par>
+                          <p:cTn id="136" fill="hold">
+                            <p:stCondLst>
+                              <p:cond delay="26500"/>
+                            </p:stCondLst>
+                            <p:childTnLst>
+                              <p:par>
+                                <p:cTn id="137" presetID="10" presetClass="entr" presetSubtype="0" fill="hold" grpId="0" nodeType="afterEffect">
                                   <p:stCondLst>
                                     <p:cond delay="0"/>
                                   </p:stCondLst>
@@ -12339,7 +12912,7 @@
                                           </p:stCondLst>
                                         </p:cTn>
                                         <p:tgtEl>
-                                          <p:spTgt spid="233"/>
+                                          <p:spTgt spid="232"/>
                                         </p:tgtEl>
                                         <p:attrNameLst>
                                           <p:attrName>style.visibility</p:attrName>
@@ -12353,7 +12926,7 @@
                                       <p:cBhvr>
                                         <p:cTn id="139" dur="1000"/>
                                         <p:tgtEl>
-                                          <p:spTgt spid="233"/>
+                                          <p:spTgt spid="232"/>
                                         </p:tgtEl>
                                       </p:cBhvr>
                                     </p:animEffect>
@@ -12374,7 +12947,7 @@
                                           </p:stCondLst>
                                         </p:cTn>
                                         <p:tgtEl>
-                                          <p:spTgt spid="235"/>
+                                          <p:spTgt spid="234"/>
                                         </p:tgtEl>
                                         <p:attrNameLst>
                                           <p:attrName>style.visibility</p:attrName>
@@ -12388,6 +12961,76 @@
                                       <p:cBhvr>
                                         <p:cTn id="142" dur="1000"/>
                                         <p:tgtEl>
+                                          <p:spTgt spid="234"/>
+                                        </p:tgtEl>
+                                      </p:cBhvr>
+                                    </p:animEffect>
+                                  </p:childTnLst>
+                                </p:cTn>
+                              </p:par>
+                              <p:par>
+                                <p:cTn id="143" presetID="10" presetClass="entr" presetSubtype="0" fill="hold" grpId="0" nodeType="withEffect">
+                                  <p:stCondLst>
+                                    <p:cond delay="0"/>
+                                  </p:stCondLst>
+                                  <p:childTnLst>
+                                    <p:set>
+                                      <p:cBhvr>
+                                        <p:cTn id="144" dur="1" fill="hold">
+                                          <p:stCondLst>
+                                            <p:cond delay="0"/>
+                                          </p:stCondLst>
+                                        </p:cTn>
+                                        <p:tgtEl>
+                                          <p:spTgt spid="233"/>
+                                        </p:tgtEl>
+                                        <p:attrNameLst>
+                                          <p:attrName>style.visibility</p:attrName>
+                                        </p:attrNameLst>
+                                      </p:cBhvr>
+                                      <p:to>
+                                        <p:strVal val="visible"/>
+                                      </p:to>
+                                    </p:set>
+                                    <p:animEffect transition="in" filter="fade">
+                                      <p:cBhvr>
+                                        <p:cTn id="145" dur="1000"/>
+                                        <p:tgtEl>
+                                          <p:spTgt spid="233"/>
+                                        </p:tgtEl>
+                                      </p:cBhvr>
+                                    </p:animEffect>
+                                  </p:childTnLst>
+                                </p:cTn>
+                              </p:par>
+                              <p:par>
+                                <p:cTn id="146" presetID="10" presetClass="entr" presetSubtype="0" fill="hold" grpId="0" nodeType="withEffect">
+                                  <p:stCondLst>
+                                    <p:cond delay="0"/>
+                                  </p:stCondLst>
+                                  <p:childTnLst>
+                                    <p:set>
+                                      <p:cBhvr>
+                                        <p:cTn id="147" dur="1" fill="hold">
+                                          <p:stCondLst>
+                                            <p:cond delay="0"/>
+                                          </p:stCondLst>
+                                        </p:cTn>
+                                        <p:tgtEl>
+                                          <p:spTgt spid="235"/>
+                                        </p:tgtEl>
+                                        <p:attrNameLst>
+                                          <p:attrName>style.visibility</p:attrName>
+                                        </p:attrNameLst>
+                                      </p:cBhvr>
+                                      <p:to>
+                                        <p:strVal val="visible"/>
+                                      </p:to>
+                                    </p:set>
+                                    <p:animEffect transition="in" filter="fade">
+                                      <p:cBhvr>
+                                        <p:cTn id="148" dur="1000"/>
+                                        <p:tgtEl>
                                           <p:spTgt spid="235"/>
                                         </p:tgtEl>
                                       </p:cBhvr>
@@ -12399,20 +13042,20 @@
                           </p:cTn>
                         </p:par>
                         <p:par>
-                          <p:cTn id="143" fill="hold">
+                          <p:cTn id="149" fill="hold">
                             <p:stCondLst>
                               <p:cond delay="27500"/>
                             </p:stCondLst>
                             <p:childTnLst>
                               <p:par>
-                                <p:cTn id="144" presetID="37" presetClass="path" presetSubtype="0" accel="50000" decel="50000" fill="hold" grpId="1" nodeType="afterEffect">
+                                <p:cTn id="150" presetID="37" presetClass="path" presetSubtype="0" accel="50000" decel="50000" fill="hold" grpId="1" nodeType="afterEffect">
                                   <p:stCondLst>
                                     <p:cond delay="0"/>
                                   </p:stCondLst>
                                   <p:childTnLst>
                                     <p:animMotion origin="layout" path="M 4.58333E-6 -2.96296E-6 L 0.05195 0.04005 C 0.06276 0.04908 0.0789 0.05394 0.09596 0.05394 C 0.11536 0.05394 0.13085 0.04908 0.14166 0.04005 L 0.19375 -2.96296E-6 " pathEditMode="relative" rAng="0" ptsTypes="AAAAA">
                                       <p:cBhvr>
-                                        <p:cTn id="145" dur="2000" fill="hold"/>
+                                        <p:cTn id="151" dur="2000" fill="hold"/>
                                         <p:tgtEl>
                                           <p:spTgt spid="233"/>
                                         </p:tgtEl>
@@ -12427,14 +13070,14 @@
                                 </p:cTn>
                               </p:par>
                               <p:par>
-                                <p:cTn id="146" presetID="44" presetClass="path" presetSubtype="0" accel="50000" decel="50000" fill="hold" grpId="1" nodeType="withEffect">
+                                <p:cTn id="152" presetID="44" presetClass="path" presetSubtype="0" accel="50000" decel="50000" fill="hold" grpId="1" nodeType="withEffect">
                                   <p:stCondLst>
                                     <p:cond delay="0"/>
                                   </p:stCondLst>
                                   <p:childTnLst>
                                     <p:animMotion origin="layout" path="M 8.33333E-7 -7.40741E-7 L 0.05026 -0.04005 C 0.06081 -0.04907 0.07656 -0.05393 0.09297 -0.05393 C 0.11185 -0.05393 0.12682 -0.04907 0.13737 -0.04005 L 0.18776 -7.40741E-7 " pathEditMode="relative" rAng="0" ptsTypes="AAAAA">
                                       <p:cBhvr>
-                                        <p:cTn id="147" dur="2000" fill="hold"/>
+                                        <p:cTn id="153" dur="2000" fill="hold"/>
                                         <p:tgtEl>
                                           <p:spTgt spid="232"/>
                                         </p:tgtEl>
@@ -12449,14 +13092,14 @@
                                 </p:cTn>
                               </p:par>
                               <p:par>
-                                <p:cTn id="148" presetID="44" presetClass="path" presetSubtype="0" accel="50000" decel="50000" fill="hold" grpId="1" nodeType="withEffect">
+                                <p:cTn id="154" presetID="44" presetClass="path" presetSubtype="0" accel="50000" decel="50000" fill="hold" grpId="1" nodeType="withEffect">
                                   <p:stCondLst>
                                     <p:cond delay="0"/>
                                   </p:stCondLst>
                                   <p:childTnLst>
                                     <p:animMotion origin="layout" path="M 1.04167E-6 3.7037E-7 L -0.05104 -0.04005 C -0.06172 -0.04907 -0.07761 -0.05394 -0.0944 -0.05394 C -0.11341 -0.05394 -0.12865 -0.04907 -0.13932 -0.04005 L -0.19024 3.7037E-7 " pathEditMode="relative" rAng="0" ptsTypes="AAAAA">
                                       <p:cBhvr>
-                                        <p:cTn id="149" dur="2000" fill="hold"/>
+                                        <p:cTn id="155" dur="2000" fill="hold"/>
                                         <p:tgtEl>
                                           <p:spTgt spid="234"/>
                                         </p:tgtEl>
@@ -12471,14 +13114,14 @@
                                 </p:cTn>
                               </p:par>
                               <p:par>
-                                <p:cTn id="150" presetID="37" presetClass="path" presetSubtype="0" accel="50000" decel="50000" fill="hold" grpId="1" nodeType="withEffect">
+                                <p:cTn id="156" presetID="37" presetClass="path" presetSubtype="0" accel="50000" decel="50000" fill="hold" grpId="1" nodeType="withEffect">
                                   <p:stCondLst>
                                     <p:cond delay="0"/>
                                   </p:stCondLst>
                                   <p:childTnLst>
                                     <p:animMotion origin="layout" path="M -6.25E-7 -2.59259E-6 L -0.05065 0.04005 C -0.0612 0.04908 -0.07695 0.05394 -0.09362 0.05394 C -0.1125 0.05394 -0.1276 0.04908 -0.13815 0.04005 L -0.18867 -2.59259E-6 " pathEditMode="relative" rAng="0" ptsTypes="AAAAA">
                                       <p:cBhvr>
-                                        <p:cTn id="151" dur="2000" fill="hold"/>
+                                        <p:cTn id="157" dur="2000" fill="hold"/>
                                         <p:tgtEl>
                                           <p:spTgt spid="235"/>
                                         </p:tgtEl>
@@ -12496,92 +13139,22 @@
                           </p:cTn>
                         </p:par>
                         <p:par>
-                          <p:cTn id="152" fill="hold">
+                          <p:cTn id="158" fill="hold">
                             <p:stCondLst>
                               <p:cond delay="29500"/>
                             </p:stCondLst>
                             <p:childTnLst>
                               <p:par>
-                                <p:cTn id="153" presetID="10" presetClass="exit" presetSubtype="0" fill="hold" grpId="2" nodeType="afterEffect">
+                                <p:cTn id="159" presetID="10" presetClass="exit" presetSubtype="0" fill="hold" grpId="2" nodeType="afterEffect">
                                   <p:stCondLst>
                                     <p:cond delay="0"/>
                                   </p:stCondLst>
                                   <p:childTnLst>
                                     <p:animEffect transition="out" filter="fade">
                                       <p:cBhvr>
-                                        <p:cTn id="154" dur="500"/>
+                                        <p:cTn id="160" dur="500"/>
                                         <p:tgtEl>
                                           <p:spTgt spid="233"/>
-                                        </p:tgtEl>
-                                      </p:cBhvr>
-                                    </p:animEffect>
-                                    <p:set>
-                                      <p:cBhvr>
-                                        <p:cTn id="155" dur="1" fill="hold">
-                                          <p:stCondLst>
-                                            <p:cond delay="499"/>
-                                          </p:stCondLst>
-                                        </p:cTn>
-                                        <p:tgtEl>
-                                          <p:spTgt spid="233"/>
-                                        </p:tgtEl>
-                                        <p:attrNameLst>
-                                          <p:attrName>style.visibility</p:attrName>
-                                        </p:attrNameLst>
-                                      </p:cBhvr>
-                                      <p:to>
-                                        <p:strVal val="hidden"/>
-                                      </p:to>
-                                    </p:set>
-                                  </p:childTnLst>
-                                </p:cTn>
-                              </p:par>
-                              <p:par>
-                                <p:cTn id="156" presetID="10" presetClass="exit" presetSubtype="0" fill="hold" grpId="2" nodeType="withEffect">
-                                  <p:stCondLst>
-                                    <p:cond delay="0"/>
-                                  </p:stCondLst>
-                                  <p:childTnLst>
-                                    <p:animEffect transition="out" filter="fade">
-                                      <p:cBhvr>
-                                        <p:cTn id="157" dur="500"/>
-                                        <p:tgtEl>
-                                          <p:spTgt spid="232"/>
-                                        </p:tgtEl>
-                                      </p:cBhvr>
-                                    </p:animEffect>
-                                    <p:set>
-                                      <p:cBhvr>
-                                        <p:cTn id="158" dur="1" fill="hold">
-                                          <p:stCondLst>
-                                            <p:cond delay="499"/>
-                                          </p:stCondLst>
-                                        </p:cTn>
-                                        <p:tgtEl>
-                                          <p:spTgt spid="232"/>
-                                        </p:tgtEl>
-                                        <p:attrNameLst>
-                                          <p:attrName>style.visibility</p:attrName>
-                                        </p:attrNameLst>
-                                      </p:cBhvr>
-                                      <p:to>
-                                        <p:strVal val="hidden"/>
-                                      </p:to>
-                                    </p:set>
-                                  </p:childTnLst>
-                                </p:cTn>
-                              </p:par>
-                              <p:par>
-                                <p:cTn id="159" presetID="10" presetClass="exit" presetSubtype="0" fill="hold" grpId="2" nodeType="withEffect">
-                                  <p:stCondLst>
-                                    <p:cond delay="0"/>
-                                  </p:stCondLst>
-                                  <p:childTnLst>
-                                    <p:animEffect transition="out" filter="fade">
-                                      <p:cBhvr>
-                                        <p:cTn id="160" dur="500"/>
-                                        <p:tgtEl>
-                                          <p:spTgt spid="234"/>
                                         </p:tgtEl>
                                       </p:cBhvr>
                                     </p:animEffect>
@@ -12593,7 +13166,7 @@
                                           </p:stCondLst>
                                         </p:cTn>
                                         <p:tgtEl>
-                                          <p:spTgt spid="234"/>
+                                          <p:spTgt spid="233"/>
                                         </p:tgtEl>
                                         <p:attrNameLst>
                                           <p:attrName>style.visibility</p:attrName>
@@ -12616,7 +13189,7 @@
                                       <p:cBhvr>
                                         <p:cTn id="163" dur="500"/>
                                         <p:tgtEl>
-                                          <p:spTgt spid="235"/>
+                                          <p:spTgt spid="232"/>
                                         </p:tgtEl>
                                       </p:cBhvr>
                                     </p:animEffect>
@@ -12628,7 +13201,7 @@
                                           </p:stCondLst>
                                         </p:cTn>
                                         <p:tgtEl>
-                                          <p:spTgt spid="235"/>
+                                          <p:spTgt spid="232"/>
                                         </p:tgtEl>
                                         <p:attrNameLst>
                                           <p:attrName>style.visibility</p:attrName>
@@ -12641,30 +13214,100 @@
                                   </p:childTnLst>
                                 </p:cTn>
                               </p:par>
+                              <p:par>
+                                <p:cTn id="165" presetID="10" presetClass="exit" presetSubtype="0" fill="hold" grpId="2" nodeType="withEffect">
+                                  <p:stCondLst>
+                                    <p:cond delay="0"/>
+                                  </p:stCondLst>
+                                  <p:childTnLst>
+                                    <p:animEffect transition="out" filter="fade">
+                                      <p:cBhvr>
+                                        <p:cTn id="166" dur="500"/>
+                                        <p:tgtEl>
+                                          <p:spTgt spid="234"/>
+                                        </p:tgtEl>
+                                      </p:cBhvr>
+                                    </p:animEffect>
+                                    <p:set>
+                                      <p:cBhvr>
+                                        <p:cTn id="167" dur="1" fill="hold">
+                                          <p:stCondLst>
+                                            <p:cond delay="499"/>
+                                          </p:stCondLst>
+                                        </p:cTn>
+                                        <p:tgtEl>
+                                          <p:spTgt spid="234"/>
+                                        </p:tgtEl>
+                                        <p:attrNameLst>
+                                          <p:attrName>style.visibility</p:attrName>
+                                        </p:attrNameLst>
+                                      </p:cBhvr>
+                                      <p:to>
+                                        <p:strVal val="hidden"/>
+                                      </p:to>
+                                    </p:set>
+                                  </p:childTnLst>
+                                </p:cTn>
+                              </p:par>
+                              <p:par>
+                                <p:cTn id="168" presetID="10" presetClass="exit" presetSubtype="0" fill="hold" grpId="2" nodeType="withEffect">
+                                  <p:stCondLst>
+                                    <p:cond delay="0"/>
+                                  </p:stCondLst>
+                                  <p:childTnLst>
+                                    <p:animEffect transition="out" filter="fade">
+                                      <p:cBhvr>
+                                        <p:cTn id="169" dur="500"/>
+                                        <p:tgtEl>
+                                          <p:spTgt spid="235"/>
+                                        </p:tgtEl>
+                                      </p:cBhvr>
+                                    </p:animEffect>
+                                    <p:set>
+                                      <p:cBhvr>
+                                        <p:cTn id="170" dur="1" fill="hold">
+                                          <p:stCondLst>
+                                            <p:cond delay="499"/>
+                                          </p:stCondLst>
+                                        </p:cTn>
+                                        <p:tgtEl>
+                                          <p:spTgt spid="235"/>
+                                        </p:tgtEl>
+                                        <p:attrNameLst>
+                                          <p:attrName>style.visibility</p:attrName>
+                                        </p:attrNameLst>
+                                      </p:cBhvr>
+                                      <p:to>
+                                        <p:strVal val="hidden"/>
+                                      </p:to>
+                                    </p:set>
+                                  </p:childTnLst>
+                                </p:cTn>
+                              </p:par>
                             </p:childTnLst>
                           </p:cTn>
                         </p:par>
                         <p:par>
-                          <p:cTn id="165" fill="hold">
+                          <p:cTn id="171" fill="hold">
                             <p:stCondLst>
                               <p:cond delay="30000"/>
                             </p:stCondLst>
                             <p:childTnLst>
                               <p:par>
-                                <p:cTn id="166" presetID="10" presetClass="entr" presetSubtype="0" fill="hold" grpId="0" nodeType="afterEffect">
-                                  <p:stCondLst>
-                                    <p:cond delay="500"/>
+                                <p:cTn id="172" presetID="10" presetClass="entr" presetSubtype="0" fill="hold" grpId="0" nodeType="afterEffect">
+                                  <p:stCondLst>
+                                    <p:cond delay="0"/>
                                   </p:stCondLst>
                                   <p:childTnLst>
                                     <p:set>
                                       <p:cBhvr>
-                                        <p:cTn id="167" dur="1" fill="hold">
+                                        <p:cTn id="173" dur="1" fill="hold">
                                           <p:stCondLst>
                                             <p:cond delay="0"/>
                                           </p:stCondLst>
                                         </p:cTn>
                                         <p:tgtEl>
-                                          <p:spTgt spid="246"/>
+                                          <p:spTgt spid="161"/>
                                         </p:tgtEl>
                                         <p:attrNameLst>
                                           <p:attrName>style.visibility</p:attrName>
@@ -12676,39 +13319,30 @@
                                     </p:set>
                                     <p:animEffect transition="in" filter="fade">
                                       <p:cBhvr>
-                                        <p:cTn id="168" dur="1000"/>
-                                        <p:tgtEl>
-                                          <p:spTgt spid="246"/>
+                                        <p:cTn id="174" dur="1000"/>
+                                        <p:tgtEl>
+                                          <p:spTgt spid="161"/>
                                         </p:tgtEl>
                                       </p:cBhvr>
                                     </p:animEffect>
                                   </p:childTnLst>
                                 </p:cTn>
                               </p:par>
-                            </p:childTnLst>
-                          </p:cTn>
-                        </p:par>
-                        <p:par>
-                          <p:cTn id="169" fill="hold">
-                            <p:stCondLst>
-                              <p:cond delay="31500"/>
-                            </p:stCondLst>
-                            <p:childTnLst>
-                              <p:par>
-                                <p:cTn id="170" presetID="10" presetClass="entr" presetSubtype="0" fill="hold" grpId="0" nodeType="afterEffect">
+                              <p:par>
+                                <p:cTn id="175" presetID="10" presetClass="entr" presetSubtype="0" fill="hold" grpId="0" nodeType="withEffect">
                                   <p:stCondLst>
                                     <p:cond delay="0"/>
                                   </p:stCondLst>
                                   <p:childTnLst>
                                     <p:set>
                                       <p:cBhvr>
-                                        <p:cTn id="171" dur="1" fill="hold">
+                                        <p:cTn id="176" dur="1" fill="hold">
                                           <p:stCondLst>
                                             <p:cond delay="0"/>
                                           </p:stCondLst>
                                         </p:cTn>
                                         <p:tgtEl>
-                                          <p:spTgt spid="251"/>
+                                          <p:spTgt spid="163"/>
                                         </p:tgtEl>
                                         <p:attrNameLst>
                                           <p:attrName>style.visibility</p:attrName>
@@ -12720,101 +13354,52 @@
                                     </p:set>
                                     <p:animEffect transition="in" filter="fade">
                                       <p:cBhvr>
-                                        <p:cTn id="172" dur="1000"/>
-                                        <p:tgtEl>
-                                          <p:spTgt spid="251"/>
+                                        <p:cTn id="177" dur="1000"/>
+                                        <p:tgtEl>
+                                          <p:spTgt spid="163"/>
                                         </p:tgtEl>
                                       </p:cBhvr>
                                     </p:animEffect>
                                   </p:childTnLst>
                                 </p:cTn>
                               </p:par>
-                            </p:childTnLst>
-                          </p:cTn>
-                        </p:par>
-                        <p:par>
-                          <p:cTn id="173" fill="hold">
-                            <p:stCondLst>
-                              <p:cond delay="32500"/>
-                            </p:stCondLst>
-                            <p:childTnLst>
-                              <p:par>
-                                <p:cTn id="174" presetID="0" presetClass="path" presetSubtype="0" accel="50000" decel="50000" fill="hold" grpId="1" nodeType="afterEffect">
+                              <p:par>
+                                <p:cTn id="178" presetID="10" presetClass="entr" presetSubtype="0" fill="hold" grpId="0" nodeType="withEffect">
                                   <p:stCondLst>
                                     <p:cond delay="0"/>
                                   </p:stCondLst>
                                   <p:childTnLst>
-                                    <p:animMotion origin="layout" path="M -0.00338 -0.01458 L -0.00417 0.14236 L 0.10755 0.27986 " pathEditMode="relative" rAng="0" ptsTypes="AAA">
-                                      <p:cBhvr>
-                                        <p:cTn id="175" dur="2000" fill="hold"/>
-                                        <p:tgtEl>
-                                          <p:spTgt spid="251"/>
-                                        </p:tgtEl>
-                                        <p:attrNameLst>
-                                          <p:attrName>ppt_x</p:attrName>
-                                          <p:attrName>ppt_y</p:attrName>
-                                        </p:attrNameLst>
-                                      </p:cBhvr>
-                                      <p:rCtr x="5508" y="14722"/>
-                                    </p:animMotion>
-                                  </p:childTnLst>
-                                </p:cTn>
-                              </p:par>
-                            </p:childTnLst>
-                          </p:cTn>
-                        </p:par>
-                        <p:par>
-                          <p:cTn id="176" fill="hold">
-                            <p:stCondLst>
-                              <p:cond delay="34500"/>
-                            </p:stCondLst>
-                            <p:childTnLst>
-                              <p:par>
-                                <p:cTn id="177" presetID="10" presetClass="exit" presetSubtype="0" fill="hold" grpId="2" nodeType="afterEffect">
-                                  <p:stCondLst>
-                                    <p:cond delay="0"/>
-                                  </p:stCondLst>
-                                  <p:childTnLst>
-                                    <p:animEffect transition="out" filter="fade">
-                                      <p:cBhvr>
-                                        <p:cTn id="178" dur="500"/>
-                                        <p:tgtEl>
-                                          <p:spTgt spid="251"/>
-                                        </p:tgtEl>
-                                      </p:cBhvr>
-                                    </p:animEffect>
                                     <p:set>
                                       <p:cBhvr>
                                         <p:cTn id="179" dur="1" fill="hold">
                                           <p:stCondLst>
-                                            <p:cond delay="499"/>
+                                            <p:cond delay="0"/>
                                           </p:stCondLst>
                                         </p:cTn>
                                         <p:tgtEl>
-                                          <p:spTgt spid="251"/>
+                                          <p:spTgt spid="162"/>
                                         </p:tgtEl>
                                         <p:attrNameLst>
                                           <p:attrName>style.visibility</p:attrName>
                                         </p:attrNameLst>
                                       </p:cBhvr>
                                       <p:to>
-                                        <p:strVal val="hidden"/>
+                                        <p:strVal val="visible"/>
                                       </p:to>
                                     </p:set>
-                                  </p:childTnLst>
-                                </p:cTn>
-                              </p:par>
-                            </p:childTnLst>
-                          </p:cTn>
-                        </p:par>
-                        <p:par>
-                          <p:cTn id="180" fill="hold">
-                            <p:stCondLst>
-                              <p:cond delay="35000"/>
-                            </p:stCondLst>
-                            <p:childTnLst>
-                              <p:par>
-                                <p:cTn id="181" presetID="10" presetClass="entr" presetSubtype="0" fill="hold" grpId="0" nodeType="afterEffect">
+                                    <p:animEffect transition="in" filter="fade">
+                                      <p:cBhvr>
+                                        <p:cTn id="180" dur="1000"/>
+                                        <p:tgtEl>
+                                          <p:spTgt spid="162"/>
+                                        </p:tgtEl>
+                                      </p:cBhvr>
+                                    </p:animEffect>
+                                  </p:childTnLst>
+                                </p:cTn>
+                              </p:par>
+                              <p:par>
+                                <p:cTn id="181" presetID="10" presetClass="entr" presetSubtype="0" fill="hold" grpId="0" nodeType="withEffect">
                                   <p:stCondLst>
                                     <p:cond delay="0"/>
                                   </p:stCondLst>
@@ -12827,7 +13412,7 @@
                                           </p:stCondLst>
                                         </p:cTn>
                                         <p:tgtEl>
-                                          <p:spTgt spid="257"/>
+                                          <p:spTgt spid="164"/>
                                         </p:tgtEl>
                                         <p:attrNameLst>
                                           <p:attrName>style.visibility</p:attrName>
@@ -12841,42 +13426,7 @@
                                       <p:cBhvr>
                                         <p:cTn id="183" dur="1000"/>
                                         <p:tgtEl>
-                                          <p:spTgt spid="257"/>
-                                        </p:tgtEl>
-                                      </p:cBhvr>
-                                    </p:animEffect>
-                                  </p:childTnLst>
-                                </p:cTn>
-                              </p:par>
-                              <p:par>
-                                <p:cTn id="184" presetID="10" presetClass="entr" presetSubtype="0" fill="hold" grpId="0" nodeType="withEffect">
-                                  <p:stCondLst>
-                                    <p:cond delay="0"/>
-                                  </p:stCondLst>
-                                  <p:childTnLst>
-                                    <p:set>
-                                      <p:cBhvr>
-                                        <p:cTn id="185" dur="1" fill="hold">
-                                          <p:stCondLst>
-                                            <p:cond delay="0"/>
-                                          </p:stCondLst>
-                                        </p:cTn>
-                                        <p:tgtEl>
-                                          <p:spTgt spid="259"/>
-                                        </p:tgtEl>
-                                        <p:attrNameLst>
-                                          <p:attrName>style.visibility</p:attrName>
-                                        </p:attrNameLst>
-                                      </p:cBhvr>
-                                      <p:to>
-                                        <p:strVal val="visible"/>
-                                      </p:to>
-                                    </p:set>
-                                    <p:animEffect transition="in" filter="fade">
-                                      <p:cBhvr>
-                                        <p:cTn id="186" dur="1000"/>
-                                        <p:tgtEl>
-                                          <p:spTgt spid="259"/>
+                                          <p:spTgt spid="164"/>
                                         </p:tgtEl>
                                       </p:cBhvr>
                                     </p:animEffect>
@@ -12887,51 +13437,95 @@
                           </p:cTn>
                         </p:par>
                         <p:par>
-                          <p:cTn id="187" fill="hold">
+                          <p:cTn id="184" fill="hold">
                             <p:stCondLst>
-                              <p:cond delay="36000"/>
+                              <p:cond delay="31000"/>
                             </p:stCondLst>
                             <p:childTnLst>
                               <p:par>
-                                <p:cTn id="188" presetID="42" presetClass="path" presetSubtype="0" accel="50000" decel="50000" fill="hold" grpId="1" nodeType="afterEffect">
+                                <p:cTn id="185" presetID="37" presetClass="path" presetSubtype="0" accel="50000" decel="50000" fill="hold" grpId="1" nodeType="afterEffect">
                                   <p:stCondLst>
                                     <p:cond delay="0"/>
                                   </p:stCondLst>
                                   <p:childTnLst>
-                                    <p:animMotion origin="layout" path="M -3.125E-6 -4.81481E-6 L -0.14179 0.20231 " pathEditMode="relative" rAng="0" ptsTypes="AA">
-                                      <p:cBhvr>
-                                        <p:cTn id="189" dur="2000" fill="hold"/>
-                                        <p:tgtEl>
-                                          <p:spTgt spid="257"/>
+                                    <p:animMotion origin="layout" path="M 4.58333E-6 -2.96296E-6 L 0.05195 0.04005 C 0.06276 0.04908 0.0789 0.05394 0.09596 0.05394 C 0.11536 0.05394 0.13085 0.04908 0.14166 0.04005 L 0.19375 -2.96296E-6 " pathEditMode="relative" rAng="0" ptsTypes="AAAAA">
+                                      <p:cBhvr>
+                                        <p:cTn id="186" dur="2000" fill="hold"/>
+                                        <p:tgtEl>
+                                          <p:spTgt spid="162"/>
                                         </p:tgtEl>
                                         <p:attrNameLst>
                                           <p:attrName>ppt_x</p:attrName>
                                           <p:attrName>ppt_y</p:attrName>
                                         </p:attrNameLst>
                                       </p:cBhvr>
-                                      <p:rCtr x="-7383" y="10046"/>
+                                      <p:rCtr x="9687" y="2685"/>
                                     </p:animMotion>
                                   </p:childTnLst>
                                 </p:cTn>
                               </p:par>
                               <p:par>
-                                <p:cTn id="190" presetID="42" presetClass="path" presetSubtype="0" accel="50000" decel="50000" fill="hold" grpId="1" nodeType="withEffect">
+                                <p:cTn id="187" presetID="44" presetClass="path" presetSubtype="0" accel="50000" decel="50000" fill="hold" grpId="1" nodeType="withEffect">
                                   <p:stCondLst>
                                     <p:cond delay="0"/>
                                   </p:stCondLst>
                                   <p:childTnLst>
-                                    <p:animMotion origin="layout" path="M 4.16667E-6 3.33333E-6 L 0.15716 0.20857 " pathEditMode="relative" rAng="0" ptsTypes="AA">
-                                      <p:cBhvr>
-                                        <p:cTn id="191" dur="2000" fill="hold"/>
-                                        <p:tgtEl>
-                                          <p:spTgt spid="259"/>
+                                    <p:animMotion origin="layout" path="M 8.33333E-7 -7.40741E-7 L 0.05026 -0.04005 C 0.06081 -0.04907 0.07656 -0.05393 0.09297 -0.05393 C 0.11185 -0.05393 0.12682 -0.04907 0.13737 -0.04005 L 0.18776 -7.40741E-7 " pathEditMode="relative" rAng="0" ptsTypes="AAAAA">
+                                      <p:cBhvr>
+                                        <p:cTn id="188" dur="2000" fill="hold"/>
+                                        <p:tgtEl>
+                                          <p:spTgt spid="161"/>
                                         </p:tgtEl>
                                         <p:attrNameLst>
                                           <p:attrName>ppt_x</p:attrName>
                                           <p:attrName>ppt_y</p:attrName>
                                         </p:attrNameLst>
                                       </p:cBhvr>
-                                      <p:rCtr x="7669" y="10301"/>
+                                      <p:rCtr x="9388" y="-2708"/>
+                                    </p:animMotion>
+                                  </p:childTnLst>
+                                </p:cTn>
+                              </p:par>
+                              <p:par>
+                                <p:cTn id="189" presetID="44" presetClass="path" presetSubtype="0" accel="50000" decel="50000" fill="hold" grpId="1" nodeType="withEffect">
+                                  <p:stCondLst>
+                                    <p:cond delay="0"/>
+                                  </p:stCondLst>
+                                  <p:childTnLst>
+                                    <p:animMotion origin="layout" path="M 2.5E-6 4.07407E-6 L -0.05104 -0.04005 C -0.06172 -0.04908 -0.07761 -0.05394 -0.0944 -0.05394 C -0.11341 -0.05394 -0.12865 -0.04908 -0.13933 -0.04005 L -0.19024 4.07407E-6 " pathEditMode="relative" rAng="0" ptsTypes="AAAAA">
+                                      <p:cBhvr>
+                                        <p:cTn id="190" dur="2000" fill="hold"/>
+                                        <p:tgtEl>
+                                          <p:spTgt spid="163"/>
+                                        </p:tgtEl>
+                                        <p:attrNameLst>
+                                          <p:attrName>ppt_x</p:attrName>
+                                          <p:attrName>ppt_y</p:attrName>
+                                        </p:attrNameLst>
+                                      </p:cBhvr>
+                                      <p:rCtr x="-9518" y="-2708"/>
+                                    </p:animMotion>
+                                  </p:childTnLst>
+                                </p:cTn>
+                              </p:par>
+                              <p:par>
+                                <p:cTn id="191" presetID="37" presetClass="path" presetSubtype="0" accel="50000" decel="50000" fill="hold" grpId="1" nodeType="withEffect">
+                                  <p:stCondLst>
+                                    <p:cond delay="0"/>
+                                  </p:stCondLst>
+                                  <p:childTnLst>
+                                    <p:animMotion origin="layout" path="M -6.25E-7 -2.59259E-6 L -0.05065 0.04005 C -0.0612 0.04908 -0.07695 0.05394 -0.09362 0.05394 C -0.1125 0.05394 -0.1276 0.04908 -0.13815 0.04005 L -0.18867 -2.59259E-6 " pathEditMode="relative" rAng="0" ptsTypes="AAAAA">
+                                      <p:cBhvr>
+                                        <p:cTn id="192" dur="2000" fill="hold"/>
+                                        <p:tgtEl>
+                                          <p:spTgt spid="164"/>
+                                        </p:tgtEl>
+                                        <p:attrNameLst>
+                                          <p:attrName>ppt_x</p:attrName>
+                                          <p:attrName>ppt_y</p:attrName>
+                                        </p:attrNameLst>
+                                      </p:cBhvr>
+                                      <p:rCtr x="-9440" y="2685"/>
                                     </p:animMotion>
                                   </p:childTnLst>
                                 </p:cTn>
@@ -12940,34 +13534,34 @@
                           </p:cTn>
                         </p:par>
                         <p:par>
-                          <p:cTn id="192" fill="hold">
+                          <p:cTn id="193" fill="hold">
                             <p:stCondLst>
-                              <p:cond delay="38000"/>
+                              <p:cond delay="33000"/>
                             </p:stCondLst>
                             <p:childTnLst>
                               <p:par>
-                                <p:cTn id="193" presetID="10" presetClass="exit" presetSubtype="0" fill="hold" grpId="2" nodeType="afterEffect">
+                                <p:cTn id="194" presetID="10" presetClass="exit" presetSubtype="0" fill="hold" grpId="2" nodeType="afterEffect">
                                   <p:stCondLst>
                                     <p:cond delay="0"/>
                                   </p:stCondLst>
                                   <p:childTnLst>
                                     <p:animEffect transition="out" filter="fade">
                                       <p:cBhvr>
-                                        <p:cTn id="194" dur="500"/>
-                                        <p:tgtEl>
-                                          <p:spTgt spid="257"/>
+                                        <p:cTn id="195" dur="500"/>
+                                        <p:tgtEl>
+                                          <p:spTgt spid="162"/>
                                         </p:tgtEl>
                                       </p:cBhvr>
                                     </p:animEffect>
                                     <p:set>
                                       <p:cBhvr>
-                                        <p:cTn id="195" dur="1" fill="hold">
+                                        <p:cTn id="196" dur="1" fill="hold">
                                           <p:stCondLst>
                                             <p:cond delay="499"/>
                                           </p:stCondLst>
                                         </p:cTn>
                                         <p:tgtEl>
-                                          <p:spTgt spid="257"/>
+                                          <p:spTgt spid="162"/>
                                         </p:tgtEl>
                                         <p:attrNameLst>
                                           <p:attrName>style.visibility</p:attrName>
@@ -12981,28 +13575,28 @@
                                 </p:cTn>
                               </p:par>
                               <p:par>
-                                <p:cTn id="196" presetID="10" presetClass="exit" presetSubtype="0" fill="hold" grpId="2" nodeType="withEffect">
+                                <p:cTn id="197" presetID="10" presetClass="exit" presetSubtype="0" fill="hold" grpId="2" nodeType="withEffect">
                                   <p:stCondLst>
                                     <p:cond delay="0"/>
                                   </p:stCondLst>
                                   <p:childTnLst>
                                     <p:animEffect transition="out" filter="fade">
                                       <p:cBhvr>
-                                        <p:cTn id="197" dur="500"/>
-                                        <p:tgtEl>
-                                          <p:spTgt spid="259"/>
+                                        <p:cTn id="198" dur="500"/>
+                                        <p:tgtEl>
+                                          <p:spTgt spid="161"/>
                                         </p:tgtEl>
                                       </p:cBhvr>
                                     </p:animEffect>
                                     <p:set>
                                       <p:cBhvr>
-                                        <p:cTn id="198" dur="1" fill="hold">
+                                        <p:cTn id="199" dur="1" fill="hold">
                                           <p:stCondLst>
                                             <p:cond delay="499"/>
                                           </p:stCondLst>
                                         </p:cTn>
                                         <p:tgtEl>
-                                          <p:spTgt spid="259"/>
+                                          <p:spTgt spid="161"/>
                                         </p:tgtEl>
                                         <p:attrNameLst>
                                           <p:attrName>style.visibility</p:attrName>
@@ -13015,82 +13609,73 @@
                                   </p:childTnLst>
                                 </p:cTn>
                               </p:par>
-                            </p:childTnLst>
-                          </p:cTn>
-                        </p:par>
-                        <p:par>
-                          <p:cTn id="199" fill="hold">
-                            <p:stCondLst>
-                              <p:cond delay="38500"/>
-                            </p:stCondLst>
-                            <p:childTnLst>
-                              <p:par>
-                                <p:cTn id="200" presetID="10" presetClass="entr" presetSubtype="0" fill="hold" grpId="0" nodeType="afterEffect">
+                              <p:par>
+                                <p:cTn id="200" presetID="10" presetClass="exit" presetSubtype="0" fill="hold" grpId="2" nodeType="withEffect">
                                   <p:stCondLst>
                                     <p:cond delay="0"/>
                                   </p:stCondLst>
                                   <p:childTnLst>
+                                    <p:animEffect transition="out" filter="fade">
+                                      <p:cBhvr>
+                                        <p:cTn id="201" dur="500"/>
+                                        <p:tgtEl>
+                                          <p:spTgt spid="163"/>
+                                        </p:tgtEl>
+                                      </p:cBhvr>
+                                    </p:animEffect>
                                     <p:set>
                                       <p:cBhvr>
-                                        <p:cTn id="201" dur="1" fill="hold">
+                                        <p:cTn id="202" dur="1" fill="hold">
                                           <p:stCondLst>
-                                            <p:cond delay="0"/>
+                                            <p:cond delay="499"/>
                                           </p:stCondLst>
                                         </p:cTn>
                                         <p:tgtEl>
-                                          <p:spTgt spid="260"/>
+                                          <p:spTgt spid="163"/>
                                         </p:tgtEl>
                                         <p:attrNameLst>
                                           <p:attrName>style.visibility</p:attrName>
                                         </p:attrNameLst>
                                       </p:cBhvr>
                                       <p:to>
-                                        <p:strVal val="visible"/>
+                                        <p:strVal val="hidden"/>
                                       </p:to>
                                     </p:set>
-                                    <p:animEffect transition="in" filter="fade">
-                                      <p:cBhvr>
-                                        <p:cTn id="202" dur="1000"/>
-                                        <p:tgtEl>
-                                          <p:spTgt spid="260"/>
+                                  </p:childTnLst>
+                                </p:cTn>
+                              </p:par>
+                              <p:par>
+                                <p:cTn id="203" presetID="10" presetClass="exit" presetSubtype="0" fill="hold" grpId="2" nodeType="withEffect">
+                                  <p:stCondLst>
+                                    <p:cond delay="0"/>
+                                  </p:stCondLst>
+                                  <p:childTnLst>
+                                    <p:animEffect transition="out" filter="fade">
+                                      <p:cBhvr>
+                                        <p:cTn id="204" dur="500"/>
+                                        <p:tgtEl>
+                                          <p:spTgt spid="164"/>
                                         </p:tgtEl>
                                       </p:cBhvr>
                                     </p:animEffect>
-                                  </p:childTnLst>
-                                </p:cTn>
-                              </p:par>
-                              <p:par>
-                                <p:cTn id="203" presetID="10" presetClass="entr" presetSubtype="0" fill="hold" grpId="0" nodeType="withEffect">
-                                  <p:stCondLst>
-                                    <p:cond delay="0"/>
-                                  </p:stCondLst>
-                                  <p:childTnLst>
                                     <p:set>
                                       <p:cBhvr>
-                                        <p:cTn id="204" dur="1" fill="hold">
+                                        <p:cTn id="205" dur="1" fill="hold">
                                           <p:stCondLst>
-                                            <p:cond delay="0"/>
+                                            <p:cond delay="499"/>
                                           </p:stCondLst>
                                         </p:cTn>
                                         <p:tgtEl>
-                                          <p:spTgt spid="261"/>
+                                          <p:spTgt spid="164"/>
                                         </p:tgtEl>
                                         <p:attrNameLst>
                                           <p:attrName>style.visibility</p:attrName>
                                         </p:attrNameLst>
                                       </p:cBhvr>
                                       <p:to>
-                                        <p:strVal val="visible"/>
+                                        <p:strVal val="hidden"/>
                                       </p:to>
                                     </p:set>
-                                    <p:animEffect transition="in" filter="fade">
-                                      <p:cBhvr>
-                                        <p:cTn id="205" dur="1000"/>
-                                        <p:tgtEl>
-                                          <p:spTgt spid="261"/>
-                                        </p:tgtEl>
-                                      </p:cBhvr>
-                                    </p:animEffect>
                                   </p:childTnLst>
                                 </p:cTn>
                               </p:par>
@@ -13100,156 +13685,24 @@
                         <p:par>
                           <p:cTn id="206" fill="hold">
                             <p:stCondLst>
-                              <p:cond delay="39500"/>
+                              <p:cond delay="33500"/>
                             </p:stCondLst>
                             <p:childTnLst>
                               <p:par>
-                                <p:cTn id="207" presetID="42" presetClass="path" presetSubtype="0" accel="50000" decel="50000" fill="hold" grpId="1" nodeType="afterEffect">
-                                  <p:stCondLst>
-                                    <p:cond delay="0"/>
-                                  </p:stCondLst>
-                                  <p:childTnLst>
-                                    <p:animMotion origin="layout" path="M 3.75E-6 3.7037E-7 L 0.14675 -0.20972 " pathEditMode="relative" rAng="0" ptsTypes="AA">
-                                      <p:cBhvr>
-                                        <p:cTn id="208" dur="2000" fill="hold"/>
-                                        <p:tgtEl>
-                                          <p:spTgt spid="260"/>
-                                        </p:tgtEl>
-                                        <p:attrNameLst>
-                                          <p:attrName>ppt_x</p:attrName>
-                                          <p:attrName>ppt_y</p:attrName>
-                                        </p:attrNameLst>
-                                      </p:cBhvr>
-                                      <p:rCtr x="7214" y="-10694"/>
-                                    </p:animMotion>
-                                  </p:childTnLst>
-                                </p:cTn>
-                              </p:par>
-                              <p:par>
-                                <p:cTn id="209" presetID="42" presetClass="path" presetSubtype="0" accel="50000" decel="50000" fill="hold" grpId="1" nodeType="withEffect">
-                                  <p:stCondLst>
-                                    <p:cond delay="0"/>
-                                  </p:stCondLst>
-                                  <p:childTnLst>
-                                    <p:animMotion origin="layout" path="M 2.70833E-6 -1.48148E-6 L -0.1414 -0.20532 " pathEditMode="relative" rAng="0" ptsTypes="AA">
-                                      <p:cBhvr>
-                                        <p:cTn id="210" dur="2000" fill="hold"/>
-                                        <p:tgtEl>
-                                          <p:spTgt spid="261"/>
-                                        </p:tgtEl>
-                                        <p:attrNameLst>
-                                          <p:attrName>ppt_x</p:attrName>
-                                          <p:attrName>ppt_y</p:attrName>
-                                        </p:attrNameLst>
-                                      </p:cBhvr>
-                                      <p:rCtr x="-7552" y="-10046"/>
-                                    </p:animMotion>
-                                  </p:childTnLst>
-                                </p:cTn>
-                              </p:par>
-                            </p:childTnLst>
-                          </p:cTn>
-                        </p:par>
-                        <p:par>
-                          <p:cTn id="211" fill="hold">
-                            <p:stCondLst>
-                              <p:cond delay="41500"/>
-                            </p:stCondLst>
-                            <p:childTnLst>
-                              <p:par>
-                                <p:cTn id="212" presetID="10" presetClass="exit" presetSubtype="0" fill="hold" grpId="2" nodeType="afterEffect">
-                                  <p:stCondLst>
-                                    <p:cond delay="0"/>
-                                  </p:stCondLst>
-                                  <p:childTnLst>
-                                    <p:animEffect transition="out" filter="fade">
-                                      <p:cBhvr>
-                                        <p:cTn id="213" dur="500"/>
-                                        <p:tgtEl>
-                                          <p:spTgt spid="260"/>
-                                        </p:tgtEl>
-                                      </p:cBhvr>
-                                    </p:animEffect>
+                                <p:cTn id="207" presetID="10" presetClass="entr" presetSubtype="0" fill="hold" grpId="0" nodeType="afterEffect">
+                                  <p:stCondLst>
+                                    <p:cond delay="500"/>
+                                  </p:stCondLst>
+                                  <p:childTnLst>
                                     <p:set>
                                       <p:cBhvr>
-                                        <p:cTn id="214" dur="1" fill="hold">
-                                          <p:stCondLst>
-                                            <p:cond delay="499"/>
-                                          </p:stCondLst>
-                                        </p:cTn>
-                                        <p:tgtEl>
-                                          <p:spTgt spid="260"/>
-                                        </p:tgtEl>
-                                        <p:attrNameLst>
-                                          <p:attrName>style.visibility</p:attrName>
-                                        </p:attrNameLst>
-                                      </p:cBhvr>
-                                      <p:to>
-                                        <p:strVal val="hidden"/>
-                                      </p:to>
-                                    </p:set>
-                                  </p:childTnLst>
-                                </p:cTn>
-                              </p:par>
-                              <p:par>
-                                <p:cTn id="215" presetID="10" presetClass="exit" presetSubtype="0" fill="hold" grpId="2" nodeType="withEffect">
-                                  <p:stCondLst>
-                                    <p:cond delay="0"/>
-                                  </p:stCondLst>
-                                  <p:childTnLst>
-                                    <p:animEffect transition="out" filter="fade">
-                                      <p:cBhvr>
-                                        <p:cTn id="216" dur="500"/>
-                                        <p:tgtEl>
-                                          <p:spTgt spid="261"/>
-                                        </p:tgtEl>
-                                      </p:cBhvr>
-                                    </p:animEffect>
-                                    <p:set>
-                                      <p:cBhvr>
-                                        <p:cTn id="217" dur="1" fill="hold">
-                                          <p:stCondLst>
-                                            <p:cond delay="499"/>
-                                          </p:stCondLst>
-                                        </p:cTn>
-                                        <p:tgtEl>
-                                          <p:spTgt spid="261"/>
-                                        </p:tgtEl>
-                                        <p:attrNameLst>
-                                          <p:attrName>style.visibility</p:attrName>
-                                        </p:attrNameLst>
-                                      </p:cBhvr>
-                                      <p:to>
-                                        <p:strVal val="hidden"/>
-                                      </p:to>
-                                    </p:set>
-                                  </p:childTnLst>
-                                </p:cTn>
-                              </p:par>
-                            </p:childTnLst>
-                          </p:cTn>
-                        </p:par>
-                        <p:par>
-                          <p:cTn id="218" fill="hold">
-                            <p:stCondLst>
-                              <p:cond delay="42000"/>
-                            </p:stCondLst>
-                            <p:childTnLst>
-                              <p:par>
-                                <p:cTn id="219" presetID="10" presetClass="entr" presetSubtype="0" fill="hold" grpId="0" nodeType="afterEffect">
-                                  <p:stCondLst>
-                                    <p:cond delay="0"/>
-                                  </p:stCondLst>
-                                  <p:childTnLst>
-                                    <p:set>
-                                      <p:cBhvr>
-                                        <p:cTn id="220" dur="1" fill="hold">
+                                        <p:cTn id="208" dur="1" fill="hold">
                                           <p:stCondLst>
                                             <p:cond delay="0"/>
                                           </p:stCondLst>
                                         </p:cTn>
                                         <p:tgtEl>
-                                          <p:spTgt spid="382"/>
+                                          <p:spTgt spid="246"/>
                                         </p:tgtEl>
                                         <p:attrNameLst>
                                           <p:attrName>style.visibility</p:attrName>
@@ -13261,9 +13714,9 @@
                                     </p:set>
                                     <p:animEffect transition="in" filter="fade">
                                       <p:cBhvr>
-                                        <p:cTn id="221" dur="1000"/>
-                                        <p:tgtEl>
-                                          <p:spTgt spid="382"/>
+                                        <p:cTn id="209" dur="1000"/>
+                                        <p:tgtEl>
+                                          <p:spTgt spid="246"/>
                                         </p:tgtEl>
                                       </p:cBhvr>
                                     </p:animEffect>
@@ -13274,29 +13727,43 @@
                           </p:cTn>
                         </p:par>
                         <p:par>
-                          <p:cTn id="222" fill="hold">
+                          <p:cTn id="210" fill="hold">
                             <p:stCondLst>
-                              <p:cond delay="43000"/>
+                              <p:cond delay="35000"/>
                             </p:stCondLst>
                             <p:childTnLst>
                               <p:par>
-                                <p:cTn id="223" presetID="0" presetClass="path" presetSubtype="0" accel="50000" decel="50000" fill="hold" grpId="1" nodeType="afterEffect">
+                                <p:cTn id="211" presetID="10" presetClass="entr" presetSubtype="0" fill="hold" grpId="0" nodeType="afterEffect">
                                   <p:stCondLst>
                                     <p:cond delay="0"/>
                                   </p:stCondLst>
                                   <p:childTnLst>
-                                    <p:animMotion origin="layout" path="M -0.0069 0.00417 L -0.12408 -0.12916 L -0.12487 -0.27639 " pathEditMode="relative" ptsTypes="AAA">
-                                      <p:cBhvr>
-                                        <p:cTn id="224" dur="2000" fill="hold"/>
-                                        <p:tgtEl>
-                                          <p:spTgt spid="382"/>
-                                        </p:tgtEl>
-                                        <p:attrNameLst>
-                                          <p:attrName>ppt_x</p:attrName>
-                                          <p:attrName>ppt_y</p:attrName>
-                                        </p:attrNameLst>
-                                      </p:cBhvr>
-                                    </p:animMotion>
+                                    <p:set>
+                                      <p:cBhvr>
+                                        <p:cTn id="212" dur="1" fill="hold">
+                                          <p:stCondLst>
+                                            <p:cond delay="0"/>
+                                          </p:stCondLst>
+                                        </p:cTn>
+                                        <p:tgtEl>
+                                          <p:spTgt spid="251"/>
+                                        </p:tgtEl>
+                                        <p:attrNameLst>
+                                          <p:attrName>style.visibility</p:attrName>
+                                        </p:attrNameLst>
+                                      </p:cBhvr>
+                                      <p:to>
+                                        <p:strVal val="visible"/>
+                                      </p:to>
+                                    </p:set>
+                                    <p:animEffect transition="in" filter="fade">
+                                      <p:cBhvr>
+                                        <p:cTn id="213" dur="1000"/>
+                                        <p:tgtEl>
+                                          <p:spTgt spid="251"/>
+                                        </p:tgtEl>
+                                      </p:cBhvr>
+                                    </p:animEffect>
                                   </p:childTnLst>
                                 </p:cTn>
                               </p:par>
@@ -13304,34 +13771,65 @@
                           </p:cTn>
                         </p:par>
                         <p:par>
-                          <p:cTn id="225" fill="hold">
+                          <p:cTn id="214" fill="hold">
                             <p:stCondLst>
-                              <p:cond delay="45000"/>
+                              <p:cond delay="36000"/>
                             </p:stCondLst>
                             <p:childTnLst>
                               <p:par>
-                                <p:cTn id="226" presetID="10" presetClass="exit" presetSubtype="0" fill="hold" grpId="2" nodeType="afterEffect">
+                                <p:cTn id="215" presetID="0" presetClass="path" presetSubtype="0" accel="50000" decel="50000" fill="hold" grpId="1" nodeType="afterEffect">
                                   <p:stCondLst>
                                     <p:cond delay="0"/>
                                   </p:stCondLst>
                                   <p:childTnLst>
+                                    <p:animMotion origin="layout" path="M -0.00338 -0.01458 L -0.00417 0.14236 L 0.10755 0.27986 " pathEditMode="relative" rAng="0" ptsTypes="AAA">
+                                      <p:cBhvr>
+                                        <p:cTn id="216" dur="2000" fill="hold"/>
+                                        <p:tgtEl>
+                                          <p:spTgt spid="251"/>
+                                        </p:tgtEl>
+                                        <p:attrNameLst>
+                                          <p:attrName>ppt_x</p:attrName>
+                                          <p:attrName>ppt_y</p:attrName>
+                                        </p:attrNameLst>
+                                      </p:cBhvr>
+                                      <p:rCtr x="5508" y="14722"/>
+                                    </p:animMotion>
+                                  </p:childTnLst>
+                                </p:cTn>
+                              </p:par>
+                            </p:childTnLst>
+                          </p:cTn>
+                        </p:par>
+                        <p:par>
+                          <p:cTn id="217" fill="hold">
+                            <p:stCondLst>
+                              <p:cond delay="38000"/>
+                            </p:stCondLst>
+                            <p:childTnLst>
+                              <p:par>
+                                <p:cTn id="218" presetID="10" presetClass="exit" presetSubtype="0" fill="hold" grpId="2" nodeType="afterEffect">
+                                  <p:stCondLst>
+                                    <p:cond delay="0"/>
+                                  </p:stCondLst>
+                                  <p:childTnLst>
                                     <p:animEffect transition="out" filter="fade">
                                       <p:cBhvr>
-                                        <p:cTn id="227" dur="500"/>
-                                        <p:tgtEl>
-                                          <p:spTgt spid="382"/>
+                                        <p:cTn id="219" dur="500"/>
+                                        <p:tgtEl>
+                                          <p:spTgt spid="251"/>
                                         </p:tgtEl>
                                       </p:cBhvr>
                                     </p:animEffect>
                                     <p:set>
                                       <p:cBhvr>
-                                        <p:cTn id="228" dur="1" fill="hold">
+                                        <p:cTn id="220" dur="1" fill="hold">
                                           <p:stCondLst>
                                             <p:cond delay="499"/>
                                           </p:stCondLst>
                                         </p:cTn>
                                         <p:tgtEl>
-                                          <p:spTgt spid="382"/>
+                                          <p:spTgt spid="251"/>
                                         </p:tgtEl>
                                         <p:attrNameLst>
                                           <p:attrName>style.visibility</p:attrName>
@@ -13348,43 +13846,131 @@
                           </p:cTn>
                         </p:par>
                         <p:par>
-                          <p:cTn id="229" fill="hold">
+                          <p:cTn id="221" fill="hold">
                             <p:stCondLst>
-                              <p:cond delay="45500"/>
+                              <p:cond delay="38500"/>
                             </p:stCondLst>
                             <p:childTnLst>
                               <p:par>
-                                <p:cTn id="230" presetID="10" presetClass="exit" presetSubtype="0" fill="hold" grpId="1" nodeType="afterEffect">
+                                <p:cTn id="222" presetID="10" presetClass="entr" presetSubtype="0" fill="hold" grpId="0" nodeType="afterEffect">
                                   <p:stCondLst>
                                     <p:cond delay="0"/>
                                   </p:stCondLst>
                                   <p:childTnLst>
-                                    <p:animEffect transition="out" filter="fade">
-                                      <p:cBhvr>
-                                        <p:cTn id="231" dur="500"/>
-                                        <p:tgtEl>
-                                          <p:spTgt spid="246"/>
-                                        </p:tgtEl>
-                                      </p:cBhvr>
-                                    </p:animEffect>
                                     <p:set>
                                       <p:cBhvr>
-                                        <p:cTn id="232" dur="1" fill="hold">
+                                        <p:cTn id="223" dur="1" fill="hold">
                                           <p:stCondLst>
-                                            <p:cond delay="499"/>
+                                            <p:cond delay="0"/>
                                           </p:stCondLst>
                                         </p:cTn>
                                         <p:tgtEl>
-                                          <p:spTgt spid="246"/>
+                                          <p:spTgt spid="257"/>
                                         </p:tgtEl>
                                         <p:attrNameLst>
                                           <p:attrName>style.visibility</p:attrName>
                                         </p:attrNameLst>
                                       </p:cBhvr>
                                       <p:to>
-                                        <p:strVal val="hidden"/>
+                                        <p:strVal val="visible"/>
                                       </p:to>
                                     </p:set>
+                                    <p:animEffect transition="in" filter="fade">
+                                      <p:cBhvr>
+                                        <p:cTn id="224" dur="1000"/>
+                                        <p:tgtEl>
+                                          <p:spTgt spid="257"/>
+                                        </p:tgtEl>
+                                      </p:cBhvr>
+                                    </p:animEffect>
+                                  </p:childTnLst>
+                                </p:cTn>
+                              </p:par>
+                              <p:par>
+                                <p:cTn id="225" presetID="10" presetClass="entr" presetSubtype="0" fill="hold" grpId="0" nodeType="withEffect">
+                                  <p:stCondLst>
+                                    <p:cond delay="0"/>
+                                  </p:stCondLst>
+                                  <p:childTnLst>
+                                    <p:set>
+                                      <p:cBhvr>
+                                        <p:cTn id="226" dur="1" fill="hold">
+                                          <p:stCondLst>
+                                            <p:cond delay="0"/>
+                                          </p:stCondLst>
+                                        </p:cTn>
+                                        <p:tgtEl>
+                                          <p:spTgt spid="259"/>
+                                        </p:tgtEl>
+                                        <p:attrNameLst>
+                                          <p:attrName>style.visibility</p:attrName>
+                                        </p:attrNameLst>
+                                      </p:cBhvr>
+                                      <p:to>
+                                        <p:strVal val="visible"/>
+                                      </p:to>
+                                    </p:set>
+                                    <p:animEffect transition="in" filter="fade">
+                                      <p:cBhvr>
+                                        <p:cTn id="227" dur="1000"/>
+                                        <p:tgtEl>
+                                          <p:spTgt spid="259"/>
+                                        </p:tgtEl>
+                                      </p:cBhvr>
+                                    </p:animEffect>
+                                  </p:childTnLst>
+                                </p:cTn>
+                              </p:par>
+                            </p:childTnLst>
+                          </p:cTn>
+                        </p:par>
+                        <p:par>
+                          <p:cTn id="228" fill="hold">
+                            <p:stCondLst>
+                              <p:cond delay="39500"/>
+                            </p:stCondLst>
+                            <p:childTnLst>
+                              <p:par>
+                                <p:cTn id="229" presetID="42" presetClass="path" presetSubtype="0" accel="50000" decel="50000" fill="hold" grpId="1" nodeType="afterEffect">
+                                  <p:stCondLst>
+                                    <p:cond delay="0"/>
+                                  </p:stCondLst>
+                                  <p:childTnLst>
+                                    <p:animMotion origin="layout" path="M -3.125E-6 -4.81481E-6 L -0.14179 0.20231 " pathEditMode="relative" rAng="0" ptsTypes="AA">
+                                      <p:cBhvr>
+                                        <p:cTn id="230" dur="2000" fill="hold"/>
+                                        <p:tgtEl>
+                                          <p:spTgt spid="257"/>
+                                        </p:tgtEl>
+                                        <p:attrNameLst>
+                                          <p:attrName>ppt_x</p:attrName>
+                                          <p:attrName>ppt_y</p:attrName>
+                                        </p:attrNameLst>
+                                      </p:cBhvr>
+                                      <p:rCtr x="-7383" y="10046"/>
+                                    </p:animMotion>
+                                  </p:childTnLst>
+                                </p:cTn>
+                              </p:par>
+                              <p:par>
+                                <p:cTn id="231" presetID="42" presetClass="path" presetSubtype="0" accel="50000" decel="50000" fill="hold" grpId="1" nodeType="withEffect">
+                                  <p:stCondLst>
+                                    <p:cond delay="0"/>
+                                  </p:stCondLst>
+                                  <p:childTnLst>
+                                    <p:animMotion origin="layout" path="M 4.16667E-6 3.33333E-6 L 0.15716 0.20857 " pathEditMode="relative" rAng="0" ptsTypes="AA">
+                                      <p:cBhvr>
+                                        <p:cTn id="232" dur="2000" fill="hold"/>
+                                        <p:tgtEl>
+                                          <p:spTgt spid="259"/>
+                                        </p:tgtEl>
+                                        <p:attrNameLst>
+                                          <p:attrName>ppt_x</p:attrName>
+                                          <p:attrName>ppt_y</p:attrName>
+                                        </p:attrNameLst>
+                                      </p:cBhvr>
+                                      <p:rCtr x="7669" y="10301"/>
+                                    </p:animMotion>
                                   </p:childTnLst>
                                 </p:cTn>
                               </p:par>
@@ -13394,24 +13980,103 @@
                         <p:par>
                           <p:cTn id="233" fill="hold">
                             <p:stCondLst>
-                              <p:cond delay="46000"/>
+                              <p:cond delay="41500"/>
                             </p:stCondLst>
                             <p:childTnLst>
                               <p:par>
-                                <p:cTn id="234" presetID="10" presetClass="entr" presetSubtype="0" fill="hold" grpId="0" nodeType="afterEffect">
-                                  <p:stCondLst>
-                                    <p:cond delay="500"/>
-                                  </p:stCondLst>
-                                  <p:childTnLst>
+                                <p:cTn id="234" presetID="10" presetClass="exit" presetSubtype="0" fill="hold" grpId="2" nodeType="afterEffect">
+                                  <p:stCondLst>
+                                    <p:cond delay="0"/>
+                                  </p:stCondLst>
+                                  <p:childTnLst>
+                                    <p:animEffect transition="out" filter="fade">
+                                      <p:cBhvr>
+                                        <p:cTn id="235" dur="500"/>
+                                        <p:tgtEl>
+                                          <p:spTgt spid="257"/>
+                                        </p:tgtEl>
+                                      </p:cBhvr>
+                                    </p:animEffect>
                                     <p:set>
                                       <p:cBhvr>
-                                        <p:cTn id="235" dur="1" fill="hold">
+                                        <p:cTn id="236" dur="1" fill="hold">
+                                          <p:stCondLst>
+                                            <p:cond delay="499"/>
+                                          </p:stCondLst>
+                                        </p:cTn>
+                                        <p:tgtEl>
+                                          <p:spTgt spid="257"/>
+                                        </p:tgtEl>
+                                        <p:attrNameLst>
+                                          <p:attrName>style.visibility</p:attrName>
+                                        </p:attrNameLst>
+                                      </p:cBhvr>
+                                      <p:to>
+                                        <p:strVal val="hidden"/>
+                                      </p:to>
+                                    </p:set>
+                                  </p:childTnLst>
+                                </p:cTn>
+                              </p:par>
+                              <p:par>
+                                <p:cTn id="237" presetID="10" presetClass="exit" presetSubtype="0" fill="hold" grpId="2" nodeType="withEffect">
+                                  <p:stCondLst>
+                                    <p:cond delay="0"/>
+                                  </p:stCondLst>
+                                  <p:childTnLst>
+                                    <p:animEffect transition="out" filter="fade">
+                                      <p:cBhvr>
+                                        <p:cTn id="238" dur="500"/>
+                                        <p:tgtEl>
+                                          <p:spTgt spid="259"/>
+                                        </p:tgtEl>
+                                      </p:cBhvr>
+                                    </p:animEffect>
+                                    <p:set>
+                                      <p:cBhvr>
+                                        <p:cTn id="239" dur="1" fill="hold">
+                                          <p:stCondLst>
+                                            <p:cond delay="499"/>
+                                          </p:stCondLst>
+                                        </p:cTn>
+                                        <p:tgtEl>
+                                          <p:spTgt spid="259"/>
+                                        </p:tgtEl>
+                                        <p:attrNameLst>
+                                          <p:attrName>style.visibility</p:attrName>
+                                        </p:attrNameLst>
+                                      </p:cBhvr>
+                                      <p:to>
+                                        <p:strVal val="hidden"/>
+                                      </p:to>
+                                    </p:set>
+                                  </p:childTnLst>
+                                </p:cTn>
+                              </p:par>
+                            </p:childTnLst>
+                          </p:cTn>
+                        </p:par>
+                        <p:par>
+                          <p:cTn id="240" fill="hold">
+                            <p:stCondLst>
+                              <p:cond delay="42000"/>
+                            </p:stCondLst>
+                            <p:childTnLst>
+                              <p:par>
+                                <p:cTn id="241" presetID="10" presetClass="entr" presetSubtype="0" fill="hold" grpId="0" nodeType="afterEffect">
+                                  <p:stCondLst>
+                                    <p:cond delay="0"/>
+                                  </p:stCondLst>
+                                  <p:childTnLst>
+                                    <p:set>
+                                      <p:cBhvr>
+                                        <p:cTn id="242" dur="1" fill="hold">
                                           <p:stCondLst>
                                             <p:cond delay="0"/>
                                           </p:stCondLst>
                                         </p:cTn>
                                         <p:tgtEl>
-                                          <p:spTgt spid="262"/>
+                                          <p:spTgt spid="260"/>
                                         </p:tgtEl>
                                         <p:attrNameLst>
                                           <p:attrName>style.visibility</p:attrName>
@@ -13423,39 +14088,30 @@
                                     </p:set>
                                     <p:animEffect transition="in" filter="fade">
                                       <p:cBhvr>
-                                        <p:cTn id="236" dur="1000"/>
-                                        <p:tgtEl>
-                                          <p:spTgt spid="262"/>
+                                        <p:cTn id="243" dur="1000"/>
+                                        <p:tgtEl>
+                                          <p:spTgt spid="260"/>
                                         </p:tgtEl>
                                       </p:cBhvr>
                                     </p:animEffect>
                                   </p:childTnLst>
                                 </p:cTn>
                               </p:par>
-                            </p:childTnLst>
-                          </p:cTn>
-                        </p:par>
-                        <p:par>
-                          <p:cTn id="237" fill="hold">
-                            <p:stCondLst>
-                              <p:cond delay="47500"/>
-                            </p:stCondLst>
-                            <p:childTnLst>
-                              <p:par>
-                                <p:cTn id="238" presetID="10" presetClass="entr" presetSubtype="0" fill="hold" grpId="0" nodeType="afterEffect">
+                              <p:par>
+                                <p:cTn id="244" presetID="10" presetClass="entr" presetSubtype="0" fill="hold" grpId="0" nodeType="withEffect">
                                   <p:stCondLst>
                                     <p:cond delay="0"/>
                                   </p:stCondLst>
                                   <p:childTnLst>
                                     <p:set>
                                       <p:cBhvr>
-                                        <p:cTn id="239" dur="1" fill="hold">
+                                        <p:cTn id="245" dur="1" fill="hold">
                                           <p:stCondLst>
                                             <p:cond delay="0"/>
                                           </p:stCondLst>
                                         </p:cTn>
                                         <p:tgtEl>
-                                          <p:spTgt spid="273"/>
+                                          <p:spTgt spid="261"/>
                                         </p:tgtEl>
                                         <p:attrNameLst>
                                           <p:attrName>style.visibility</p:attrName>
@@ -13467,114 +14123,9 @@
                                     </p:set>
                                     <p:animEffect transition="in" filter="fade">
                                       <p:cBhvr>
-                                        <p:cTn id="240" dur="1000"/>
-                                        <p:tgtEl>
-                                          <p:spTgt spid="273"/>
-                                        </p:tgtEl>
-                                      </p:cBhvr>
-                                    </p:animEffect>
-                                  </p:childTnLst>
-                                </p:cTn>
-                              </p:par>
-                              <p:par>
-                                <p:cTn id="241" presetID="10" presetClass="entr" presetSubtype="0" fill="hold" grpId="0" nodeType="withEffect">
-                                  <p:stCondLst>
-                                    <p:cond delay="0"/>
-                                  </p:stCondLst>
-                                  <p:childTnLst>
-                                    <p:set>
-                                      <p:cBhvr>
-                                        <p:cTn id="242" dur="1" fill="hold">
-                                          <p:stCondLst>
-                                            <p:cond delay="0"/>
-                                          </p:stCondLst>
-                                        </p:cTn>
-                                        <p:tgtEl>
-                                          <p:spTgt spid="275"/>
-                                        </p:tgtEl>
-                                        <p:attrNameLst>
-                                          <p:attrName>style.visibility</p:attrName>
-                                        </p:attrNameLst>
-                                      </p:cBhvr>
-                                      <p:to>
-                                        <p:strVal val="visible"/>
-                                      </p:to>
-                                    </p:set>
-                                    <p:animEffect transition="in" filter="fade">
-                                      <p:cBhvr>
-                                        <p:cTn id="243" dur="1000"/>
-                                        <p:tgtEl>
-                                          <p:spTgt spid="275"/>
-                                        </p:tgtEl>
-                                      </p:cBhvr>
-                                    </p:animEffect>
-                                  </p:childTnLst>
-                                </p:cTn>
-                              </p:par>
-                              <p:par>
-                                <p:cTn id="244" presetID="10" presetClass="entr" presetSubtype="0" fill="hold" grpId="0" nodeType="withEffect">
-                                  <p:stCondLst>
-                                    <p:cond delay="0"/>
-                                  </p:stCondLst>
-                                  <p:childTnLst>
-                                    <p:set>
-                                      <p:cBhvr>
-                                        <p:cTn id="245" dur="1" fill="hold">
-                                          <p:stCondLst>
-                                            <p:cond delay="0"/>
-                                          </p:stCondLst>
-                                        </p:cTn>
-                                        <p:tgtEl>
-                                          <p:spTgt spid="274"/>
-                                        </p:tgtEl>
-                                        <p:attrNameLst>
-                                          <p:attrName>style.visibility</p:attrName>
-                                        </p:attrNameLst>
-                                      </p:cBhvr>
-                                      <p:to>
-                                        <p:strVal val="visible"/>
-                                      </p:to>
-                                    </p:set>
-                                    <p:animEffect transition="in" filter="fade">
-                                      <p:cBhvr>
                                         <p:cTn id="246" dur="1000"/>
                                         <p:tgtEl>
-                                          <p:spTgt spid="274"/>
-                                        </p:tgtEl>
-                                      </p:cBhvr>
-                                    </p:animEffect>
-                                  </p:childTnLst>
-                                </p:cTn>
-                              </p:par>
-                              <p:par>
-                                <p:cTn id="247" presetID="10" presetClass="entr" presetSubtype="0" fill="hold" grpId="0" nodeType="withEffect">
-                                  <p:stCondLst>
-                                    <p:cond delay="0"/>
-                                  </p:stCondLst>
-                                  <p:childTnLst>
-                                    <p:set>
-                                      <p:cBhvr>
-                                        <p:cTn id="248" dur="1" fill="hold">
-                                          <p:stCondLst>
-                                            <p:cond delay="0"/>
-                                          </p:stCondLst>
-                                        </p:cTn>
-                                        <p:tgtEl>
-                                          <p:spTgt spid="276"/>
-                                        </p:tgtEl>
-                                        <p:attrNameLst>
-                                          <p:attrName>style.visibility</p:attrName>
-                                        </p:attrNameLst>
-                                      </p:cBhvr>
-                                      <p:to>
-                                        <p:strVal val="visible"/>
-                                      </p:to>
-                                    </p:set>
-                                    <p:animEffect transition="in" filter="fade">
-                                      <p:cBhvr>
-                                        <p:cTn id="249" dur="1000"/>
-                                        <p:tgtEl>
-                                          <p:spTgt spid="276"/>
+                                          <p:spTgt spid="261"/>
                                         </p:tgtEl>
                                       </p:cBhvr>
                                     </p:animEffect>
@@ -13585,96 +14136,131 @@
                           </p:cTn>
                         </p:par>
                         <p:par>
-                          <p:cTn id="250" fill="hold">
+                          <p:cTn id="247" fill="hold">
                             <p:stCondLst>
-                              <p:cond delay="48500"/>
+                              <p:cond delay="43000"/>
                             </p:stCondLst>
                             <p:childTnLst>
                               <p:par>
-                                <p:cTn id="251" presetID="37" presetClass="path" presetSubtype="0" accel="50000" decel="50000" fill="hold" grpId="1" nodeType="afterEffect">
+                                <p:cTn id="248" presetID="42" presetClass="path" presetSubtype="0" accel="50000" decel="50000" fill="hold" grpId="1" nodeType="afterEffect">
                                   <p:stCondLst>
                                     <p:cond delay="0"/>
                                   </p:stCondLst>
                                   <p:childTnLst>
-                                    <p:animMotion origin="layout" path="M 4.58333E-6 -2.96296E-6 L 0.05195 0.04005 C 0.06276 0.04908 0.0789 0.05394 0.09596 0.05394 C 0.11536 0.05394 0.13085 0.04908 0.14166 0.04005 L 0.19375 -2.96296E-6 " pathEditMode="relative" rAng="0" ptsTypes="AAAAA">
-                                      <p:cBhvr>
-                                        <p:cTn id="252" dur="2000" fill="hold"/>
-                                        <p:tgtEl>
-                                          <p:spTgt spid="274"/>
+                                    <p:animMotion origin="layout" path="M 2.5E-6 -3.7037E-7 L 0.14674 -0.20972 " pathEditMode="relative" rAng="0" ptsTypes="AA">
+                                      <p:cBhvr>
+                                        <p:cTn id="249" dur="2000" fill="hold"/>
+                                        <p:tgtEl>
+                                          <p:spTgt spid="260"/>
                                         </p:tgtEl>
                                         <p:attrNameLst>
                                           <p:attrName>ppt_x</p:attrName>
                                           <p:attrName>ppt_y</p:attrName>
                                         </p:attrNameLst>
                                       </p:cBhvr>
-                                      <p:rCtr x="9687" y="2685"/>
+                                      <p:rCtr x="7331" y="-10486"/>
                                     </p:animMotion>
                                   </p:childTnLst>
                                 </p:cTn>
                               </p:par>
                               <p:par>
-                                <p:cTn id="253" presetID="44" presetClass="path" presetSubtype="0" accel="50000" decel="50000" fill="hold" grpId="1" nodeType="withEffect">
+                                <p:cTn id="250" presetID="42" presetClass="path" presetSubtype="0" accel="50000" decel="50000" fill="hold" grpId="1" nodeType="withEffect">
                                   <p:stCondLst>
                                     <p:cond delay="0"/>
                                   </p:stCondLst>
                                   <p:childTnLst>
-                                    <p:animMotion origin="layout" path="M 8.33333E-7 -7.40741E-7 L 0.05026 -0.04005 C 0.06081 -0.04907 0.07656 -0.05393 0.09297 -0.05393 C 0.11185 -0.05393 0.12682 -0.04907 0.13737 -0.04005 L 0.18776 -7.40741E-7 " pathEditMode="relative" rAng="0" ptsTypes="AAAAA">
-                                      <p:cBhvr>
-                                        <p:cTn id="254" dur="2000" fill="hold"/>
-                                        <p:tgtEl>
-                                          <p:spTgt spid="273"/>
+                                    <p:animMotion origin="layout" path="M 2.70833E-6 -1.48148E-6 L -0.1414 -0.20532 " pathEditMode="relative" rAng="0" ptsTypes="AA">
+                                      <p:cBhvr>
+                                        <p:cTn id="251" dur="2000" fill="hold"/>
+                                        <p:tgtEl>
+                                          <p:spTgt spid="261"/>
                                         </p:tgtEl>
                                         <p:attrNameLst>
                                           <p:attrName>ppt_x</p:attrName>
                                           <p:attrName>ppt_y</p:attrName>
                                         </p:attrNameLst>
                                       </p:cBhvr>
-                                      <p:rCtr x="9388" y="-2708"/>
+                                      <p:rCtr x="-7552" y="-10046"/>
                                     </p:animMotion>
                                   </p:childTnLst>
                                 </p:cTn>
                               </p:par>
-                              <p:par>
-                                <p:cTn id="255" presetID="44" presetClass="path" presetSubtype="0" accel="50000" decel="50000" fill="hold" grpId="1" nodeType="withEffect">
+                            </p:childTnLst>
+                          </p:cTn>
+                        </p:par>
+                        <p:par>
+                          <p:cTn id="252" fill="hold">
+                            <p:stCondLst>
+                              <p:cond delay="45000"/>
+                            </p:stCondLst>
+                            <p:childTnLst>
+                              <p:par>
+                                <p:cTn id="253" presetID="10" presetClass="exit" presetSubtype="0" fill="hold" grpId="2" nodeType="afterEffect">
                                   <p:stCondLst>
                                     <p:cond delay="0"/>
                                   </p:stCondLst>
                                   <p:childTnLst>
-                                    <p:animMotion origin="layout" path="M 1.04167E-6 3.7037E-7 L -0.05104 -0.04005 C -0.06172 -0.04907 -0.07761 -0.05394 -0.0944 -0.05394 C -0.11341 -0.05394 -0.12865 -0.04907 -0.13932 -0.04005 L -0.19024 3.7037E-7 " pathEditMode="relative" rAng="0" ptsTypes="AAAAA">
-                                      <p:cBhvr>
-                                        <p:cTn id="256" dur="2000" fill="hold"/>
-                                        <p:tgtEl>
-                                          <p:spTgt spid="275"/>
-                                        </p:tgtEl>
-                                        <p:attrNameLst>
-                                          <p:attrName>ppt_x</p:attrName>
-                                          <p:attrName>ppt_y</p:attrName>
-                                        </p:attrNameLst>
-                                      </p:cBhvr>
-                                      <p:rCtr x="-9518" y="-2708"/>
-                                    </p:animMotion>
-                                  </p:childTnLst>
-                                </p:cTn>
-                              </p:par>
-                              <p:par>
-                                <p:cTn id="257" presetID="37" presetClass="path" presetSubtype="0" accel="50000" decel="50000" fill="hold" grpId="1" nodeType="withEffect">
+                                    <p:animEffect transition="out" filter="fade">
+                                      <p:cBhvr>
+                                        <p:cTn id="254" dur="500"/>
+                                        <p:tgtEl>
+                                          <p:spTgt spid="260"/>
+                                        </p:tgtEl>
+                                      </p:cBhvr>
+                                    </p:animEffect>
+                                    <p:set>
+                                      <p:cBhvr>
+                                        <p:cTn id="255" dur="1" fill="hold">
+                                          <p:stCondLst>
+                                            <p:cond delay="499"/>
+                                          </p:stCondLst>
+                                        </p:cTn>
+                                        <p:tgtEl>
+                                          <p:spTgt spid="260"/>
+                                        </p:tgtEl>
+                                        <p:attrNameLst>
+                                          <p:attrName>style.visibility</p:attrName>
+                                        </p:attrNameLst>
+                                      </p:cBhvr>
+                                      <p:to>
+                                        <p:strVal val="hidden"/>
+                                      </p:to>
+                                    </p:set>
+                                  </p:childTnLst>
+                                </p:cTn>
+                              </p:par>
+                              <p:par>
+                                <p:cTn id="256" presetID="10" presetClass="exit" presetSubtype="0" fill="hold" grpId="2" nodeType="withEffect">
                                   <p:stCondLst>
                                     <p:cond delay="0"/>
                                   </p:stCondLst>
                                   <p:childTnLst>
-                                    <p:animMotion origin="layout" path="M -6.25E-7 -2.59259E-6 L -0.05065 0.04005 C -0.0612 0.04908 -0.07695 0.05394 -0.09362 0.05394 C -0.1125 0.05394 -0.1276 0.04908 -0.13815 0.04005 L -0.18867 -2.59259E-6 " pathEditMode="relative" rAng="0" ptsTypes="AAAAA">
-                                      <p:cBhvr>
-                                        <p:cTn id="258" dur="2000" fill="hold"/>
-                                        <p:tgtEl>
-                                          <p:spTgt spid="276"/>
-                                        </p:tgtEl>
-                                        <p:attrNameLst>
-                                          <p:attrName>ppt_x</p:attrName>
-                                          <p:attrName>ppt_y</p:attrName>
-                                        </p:attrNameLst>
-                                      </p:cBhvr>
-                                      <p:rCtr x="-9440" y="2685"/>
-                                    </p:animMotion>
+                                    <p:animEffect transition="out" filter="fade">
+                                      <p:cBhvr>
+                                        <p:cTn id="257" dur="500"/>
+                                        <p:tgtEl>
+                                          <p:spTgt spid="261"/>
+                                        </p:tgtEl>
+                                      </p:cBhvr>
+                                    </p:animEffect>
+                                    <p:set>
+                                      <p:cBhvr>
+                                        <p:cTn id="258" dur="1" fill="hold">
+                                          <p:stCondLst>
+                                            <p:cond delay="499"/>
+                                          </p:stCondLst>
+                                        </p:cTn>
+                                        <p:tgtEl>
+                                          <p:spTgt spid="261"/>
+                                        </p:tgtEl>
+                                        <p:attrNameLst>
+                                          <p:attrName>style.visibility</p:attrName>
+                                        </p:attrNameLst>
+                                      </p:cBhvr>
+                                      <p:to>
+                                        <p:strVal val="hidden"/>
+                                      </p:to>
+                                    </p:set>
                                   </p:childTnLst>
                                 </p:cTn>
                               </p:par>
@@ -13684,217 +14270,24 @@
                         <p:par>
                           <p:cTn id="259" fill="hold">
                             <p:stCondLst>
-                              <p:cond delay="50500"/>
+                              <p:cond delay="45500"/>
                             </p:stCondLst>
                             <p:childTnLst>
                               <p:par>
-                                <p:cTn id="260" presetID="10" presetClass="exit" presetSubtype="0" fill="hold" grpId="2" nodeType="afterEffect">
+                                <p:cTn id="260" presetID="10" presetClass="entr" presetSubtype="0" fill="hold" grpId="0" nodeType="afterEffect">
                                   <p:stCondLst>
                                     <p:cond delay="0"/>
                                   </p:stCondLst>
                                   <p:childTnLst>
-                                    <p:animEffect transition="out" filter="fade">
-                                      <p:cBhvr>
-                                        <p:cTn id="261" dur="500"/>
-                                        <p:tgtEl>
-                                          <p:spTgt spid="274"/>
-                                        </p:tgtEl>
-                                      </p:cBhvr>
-                                    </p:animEffect>
                                     <p:set>
                                       <p:cBhvr>
-                                        <p:cTn id="262" dur="1" fill="hold">
-                                          <p:stCondLst>
-                                            <p:cond delay="499"/>
-                                          </p:stCondLst>
-                                        </p:cTn>
-                                        <p:tgtEl>
-                                          <p:spTgt spid="274"/>
-                                        </p:tgtEl>
-                                        <p:attrNameLst>
-                                          <p:attrName>style.visibility</p:attrName>
-                                        </p:attrNameLst>
-                                      </p:cBhvr>
-                                      <p:to>
-                                        <p:strVal val="hidden"/>
-                                      </p:to>
-                                    </p:set>
-                                  </p:childTnLst>
-                                </p:cTn>
-                              </p:par>
-                              <p:par>
-                                <p:cTn id="263" presetID="10" presetClass="exit" presetSubtype="0" fill="hold" grpId="2" nodeType="withEffect">
-                                  <p:stCondLst>
-                                    <p:cond delay="0"/>
-                                  </p:stCondLst>
-                                  <p:childTnLst>
-                                    <p:animEffect transition="out" filter="fade">
-                                      <p:cBhvr>
-                                        <p:cTn id="264" dur="500"/>
-                                        <p:tgtEl>
-                                          <p:spTgt spid="273"/>
-                                        </p:tgtEl>
-                                      </p:cBhvr>
-                                    </p:animEffect>
-                                    <p:set>
-                                      <p:cBhvr>
-                                        <p:cTn id="265" dur="1" fill="hold">
-                                          <p:stCondLst>
-                                            <p:cond delay="499"/>
-                                          </p:stCondLst>
-                                        </p:cTn>
-                                        <p:tgtEl>
-                                          <p:spTgt spid="273"/>
-                                        </p:tgtEl>
-                                        <p:attrNameLst>
-                                          <p:attrName>style.visibility</p:attrName>
-                                        </p:attrNameLst>
-                                      </p:cBhvr>
-                                      <p:to>
-                                        <p:strVal val="hidden"/>
-                                      </p:to>
-                                    </p:set>
-                                  </p:childTnLst>
-                                </p:cTn>
-                              </p:par>
-                              <p:par>
-                                <p:cTn id="266" presetID="10" presetClass="exit" presetSubtype="0" fill="hold" grpId="2" nodeType="withEffect">
-                                  <p:stCondLst>
-                                    <p:cond delay="0"/>
-                                  </p:stCondLst>
-                                  <p:childTnLst>
-                                    <p:animEffect transition="out" filter="fade">
-                                      <p:cBhvr>
-                                        <p:cTn id="267" dur="500"/>
-                                        <p:tgtEl>
-                                          <p:spTgt spid="275"/>
-                                        </p:tgtEl>
-                                      </p:cBhvr>
-                                    </p:animEffect>
-                                    <p:set>
-                                      <p:cBhvr>
-                                        <p:cTn id="268" dur="1" fill="hold">
-                                          <p:stCondLst>
-                                            <p:cond delay="499"/>
-                                          </p:stCondLst>
-                                        </p:cTn>
-                                        <p:tgtEl>
-                                          <p:spTgt spid="275"/>
-                                        </p:tgtEl>
-                                        <p:attrNameLst>
-                                          <p:attrName>style.visibility</p:attrName>
-                                        </p:attrNameLst>
-                                      </p:cBhvr>
-                                      <p:to>
-                                        <p:strVal val="hidden"/>
-                                      </p:to>
-                                    </p:set>
-                                  </p:childTnLst>
-                                </p:cTn>
-                              </p:par>
-                              <p:par>
-                                <p:cTn id="269" presetID="10" presetClass="exit" presetSubtype="0" fill="hold" grpId="2" nodeType="withEffect">
-                                  <p:stCondLst>
-                                    <p:cond delay="0"/>
-                                  </p:stCondLst>
-                                  <p:childTnLst>
-                                    <p:animEffect transition="out" filter="fade">
-                                      <p:cBhvr>
-                                        <p:cTn id="270" dur="500"/>
-                                        <p:tgtEl>
-                                          <p:spTgt spid="276"/>
-                                        </p:tgtEl>
-                                      </p:cBhvr>
-                                    </p:animEffect>
-                                    <p:set>
-                                      <p:cBhvr>
-                                        <p:cTn id="271" dur="1" fill="hold">
-                                          <p:stCondLst>
-                                            <p:cond delay="499"/>
-                                          </p:stCondLst>
-                                        </p:cTn>
-                                        <p:tgtEl>
-                                          <p:spTgt spid="276"/>
-                                        </p:tgtEl>
-                                        <p:attrNameLst>
-                                          <p:attrName>style.visibility</p:attrName>
-                                        </p:attrNameLst>
-                                      </p:cBhvr>
-                                      <p:to>
-                                        <p:strVal val="hidden"/>
-                                      </p:to>
-                                    </p:set>
-                                  </p:childTnLst>
-                                </p:cTn>
-                              </p:par>
-                            </p:childTnLst>
-                          </p:cTn>
-                        </p:par>
-                        <p:par>
-                          <p:cTn id="272" fill="hold">
-                            <p:stCondLst>
-                              <p:cond delay="51000"/>
-                            </p:stCondLst>
-                            <p:childTnLst>
-                              <p:par>
-                                <p:cTn id="273" presetID="10" presetClass="exit" presetSubtype="0" fill="hold" grpId="1" nodeType="afterEffect">
-                                  <p:stCondLst>
-                                    <p:cond delay="0"/>
-                                  </p:stCondLst>
-                                  <p:childTnLst>
-                                    <p:animEffect transition="out" filter="fade">
-                                      <p:cBhvr>
-                                        <p:cTn id="274" dur="500"/>
-                                        <p:tgtEl>
-                                          <p:spTgt spid="262"/>
-                                        </p:tgtEl>
-                                      </p:cBhvr>
-                                    </p:animEffect>
-                                    <p:set>
-                                      <p:cBhvr>
-                                        <p:cTn id="275" dur="1" fill="hold">
-                                          <p:stCondLst>
-                                            <p:cond delay="499"/>
-                                          </p:stCondLst>
-                                        </p:cTn>
-                                        <p:tgtEl>
-                                          <p:spTgt spid="262"/>
-                                        </p:tgtEl>
-                                        <p:attrNameLst>
-                                          <p:attrName>style.visibility</p:attrName>
-                                        </p:attrNameLst>
-                                      </p:cBhvr>
-                                      <p:to>
-                                        <p:strVal val="hidden"/>
-                                      </p:to>
-                                    </p:set>
-                                  </p:childTnLst>
-                                </p:cTn>
-                              </p:par>
-                            </p:childTnLst>
-                          </p:cTn>
-                        </p:par>
-                        <p:par>
-                          <p:cTn id="276" fill="hold">
-                            <p:stCondLst>
-                              <p:cond delay="51500"/>
-                            </p:stCondLst>
-                            <p:childTnLst>
-                              <p:par>
-                                <p:cTn id="277" presetID="10" presetClass="entr" presetSubtype="0" fill="hold" grpId="0" nodeType="afterEffect">
-                                  <p:stCondLst>
-                                    <p:cond delay="500"/>
-                                  </p:stCondLst>
-                                  <p:childTnLst>
-                                    <p:set>
-                                      <p:cBhvr>
-                                        <p:cTn id="278" dur="1" fill="hold">
+                                        <p:cTn id="261" dur="1" fill="hold">
                                           <p:stCondLst>
                                             <p:cond delay="0"/>
                                           </p:stCondLst>
                                         </p:cTn>
                                         <p:tgtEl>
-                                          <p:spTgt spid="278"/>
+                                          <p:spTgt spid="382"/>
                                         </p:tgtEl>
                                         <p:attrNameLst>
                                           <p:attrName>style.visibility</p:attrName>
@@ -13906,9 +14299,9 @@
                                     </p:set>
                                     <p:animEffect transition="in" filter="fade">
                                       <p:cBhvr>
-                                        <p:cTn id="279" dur="1000"/>
-                                        <p:tgtEl>
-                                          <p:spTgt spid="278"/>
+                                        <p:cTn id="262" dur="1000"/>
+                                        <p:tgtEl>
+                                          <p:spTgt spid="382"/>
                                         </p:tgtEl>
                                       </p:cBhvr>
                                     </p:animEffect>
@@ -13919,26 +14312,144 @@
                           </p:cTn>
                         </p:par>
                         <p:par>
-                          <p:cTn id="280" fill="hold">
+                          <p:cTn id="263" fill="hold">
                             <p:stCondLst>
-                              <p:cond delay="53000"/>
+                              <p:cond delay="46500"/>
                             </p:stCondLst>
                             <p:childTnLst>
                               <p:par>
-                                <p:cTn id="281" presetID="10" presetClass="entr" presetSubtype="0" fill="hold" grpId="0" nodeType="afterEffect">
+                                <p:cTn id="264" presetID="0" presetClass="path" presetSubtype="0" accel="50000" decel="50000" fill="hold" grpId="1" nodeType="afterEffect">
                                   <p:stCondLst>
                                     <p:cond delay="0"/>
                                   </p:stCondLst>
                                   <p:childTnLst>
+                                    <p:animMotion origin="layout" path="M -0.0069 0.00417 L -0.12408 -0.12916 L -0.12487 -0.27639 " pathEditMode="relative" ptsTypes="AAA">
+                                      <p:cBhvr>
+                                        <p:cTn id="265" dur="2000" fill="hold"/>
+                                        <p:tgtEl>
+                                          <p:spTgt spid="382"/>
+                                        </p:tgtEl>
+                                        <p:attrNameLst>
+                                          <p:attrName>ppt_x</p:attrName>
+                                          <p:attrName>ppt_y</p:attrName>
+                                        </p:attrNameLst>
+                                      </p:cBhvr>
+                                    </p:animMotion>
+                                  </p:childTnLst>
+                                </p:cTn>
+                              </p:par>
+                            </p:childTnLst>
+                          </p:cTn>
+                        </p:par>
+                        <p:par>
+                          <p:cTn id="266" fill="hold">
+                            <p:stCondLst>
+                              <p:cond delay="48500"/>
+                            </p:stCondLst>
+                            <p:childTnLst>
+                              <p:par>
+                                <p:cTn id="267" presetID="10" presetClass="exit" presetSubtype="0" fill="hold" grpId="2" nodeType="afterEffect">
+                                  <p:stCondLst>
+                                    <p:cond delay="0"/>
+                                  </p:stCondLst>
+                                  <p:childTnLst>
+                                    <p:animEffect transition="out" filter="fade">
+                                      <p:cBhvr>
+                                        <p:cTn id="268" dur="500"/>
+                                        <p:tgtEl>
+                                          <p:spTgt spid="382"/>
+                                        </p:tgtEl>
+                                      </p:cBhvr>
+                                    </p:animEffect>
                                     <p:set>
                                       <p:cBhvr>
-                                        <p:cTn id="282" dur="1" fill="hold">
+                                        <p:cTn id="269" dur="1" fill="hold">
+                                          <p:stCondLst>
+                                            <p:cond delay="499"/>
+                                          </p:stCondLst>
+                                        </p:cTn>
+                                        <p:tgtEl>
+                                          <p:spTgt spid="382"/>
+                                        </p:tgtEl>
+                                        <p:attrNameLst>
+                                          <p:attrName>style.visibility</p:attrName>
+                                        </p:attrNameLst>
+                                      </p:cBhvr>
+                                      <p:to>
+                                        <p:strVal val="hidden"/>
+                                      </p:to>
+                                    </p:set>
+                                  </p:childTnLst>
+                                </p:cTn>
+                              </p:par>
+                            </p:childTnLst>
+                          </p:cTn>
+                        </p:par>
+                        <p:par>
+                          <p:cTn id="270" fill="hold">
+                            <p:stCondLst>
+                              <p:cond delay="49000"/>
+                            </p:stCondLst>
+                            <p:childTnLst>
+                              <p:par>
+                                <p:cTn id="271" presetID="10" presetClass="exit" presetSubtype="0" fill="hold" grpId="1" nodeType="afterEffect">
+                                  <p:stCondLst>
+                                    <p:cond delay="0"/>
+                                  </p:stCondLst>
+                                  <p:childTnLst>
+                                    <p:animEffect transition="out" filter="fade">
+                                      <p:cBhvr>
+                                        <p:cTn id="272" dur="500"/>
+                                        <p:tgtEl>
+                                          <p:spTgt spid="246"/>
+                                        </p:tgtEl>
+                                      </p:cBhvr>
+                                    </p:animEffect>
+                                    <p:set>
+                                      <p:cBhvr>
+                                        <p:cTn id="273" dur="1" fill="hold">
+                                          <p:stCondLst>
+                                            <p:cond delay="499"/>
+                                          </p:stCondLst>
+                                        </p:cTn>
+                                        <p:tgtEl>
+                                          <p:spTgt spid="246"/>
+                                        </p:tgtEl>
+                                        <p:attrNameLst>
+                                          <p:attrName>style.visibility</p:attrName>
+                                        </p:attrNameLst>
+                                      </p:cBhvr>
+                                      <p:to>
+                                        <p:strVal val="hidden"/>
+                                      </p:to>
+                                    </p:set>
+                                  </p:childTnLst>
+                                </p:cTn>
+                              </p:par>
+                            </p:childTnLst>
+                          </p:cTn>
+                        </p:par>
+                        <p:par>
+                          <p:cTn id="274" fill="hold">
+                            <p:stCondLst>
+                              <p:cond delay="49500"/>
+                            </p:stCondLst>
+                            <p:childTnLst>
+                              <p:par>
+                                <p:cTn id="275" presetID="10" presetClass="entr" presetSubtype="0" fill="hold" grpId="0" nodeType="afterEffect">
+                                  <p:stCondLst>
+                                    <p:cond delay="500"/>
+                                  </p:stCondLst>
+                                  <p:childTnLst>
+                                    <p:set>
+                                      <p:cBhvr>
+                                        <p:cTn id="276" dur="1" fill="hold">
                                           <p:stCondLst>
                                             <p:cond delay="0"/>
                                           </p:stCondLst>
                                         </p:cTn>
                                         <p:tgtEl>
-                                          <p:spTgt spid="277"/>
+                                          <p:spTgt spid="262"/>
                                         </p:tgtEl>
                                         <p:attrNameLst>
                                           <p:attrName>style.visibility</p:attrName>
@@ -13950,30 +14461,39 @@
                                     </p:set>
                                     <p:animEffect transition="in" filter="fade">
                                       <p:cBhvr>
-                                        <p:cTn id="283" dur="1000"/>
-                                        <p:tgtEl>
-                                          <p:spTgt spid="277"/>
+                                        <p:cTn id="277" dur="1000"/>
+                                        <p:tgtEl>
+                                          <p:spTgt spid="262"/>
                                         </p:tgtEl>
                                       </p:cBhvr>
                                     </p:animEffect>
                                   </p:childTnLst>
                                 </p:cTn>
                               </p:par>
-                              <p:par>
-                                <p:cTn id="284" presetID="10" presetClass="entr" presetSubtype="0" fill="hold" grpId="0" nodeType="withEffect">
+                            </p:childTnLst>
+                          </p:cTn>
+                        </p:par>
+                        <p:par>
+                          <p:cTn id="278" fill="hold">
+                            <p:stCondLst>
+                              <p:cond delay="51000"/>
+                            </p:stCondLst>
+                            <p:childTnLst>
+                              <p:par>
+                                <p:cTn id="279" presetID="10" presetClass="entr" presetSubtype="0" fill="hold" grpId="0" nodeType="afterEffect">
                                   <p:stCondLst>
                                     <p:cond delay="0"/>
                                   </p:stCondLst>
                                   <p:childTnLst>
                                     <p:set>
                                       <p:cBhvr>
-                                        <p:cTn id="285" dur="1" fill="hold">
+                                        <p:cTn id="280" dur="1" fill="hold">
                                           <p:stCondLst>
                                             <p:cond delay="0"/>
                                           </p:stCondLst>
                                         </p:cTn>
                                         <p:tgtEl>
-                                          <p:spTgt spid="287"/>
+                                          <p:spTgt spid="273"/>
                                         </p:tgtEl>
                                         <p:attrNameLst>
                                           <p:attrName>style.visibility</p:attrName>
@@ -13985,9 +14505,9 @@
                                     </p:set>
                                     <p:animEffect transition="in" filter="fade">
                                       <p:cBhvr>
-                                        <p:cTn id="286" dur="1000"/>
-                                        <p:tgtEl>
-                                          <p:spTgt spid="287"/>
+                                        <p:cTn id="281" dur="1000"/>
+                                        <p:tgtEl>
+                                          <p:spTgt spid="273"/>
                                         </p:tgtEl>
                                       </p:cBhvr>
                                     </p:animEffect>
@@ -13995,20 +14515,20 @@
                                 </p:cTn>
                               </p:par>
                               <p:par>
-                                <p:cTn id="287" presetID="10" presetClass="entr" presetSubtype="0" fill="hold" grpId="0" nodeType="withEffect">
+                                <p:cTn id="282" presetID="10" presetClass="entr" presetSubtype="0" fill="hold" grpId="0" nodeType="withEffect">
                                   <p:stCondLst>
                                     <p:cond delay="0"/>
                                   </p:stCondLst>
                                   <p:childTnLst>
                                     <p:set>
                                       <p:cBhvr>
-                                        <p:cTn id="288" dur="1" fill="hold">
+                                        <p:cTn id="283" dur="1" fill="hold">
                                           <p:stCondLst>
                                             <p:cond delay="0"/>
                                           </p:stCondLst>
                                         </p:cTn>
                                         <p:tgtEl>
-                                          <p:spTgt spid="288"/>
+                                          <p:spTgt spid="275"/>
                                         </p:tgtEl>
                                         <p:attrNameLst>
                                           <p:attrName>style.visibility</p:attrName>
@@ -14020,92 +14540,30 @@
                                     </p:set>
                                     <p:animEffect transition="in" filter="fade">
                                       <p:cBhvr>
-                                        <p:cTn id="289" dur="1000"/>
-                                        <p:tgtEl>
-                                          <p:spTgt spid="288"/>
+                                        <p:cTn id="284" dur="1000"/>
+                                        <p:tgtEl>
+                                          <p:spTgt spid="275"/>
                                         </p:tgtEl>
                                       </p:cBhvr>
                                     </p:animEffect>
                                   </p:childTnLst>
                                 </p:cTn>
                               </p:par>
-                            </p:childTnLst>
-                          </p:cTn>
-                        </p:par>
-                        <p:par>
-                          <p:cTn id="290" fill="hold">
-                            <p:stCondLst>
-                              <p:cond delay="54000"/>
-                            </p:stCondLst>
-                            <p:childTnLst>
-                              <p:par>
-                                <p:cTn id="291" presetID="42" presetClass="path" presetSubtype="0" accel="50000" decel="50000" fill="hold" grpId="1" nodeType="afterEffect">
+                              <p:par>
+                                <p:cTn id="285" presetID="10" presetClass="entr" presetSubtype="0" fill="hold" grpId="0" nodeType="withEffect">
                                   <p:stCondLst>
                                     <p:cond delay="0"/>
                                   </p:stCondLst>
                                   <p:childTnLst>
-                                    <p:animMotion origin="layout" path="M 1.45833E-6 3.7037E-6 L -0.10716 -0.00301 " pathEditMode="relative" rAng="0" ptsTypes="AA">
-                                      <p:cBhvr>
-                                        <p:cTn id="292" dur="2000" fill="hold"/>
-                                        <p:tgtEl>
-                                          <p:spTgt spid="287"/>
-                                        </p:tgtEl>
-                                        <p:attrNameLst>
-                                          <p:attrName>ppt_x</p:attrName>
-                                          <p:attrName>ppt_y</p:attrName>
-                                        </p:attrNameLst>
-                                      </p:cBhvr>
-                                      <p:rCtr x="-5365" y="-162"/>
-                                    </p:animMotion>
-                                  </p:childTnLst>
-                                </p:cTn>
-                              </p:par>
-                              <p:par>
-                                <p:cTn id="293" presetID="42" presetClass="path" presetSubtype="0" accel="50000" decel="50000" fill="hold" grpId="1" nodeType="withEffect">
-                                  <p:stCondLst>
-                                    <p:cond delay="0"/>
-                                  </p:stCondLst>
-                                  <p:childTnLst>
-                                    <p:animMotion origin="layout" path="M 4.16667E-7 -4.07407E-6 L 0.14505 0.00024 " pathEditMode="relative" rAng="0" ptsTypes="AA">
-                                      <p:cBhvr>
-                                        <p:cTn id="294" dur="2000" fill="hold"/>
-                                        <p:tgtEl>
-                                          <p:spTgt spid="288"/>
-                                        </p:tgtEl>
-                                        <p:attrNameLst>
-                                          <p:attrName>ppt_x</p:attrName>
-                                          <p:attrName>ppt_y</p:attrName>
-                                        </p:attrNameLst>
-                                      </p:cBhvr>
-                                      <p:rCtr x="7253" y="0"/>
-                                    </p:animMotion>
-                                  </p:childTnLst>
-                                </p:cTn>
-                              </p:par>
-                            </p:childTnLst>
-                          </p:cTn>
-                        </p:par>
-                        <p:par>
-                          <p:cTn id="295" fill="hold">
-                            <p:stCondLst>
-                              <p:cond delay="56000"/>
-                            </p:stCondLst>
-                            <p:childTnLst>
-                              <p:par>
-                                <p:cTn id="296" presetID="10" presetClass="entr" presetSubtype="0" fill="hold" grpId="0" nodeType="afterEffect">
-                                  <p:stCondLst>
-                                    <p:cond delay="0"/>
-                                  </p:stCondLst>
-                                  <p:childTnLst>
                                     <p:set>
                                       <p:cBhvr>
-                                        <p:cTn id="297" dur="1" fill="hold">
+                                        <p:cTn id="286" dur="1" fill="hold">
                                           <p:stCondLst>
                                             <p:cond delay="0"/>
                                           </p:stCondLst>
                                         </p:cTn>
                                         <p:tgtEl>
-                                          <p:spTgt spid="294"/>
+                                          <p:spTgt spid="274"/>
                                         </p:tgtEl>
                                         <p:attrNameLst>
                                           <p:attrName>style.visibility</p:attrName>
@@ -14117,113 +14575,30 @@
                                     </p:set>
                                     <p:animEffect transition="in" filter="fade">
                                       <p:cBhvr>
-                                        <p:cTn id="298" dur="1000"/>
-                                        <p:tgtEl>
-                                          <p:spTgt spid="294"/>
+                                        <p:cTn id="287" dur="1000"/>
+                                        <p:tgtEl>
+                                          <p:spTgt spid="274"/>
                                         </p:tgtEl>
                                       </p:cBhvr>
                                     </p:animEffect>
                                   </p:childTnLst>
                                 </p:cTn>
                               </p:par>
-                            </p:childTnLst>
-                          </p:cTn>
-                        </p:par>
-                        <p:par>
-                          <p:cTn id="299" fill="hold">
-                            <p:stCondLst>
-                              <p:cond delay="57000"/>
-                            </p:stCondLst>
-                            <p:childTnLst>
-                              <p:par>
-                                <p:cTn id="300" presetID="0" presetClass="path" presetSubtype="0" accel="50000" decel="50000" fill="hold" grpId="1" nodeType="afterEffect">
+                              <p:par>
+                                <p:cTn id="288" presetID="10" presetClass="entr" presetSubtype="0" fill="hold" grpId="0" nodeType="withEffect">
                                   <p:stCondLst>
                                     <p:cond delay="0"/>
                                   </p:stCondLst>
                                   <p:childTnLst>
-                                    <p:animMotion origin="layout" path="M 0.00039 -0.00162 L -0.12148 0.14282 L 0.06836 0.21227 L 0.0668 0.21366 L 0.06836 0.21227 " pathEditMode="relative" ptsTypes="AAAAA">
-                                      <p:cBhvr>
-                                        <p:cTn id="301" dur="2000" fill="hold"/>
-                                        <p:tgtEl>
-                                          <p:spTgt spid="294"/>
-                                        </p:tgtEl>
-                                        <p:attrNameLst>
-                                          <p:attrName>ppt_x</p:attrName>
-                                          <p:attrName>ppt_y</p:attrName>
-                                        </p:attrNameLst>
-                                      </p:cBhvr>
-                                    </p:animMotion>
-                                  </p:childTnLst>
-                                </p:cTn>
-                              </p:par>
-                            </p:childTnLst>
-                          </p:cTn>
-                        </p:par>
-                        <p:par>
-                          <p:cTn id="302" fill="hold">
-                            <p:stCondLst>
-                              <p:cond delay="59000"/>
-                            </p:stCondLst>
-                            <p:childTnLst>
-                              <p:par>
-                                <p:cTn id="303" presetID="10" presetClass="exit" presetSubtype="0" fill="hold" grpId="1" nodeType="afterEffect">
-                                  <p:stCondLst>
-                                    <p:cond delay="0"/>
-                                  </p:stCondLst>
-                                  <p:childTnLst>
-                                    <p:animEffect transition="out" filter="fade">
-                                      <p:cBhvr>
-                                        <p:cTn id="304" dur="500"/>
-                                        <p:tgtEl>
-                                          <p:spTgt spid="278"/>
-                                        </p:tgtEl>
-                                      </p:cBhvr>
-                                    </p:animEffect>
                                     <p:set>
                                       <p:cBhvr>
-                                        <p:cTn id="305" dur="1" fill="hold">
-                                          <p:stCondLst>
-                                            <p:cond delay="499"/>
-                                          </p:stCondLst>
-                                        </p:cTn>
-                                        <p:tgtEl>
-                                          <p:spTgt spid="278"/>
-                                        </p:tgtEl>
-                                        <p:attrNameLst>
-                                          <p:attrName>style.visibility</p:attrName>
-                                        </p:attrNameLst>
-                                      </p:cBhvr>
-                                      <p:to>
-                                        <p:strVal val="hidden"/>
-                                      </p:to>
-                                    </p:set>
-                                  </p:childTnLst>
-                                </p:cTn>
-                              </p:par>
-                            </p:childTnLst>
-                          </p:cTn>
-                        </p:par>
-                        <p:par>
-                          <p:cTn id="306" fill="hold">
-                            <p:stCondLst>
-                              <p:cond delay="59500"/>
-                            </p:stCondLst>
-                            <p:childTnLst>
-                              <p:par>
-                                <p:cTn id="307" presetID="10" presetClass="entr" presetSubtype="0" fill="hold" grpId="0" nodeType="afterEffect">
-                                  <p:stCondLst>
-                                    <p:cond delay="500"/>
-                                  </p:stCondLst>
-                                  <p:childTnLst>
-                                    <p:set>
-                                      <p:cBhvr>
-                                        <p:cTn id="308" dur="1" fill="hold">
+                                        <p:cTn id="289" dur="1" fill="hold">
                                           <p:stCondLst>
                                             <p:cond delay="0"/>
                                           </p:stCondLst>
                                         </p:cTn>
                                         <p:tgtEl>
-                                          <p:spTgt spid="295"/>
+                                          <p:spTgt spid="276"/>
                                         </p:tgtEl>
                                         <p:attrNameLst>
                                           <p:attrName>style.visibility</p:attrName>
@@ -14235,9 +14610,9 @@
                                     </p:set>
                                     <p:animEffect transition="in" filter="fade">
                                       <p:cBhvr>
-                                        <p:cTn id="309" dur="1000"/>
-                                        <p:tgtEl>
-                                          <p:spTgt spid="295"/>
+                                        <p:cTn id="290" dur="1000"/>
+                                        <p:tgtEl>
+                                          <p:spTgt spid="276"/>
                                         </p:tgtEl>
                                       </p:cBhvr>
                                     </p:animEffect>
@@ -14248,51 +14623,95 @@
                           </p:cTn>
                         </p:par>
                         <p:par>
-                          <p:cTn id="310" fill="hold">
+                          <p:cTn id="291" fill="hold">
                             <p:stCondLst>
-                              <p:cond delay="61000"/>
+                              <p:cond delay="52000"/>
                             </p:stCondLst>
                             <p:childTnLst>
                               <p:par>
-                                <p:cTn id="311" presetID="42" presetClass="path" presetSubtype="0" accel="50000" decel="50000" fill="hold" nodeType="afterEffect">
+                                <p:cTn id="292" presetID="37" presetClass="path" presetSubtype="0" accel="50000" decel="50000" fill="hold" grpId="1" nodeType="afterEffect">
                                   <p:stCondLst>
                                     <p:cond delay="0"/>
                                   </p:stCondLst>
                                   <p:childTnLst>
-                                    <p:animMotion origin="layout" path="M -1.25E-6 -4.07407E-6 L 0.00365 0.11899 " pathEditMode="relative" rAng="0" ptsTypes="AA">
-                                      <p:cBhvr>
-                                        <p:cTn id="312" dur="2000" fill="hold"/>
-                                        <p:tgtEl>
-                                          <p:spTgt spid="73"/>
+                                    <p:animMotion origin="layout" path="M 4.58333E-6 -2.96296E-6 L 0.05195 0.04005 C 0.06276 0.04908 0.0789 0.05394 0.09596 0.05394 C 0.11536 0.05394 0.13085 0.04908 0.14166 0.04005 L 0.19375 -2.96296E-6 " pathEditMode="relative" rAng="0" ptsTypes="AAAAA">
+                                      <p:cBhvr>
+                                        <p:cTn id="293" dur="2000" fill="hold"/>
+                                        <p:tgtEl>
+                                          <p:spTgt spid="274"/>
                                         </p:tgtEl>
                                         <p:attrNameLst>
                                           <p:attrName>ppt_x</p:attrName>
                                           <p:attrName>ppt_y</p:attrName>
                                         </p:attrNameLst>
                                       </p:cBhvr>
-                                      <p:rCtr x="182" y="5949"/>
+                                      <p:rCtr x="9687" y="2685"/>
                                     </p:animMotion>
                                   </p:childTnLst>
                                 </p:cTn>
                               </p:par>
                               <p:par>
-                                <p:cTn id="313" presetID="42" presetClass="path" presetSubtype="0" accel="50000" decel="50000" fill="hold" nodeType="withEffect">
+                                <p:cTn id="294" presetID="44" presetClass="path" presetSubtype="0" accel="50000" decel="50000" fill="hold" grpId="1" nodeType="withEffect">
                                   <p:stCondLst>
                                     <p:cond delay="0"/>
                                   </p:stCondLst>
                                   <p:childTnLst>
-                                    <p:animMotion origin="layout" path="M 1.04167E-6 -4.07407E-6 L 0.00065 0.11389 " pathEditMode="relative" rAng="0" ptsTypes="AA">
-                                      <p:cBhvr>
-                                        <p:cTn id="314" dur="2000" fill="hold"/>
-                                        <p:tgtEl>
-                                          <p:spTgt spid="152"/>
+                                    <p:animMotion origin="layout" path="M 8.33333E-7 -7.40741E-7 L 0.05026 -0.04005 C 0.06081 -0.04907 0.07656 -0.05393 0.09297 -0.05393 C 0.11185 -0.05393 0.12682 -0.04907 0.13737 -0.04005 L 0.18776 -7.40741E-7 " pathEditMode="relative" rAng="0" ptsTypes="AAAAA">
+                                      <p:cBhvr>
+                                        <p:cTn id="295" dur="2000" fill="hold"/>
+                                        <p:tgtEl>
+                                          <p:spTgt spid="273"/>
                                         </p:tgtEl>
                                         <p:attrNameLst>
                                           <p:attrName>ppt_x</p:attrName>
                                           <p:attrName>ppt_y</p:attrName>
                                         </p:attrNameLst>
                                       </p:cBhvr>
-                                      <p:rCtr x="26" y="5694"/>
+                                      <p:rCtr x="9388" y="-2708"/>
+                                    </p:animMotion>
+                                  </p:childTnLst>
+                                </p:cTn>
+                              </p:par>
+                              <p:par>
+                                <p:cTn id="296" presetID="44" presetClass="path" presetSubtype="0" accel="50000" decel="50000" fill="hold" grpId="1" nodeType="withEffect">
+                                  <p:stCondLst>
+                                    <p:cond delay="0"/>
+                                  </p:stCondLst>
+                                  <p:childTnLst>
+                                    <p:animMotion origin="layout" path="M 2.5E-6 4.07407E-6 L -0.05104 -0.04005 C -0.06172 -0.04908 -0.07761 -0.05394 -0.0944 -0.05394 C -0.11341 -0.05394 -0.12865 -0.04908 -0.13933 -0.04005 L -0.19024 4.07407E-6 " pathEditMode="relative" rAng="0" ptsTypes="AAAAA">
+                                      <p:cBhvr>
+                                        <p:cTn id="297" dur="2000" fill="hold"/>
+                                        <p:tgtEl>
+                                          <p:spTgt spid="275"/>
+                                        </p:tgtEl>
+                                        <p:attrNameLst>
+                                          <p:attrName>ppt_x</p:attrName>
+                                          <p:attrName>ppt_y</p:attrName>
+                                        </p:attrNameLst>
+                                      </p:cBhvr>
+                                      <p:rCtr x="-9518" y="-2708"/>
+                                    </p:animMotion>
+                                  </p:childTnLst>
+                                </p:cTn>
+                              </p:par>
+                              <p:par>
+                                <p:cTn id="298" presetID="37" presetClass="path" presetSubtype="0" accel="50000" decel="50000" fill="hold" grpId="1" nodeType="withEffect">
+                                  <p:stCondLst>
+                                    <p:cond delay="0"/>
+                                  </p:stCondLst>
+                                  <p:childTnLst>
+                                    <p:animMotion origin="layout" path="M -6.25E-7 -2.59259E-6 L -0.05065 0.04005 C -0.0612 0.04908 -0.07695 0.05394 -0.09362 0.05394 C -0.1125 0.05394 -0.1276 0.04908 -0.13815 0.04005 L -0.18867 -2.59259E-6 " pathEditMode="relative" rAng="0" ptsTypes="AAAAA">
+                                      <p:cBhvr>
+                                        <p:cTn id="299" dur="2000" fill="hold"/>
+                                        <p:tgtEl>
+                                          <p:spTgt spid="276"/>
+                                        </p:tgtEl>
+                                        <p:attrNameLst>
+                                          <p:attrName>ppt_x</p:attrName>
+                                          <p:attrName>ppt_y</p:attrName>
+                                        </p:attrNameLst>
+                                      </p:cBhvr>
+                                      <p:rCtr x="-9440" y="2685"/>
                                     </p:animMotion>
                                   </p:childTnLst>
                                 </p:cTn>
@@ -14301,34 +14720,34 @@
                           </p:cTn>
                         </p:par>
                         <p:par>
-                          <p:cTn id="315" fill="hold">
+                          <p:cTn id="300" fill="hold">
                             <p:stCondLst>
-                              <p:cond delay="63000"/>
+                              <p:cond delay="54000"/>
                             </p:stCondLst>
                             <p:childTnLst>
                               <p:par>
-                                <p:cTn id="316" presetID="10" presetClass="exit" presetSubtype="0" fill="hold" nodeType="afterEffect">
+                                <p:cTn id="301" presetID="10" presetClass="exit" presetSubtype="0" fill="hold" grpId="2" nodeType="afterEffect">
                                   <p:stCondLst>
                                     <p:cond delay="0"/>
                                   </p:stCondLst>
                                   <p:childTnLst>
                                     <p:animEffect transition="out" filter="fade">
                                       <p:cBhvr>
-                                        <p:cTn id="317" dur="500"/>
-                                        <p:tgtEl>
-                                          <p:spTgt spid="73"/>
+                                        <p:cTn id="302" dur="500"/>
+                                        <p:tgtEl>
+                                          <p:spTgt spid="274"/>
                                         </p:tgtEl>
                                       </p:cBhvr>
                                     </p:animEffect>
                                     <p:set>
                                       <p:cBhvr>
-                                        <p:cTn id="318" dur="1" fill="hold">
+                                        <p:cTn id="303" dur="1" fill="hold">
                                           <p:stCondLst>
                                             <p:cond delay="499"/>
                                           </p:stCondLst>
                                         </p:cTn>
                                         <p:tgtEl>
-                                          <p:spTgt spid="73"/>
+                                          <p:spTgt spid="274"/>
                                         </p:tgtEl>
                                         <p:attrNameLst>
                                           <p:attrName>style.visibility</p:attrName>
@@ -14342,28 +14761,28 @@
                                 </p:cTn>
                               </p:par>
                               <p:par>
-                                <p:cTn id="319" presetID="10" presetClass="exit" presetSubtype="0" fill="hold" nodeType="withEffect">
+                                <p:cTn id="304" presetID="10" presetClass="exit" presetSubtype="0" fill="hold" grpId="2" nodeType="withEffect">
                                   <p:stCondLst>
                                     <p:cond delay="0"/>
                                   </p:stCondLst>
                                   <p:childTnLst>
                                     <p:animEffect transition="out" filter="fade">
                                       <p:cBhvr>
-                                        <p:cTn id="320" dur="500"/>
-                                        <p:tgtEl>
-                                          <p:spTgt spid="152"/>
+                                        <p:cTn id="305" dur="500"/>
+                                        <p:tgtEl>
+                                          <p:spTgt spid="273"/>
                                         </p:tgtEl>
                                       </p:cBhvr>
                                     </p:animEffect>
                                     <p:set>
                                       <p:cBhvr>
-                                        <p:cTn id="321" dur="1" fill="hold">
+                                        <p:cTn id="306" dur="1" fill="hold">
                                           <p:stCondLst>
                                             <p:cond delay="499"/>
                                           </p:stCondLst>
                                         </p:cTn>
                                         <p:tgtEl>
-                                          <p:spTgt spid="152"/>
+                                          <p:spTgt spid="273"/>
                                         </p:tgtEl>
                                         <p:attrNameLst>
                                           <p:attrName>style.visibility</p:attrName>
@@ -14377,20 +14796,99 @@
                                 </p:cTn>
                               </p:par>
                               <p:par>
-                                <p:cTn id="322" presetID="10" presetClass="entr" presetSubtype="0" fill="hold" nodeType="withEffect">
+                                <p:cTn id="307" presetID="10" presetClass="exit" presetSubtype="0" fill="hold" grpId="2" nodeType="withEffect">
                                   <p:stCondLst>
                                     <p:cond delay="0"/>
                                   </p:stCondLst>
                                   <p:childTnLst>
+                                    <p:animEffect transition="out" filter="fade">
+                                      <p:cBhvr>
+                                        <p:cTn id="308" dur="500"/>
+                                        <p:tgtEl>
+                                          <p:spTgt spid="275"/>
+                                        </p:tgtEl>
+                                      </p:cBhvr>
+                                    </p:animEffect>
                                     <p:set>
                                       <p:cBhvr>
-                                        <p:cTn id="323" dur="1" fill="hold">
+                                        <p:cTn id="309" dur="1" fill="hold">
+                                          <p:stCondLst>
+                                            <p:cond delay="499"/>
+                                          </p:stCondLst>
+                                        </p:cTn>
+                                        <p:tgtEl>
+                                          <p:spTgt spid="275"/>
+                                        </p:tgtEl>
+                                        <p:attrNameLst>
+                                          <p:attrName>style.visibility</p:attrName>
+                                        </p:attrNameLst>
+                                      </p:cBhvr>
+                                      <p:to>
+                                        <p:strVal val="hidden"/>
+                                      </p:to>
+                                    </p:set>
+                                  </p:childTnLst>
+                                </p:cTn>
+                              </p:par>
+                              <p:par>
+                                <p:cTn id="310" presetID="10" presetClass="exit" presetSubtype="0" fill="hold" grpId="2" nodeType="withEffect">
+                                  <p:stCondLst>
+                                    <p:cond delay="0"/>
+                                  </p:stCondLst>
+                                  <p:childTnLst>
+                                    <p:animEffect transition="out" filter="fade">
+                                      <p:cBhvr>
+                                        <p:cTn id="311" dur="500"/>
+                                        <p:tgtEl>
+                                          <p:spTgt spid="276"/>
+                                        </p:tgtEl>
+                                      </p:cBhvr>
+                                    </p:animEffect>
+                                    <p:set>
+                                      <p:cBhvr>
+                                        <p:cTn id="312" dur="1" fill="hold">
+                                          <p:stCondLst>
+                                            <p:cond delay="499"/>
+                                          </p:stCondLst>
+                                        </p:cTn>
+                                        <p:tgtEl>
+                                          <p:spTgt spid="276"/>
+                                        </p:tgtEl>
+                                        <p:attrNameLst>
+                                          <p:attrName>style.visibility</p:attrName>
+                                        </p:attrNameLst>
+                                      </p:cBhvr>
+                                      <p:to>
+                                        <p:strVal val="hidden"/>
+                                      </p:to>
+                                    </p:set>
+                                  </p:childTnLst>
+                                </p:cTn>
+                              </p:par>
+                            </p:childTnLst>
+                          </p:cTn>
+                        </p:par>
+                        <p:par>
+                          <p:cTn id="313" fill="hold">
+                            <p:stCondLst>
+                              <p:cond delay="54500"/>
+                            </p:stCondLst>
+                            <p:childTnLst>
+                              <p:par>
+                                <p:cTn id="314" presetID="10" presetClass="entr" presetSubtype="0" fill="hold" grpId="0" nodeType="afterEffect">
+                                  <p:stCondLst>
+                                    <p:cond delay="0"/>
+                                  </p:stCondLst>
+                                  <p:childTnLst>
+                                    <p:set>
+                                      <p:cBhvr>
+                                        <p:cTn id="315" dur="1" fill="hold">
                                           <p:stCondLst>
                                             <p:cond delay="0"/>
                                           </p:stCondLst>
                                         </p:cTn>
                                         <p:tgtEl>
-                                          <p:spTgt spid="296"/>
+                                          <p:spTgt spid="145"/>
                                         </p:tgtEl>
                                         <p:attrNameLst>
                                           <p:attrName>style.visibility</p:attrName>
@@ -14402,9 +14900,9 @@
                                     </p:set>
                                     <p:animEffect transition="in" filter="fade">
                                       <p:cBhvr>
-                                        <p:cTn id="324" dur="500"/>
-                                        <p:tgtEl>
-                                          <p:spTgt spid="296"/>
+                                        <p:cTn id="316" dur="1000"/>
+                                        <p:tgtEl>
+                                          <p:spTgt spid="145"/>
                                         </p:tgtEl>
                                       </p:cBhvr>
                                     </p:animEffect>
@@ -14412,20 +14910,20 @@
                                 </p:cTn>
                               </p:par>
                               <p:par>
-                                <p:cTn id="325" presetID="10" presetClass="entr" presetSubtype="0" fill="hold" nodeType="withEffect">
+                                <p:cTn id="317" presetID="10" presetClass="entr" presetSubtype="0" fill="hold" grpId="0" nodeType="withEffect">
                                   <p:stCondLst>
                                     <p:cond delay="0"/>
                                   </p:stCondLst>
                                   <p:childTnLst>
                                     <p:set>
                                       <p:cBhvr>
-                                        <p:cTn id="326" dur="1" fill="hold">
+                                        <p:cTn id="318" dur="1" fill="hold">
                                           <p:stCondLst>
                                             <p:cond delay="0"/>
                                           </p:stCondLst>
                                         </p:cTn>
                                         <p:tgtEl>
-                                          <p:spTgt spid="301"/>
+                                          <p:spTgt spid="158"/>
                                         </p:tgtEl>
                                         <p:attrNameLst>
                                           <p:attrName>style.visibility</p:attrName>
@@ -14437,9 +14935,9 @@
                                     </p:set>
                                     <p:animEffect transition="in" filter="fade">
                                       <p:cBhvr>
-                                        <p:cTn id="327" dur="500"/>
-                                        <p:tgtEl>
-                                          <p:spTgt spid="301"/>
+                                        <p:cTn id="319" dur="1000"/>
+                                        <p:tgtEl>
+                                          <p:spTgt spid="158"/>
                                         </p:tgtEl>
                                       </p:cBhvr>
                                     </p:animEffect>
@@ -14447,20 +14945,20 @@
                                 </p:cTn>
                               </p:par>
                               <p:par>
-                                <p:cTn id="328" presetID="10" presetClass="entr" presetSubtype="0" fill="hold" nodeType="withEffect">
+                                <p:cTn id="320" presetID="10" presetClass="entr" presetSubtype="0" fill="hold" grpId="0" nodeType="withEffect">
                                   <p:stCondLst>
                                     <p:cond delay="0"/>
                                   </p:stCondLst>
                                   <p:childTnLst>
                                     <p:set>
                                       <p:cBhvr>
-                                        <p:cTn id="329" dur="1" fill="hold">
+                                        <p:cTn id="321" dur="1" fill="hold">
                                           <p:stCondLst>
                                             <p:cond delay="0"/>
                                           </p:stCondLst>
                                         </p:cTn>
                                         <p:tgtEl>
-                                          <p:spTgt spid="306"/>
+                                          <p:spTgt spid="148"/>
                                         </p:tgtEl>
                                         <p:attrNameLst>
                                           <p:attrName>style.visibility</p:attrName>
@@ -14472,42 +14970,30 @@
                                     </p:set>
                                     <p:animEffect transition="in" filter="fade">
                                       <p:cBhvr>
-                                        <p:cTn id="330" dur="500"/>
-                                        <p:tgtEl>
-                                          <p:spTgt spid="306"/>
+                                        <p:cTn id="322" dur="1000"/>
+                                        <p:tgtEl>
+                                          <p:spTgt spid="148"/>
                                         </p:tgtEl>
                                       </p:cBhvr>
                                     </p:animEffect>
                                   </p:childTnLst>
                                 </p:cTn>
                               </p:par>
-                            </p:childTnLst>
-                          </p:cTn>
-                        </p:par>
-                        <p:par>
-                          <p:cTn id="331" fill="hold">
-                            <p:stCondLst>
-                              <p:cond delay="63500"/>
-                            </p:stCondLst>
-                            <p:childTnLst>
-                              <p:par>
-                                <p:cTn id="332" presetID="10" presetClass="entr" presetSubtype="0" fill="hold" grpId="0" nodeType="afterEffect">
+                              <p:par>
+                                <p:cTn id="323" presetID="10" presetClass="entr" presetSubtype="0" fill="hold" grpId="0" nodeType="withEffect">
                                   <p:stCondLst>
                                     <p:cond delay="0"/>
                                   </p:stCondLst>
-                                  <p:iterate type="lt">
-                                    <p:tmPct val="0"/>
-                                  </p:iterate>
                                   <p:childTnLst>
                                     <p:set>
                                       <p:cBhvr>
-                                        <p:cTn id="333" dur="1" fill="hold">
+                                        <p:cTn id="324" dur="1" fill="hold">
                                           <p:stCondLst>
                                             <p:cond delay="0"/>
                                           </p:stCondLst>
                                         </p:cTn>
                                         <p:tgtEl>
-                                          <p:spTgt spid="311"/>
+                                          <p:spTgt spid="160"/>
                                         </p:tgtEl>
                                         <p:attrNameLst>
                                           <p:attrName>style.visibility</p:attrName>
@@ -14519,33 +15005,329 @@
                                     </p:set>
                                     <p:animEffect transition="in" filter="fade">
                                       <p:cBhvr>
-                                        <p:cTn id="334" dur="500"/>
-                                        <p:tgtEl>
-                                          <p:spTgt spid="311"/>
+                                        <p:cTn id="325" dur="1000"/>
+                                        <p:tgtEl>
+                                          <p:spTgt spid="160"/>
                                         </p:tgtEl>
                                       </p:cBhvr>
                                     </p:animEffect>
                                   </p:childTnLst>
                                 </p:cTn>
                               </p:par>
-                              <p:par>
-                                <p:cTn id="335" presetID="10" presetClass="entr" presetSubtype="0" fill="hold" grpId="0" nodeType="withEffect">
+                            </p:childTnLst>
+                          </p:cTn>
+                        </p:par>
+                        <p:par>
+                          <p:cTn id="326" fill="hold">
+                            <p:stCondLst>
+                              <p:cond delay="55500"/>
+                            </p:stCondLst>
+                            <p:childTnLst>
+                              <p:par>
+                                <p:cTn id="327" presetID="37" presetClass="path" presetSubtype="0" accel="50000" decel="50000" fill="hold" grpId="1" nodeType="afterEffect">
                                   <p:stCondLst>
                                     <p:cond delay="0"/>
                                   </p:stCondLst>
-                                  <p:iterate type="lt">
-                                    <p:tmPct val="0"/>
-                                  </p:iterate>
-                                  <p:childTnLst>
+                                  <p:childTnLst>
+                                    <p:animMotion origin="layout" path="M 4.58333E-6 -2.96296E-6 L 0.05195 0.04005 C 0.06276 0.04908 0.0789 0.05394 0.09596 0.05394 C 0.11536 0.05394 0.13085 0.04908 0.14166 0.04005 L 0.19375 -2.96296E-6 " pathEditMode="relative" rAng="0" ptsTypes="AAAAA">
+                                      <p:cBhvr>
+                                        <p:cTn id="328" dur="2000" fill="hold"/>
+                                        <p:tgtEl>
+                                          <p:spTgt spid="148"/>
+                                        </p:tgtEl>
+                                        <p:attrNameLst>
+                                          <p:attrName>ppt_x</p:attrName>
+                                          <p:attrName>ppt_y</p:attrName>
+                                        </p:attrNameLst>
+                                      </p:cBhvr>
+                                      <p:rCtr x="9687" y="2685"/>
+                                    </p:animMotion>
+                                  </p:childTnLst>
+                                </p:cTn>
+                              </p:par>
+                              <p:par>
+                                <p:cTn id="329" presetID="44" presetClass="path" presetSubtype="0" accel="50000" decel="50000" fill="hold" grpId="1" nodeType="withEffect">
+                                  <p:stCondLst>
+                                    <p:cond delay="0"/>
+                                  </p:stCondLst>
+                                  <p:childTnLst>
+                                    <p:animMotion origin="layout" path="M 8.33333E-7 -7.40741E-7 L 0.05026 -0.04005 C 0.06081 -0.04907 0.07656 -0.05393 0.09297 -0.05393 C 0.11185 -0.05393 0.12682 -0.04907 0.13737 -0.04005 L 0.18776 -7.40741E-7 " pathEditMode="relative" rAng="0" ptsTypes="AAAAA">
+                                      <p:cBhvr>
+                                        <p:cTn id="330" dur="2000" fill="hold"/>
+                                        <p:tgtEl>
+                                          <p:spTgt spid="145"/>
+                                        </p:tgtEl>
+                                        <p:attrNameLst>
+                                          <p:attrName>ppt_x</p:attrName>
+                                          <p:attrName>ppt_y</p:attrName>
+                                        </p:attrNameLst>
+                                      </p:cBhvr>
+                                      <p:rCtr x="9388" y="-2708"/>
+                                    </p:animMotion>
+                                  </p:childTnLst>
+                                </p:cTn>
+                              </p:par>
+                              <p:par>
+                                <p:cTn id="331" presetID="44" presetClass="path" presetSubtype="0" accel="50000" decel="50000" fill="hold" grpId="1" nodeType="withEffect">
+                                  <p:stCondLst>
+                                    <p:cond delay="0"/>
+                                  </p:stCondLst>
+                                  <p:childTnLst>
+                                    <p:animMotion origin="layout" path="M 2.5E-6 4.07407E-6 L -0.05104 -0.04005 C -0.06172 -0.04908 -0.07761 -0.05394 -0.0944 -0.05394 C -0.11341 -0.05394 -0.12865 -0.04908 -0.13933 -0.04005 L -0.19024 4.07407E-6 " pathEditMode="relative" rAng="0" ptsTypes="AAAAA">
+                                      <p:cBhvr>
+                                        <p:cTn id="332" dur="2000" fill="hold"/>
+                                        <p:tgtEl>
+                                          <p:spTgt spid="158"/>
+                                        </p:tgtEl>
+                                        <p:attrNameLst>
+                                          <p:attrName>ppt_x</p:attrName>
+                                          <p:attrName>ppt_y</p:attrName>
+                                        </p:attrNameLst>
+                                      </p:cBhvr>
+                                      <p:rCtr x="-9518" y="-2708"/>
+                                    </p:animMotion>
+                                  </p:childTnLst>
+                                </p:cTn>
+                              </p:par>
+                              <p:par>
+                                <p:cTn id="333" presetID="37" presetClass="path" presetSubtype="0" accel="50000" decel="50000" fill="hold" grpId="1" nodeType="withEffect">
+                                  <p:stCondLst>
+                                    <p:cond delay="0"/>
+                                  </p:stCondLst>
+                                  <p:childTnLst>
+                                    <p:animMotion origin="layout" path="M -6.25E-7 -2.59259E-6 L -0.05065 0.04005 C -0.0612 0.04908 -0.07695 0.05394 -0.09362 0.05394 C -0.1125 0.05394 -0.1276 0.04908 -0.13815 0.04005 L -0.18867 -2.59259E-6 " pathEditMode="relative" rAng="0" ptsTypes="AAAAA">
+                                      <p:cBhvr>
+                                        <p:cTn id="334" dur="2000" fill="hold"/>
+                                        <p:tgtEl>
+                                          <p:spTgt spid="160"/>
+                                        </p:tgtEl>
+                                        <p:attrNameLst>
+                                          <p:attrName>ppt_x</p:attrName>
+                                          <p:attrName>ppt_y</p:attrName>
+                                        </p:attrNameLst>
+                                      </p:cBhvr>
+                                      <p:rCtr x="-9440" y="2685"/>
+                                    </p:animMotion>
+                                  </p:childTnLst>
+                                </p:cTn>
+                              </p:par>
+                            </p:childTnLst>
+                          </p:cTn>
+                        </p:par>
+                        <p:par>
+                          <p:cTn id="335" fill="hold">
+                            <p:stCondLst>
+                              <p:cond delay="57500"/>
+                            </p:stCondLst>
+                            <p:childTnLst>
+                              <p:par>
+                                <p:cTn id="336" presetID="10" presetClass="exit" presetSubtype="0" fill="hold" grpId="2" nodeType="afterEffect">
+                                  <p:stCondLst>
+                                    <p:cond delay="0"/>
+                                  </p:stCondLst>
+                                  <p:childTnLst>
+                                    <p:animEffect transition="out" filter="fade">
+                                      <p:cBhvr>
+                                        <p:cTn id="337" dur="500"/>
+                                        <p:tgtEl>
+                                          <p:spTgt spid="148"/>
+                                        </p:tgtEl>
+                                      </p:cBhvr>
+                                    </p:animEffect>
                                     <p:set>
                                       <p:cBhvr>
-                                        <p:cTn id="336" dur="1" fill="hold">
+                                        <p:cTn id="338" dur="1" fill="hold">
+                                          <p:stCondLst>
+                                            <p:cond delay="499"/>
+                                          </p:stCondLst>
+                                        </p:cTn>
+                                        <p:tgtEl>
+                                          <p:spTgt spid="148"/>
+                                        </p:tgtEl>
+                                        <p:attrNameLst>
+                                          <p:attrName>style.visibility</p:attrName>
+                                        </p:attrNameLst>
+                                      </p:cBhvr>
+                                      <p:to>
+                                        <p:strVal val="hidden"/>
+                                      </p:to>
+                                    </p:set>
+                                  </p:childTnLst>
+                                </p:cTn>
+                              </p:par>
+                              <p:par>
+                                <p:cTn id="339" presetID="10" presetClass="exit" presetSubtype="0" fill="hold" grpId="2" nodeType="withEffect">
+                                  <p:stCondLst>
+                                    <p:cond delay="0"/>
+                                  </p:stCondLst>
+                                  <p:childTnLst>
+                                    <p:animEffect transition="out" filter="fade">
+                                      <p:cBhvr>
+                                        <p:cTn id="340" dur="500"/>
+                                        <p:tgtEl>
+                                          <p:spTgt spid="145"/>
+                                        </p:tgtEl>
+                                      </p:cBhvr>
+                                    </p:animEffect>
+                                    <p:set>
+                                      <p:cBhvr>
+                                        <p:cTn id="341" dur="1" fill="hold">
+                                          <p:stCondLst>
+                                            <p:cond delay="499"/>
+                                          </p:stCondLst>
+                                        </p:cTn>
+                                        <p:tgtEl>
+                                          <p:spTgt spid="145"/>
+                                        </p:tgtEl>
+                                        <p:attrNameLst>
+                                          <p:attrName>style.visibility</p:attrName>
+                                        </p:attrNameLst>
+                                      </p:cBhvr>
+                                      <p:to>
+                                        <p:strVal val="hidden"/>
+                                      </p:to>
+                                    </p:set>
+                                  </p:childTnLst>
+                                </p:cTn>
+                              </p:par>
+                              <p:par>
+                                <p:cTn id="342" presetID="10" presetClass="exit" presetSubtype="0" fill="hold" grpId="2" nodeType="withEffect">
+                                  <p:stCondLst>
+                                    <p:cond delay="0"/>
+                                  </p:stCondLst>
+                                  <p:childTnLst>
+                                    <p:animEffect transition="out" filter="fade">
+                                      <p:cBhvr>
+                                        <p:cTn id="343" dur="500"/>
+                                        <p:tgtEl>
+                                          <p:spTgt spid="158"/>
+                                        </p:tgtEl>
+                                      </p:cBhvr>
+                                    </p:animEffect>
+                                    <p:set>
+                                      <p:cBhvr>
+                                        <p:cTn id="344" dur="1" fill="hold">
+                                          <p:stCondLst>
+                                            <p:cond delay="499"/>
+                                          </p:stCondLst>
+                                        </p:cTn>
+                                        <p:tgtEl>
+                                          <p:spTgt spid="158"/>
+                                        </p:tgtEl>
+                                        <p:attrNameLst>
+                                          <p:attrName>style.visibility</p:attrName>
+                                        </p:attrNameLst>
+                                      </p:cBhvr>
+                                      <p:to>
+                                        <p:strVal val="hidden"/>
+                                      </p:to>
+                                    </p:set>
+                                  </p:childTnLst>
+                                </p:cTn>
+                              </p:par>
+                              <p:par>
+                                <p:cTn id="345" presetID="10" presetClass="exit" presetSubtype="0" fill="hold" grpId="2" nodeType="withEffect">
+                                  <p:stCondLst>
+                                    <p:cond delay="0"/>
+                                  </p:stCondLst>
+                                  <p:childTnLst>
+                                    <p:animEffect transition="out" filter="fade">
+                                      <p:cBhvr>
+                                        <p:cTn id="346" dur="500"/>
+                                        <p:tgtEl>
+                                          <p:spTgt spid="160"/>
+                                        </p:tgtEl>
+                                      </p:cBhvr>
+                                    </p:animEffect>
+                                    <p:set>
+                                      <p:cBhvr>
+                                        <p:cTn id="347" dur="1" fill="hold">
+                                          <p:stCondLst>
+                                            <p:cond delay="499"/>
+                                          </p:stCondLst>
+                                        </p:cTn>
+                                        <p:tgtEl>
+                                          <p:spTgt spid="160"/>
+                                        </p:tgtEl>
+                                        <p:attrNameLst>
+                                          <p:attrName>style.visibility</p:attrName>
+                                        </p:attrNameLst>
+                                      </p:cBhvr>
+                                      <p:to>
+                                        <p:strVal val="hidden"/>
+                                      </p:to>
+                                    </p:set>
+                                  </p:childTnLst>
+                                </p:cTn>
+                              </p:par>
+                            </p:childTnLst>
+                          </p:cTn>
+                        </p:par>
+                        <p:par>
+                          <p:cTn id="348" fill="hold">
+                            <p:stCondLst>
+                              <p:cond delay="58000"/>
+                            </p:stCondLst>
+                            <p:childTnLst>
+                              <p:par>
+                                <p:cTn id="349" presetID="10" presetClass="exit" presetSubtype="0" fill="hold" grpId="1" nodeType="afterEffect">
+                                  <p:stCondLst>
+                                    <p:cond delay="0"/>
+                                  </p:stCondLst>
+                                  <p:childTnLst>
+                                    <p:animEffect transition="out" filter="fade">
+                                      <p:cBhvr>
+                                        <p:cTn id="350" dur="500"/>
+                                        <p:tgtEl>
+                                          <p:spTgt spid="262"/>
+                                        </p:tgtEl>
+                                      </p:cBhvr>
+                                    </p:animEffect>
+                                    <p:set>
+                                      <p:cBhvr>
+                                        <p:cTn id="351" dur="1" fill="hold">
+                                          <p:stCondLst>
+                                            <p:cond delay="499"/>
+                                          </p:stCondLst>
+                                        </p:cTn>
+                                        <p:tgtEl>
+                                          <p:spTgt spid="262"/>
+                                        </p:tgtEl>
+                                        <p:attrNameLst>
+                                          <p:attrName>style.visibility</p:attrName>
+                                        </p:attrNameLst>
+                                      </p:cBhvr>
+                                      <p:to>
+                                        <p:strVal val="hidden"/>
+                                      </p:to>
+                                    </p:set>
+                                  </p:childTnLst>
+                                </p:cTn>
+                              </p:par>
+                            </p:childTnLst>
+                          </p:cTn>
+                        </p:par>
+                        <p:par>
+                          <p:cTn id="352" fill="hold">
+                            <p:stCondLst>
+                              <p:cond delay="58500"/>
+                            </p:stCondLst>
+                            <p:childTnLst>
+                              <p:par>
+                                <p:cTn id="353" presetID="10" presetClass="entr" presetSubtype="0" fill="hold" grpId="0" nodeType="afterEffect">
+                                  <p:stCondLst>
+                                    <p:cond delay="500"/>
+                                  </p:stCondLst>
+                                  <p:childTnLst>
+                                    <p:set>
+                                      <p:cBhvr>
+                                        <p:cTn id="354" dur="1" fill="hold">
                                           <p:stCondLst>
                                             <p:cond delay="0"/>
                                           </p:stCondLst>
                                         </p:cTn>
                                         <p:tgtEl>
-                                          <p:spTgt spid="312"/>
+                                          <p:spTgt spid="278"/>
                                         </p:tgtEl>
                                         <p:attrNameLst>
                                           <p:attrName>style.visibility</p:attrName>
@@ -14557,219 +15339,9 @@
                                     </p:set>
                                     <p:animEffect transition="in" filter="fade">
                                       <p:cBhvr>
-                                        <p:cTn id="337" dur="500"/>
-                                        <p:tgtEl>
-                                          <p:spTgt spid="312"/>
-                                        </p:tgtEl>
-                                      </p:cBhvr>
-                                    </p:animEffect>
-                                  </p:childTnLst>
-                                </p:cTn>
-                              </p:par>
-                              <p:par>
-                                <p:cTn id="338" presetID="10" presetClass="entr" presetSubtype="0" fill="hold" nodeType="withEffect">
-                                  <p:stCondLst>
-                                    <p:cond delay="0"/>
-                                  </p:stCondLst>
-                                  <p:childTnLst>
-                                    <p:set>
-                                      <p:cBhvr>
-                                        <p:cTn id="339" dur="1" fill="hold">
-                                          <p:stCondLst>
-                                            <p:cond delay="0"/>
-                                          </p:stCondLst>
-                                        </p:cTn>
-                                        <p:tgtEl>
-                                          <p:spTgt spid="347"/>
-                                        </p:tgtEl>
-                                        <p:attrNameLst>
-                                          <p:attrName>style.visibility</p:attrName>
-                                        </p:attrNameLst>
-                                      </p:cBhvr>
-                                      <p:to>
-                                        <p:strVal val="visible"/>
-                                      </p:to>
-                                    </p:set>
-                                    <p:animEffect transition="in" filter="fade">
-                                      <p:cBhvr>
-                                        <p:cTn id="340" dur="500"/>
-                                        <p:tgtEl>
-                                          <p:spTgt spid="347"/>
-                                        </p:tgtEl>
-                                      </p:cBhvr>
-                                    </p:animEffect>
-                                  </p:childTnLst>
-                                </p:cTn>
-                              </p:par>
-                              <p:par>
-                                <p:cTn id="341" presetID="10" presetClass="entr" presetSubtype="0" fill="hold" nodeType="withEffect">
-                                  <p:stCondLst>
-                                    <p:cond delay="0"/>
-                                  </p:stCondLst>
-                                  <p:childTnLst>
-                                    <p:set>
-                                      <p:cBhvr>
-                                        <p:cTn id="342" dur="1" fill="hold">
-                                          <p:stCondLst>
-                                            <p:cond delay="0"/>
-                                          </p:stCondLst>
-                                        </p:cTn>
-                                        <p:tgtEl>
-                                          <p:spTgt spid="327"/>
-                                        </p:tgtEl>
-                                        <p:attrNameLst>
-                                          <p:attrName>style.visibility</p:attrName>
-                                        </p:attrNameLst>
-                                      </p:cBhvr>
-                                      <p:to>
-                                        <p:strVal val="visible"/>
-                                      </p:to>
-                                    </p:set>
-                                    <p:animEffect transition="in" filter="fade">
-                                      <p:cBhvr>
-                                        <p:cTn id="343" dur="500"/>
-                                        <p:tgtEl>
-                                          <p:spTgt spid="327"/>
-                                        </p:tgtEl>
-                                      </p:cBhvr>
-                                    </p:animEffect>
-                                  </p:childTnLst>
-                                </p:cTn>
-                              </p:par>
-                              <p:par>
-                                <p:cTn id="344" presetID="10" presetClass="entr" presetSubtype="0" fill="hold" nodeType="withEffect">
-                                  <p:stCondLst>
-                                    <p:cond delay="0"/>
-                                  </p:stCondLst>
-                                  <p:childTnLst>
-                                    <p:set>
-                                      <p:cBhvr>
-                                        <p:cTn id="345" dur="1" fill="hold">
-                                          <p:stCondLst>
-                                            <p:cond delay="0"/>
-                                          </p:stCondLst>
-                                        </p:cTn>
-                                        <p:tgtEl>
-                                          <p:spTgt spid="338"/>
-                                        </p:tgtEl>
-                                        <p:attrNameLst>
-                                          <p:attrName>style.visibility</p:attrName>
-                                        </p:attrNameLst>
-                                      </p:cBhvr>
-                                      <p:to>
-                                        <p:strVal val="visible"/>
-                                      </p:to>
-                                    </p:set>
-                                    <p:animEffect transition="in" filter="fade">
-                                      <p:cBhvr>
-                                        <p:cTn id="346" dur="500"/>
-                                        <p:tgtEl>
-                                          <p:spTgt spid="338"/>
-                                        </p:tgtEl>
-                                      </p:cBhvr>
-                                    </p:animEffect>
-                                  </p:childTnLst>
-                                </p:cTn>
-                              </p:par>
-                              <p:par>
-                                <p:cTn id="347" presetID="10" presetClass="entr" presetSubtype="0" fill="hold" nodeType="withEffect">
-                                  <p:stCondLst>
-                                    <p:cond delay="0"/>
-                                  </p:stCondLst>
-                                  <p:childTnLst>
-                                    <p:set>
-                                      <p:cBhvr>
-                                        <p:cTn id="348" dur="1" fill="hold">
-                                          <p:stCondLst>
-                                            <p:cond delay="0"/>
-                                          </p:stCondLst>
-                                        </p:cTn>
-                                        <p:tgtEl>
-                                          <p:spTgt spid="333"/>
-                                        </p:tgtEl>
-                                        <p:attrNameLst>
-                                          <p:attrName>style.visibility</p:attrName>
-                                        </p:attrNameLst>
-                                      </p:cBhvr>
-                                      <p:to>
-                                        <p:strVal val="visible"/>
-                                      </p:to>
-                                    </p:set>
-                                    <p:animEffect transition="in" filter="fade">
-                                      <p:cBhvr>
-                                        <p:cTn id="349" dur="500"/>
-                                        <p:tgtEl>
-                                          <p:spTgt spid="333"/>
-                                        </p:tgtEl>
-                                      </p:cBhvr>
-                                    </p:animEffect>
-                                  </p:childTnLst>
-                                </p:cTn>
-                              </p:par>
-                              <p:par>
-                                <p:cTn id="350" presetID="10" presetClass="entr" presetSubtype="0" fill="hold" nodeType="withEffect">
-                                  <p:stCondLst>
-                                    <p:cond delay="0"/>
-                                  </p:stCondLst>
-                                  <p:childTnLst>
-                                    <p:set>
-                                      <p:cBhvr>
-                                        <p:cTn id="351" dur="1" fill="hold">
-                                          <p:stCondLst>
-                                            <p:cond delay="0"/>
-                                          </p:stCondLst>
-                                        </p:cTn>
-                                        <p:tgtEl>
-                                          <p:spTgt spid="341"/>
-                                        </p:tgtEl>
-                                        <p:attrNameLst>
-                                          <p:attrName>style.visibility</p:attrName>
-                                        </p:attrNameLst>
-                                      </p:cBhvr>
-                                      <p:to>
-                                        <p:strVal val="visible"/>
-                                      </p:to>
-                                    </p:set>
-                                    <p:animEffect transition="in" filter="fade">
-                                      <p:cBhvr>
-                                        <p:cTn id="352" dur="500"/>
-                                        <p:tgtEl>
-                                          <p:spTgt spid="341"/>
-                                        </p:tgtEl>
-                                      </p:cBhvr>
-                                    </p:animEffect>
-                                  </p:childTnLst>
-                                </p:cTn>
-                              </p:par>
-                              <p:par>
-                                <p:cTn id="353" presetID="10" presetClass="entr" presetSubtype="0" fill="hold" nodeType="withEffect">
-                                  <p:stCondLst>
-                                    <p:cond delay="0"/>
-                                  </p:stCondLst>
-                                  <p:childTnLst>
-                                    <p:set>
-                                      <p:cBhvr>
-                                        <p:cTn id="354" dur="1" fill="hold">
-                                          <p:stCondLst>
-                                            <p:cond delay="0"/>
-                                          </p:stCondLst>
-                                        </p:cTn>
-                                        <p:tgtEl>
-                                          <p:spTgt spid="351"/>
-                                        </p:tgtEl>
-                                        <p:attrNameLst>
-                                          <p:attrName>style.visibility</p:attrName>
-                                        </p:attrNameLst>
-                                      </p:cBhvr>
-                                      <p:to>
-                                        <p:strVal val="visible"/>
-                                      </p:to>
-                                    </p:set>
-                                    <p:animEffect transition="in" filter="fade">
-                                      <p:cBhvr>
-                                        <p:cTn id="355" dur="500"/>
-                                        <p:tgtEl>
-                                          <p:spTgt spid="351"/>
+                                        <p:cTn id="355" dur="1000"/>
+                                        <p:tgtEl>
+                                          <p:spTgt spid="278"/>
                                         </p:tgtEl>
                                       </p:cBhvr>
                                     </p:animEffect>
@@ -14782,11 +15354,533 @@
                         <p:par>
                           <p:cTn id="356" fill="hold">
                             <p:stCondLst>
+                              <p:cond delay="60000"/>
+                            </p:stCondLst>
+                            <p:childTnLst>
+                              <p:par>
+                                <p:cTn id="357" presetID="10" presetClass="entr" presetSubtype="0" fill="hold" grpId="0" nodeType="afterEffect">
+                                  <p:stCondLst>
+                                    <p:cond delay="0"/>
+                                  </p:stCondLst>
+                                  <p:childTnLst>
+                                    <p:set>
+                                      <p:cBhvr>
+                                        <p:cTn id="358" dur="1" fill="hold">
+                                          <p:stCondLst>
+                                            <p:cond delay="0"/>
+                                          </p:stCondLst>
+                                        </p:cTn>
+                                        <p:tgtEl>
+                                          <p:spTgt spid="277"/>
+                                        </p:tgtEl>
+                                        <p:attrNameLst>
+                                          <p:attrName>style.visibility</p:attrName>
+                                        </p:attrNameLst>
+                                      </p:cBhvr>
+                                      <p:to>
+                                        <p:strVal val="visible"/>
+                                      </p:to>
+                                    </p:set>
+                                    <p:animEffect transition="in" filter="fade">
+                                      <p:cBhvr>
+                                        <p:cTn id="359" dur="1000"/>
+                                        <p:tgtEl>
+                                          <p:spTgt spid="277"/>
+                                        </p:tgtEl>
+                                      </p:cBhvr>
+                                    </p:animEffect>
+                                  </p:childTnLst>
+                                </p:cTn>
+                              </p:par>
+                              <p:par>
+                                <p:cTn id="360" presetID="10" presetClass="entr" presetSubtype="0" fill="hold" grpId="0" nodeType="withEffect">
+                                  <p:stCondLst>
+                                    <p:cond delay="0"/>
+                                  </p:stCondLst>
+                                  <p:childTnLst>
+                                    <p:set>
+                                      <p:cBhvr>
+                                        <p:cTn id="361" dur="1" fill="hold">
+                                          <p:stCondLst>
+                                            <p:cond delay="0"/>
+                                          </p:stCondLst>
+                                        </p:cTn>
+                                        <p:tgtEl>
+                                          <p:spTgt spid="287"/>
+                                        </p:tgtEl>
+                                        <p:attrNameLst>
+                                          <p:attrName>style.visibility</p:attrName>
+                                        </p:attrNameLst>
+                                      </p:cBhvr>
+                                      <p:to>
+                                        <p:strVal val="visible"/>
+                                      </p:to>
+                                    </p:set>
+                                    <p:animEffect transition="in" filter="fade">
+                                      <p:cBhvr>
+                                        <p:cTn id="362" dur="1000"/>
+                                        <p:tgtEl>
+                                          <p:spTgt spid="287"/>
+                                        </p:tgtEl>
+                                      </p:cBhvr>
+                                    </p:animEffect>
+                                  </p:childTnLst>
+                                </p:cTn>
+                              </p:par>
+                              <p:par>
+                                <p:cTn id="363" presetID="10" presetClass="entr" presetSubtype="0" fill="hold" grpId="0" nodeType="withEffect">
+                                  <p:stCondLst>
+                                    <p:cond delay="0"/>
+                                  </p:stCondLst>
+                                  <p:childTnLst>
+                                    <p:set>
+                                      <p:cBhvr>
+                                        <p:cTn id="364" dur="1" fill="hold">
+                                          <p:stCondLst>
+                                            <p:cond delay="0"/>
+                                          </p:stCondLst>
+                                        </p:cTn>
+                                        <p:tgtEl>
+                                          <p:spTgt spid="288"/>
+                                        </p:tgtEl>
+                                        <p:attrNameLst>
+                                          <p:attrName>style.visibility</p:attrName>
+                                        </p:attrNameLst>
+                                      </p:cBhvr>
+                                      <p:to>
+                                        <p:strVal val="visible"/>
+                                      </p:to>
+                                    </p:set>
+                                    <p:animEffect transition="in" filter="fade">
+                                      <p:cBhvr>
+                                        <p:cTn id="365" dur="1000"/>
+                                        <p:tgtEl>
+                                          <p:spTgt spid="288"/>
+                                        </p:tgtEl>
+                                      </p:cBhvr>
+                                    </p:animEffect>
+                                  </p:childTnLst>
+                                </p:cTn>
+                              </p:par>
+                            </p:childTnLst>
+                          </p:cTn>
+                        </p:par>
+                        <p:par>
+                          <p:cTn id="366" fill="hold">
+                            <p:stCondLst>
+                              <p:cond delay="61000"/>
+                            </p:stCondLst>
+                            <p:childTnLst>
+                              <p:par>
+                                <p:cTn id="367" presetID="42" presetClass="path" presetSubtype="0" accel="50000" decel="50000" fill="hold" grpId="1" nodeType="afterEffect">
+                                  <p:stCondLst>
+                                    <p:cond delay="0"/>
+                                  </p:stCondLst>
+                                  <p:childTnLst>
+                                    <p:animMotion origin="layout" path="M 1.45833E-6 3.7037E-6 L -0.10716 -0.00301 " pathEditMode="relative" rAng="0" ptsTypes="AA">
+                                      <p:cBhvr>
+                                        <p:cTn id="368" dur="2000" fill="hold"/>
+                                        <p:tgtEl>
+                                          <p:spTgt spid="287"/>
+                                        </p:tgtEl>
+                                        <p:attrNameLst>
+                                          <p:attrName>ppt_x</p:attrName>
+                                          <p:attrName>ppt_y</p:attrName>
+                                        </p:attrNameLst>
+                                      </p:cBhvr>
+                                      <p:rCtr x="-5365" y="-162"/>
+                                    </p:animMotion>
+                                  </p:childTnLst>
+                                </p:cTn>
+                              </p:par>
+                              <p:par>
+                                <p:cTn id="369" presetID="42" presetClass="path" presetSubtype="0" accel="50000" decel="50000" fill="hold" grpId="1" nodeType="withEffect">
+                                  <p:stCondLst>
+                                    <p:cond delay="0"/>
+                                  </p:stCondLst>
+                                  <p:childTnLst>
+                                    <p:animMotion origin="layout" path="M 4.16667E-7 -4.07407E-6 L 0.14505 0.00024 " pathEditMode="relative" rAng="0" ptsTypes="AA">
+                                      <p:cBhvr>
+                                        <p:cTn id="370" dur="2000" fill="hold"/>
+                                        <p:tgtEl>
+                                          <p:spTgt spid="288"/>
+                                        </p:tgtEl>
+                                        <p:attrNameLst>
+                                          <p:attrName>ppt_x</p:attrName>
+                                          <p:attrName>ppt_y</p:attrName>
+                                        </p:attrNameLst>
+                                      </p:cBhvr>
+                                      <p:rCtr x="7253" y="0"/>
+                                    </p:animMotion>
+                                  </p:childTnLst>
+                                </p:cTn>
+                              </p:par>
+                            </p:childTnLst>
+                          </p:cTn>
+                        </p:par>
+                        <p:par>
+                          <p:cTn id="371" fill="hold">
+                            <p:stCondLst>
+                              <p:cond delay="63000"/>
+                            </p:stCondLst>
+                            <p:childTnLst>
+                              <p:par>
+                                <p:cTn id="372" presetID="10" presetClass="entr" presetSubtype="0" fill="hold" grpId="0" nodeType="afterEffect">
+                                  <p:stCondLst>
+                                    <p:cond delay="0"/>
+                                  </p:stCondLst>
+                                  <p:childTnLst>
+                                    <p:set>
+                                      <p:cBhvr>
+                                        <p:cTn id="373" dur="1" fill="hold">
+                                          <p:stCondLst>
+                                            <p:cond delay="0"/>
+                                          </p:stCondLst>
+                                        </p:cTn>
+                                        <p:tgtEl>
+                                          <p:spTgt spid="294"/>
+                                        </p:tgtEl>
+                                        <p:attrNameLst>
+                                          <p:attrName>style.visibility</p:attrName>
+                                        </p:attrNameLst>
+                                      </p:cBhvr>
+                                      <p:to>
+                                        <p:strVal val="visible"/>
+                                      </p:to>
+                                    </p:set>
+                                    <p:animEffect transition="in" filter="fade">
+                                      <p:cBhvr>
+                                        <p:cTn id="374" dur="1000"/>
+                                        <p:tgtEl>
+                                          <p:spTgt spid="294"/>
+                                        </p:tgtEl>
+                                      </p:cBhvr>
+                                    </p:animEffect>
+                                  </p:childTnLst>
+                                </p:cTn>
+                              </p:par>
+                            </p:childTnLst>
+                          </p:cTn>
+                        </p:par>
+                        <p:par>
+                          <p:cTn id="375" fill="hold">
+                            <p:stCondLst>
                               <p:cond delay="64000"/>
                             </p:stCondLst>
                             <p:childTnLst>
                               <p:par>
-                                <p:cTn id="357" presetID="1" presetClass="emph" presetSubtype="2" fill="hold" nodeType="afterEffect">
+                                <p:cTn id="376" presetID="0" presetClass="path" presetSubtype="0" accel="50000" decel="50000" fill="hold" grpId="1" nodeType="afterEffect">
+                                  <p:stCondLst>
+                                    <p:cond delay="0"/>
+                                  </p:stCondLst>
+                                  <p:childTnLst>
+                                    <p:animMotion origin="layout" path="M 0.00039 -0.00162 L -0.12148 0.14282 L 0.06836 0.21227 L 0.0668 0.21366 L 0.06836 0.21227 " pathEditMode="relative" ptsTypes="AAAAA">
+                                      <p:cBhvr>
+                                        <p:cTn id="377" dur="2000" fill="hold"/>
+                                        <p:tgtEl>
+                                          <p:spTgt spid="294"/>
+                                        </p:tgtEl>
+                                        <p:attrNameLst>
+                                          <p:attrName>ppt_x</p:attrName>
+                                          <p:attrName>ppt_y</p:attrName>
+                                        </p:attrNameLst>
+                                      </p:cBhvr>
+                                    </p:animMotion>
+                                  </p:childTnLst>
+                                </p:cTn>
+                              </p:par>
+                            </p:childTnLst>
+                          </p:cTn>
+                        </p:par>
+                        <p:par>
+                          <p:cTn id="378" fill="hold">
+                            <p:stCondLst>
+                              <p:cond delay="66000"/>
+                            </p:stCondLst>
+                            <p:childTnLst>
+                              <p:par>
+                                <p:cTn id="379" presetID="10" presetClass="exit" presetSubtype="0" fill="hold" grpId="1" nodeType="afterEffect">
+                                  <p:stCondLst>
+                                    <p:cond delay="0"/>
+                                  </p:stCondLst>
+                                  <p:childTnLst>
+                                    <p:animEffect transition="out" filter="fade">
+                                      <p:cBhvr>
+                                        <p:cTn id="380" dur="500"/>
+                                        <p:tgtEl>
+                                          <p:spTgt spid="278"/>
+                                        </p:tgtEl>
+                                      </p:cBhvr>
+                                    </p:animEffect>
+                                    <p:set>
+                                      <p:cBhvr>
+                                        <p:cTn id="381" dur="1" fill="hold">
+                                          <p:stCondLst>
+                                            <p:cond delay="499"/>
+                                          </p:stCondLst>
+                                        </p:cTn>
+                                        <p:tgtEl>
+                                          <p:spTgt spid="278"/>
+                                        </p:tgtEl>
+                                        <p:attrNameLst>
+                                          <p:attrName>style.visibility</p:attrName>
+                                        </p:attrNameLst>
+                                      </p:cBhvr>
+                                      <p:to>
+                                        <p:strVal val="hidden"/>
+                                      </p:to>
+                                    </p:set>
+                                  </p:childTnLst>
+                                </p:cTn>
+                              </p:par>
+                            </p:childTnLst>
+                          </p:cTn>
+                        </p:par>
+                        <p:par>
+                          <p:cTn id="382" fill="hold">
+                            <p:stCondLst>
+                              <p:cond delay="66500"/>
+                            </p:stCondLst>
+                            <p:childTnLst>
+                              <p:par>
+                                <p:cTn id="383" presetID="42" presetClass="path" presetSubtype="0" accel="50000" decel="50000" fill="hold" nodeType="afterEffect">
+                                  <p:stCondLst>
+                                    <p:cond delay="0"/>
+                                  </p:stCondLst>
+                                  <p:childTnLst>
+                                    <p:animMotion origin="layout" path="M -1.25E-6 -4.07407E-6 L 0.00365 0.11899 " pathEditMode="relative" rAng="0" ptsTypes="AA">
+                                      <p:cBhvr>
+                                        <p:cTn id="384" dur="2000" fill="hold"/>
+                                        <p:tgtEl>
+                                          <p:spTgt spid="73"/>
+                                        </p:tgtEl>
+                                        <p:attrNameLst>
+                                          <p:attrName>ppt_x</p:attrName>
+                                          <p:attrName>ppt_y</p:attrName>
+                                        </p:attrNameLst>
+                                      </p:cBhvr>
+                                      <p:rCtr x="182" y="5949"/>
+                                    </p:animMotion>
+                                  </p:childTnLst>
+                                </p:cTn>
+                              </p:par>
+                              <p:par>
+                                <p:cTn id="385" presetID="42" presetClass="path" presetSubtype="0" accel="50000" decel="50000" fill="hold" nodeType="withEffect">
+                                  <p:stCondLst>
+                                    <p:cond delay="0"/>
+                                  </p:stCondLst>
+                                  <p:childTnLst>
+                                    <p:animMotion origin="layout" path="M 1.04167E-6 -4.07407E-6 L 0.00065 0.11389 " pathEditMode="relative" rAng="0" ptsTypes="AA">
+                                      <p:cBhvr>
+                                        <p:cTn id="386" dur="2000" fill="hold"/>
+                                        <p:tgtEl>
+                                          <p:spTgt spid="152"/>
+                                        </p:tgtEl>
+                                        <p:attrNameLst>
+                                          <p:attrName>ppt_x</p:attrName>
+                                          <p:attrName>ppt_y</p:attrName>
+                                        </p:attrNameLst>
+                                      </p:cBhvr>
+                                      <p:rCtr x="26" y="5694"/>
+                                    </p:animMotion>
+                                  </p:childTnLst>
+                                </p:cTn>
+                              </p:par>
+                            </p:childTnLst>
+                          </p:cTn>
+                        </p:par>
+                        <p:par>
+                          <p:cTn id="387" fill="hold">
+                            <p:stCondLst>
+                              <p:cond delay="68500"/>
+                            </p:stCondLst>
+                            <p:childTnLst>
+                              <p:par>
+                                <p:cTn id="388" presetID="10" presetClass="exit" presetSubtype="0" fill="hold" nodeType="afterEffect">
+                                  <p:stCondLst>
+                                    <p:cond delay="0"/>
+                                  </p:stCondLst>
+                                  <p:childTnLst>
+                                    <p:animEffect transition="out" filter="fade">
+                                      <p:cBhvr>
+                                        <p:cTn id="389" dur="500"/>
+                                        <p:tgtEl>
+                                          <p:spTgt spid="73"/>
+                                        </p:tgtEl>
+                                      </p:cBhvr>
+                                    </p:animEffect>
+                                    <p:set>
+                                      <p:cBhvr>
+                                        <p:cTn id="390" dur="1" fill="hold">
+                                          <p:stCondLst>
+                                            <p:cond delay="499"/>
+                                          </p:stCondLst>
+                                        </p:cTn>
+                                        <p:tgtEl>
+                                          <p:spTgt spid="73"/>
+                                        </p:tgtEl>
+                                        <p:attrNameLst>
+                                          <p:attrName>style.visibility</p:attrName>
+                                        </p:attrNameLst>
+                                      </p:cBhvr>
+                                      <p:to>
+                                        <p:strVal val="hidden"/>
+                                      </p:to>
+                                    </p:set>
+                                  </p:childTnLst>
+                                </p:cTn>
+                              </p:par>
+                              <p:par>
+                                <p:cTn id="391" presetID="10" presetClass="exit" presetSubtype="0" fill="hold" nodeType="withEffect">
+                                  <p:stCondLst>
+                                    <p:cond delay="0"/>
+                                  </p:stCondLst>
+                                  <p:childTnLst>
+                                    <p:animEffect transition="out" filter="fade">
+                                      <p:cBhvr>
+                                        <p:cTn id="392" dur="500"/>
+                                        <p:tgtEl>
+                                          <p:spTgt spid="152"/>
+                                        </p:tgtEl>
+                                      </p:cBhvr>
+                                    </p:animEffect>
+                                    <p:set>
+                                      <p:cBhvr>
+                                        <p:cTn id="393" dur="1" fill="hold">
+                                          <p:stCondLst>
+                                            <p:cond delay="499"/>
+                                          </p:stCondLst>
+                                        </p:cTn>
+                                        <p:tgtEl>
+                                          <p:spTgt spid="152"/>
+                                        </p:tgtEl>
+                                        <p:attrNameLst>
+                                          <p:attrName>style.visibility</p:attrName>
+                                        </p:attrNameLst>
+                                      </p:cBhvr>
+                                      <p:to>
+                                        <p:strVal val="hidden"/>
+                                      </p:to>
+                                    </p:set>
+                                  </p:childTnLst>
+                                </p:cTn>
+                              </p:par>
+                              <p:par>
+                                <p:cTn id="394" presetID="10" presetClass="entr" presetSubtype="0" fill="hold" nodeType="withEffect">
+                                  <p:stCondLst>
+                                    <p:cond delay="0"/>
+                                  </p:stCondLst>
+                                  <p:childTnLst>
+                                    <p:set>
+                                      <p:cBhvr>
+                                        <p:cTn id="395" dur="1" fill="hold">
+                                          <p:stCondLst>
+                                            <p:cond delay="0"/>
+                                          </p:stCondLst>
+                                        </p:cTn>
+                                        <p:tgtEl>
+                                          <p:spTgt spid="296"/>
+                                        </p:tgtEl>
+                                        <p:attrNameLst>
+                                          <p:attrName>style.visibility</p:attrName>
+                                        </p:attrNameLst>
+                                      </p:cBhvr>
+                                      <p:to>
+                                        <p:strVal val="visible"/>
+                                      </p:to>
+                                    </p:set>
+                                    <p:animEffect transition="in" filter="fade">
+                                      <p:cBhvr>
+                                        <p:cTn id="396" dur="500"/>
+                                        <p:tgtEl>
+                                          <p:spTgt spid="296"/>
+                                        </p:tgtEl>
+                                      </p:cBhvr>
+                                    </p:animEffect>
+                                  </p:childTnLst>
+                                </p:cTn>
+                              </p:par>
+                              <p:par>
+                                <p:cTn id="397" presetID="10" presetClass="entr" presetSubtype="0" fill="hold" nodeType="withEffect">
+                                  <p:stCondLst>
+                                    <p:cond delay="0"/>
+                                  </p:stCondLst>
+                                  <p:childTnLst>
+                                    <p:set>
+                                      <p:cBhvr>
+                                        <p:cTn id="398" dur="1" fill="hold">
+                                          <p:stCondLst>
+                                            <p:cond delay="0"/>
+                                          </p:stCondLst>
+                                        </p:cTn>
+                                        <p:tgtEl>
+                                          <p:spTgt spid="301"/>
+                                        </p:tgtEl>
+                                        <p:attrNameLst>
+                                          <p:attrName>style.visibility</p:attrName>
+                                        </p:attrNameLst>
+                                      </p:cBhvr>
+                                      <p:to>
+                                        <p:strVal val="visible"/>
+                                      </p:to>
+                                    </p:set>
+                                    <p:animEffect transition="in" filter="fade">
+                                      <p:cBhvr>
+                                        <p:cTn id="399" dur="500"/>
+                                        <p:tgtEl>
+                                          <p:spTgt spid="301"/>
+                                        </p:tgtEl>
+                                      </p:cBhvr>
+                                    </p:animEffect>
+                                  </p:childTnLst>
+                                </p:cTn>
+                              </p:par>
+                              <p:par>
+                                <p:cTn id="400" presetID="10" presetClass="entr" presetSubtype="0" fill="hold" nodeType="withEffect">
+                                  <p:stCondLst>
+                                    <p:cond delay="0"/>
+                                  </p:stCondLst>
+                                  <p:childTnLst>
+                                    <p:set>
+                                      <p:cBhvr>
+                                        <p:cTn id="401" dur="1" fill="hold">
+                                          <p:stCondLst>
+                                            <p:cond delay="0"/>
+                                          </p:stCondLst>
+                                        </p:cTn>
+                                        <p:tgtEl>
+                                          <p:spTgt spid="306"/>
+                                        </p:tgtEl>
+                                        <p:attrNameLst>
+                                          <p:attrName>style.visibility</p:attrName>
+                                        </p:attrNameLst>
+                                      </p:cBhvr>
+                                      <p:to>
+                                        <p:strVal val="visible"/>
+                                      </p:to>
+                                    </p:set>
+                                    <p:animEffect transition="in" filter="fade">
+                                      <p:cBhvr>
+                                        <p:cTn id="402" dur="500"/>
+                                        <p:tgtEl>
+                                          <p:spTgt spid="306"/>
+                                        </p:tgtEl>
+                                      </p:cBhvr>
+                                    </p:animEffect>
+                                  </p:childTnLst>
+                                </p:cTn>
+                              </p:par>
+                            </p:childTnLst>
+                          </p:cTn>
+                        </p:par>
+                        <p:par>
+                          <p:cTn id="403" fill="hold">
+                            <p:stCondLst>
+                              <p:cond delay="69000"/>
+                            </p:stCondLst>
+                            <p:childTnLst>
+                              <p:par>
+                                <p:cTn id="404" presetID="10" presetClass="entr" presetSubtype="0" fill="hold" grpId="0" nodeType="afterEffect">
                                   <p:stCondLst>
                                     <p:cond delay="0"/>
                                   </p:stCondLst>
@@ -14794,9 +15888,304 @@
                                     <p:tmPct val="0"/>
                                   </p:iterate>
                                   <p:childTnLst>
+                                    <p:set>
+                                      <p:cBhvr>
+                                        <p:cTn id="405" dur="1" fill="hold">
+                                          <p:stCondLst>
+                                            <p:cond delay="0"/>
+                                          </p:stCondLst>
+                                        </p:cTn>
+                                        <p:tgtEl>
+                                          <p:spTgt spid="311"/>
+                                        </p:tgtEl>
+                                        <p:attrNameLst>
+                                          <p:attrName>style.visibility</p:attrName>
+                                        </p:attrNameLst>
+                                      </p:cBhvr>
+                                      <p:to>
+                                        <p:strVal val="visible"/>
+                                      </p:to>
+                                    </p:set>
+                                    <p:animEffect transition="in" filter="fade">
+                                      <p:cBhvr>
+                                        <p:cTn id="406" dur="500"/>
+                                        <p:tgtEl>
+                                          <p:spTgt spid="311"/>
+                                        </p:tgtEl>
+                                      </p:cBhvr>
+                                    </p:animEffect>
+                                  </p:childTnLst>
+                                </p:cTn>
+                              </p:par>
+                              <p:par>
+                                <p:cTn id="407" presetID="10" presetClass="entr" presetSubtype="0" fill="hold" grpId="0" nodeType="withEffect">
+                                  <p:stCondLst>
+                                    <p:cond delay="0"/>
+                                  </p:stCondLst>
+                                  <p:iterate type="lt">
+                                    <p:tmPct val="0"/>
+                                  </p:iterate>
+                                  <p:childTnLst>
+                                    <p:set>
+                                      <p:cBhvr>
+                                        <p:cTn id="408" dur="1" fill="hold">
+                                          <p:stCondLst>
+                                            <p:cond delay="0"/>
+                                          </p:stCondLst>
+                                        </p:cTn>
+                                        <p:tgtEl>
+                                          <p:spTgt spid="312"/>
+                                        </p:tgtEl>
+                                        <p:attrNameLst>
+                                          <p:attrName>style.visibility</p:attrName>
+                                        </p:attrNameLst>
+                                      </p:cBhvr>
+                                      <p:to>
+                                        <p:strVal val="visible"/>
+                                      </p:to>
+                                    </p:set>
+                                    <p:animEffect transition="in" filter="fade">
+                                      <p:cBhvr>
+                                        <p:cTn id="409" dur="500"/>
+                                        <p:tgtEl>
+                                          <p:spTgt spid="312"/>
+                                        </p:tgtEl>
+                                      </p:cBhvr>
+                                    </p:animEffect>
+                                  </p:childTnLst>
+                                </p:cTn>
+                              </p:par>
+                              <p:par>
+                                <p:cTn id="410" presetID="10" presetClass="entr" presetSubtype="0" fill="hold" nodeType="withEffect">
+                                  <p:stCondLst>
+                                    <p:cond delay="0"/>
+                                  </p:stCondLst>
+                                  <p:childTnLst>
+                                    <p:set>
+                                      <p:cBhvr>
+                                        <p:cTn id="411" dur="1" fill="hold">
+                                          <p:stCondLst>
+                                            <p:cond delay="0"/>
+                                          </p:stCondLst>
+                                        </p:cTn>
+                                        <p:tgtEl>
+                                          <p:spTgt spid="347"/>
+                                        </p:tgtEl>
+                                        <p:attrNameLst>
+                                          <p:attrName>style.visibility</p:attrName>
+                                        </p:attrNameLst>
+                                      </p:cBhvr>
+                                      <p:to>
+                                        <p:strVal val="visible"/>
+                                      </p:to>
+                                    </p:set>
+                                    <p:animEffect transition="in" filter="fade">
+                                      <p:cBhvr>
+                                        <p:cTn id="412" dur="500"/>
+                                        <p:tgtEl>
+                                          <p:spTgt spid="347"/>
+                                        </p:tgtEl>
+                                      </p:cBhvr>
+                                    </p:animEffect>
+                                  </p:childTnLst>
+                                </p:cTn>
+                              </p:par>
+                              <p:par>
+                                <p:cTn id="413" presetID="10" presetClass="entr" presetSubtype="0" fill="hold" nodeType="withEffect">
+                                  <p:stCondLst>
+                                    <p:cond delay="0"/>
+                                  </p:stCondLst>
+                                  <p:childTnLst>
+                                    <p:set>
+                                      <p:cBhvr>
+                                        <p:cTn id="414" dur="1" fill="hold">
+                                          <p:stCondLst>
+                                            <p:cond delay="0"/>
+                                          </p:stCondLst>
+                                        </p:cTn>
+                                        <p:tgtEl>
+                                          <p:spTgt spid="327"/>
+                                        </p:tgtEl>
+                                        <p:attrNameLst>
+                                          <p:attrName>style.visibility</p:attrName>
+                                        </p:attrNameLst>
+                                      </p:cBhvr>
+                                      <p:to>
+                                        <p:strVal val="visible"/>
+                                      </p:to>
+                                    </p:set>
+                                    <p:animEffect transition="in" filter="fade">
+                                      <p:cBhvr>
+                                        <p:cTn id="415" dur="500"/>
+                                        <p:tgtEl>
+                                          <p:spTgt spid="327"/>
+                                        </p:tgtEl>
+                                      </p:cBhvr>
+                                    </p:animEffect>
+                                  </p:childTnLst>
+                                </p:cTn>
+                              </p:par>
+                              <p:par>
+                                <p:cTn id="416" presetID="10" presetClass="entr" presetSubtype="0" fill="hold" nodeType="withEffect">
+                                  <p:stCondLst>
+                                    <p:cond delay="0"/>
+                                  </p:stCondLst>
+                                  <p:childTnLst>
+                                    <p:set>
+                                      <p:cBhvr>
+                                        <p:cTn id="417" dur="1" fill="hold">
+                                          <p:stCondLst>
+                                            <p:cond delay="0"/>
+                                          </p:stCondLst>
+                                        </p:cTn>
+                                        <p:tgtEl>
+                                          <p:spTgt spid="338"/>
+                                        </p:tgtEl>
+                                        <p:attrNameLst>
+                                          <p:attrName>style.visibility</p:attrName>
+                                        </p:attrNameLst>
+                                      </p:cBhvr>
+                                      <p:to>
+                                        <p:strVal val="visible"/>
+                                      </p:to>
+                                    </p:set>
+                                    <p:animEffect transition="in" filter="fade">
+                                      <p:cBhvr>
+                                        <p:cTn id="418" dur="500"/>
+                                        <p:tgtEl>
+                                          <p:spTgt spid="338"/>
+                                        </p:tgtEl>
+                                      </p:cBhvr>
+                                    </p:animEffect>
+                                  </p:childTnLst>
+                                </p:cTn>
+                              </p:par>
+                              <p:par>
+                                <p:cTn id="419" presetID="10" presetClass="entr" presetSubtype="0" fill="hold" nodeType="withEffect">
+                                  <p:stCondLst>
+                                    <p:cond delay="0"/>
+                                  </p:stCondLst>
+                                  <p:childTnLst>
+                                    <p:set>
+                                      <p:cBhvr>
+                                        <p:cTn id="420" dur="1" fill="hold">
+                                          <p:stCondLst>
+                                            <p:cond delay="0"/>
+                                          </p:stCondLst>
+                                        </p:cTn>
+                                        <p:tgtEl>
+                                          <p:spTgt spid="333"/>
+                                        </p:tgtEl>
+                                        <p:attrNameLst>
+                                          <p:attrName>style.visibility</p:attrName>
+                                        </p:attrNameLst>
+                                      </p:cBhvr>
+                                      <p:to>
+                                        <p:strVal val="visible"/>
+                                      </p:to>
+                                    </p:set>
+                                    <p:animEffect transition="in" filter="fade">
+                                      <p:cBhvr>
+                                        <p:cTn id="421" dur="500"/>
+                                        <p:tgtEl>
+                                          <p:spTgt spid="333"/>
+                                        </p:tgtEl>
+                                      </p:cBhvr>
+                                    </p:animEffect>
+                                  </p:childTnLst>
+                                </p:cTn>
+                              </p:par>
+                              <p:par>
+                                <p:cTn id="422" presetID="10" presetClass="entr" presetSubtype="0" fill="hold" nodeType="withEffect">
+                                  <p:stCondLst>
+                                    <p:cond delay="0"/>
+                                  </p:stCondLst>
+                                  <p:childTnLst>
+                                    <p:set>
+                                      <p:cBhvr>
+                                        <p:cTn id="423" dur="1" fill="hold">
+                                          <p:stCondLst>
+                                            <p:cond delay="0"/>
+                                          </p:stCondLst>
+                                        </p:cTn>
+                                        <p:tgtEl>
+                                          <p:spTgt spid="341"/>
+                                        </p:tgtEl>
+                                        <p:attrNameLst>
+                                          <p:attrName>style.visibility</p:attrName>
+                                        </p:attrNameLst>
+                                      </p:cBhvr>
+                                      <p:to>
+                                        <p:strVal val="visible"/>
+                                      </p:to>
+                                    </p:set>
+                                    <p:animEffect transition="in" filter="fade">
+                                      <p:cBhvr>
+                                        <p:cTn id="424" dur="500"/>
+                                        <p:tgtEl>
+                                          <p:spTgt spid="341"/>
+                                        </p:tgtEl>
+                                      </p:cBhvr>
+                                    </p:animEffect>
+                                  </p:childTnLst>
+                                </p:cTn>
+                              </p:par>
+                              <p:par>
+                                <p:cTn id="425" presetID="10" presetClass="entr" presetSubtype="0" fill="hold" nodeType="withEffect">
+                                  <p:stCondLst>
+                                    <p:cond delay="0"/>
+                                  </p:stCondLst>
+                                  <p:childTnLst>
+                                    <p:set>
+                                      <p:cBhvr>
+                                        <p:cTn id="426" dur="1" fill="hold">
+                                          <p:stCondLst>
+                                            <p:cond delay="0"/>
+                                          </p:stCondLst>
+                                        </p:cTn>
+                                        <p:tgtEl>
+                                          <p:spTgt spid="351"/>
+                                        </p:tgtEl>
+                                        <p:attrNameLst>
+                                          <p:attrName>style.visibility</p:attrName>
+                                        </p:attrNameLst>
+                                      </p:cBhvr>
+                                      <p:to>
+                                        <p:strVal val="visible"/>
+                                      </p:to>
+                                    </p:set>
+                                    <p:animEffect transition="in" filter="fade">
+                                      <p:cBhvr>
+                                        <p:cTn id="427" dur="500"/>
+                                        <p:tgtEl>
+                                          <p:spTgt spid="351"/>
+                                        </p:tgtEl>
+                                      </p:cBhvr>
+                                    </p:animEffect>
+                                  </p:childTnLst>
+                                </p:cTn>
+                              </p:par>
+                            </p:childTnLst>
+                          </p:cTn>
+                        </p:par>
+                        <p:par>
+                          <p:cTn id="428" fill="hold">
+                            <p:stCondLst>
+                              <p:cond delay="69500"/>
+                            </p:stCondLst>
+                            <p:childTnLst>
+                              <p:par>
+                                <p:cTn id="429" presetID="1" presetClass="emph" presetSubtype="2" fill="hold" nodeType="afterEffect">
+                                  <p:stCondLst>
+                                    <p:cond delay="0"/>
+                                  </p:stCondLst>
+                                  <p:iterate type="lt">
+                                    <p:tmPct val="0"/>
+                                  </p:iterate>
+                                  <p:childTnLst>
                                     <p:animClr clrSpc="rgb" dir="cw">
                                       <p:cBhvr>
-                                        <p:cTn id="358" dur="1000" fill="hold"/>
+                                        <p:cTn id="430" dur="1000" fill="hold"/>
                                         <p:tgtEl>
                                           <p:spTgt spid="311"/>
                                         </p:tgtEl>
@@ -14810,7 +16199,7 @@
                                     </p:animClr>
                                     <p:set>
                                       <p:cBhvr>
-                                        <p:cTn id="359" dur="1000" fill="hold"/>
+                                        <p:cTn id="431" dur="1000" fill="hold"/>
                                         <p:tgtEl>
                                           <p:spTgt spid="311"/>
                                         </p:tgtEl>
@@ -14824,7 +16213,7 @@
                                     </p:set>
                                     <p:set>
                                       <p:cBhvr>
-                                        <p:cTn id="360" dur="1000" fill="hold"/>
+                                        <p:cTn id="432" dur="1000" fill="hold"/>
                                         <p:tgtEl>
                                           <p:spTgt spid="311"/>
                                         </p:tgtEl>
@@ -14840,7 +16229,7 @@
                                 </p:cTn>
                               </p:par>
                               <p:par>
-                                <p:cTn id="361" presetID="1" presetClass="emph" presetSubtype="2" fill="hold" nodeType="withEffect">
+                                <p:cTn id="433" presetID="1" presetClass="emph" presetSubtype="2" fill="hold" nodeType="withEffect">
                                   <p:stCondLst>
                                     <p:cond delay="0"/>
                                   </p:stCondLst>
@@ -14850,7 +16239,7 @@
                                   <p:childTnLst>
                                     <p:animClr clrSpc="rgb" dir="cw">
                                       <p:cBhvr>
-                                        <p:cTn id="362" dur="1000" fill="hold"/>
+                                        <p:cTn id="434" dur="1000" fill="hold"/>
                                         <p:tgtEl>
                                           <p:spTgt spid="312"/>
                                         </p:tgtEl>
@@ -14864,7 +16253,7 @@
                                     </p:animClr>
                                     <p:set>
                                       <p:cBhvr>
-                                        <p:cTn id="363" dur="1000" fill="hold"/>
+                                        <p:cTn id="435" dur="1000" fill="hold"/>
                                         <p:tgtEl>
                                           <p:spTgt spid="312"/>
                                         </p:tgtEl>
@@ -14878,7 +16267,7 @@
                                     </p:set>
                                     <p:set>
                                       <p:cBhvr>
-                                        <p:cTn id="364" dur="1000" fill="hold"/>
+                                        <p:cTn id="436" dur="1000" fill="hold"/>
                                         <p:tgtEl>
                                           <p:spTgt spid="312"/>
                                         </p:tgtEl>
@@ -14894,14 +16283,14 @@
                                 </p:cTn>
                               </p:par>
                               <p:par>
-                                <p:cTn id="365" presetID="7" presetClass="emph" presetSubtype="2" fill="hold" nodeType="withEffect">
+                                <p:cTn id="437" presetID="7" presetClass="emph" presetSubtype="2" fill="hold" nodeType="withEffect">
                                   <p:stCondLst>
                                     <p:cond delay="0"/>
                                   </p:stCondLst>
                                   <p:childTnLst>
                                     <p:animClr clrSpc="rgb" dir="cw">
                                       <p:cBhvr>
-                                        <p:cTn id="366" dur="1000" fill="hold"/>
+                                        <p:cTn id="438" dur="1000" fill="hold"/>
                                         <p:tgtEl>
                                           <p:spTgt spid="347"/>
                                         </p:tgtEl>
@@ -14915,7 +16304,7 @@
                                     </p:animClr>
                                     <p:set>
                                       <p:cBhvr>
-                                        <p:cTn id="367" dur="1000" fill="hold"/>
+                                        <p:cTn id="439" dur="1000" fill="hold"/>
                                         <p:tgtEl>
                                           <p:spTgt spid="347"/>
                                         </p:tgtEl>
@@ -14931,14 +16320,14 @@
                                 </p:cTn>
                               </p:par>
                               <p:par>
-                                <p:cTn id="368" presetID="7" presetClass="emph" presetSubtype="2" fill="hold" nodeType="withEffect">
+                                <p:cTn id="440" presetID="7" presetClass="emph" presetSubtype="2" fill="hold" nodeType="withEffect">
                                   <p:stCondLst>
                                     <p:cond delay="0"/>
                                   </p:stCondLst>
                                   <p:childTnLst>
                                     <p:animClr clrSpc="rgb" dir="cw">
                                       <p:cBhvr>
-                                        <p:cTn id="369" dur="1000" fill="hold"/>
+                                        <p:cTn id="441" dur="1000" fill="hold"/>
                                         <p:tgtEl>
                                           <p:spTgt spid="327"/>
                                         </p:tgtEl>
@@ -14952,7 +16341,7 @@
                                     </p:animClr>
                                     <p:set>
                                       <p:cBhvr>
-                                        <p:cTn id="370" dur="1000" fill="hold"/>
+                                        <p:cTn id="442" dur="1000" fill="hold"/>
                                         <p:tgtEl>
                                           <p:spTgt spid="327"/>
                                         </p:tgtEl>
@@ -14968,14 +16357,14 @@
                                 </p:cTn>
                               </p:par>
                               <p:par>
-                                <p:cTn id="371" presetID="7" presetClass="emph" presetSubtype="2" fill="hold" nodeType="withEffect">
+                                <p:cTn id="443" presetID="7" presetClass="emph" presetSubtype="2" fill="hold" nodeType="withEffect">
                                   <p:stCondLst>
                                     <p:cond delay="0"/>
                                   </p:stCondLst>
                                   <p:childTnLst>
                                     <p:animClr clrSpc="rgb" dir="cw">
                                       <p:cBhvr>
-                                        <p:cTn id="372" dur="1000" fill="hold"/>
+                                        <p:cTn id="444" dur="1000" fill="hold"/>
                                         <p:tgtEl>
                                           <p:spTgt spid="338"/>
                                         </p:tgtEl>
@@ -14989,7 +16378,7 @@
                                     </p:animClr>
                                     <p:set>
                                       <p:cBhvr>
-                                        <p:cTn id="373" dur="1000" fill="hold"/>
+                                        <p:cTn id="445" dur="1000" fill="hold"/>
                                         <p:tgtEl>
                                           <p:spTgt spid="338"/>
                                         </p:tgtEl>
@@ -15005,14 +16394,14 @@
                                 </p:cTn>
                               </p:par>
                               <p:par>
-                                <p:cTn id="374" presetID="7" presetClass="emph" presetSubtype="2" fill="hold" nodeType="withEffect">
+                                <p:cTn id="446" presetID="7" presetClass="emph" presetSubtype="2" fill="hold" nodeType="withEffect">
                                   <p:stCondLst>
                                     <p:cond delay="0"/>
                                   </p:stCondLst>
                                   <p:childTnLst>
                                     <p:animClr clrSpc="rgb" dir="cw">
                                       <p:cBhvr>
-                                        <p:cTn id="375" dur="1000" fill="hold"/>
+                                        <p:cTn id="447" dur="1000" fill="hold"/>
                                         <p:tgtEl>
                                           <p:spTgt spid="333"/>
                                         </p:tgtEl>
@@ -15026,7 +16415,7 @@
                                     </p:animClr>
                                     <p:set>
                                       <p:cBhvr>
-                                        <p:cTn id="376" dur="1000" fill="hold"/>
+                                        <p:cTn id="448" dur="1000" fill="hold"/>
                                         <p:tgtEl>
                                           <p:spTgt spid="333"/>
                                         </p:tgtEl>
@@ -15042,14 +16431,14 @@
                                 </p:cTn>
                               </p:par>
                               <p:par>
-                                <p:cTn id="377" presetID="7" presetClass="emph" presetSubtype="2" fill="hold" nodeType="withEffect">
+                                <p:cTn id="449" presetID="7" presetClass="emph" presetSubtype="2" fill="hold" nodeType="withEffect">
                                   <p:stCondLst>
                                     <p:cond delay="0"/>
                                   </p:stCondLst>
                                   <p:childTnLst>
                                     <p:animClr clrSpc="rgb" dir="cw">
                                       <p:cBhvr>
-                                        <p:cTn id="378" dur="1000" fill="hold"/>
+                                        <p:cTn id="450" dur="1000" fill="hold"/>
                                         <p:tgtEl>
                                           <p:spTgt spid="341"/>
                                         </p:tgtEl>
@@ -15063,7 +16452,7 @@
                                     </p:animClr>
                                     <p:set>
                                       <p:cBhvr>
-                                        <p:cTn id="379" dur="1000" fill="hold"/>
+                                        <p:cTn id="451" dur="1000" fill="hold"/>
                                         <p:tgtEl>
                                           <p:spTgt spid="341"/>
                                         </p:tgtEl>
@@ -15079,14 +16468,14 @@
                                 </p:cTn>
                               </p:par>
                               <p:par>
-                                <p:cTn id="380" presetID="7" presetClass="emph" presetSubtype="2" fill="hold" nodeType="withEffect">
+                                <p:cTn id="452" presetID="7" presetClass="emph" presetSubtype="2" fill="hold" nodeType="withEffect">
                                   <p:stCondLst>
                                     <p:cond delay="0"/>
                                   </p:stCondLst>
                                   <p:childTnLst>
                                     <p:animClr clrSpc="rgb" dir="cw">
                                       <p:cBhvr>
-                                        <p:cTn id="381" dur="1000" fill="hold"/>
+                                        <p:cTn id="453" dur="1000" fill="hold"/>
                                         <p:tgtEl>
                                           <p:spTgt spid="351"/>
                                         </p:tgtEl>
@@ -15100,7 +16489,7 @@
                                     </p:animClr>
                                     <p:set>
                                       <p:cBhvr>
-                                        <p:cTn id="382" dur="1000" fill="hold"/>
+                                        <p:cTn id="454" dur="1000" fill="hold"/>
                                         <p:tgtEl>
                                           <p:spTgt spid="351"/>
                                         </p:tgtEl>
@@ -15119,13 +16508,13 @@
                           </p:cTn>
                         </p:par>
                         <p:par>
-                          <p:cTn id="383" fill="hold">
+                          <p:cTn id="455" fill="hold">
                             <p:stCondLst>
-                              <p:cond delay="65000"/>
+                              <p:cond delay="70500"/>
                             </p:stCondLst>
                             <p:childTnLst>
                               <p:par>
-                                <p:cTn id="384" presetID="34" presetClass="emph" presetSubtype="0" fill="hold" grpId="1" nodeType="afterEffect">
+                                <p:cTn id="456" presetID="34" presetClass="emph" presetSubtype="0" fill="hold" grpId="1" nodeType="afterEffect">
                                   <p:stCondLst>
                                     <p:cond delay="0"/>
                                   </p:stCondLst>
@@ -15135,7 +16524,7 @@
                                   <p:childTnLst>
                                     <p:animMotion origin="layout" path="M 2.5E-6 -2.59259E-6 L 2.5E-6 -0.07222 " pathEditMode="relative" rAng="0" ptsTypes="AA">
                                       <p:cBhvr>
-                                        <p:cTn id="385" dur="250" accel="50000" decel="50000" autoRev="1" fill="hold">
+                                        <p:cTn id="457" dur="250" accel="50000" decel="50000" autoRev="1" fill="hold">
                                           <p:stCondLst>
                                             <p:cond delay="0"/>
                                           </p:stCondLst>
@@ -15152,7 +16541,7 @@
                                     </p:animMotion>
                                     <p:animRot by="1500000">
                                       <p:cBhvr>
-                                        <p:cTn id="386" dur="125" fill="hold">
+                                        <p:cTn id="458" dur="125" fill="hold">
                                           <p:stCondLst>
                                             <p:cond delay="0"/>
                                           </p:stCondLst>
@@ -15167,7 +16556,7 @@
                                     </p:animRot>
                                     <p:animRot by="-1500000">
                                       <p:cBhvr>
-                                        <p:cTn id="387" dur="125" fill="hold">
+                                        <p:cTn id="459" dur="125" fill="hold">
                                           <p:stCondLst>
                                             <p:cond delay="125"/>
                                           </p:stCondLst>
@@ -15182,7 +16571,7 @@
                                     </p:animRot>
                                     <p:animRot by="-1500000">
                                       <p:cBhvr>
-                                        <p:cTn id="388" dur="125" fill="hold">
+                                        <p:cTn id="460" dur="125" fill="hold">
                                           <p:stCondLst>
                                             <p:cond delay="250"/>
                                           </p:stCondLst>
@@ -15197,7 +16586,7 @@
                                     </p:animRot>
                                     <p:animRot by="1500000">
                                       <p:cBhvr>
-                                        <p:cTn id="389" dur="125" fill="hold">
+                                        <p:cTn id="461" dur="125" fill="hold">
                                           <p:stCondLst>
                                             <p:cond delay="375"/>
                                           </p:stCondLst>
@@ -15214,7 +16603,7 @@
                                 </p:cTn>
                               </p:par>
                               <p:par>
-                                <p:cTn id="390" presetID="34" presetClass="emph" presetSubtype="0" fill="hold" grpId="1" nodeType="withEffect">
+                                <p:cTn id="462" presetID="34" presetClass="emph" presetSubtype="0" fill="hold" grpId="1" nodeType="withEffect">
                                   <p:stCondLst>
                                     <p:cond delay="0"/>
                                   </p:stCondLst>
@@ -15224,7 +16613,7 @@
                                   <p:childTnLst>
                                     <p:animMotion origin="layout" path="M -1.04167E-6 1.48148E-6 L -1.04167E-6 -0.07222 " pathEditMode="relative" rAng="0" ptsTypes="AA">
                                       <p:cBhvr>
-                                        <p:cTn id="391" dur="250" accel="50000" decel="50000" autoRev="1" fill="hold">
+                                        <p:cTn id="463" dur="250" accel="50000" decel="50000" autoRev="1" fill="hold">
                                           <p:stCondLst>
                                             <p:cond delay="0"/>
                                           </p:stCondLst>
@@ -15241,7 +16630,7 @@
                                     </p:animMotion>
                                     <p:animRot by="1500000">
                                       <p:cBhvr>
-                                        <p:cTn id="392" dur="125" fill="hold">
+                                        <p:cTn id="464" dur="125" fill="hold">
                                           <p:stCondLst>
                                             <p:cond delay="0"/>
                                           </p:stCondLst>
@@ -15256,7 +16645,7 @@
                                     </p:animRot>
                                     <p:animRot by="-1500000">
                                       <p:cBhvr>
-                                        <p:cTn id="393" dur="125" fill="hold">
+                                        <p:cTn id="465" dur="125" fill="hold">
                                           <p:stCondLst>
                                             <p:cond delay="125"/>
                                           </p:stCondLst>
@@ -15271,7 +16660,7 @@
                                     </p:animRot>
                                     <p:animRot by="-1500000">
                                       <p:cBhvr>
-                                        <p:cTn id="394" dur="125" fill="hold">
+                                        <p:cTn id="466" dur="125" fill="hold">
                                           <p:stCondLst>
                                             <p:cond delay="250"/>
                                           </p:stCondLst>
@@ -15286,7 +16675,7 @@
                                     </p:animRot>
                                     <p:animRot by="1500000">
                                       <p:cBhvr>
-                                        <p:cTn id="395" dur="125" fill="hold">
+                                        <p:cTn id="467" dur="125" fill="hold">
                                           <p:stCondLst>
                                             <p:cond delay="375"/>
                                           </p:stCondLst>
@@ -15306,70 +16695,26 @@
                           </p:cTn>
                         </p:par>
                         <p:par>
-                          <p:cTn id="396" fill="hold">
+                          <p:cTn id="468" fill="hold">
                             <p:stCondLst>
-                              <p:cond delay="65700"/>
+                              <p:cond delay="71200"/>
                             </p:stCondLst>
                             <p:childTnLst>
                               <p:par>
-                                <p:cTn id="397" presetID="10" presetClass="exit" presetSubtype="0" fill="hold" grpId="1" nodeType="afterEffect">
-                                  <p:stCondLst>
-                                    <p:cond delay="0"/>
-                                  </p:stCondLst>
-                                  <p:childTnLst>
-                                    <p:animEffect transition="out" filter="fade">
-                                      <p:cBhvr>
-                                        <p:cTn id="398" dur="500"/>
-                                        <p:tgtEl>
-                                          <p:spTgt spid="295"/>
-                                        </p:tgtEl>
-                                      </p:cBhvr>
-                                    </p:animEffect>
+                                <p:cTn id="469" presetID="10" presetClass="entr" presetSubtype="0" fill="hold" grpId="0" nodeType="afterEffect">
+                                  <p:stCondLst>
+                                    <p:cond delay="500"/>
+                                  </p:stCondLst>
+                                  <p:childTnLst>
                                     <p:set>
                                       <p:cBhvr>
-                                        <p:cTn id="399" dur="1" fill="hold">
-                                          <p:stCondLst>
-                                            <p:cond delay="499"/>
-                                          </p:stCondLst>
-                                        </p:cTn>
-                                        <p:tgtEl>
-                                          <p:spTgt spid="295"/>
-                                        </p:tgtEl>
-                                        <p:attrNameLst>
-                                          <p:attrName>style.visibility</p:attrName>
-                                        </p:attrNameLst>
-                                      </p:cBhvr>
-                                      <p:to>
-                                        <p:strVal val="hidden"/>
-                                      </p:to>
-                                    </p:set>
-                                  </p:childTnLst>
-                                </p:cTn>
-                              </p:par>
-                            </p:childTnLst>
-                          </p:cTn>
-                        </p:par>
-                        <p:par>
-                          <p:cTn id="400" fill="hold">
-                            <p:stCondLst>
-                              <p:cond delay="66200"/>
-                            </p:stCondLst>
-                            <p:childTnLst>
-                              <p:par>
-                                <p:cTn id="401" presetID="10" presetClass="entr" presetSubtype="0" fill="hold" grpId="0" nodeType="afterEffect">
-                                  <p:stCondLst>
-                                    <p:cond delay="0"/>
-                                  </p:stCondLst>
-                                  <p:childTnLst>
-                                    <p:set>
-                                      <p:cBhvr>
-                                        <p:cTn id="402" dur="1" fill="hold">
+                                        <p:cTn id="470" dur="1" fill="hold">
                                           <p:stCondLst>
                                             <p:cond delay="0"/>
                                           </p:stCondLst>
                                         </p:cTn>
                                         <p:tgtEl>
-                                          <p:spTgt spid="354"/>
+                                          <p:spTgt spid="295"/>
                                         </p:tgtEl>
                                         <p:attrNameLst>
                                           <p:attrName>style.visibility</p:attrName>
@@ -15381,9 +16726,9 @@
                                     </p:set>
                                     <p:animEffect transition="in" filter="fade">
                                       <p:cBhvr>
-                                        <p:cTn id="403" dur="1000"/>
-                                        <p:tgtEl>
-                                          <p:spTgt spid="354"/>
+                                        <p:cTn id="471" dur="1000"/>
+                                        <p:tgtEl>
+                                          <p:spTgt spid="295"/>
                                         </p:tgtEl>
                                       </p:cBhvr>
                                     </p:animEffect>
@@ -15394,34 +16739,34 @@
                           </p:cTn>
                         </p:par>
                         <p:par>
-                          <p:cTn id="404" fill="hold">
+                          <p:cTn id="472" fill="hold">
                             <p:stCondLst>
-                              <p:cond delay="67200"/>
+                              <p:cond delay="72700"/>
                             </p:stCondLst>
                             <p:childTnLst>
                               <p:par>
-                                <p:cTn id="405" presetID="10" presetClass="exit" presetSubtype="0" fill="hold" grpId="1" nodeType="afterEffect">
+                                <p:cTn id="473" presetID="10" presetClass="exit" presetSubtype="0" fill="hold" grpId="1" nodeType="afterEffect">
                                   <p:stCondLst>
                                     <p:cond delay="0"/>
                                   </p:stCondLst>
                                   <p:childTnLst>
                                     <p:animEffect transition="out" filter="fade">
                                       <p:cBhvr>
-                                        <p:cTn id="406" dur="500"/>
-                                        <p:tgtEl>
-                                          <p:spTgt spid="354"/>
+                                        <p:cTn id="474" dur="500"/>
+                                        <p:tgtEl>
+                                          <p:spTgt spid="295"/>
                                         </p:tgtEl>
                                       </p:cBhvr>
                                     </p:animEffect>
                                     <p:set>
                                       <p:cBhvr>
-                                        <p:cTn id="407" dur="1" fill="hold">
+                                        <p:cTn id="475" dur="1" fill="hold">
                                           <p:stCondLst>
                                             <p:cond delay="499"/>
                                           </p:stCondLst>
                                         </p:cTn>
                                         <p:tgtEl>
-                                          <p:spTgt spid="354"/>
+                                          <p:spTgt spid="295"/>
                                         </p:tgtEl>
                                         <p:attrNameLst>
                                           <p:attrName>style.visibility</p:attrName>
@@ -15438,214 +16783,26 @@
                           </p:cTn>
                         </p:par>
                         <p:par>
-                          <p:cTn id="408" fill="hold">
+                          <p:cTn id="476" fill="hold">
                             <p:stCondLst>
-                              <p:cond delay="67700"/>
+                              <p:cond delay="73200"/>
                             </p:stCondLst>
                             <p:childTnLst>
                               <p:par>
-                                <p:cTn id="409" presetID="10" presetClass="exit" presetSubtype="0" fill="hold" grpId="1" nodeType="afterEffect">
+                                <p:cTn id="477" presetID="10" presetClass="entr" presetSubtype="0" fill="hold" grpId="0" nodeType="afterEffect">
                                   <p:stCondLst>
                                     <p:cond delay="0"/>
                                   </p:stCondLst>
                                   <p:childTnLst>
-                                    <p:animEffect transition="out" filter="fade">
-                                      <p:cBhvr>
-                                        <p:cTn id="410" dur="500"/>
-                                        <p:tgtEl>
-                                          <p:spTgt spid="277"/>
-                                        </p:tgtEl>
-                                      </p:cBhvr>
-                                    </p:animEffect>
                                     <p:set>
                                       <p:cBhvr>
-                                        <p:cTn id="411" dur="1" fill="hold">
-                                          <p:stCondLst>
-                                            <p:cond delay="499"/>
-                                          </p:stCondLst>
-                                        </p:cTn>
-                                        <p:tgtEl>
-                                          <p:spTgt spid="277"/>
-                                        </p:tgtEl>
-                                        <p:attrNameLst>
-                                          <p:attrName>style.visibility</p:attrName>
-                                        </p:attrNameLst>
-                                      </p:cBhvr>
-                                      <p:to>
-                                        <p:strVal val="hidden"/>
-                                      </p:to>
-                                    </p:set>
-                                  </p:childTnLst>
-                                </p:cTn>
-                              </p:par>
-                              <p:par>
-                                <p:cTn id="412" presetID="10" presetClass="exit" presetSubtype="0" fill="hold" grpId="2" nodeType="withEffect">
-                                  <p:stCondLst>
-                                    <p:cond delay="0"/>
-                                  </p:stCondLst>
-                                  <p:childTnLst>
-                                    <p:animEffect transition="out" filter="fade">
-                                      <p:cBhvr>
-                                        <p:cTn id="413" dur="500"/>
-                                        <p:tgtEl>
-                                          <p:spTgt spid="287"/>
-                                        </p:tgtEl>
-                                      </p:cBhvr>
-                                    </p:animEffect>
-                                    <p:set>
-                                      <p:cBhvr>
-                                        <p:cTn id="414" dur="1" fill="hold">
-                                          <p:stCondLst>
-                                            <p:cond delay="499"/>
-                                          </p:stCondLst>
-                                        </p:cTn>
-                                        <p:tgtEl>
-                                          <p:spTgt spid="287"/>
-                                        </p:tgtEl>
-                                        <p:attrNameLst>
-                                          <p:attrName>style.visibility</p:attrName>
-                                        </p:attrNameLst>
-                                      </p:cBhvr>
-                                      <p:to>
-                                        <p:strVal val="hidden"/>
-                                      </p:to>
-                                    </p:set>
-                                  </p:childTnLst>
-                                </p:cTn>
-                              </p:par>
-                              <p:par>
-                                <p:cTn id="415" presetID="10" presetClass="exit" presetSubtype="0" fill="hold" grpId="2" nodeType="withEffect">
-                                  <p:stCondLst>
-                                    <p:cond delay="0"/>
-                                  </p:stCondLst>
-                                  <p:childTnLst>
-                                    <p:animEffect transition="out" filter="fade">
-                                      <p:cBhvr>
-                                        <p:cTn id="416" dur="500"/>
-                                        <p:tgtEl>
-                                          <p:spTgt spid="288"/>
-                                        </p:tgtEl>
-                                      </p:cBhvr>
-                                    </p:animEffect>
-                                    <p:set>
-                                      <p:cBhvr>
-                                        <p:cTn id="417" dur="1" fill="hold">
-                                          <p:stCondLst>
-                                            <p:cond delay="499"/>
-                                          </p:stCondLst>
-                                        </p:cTn>
-                                        <p:tgtEl>
-                                          <p:spTgt spid="288"/>
-                                        </p:tgtEl>
-                                        <p:attrNameLst>
-                                          <p:attrName>style.visibility</p:attrName>
-                                        </p:attrNameLst>
-                                      </p:cBhvr>
-                                      <p:to>
-                                        <p:strVal val="hidden"/>
-                                      </p:to>
-                                    </p:set>
-                                  </p:childTnLst>
-                                </p:cTn>
-                              </p:par>
-                            </p:childTnLst>
-                          </p:cTn>
-                        </p:par>
-                        <p:par>
-                          <p:cTn id="418" fill="hold">
-                            <p:stCondLst>
-                              <p:cond delay="68200"/>
-                            </p:stCondLst>
-                            <p:childTnLst>
-                              <p:par>
-                                <p:cTn id="419" presetID="0" presetClass="path" presetSubtype="0" accel="50000" decel="50000" fill="hold" grpId="3" nodeType="afterEffect">
-                                  <p:stCondLst>
-                                    <p:cond delay="0"/>
-                                  </p:stCondLst>
-                                  <p:childTnLst>
-                                    <p:animMotion origin="layout" path="M 0.06914 0.21273 L 0.11237 0.26829 L 0.03997 0.48773 " pathEditMode="relative" ptsTypes="AAA">
-                                      <p:cBhvr>
-                                        <p:cTn id="420" dur="2000" fill="hold"/>
-                                        <p:tgtEl>
-                                          <p:spTgt spid="294"/>
-                                        </p:tgtEl>
-                                        <p:attrNameLst>
-                                          <p:attrName>ppt_x</p:attrName>
-                                          <p:attrName>ppt_y</p:attrName>
-                                        </p:attrNameLst>
-                                      </p:cBhvr>
-                                    </p:animMotion>
-                                  </p:childTnLst>
-                                </p:cTn>
-                              </p:par>
-                            </p:childTnLst>
-                          </p:cTn>
-                        </p:par>
-                        <p:par>
-                          <p:cTn id="421" fill="hold">
-                            <p:stCondLst>
-                              <p:cond delay="70200"/>
-                            </p:stCondLst>
-                            <p:childTnLst>
-                              <p:par>
-                                <p:cTn id="422" presetID="10" presetClass="exit" presetSubtype="0" fill="hold" grpId="4" nodeType="afterEffect">
-                                  <p:stCondLst>
-                                    <p:cond delay="0"/>
-                                  </p:stCondLst>
-                                  <p:childTnLst>
-                                    <p:animEffect transition="out" filter="fade">
-                                      <p:cBhvr>
-                                        <p:cTn id="423" dur="500"/>
-                                        <p:tgtEl>
-                                          <p:spTgt spid="294"/>
-                                        </p:tgtEl>
-                                      </p:cBhvr>
-                                    </p:animEffect>
-                                    <p:set>
-                                      <p:cBhvr>
-                                        <p:cTn id="424" dur="1" fill="hold">
-                                          <p:stCondLst>
-                                            <p:cond delay="499"/>
-                                          </p:stCondLst>
-                                        </p:cTn>
-                                        <p:tgtEl>
-                                          <p:spTgt spid="294"/>
-                                        </p:tgtEl>
-                                        <p:attrNameLst>
-                                          <p:attrName>style.visibility</p:attrName>
-                                        </p:attrNameLst>
-                                      </p:cBhvr>
-                                      <p:to>
-                                        <p:strVal val="hidden"/>
-                                      </p:to>
-                                    </p:set>
-                                  </p:childTnLst>
-                                </p:cTn>
-                              </p:par>
-                            </p:childTnLst>
-                          </p:cTn>
-                        </p:par>
-                        <p:par>
-                          <p:cTn id="425" fill="hold">
-                            <p:stCondLst>
-                              <p:cond delay="70700"/>
-                            </p:stCondLst>
-                            <p:childTnLst>
-                              <p:par>
-                                <p:cTn id="426" presetID="10" presetClass="entr" presetSubtype="0" fill="hold" grpId="0" nodeType="afterEffect">
-                                  <p:stCondLst>
-                                    <p:cond delay="0"/>
-                                  </p:stCondLst>
-                                  <p:childTnLst>
-                                    <p:set>
-                                      <p:cBhvr>
-                                        <p:cTn id="427" dur="1" fill="hold">
+                                        <p:cTn id="478" dur="1" fill="hold">
                                           <p:stCondLst>
                                             <p:cond delay="0"/>
                                           </p:stCondLst>
                                         </p:cTn>
                                         <p:tgtEl>
-                                          <p:spTgt spid="356"/>
+                                          <p:spTgt spid="354"/>
                                         </p:tgtEl>
                                         <p:attrNameLst>
                                           <p:attrName>style.visibility</p:attrName>
@@ -15657,9 +16814,9 @@
                                     </p:set>
                                     <p:animEffect transition="in" filter="fade">
                                       <p:cBhvr>
-                                        <p:cTn id="428" dur="1000"/>
-                                        <p:tgtEl>
-                                          <p:spTgt spid="356"/>
+                                        <p:cTn id="479" dur="1000"/>
+                                        <p:tgtEl>
+                                          <p:spTgt spid="354"/>
                                         </p:tgtEl>
                                       </p:cBhvr>
                                     </p:animEffect>
@@ -15670,30 +16827,43 @@
                           </p:cTn>
                         </p:par>
                         <p:par>
-                          <p:cTn id="429" fill="hold">
+                          <p:cTn id="480" fill="hold">
                             <p:stCondLst>
-                              <p:cond delay="71700"/>
+                              <p:cond delay="74200"/>
                             </p:stCondLst>
                             <p:childTnLst>
                               <p:par>
-                                <p:cTn id="430" presetID="0" presetClass="path" presetSubtype="0" accel="50000" decel="50000" fill="hold" grpId="1" nodeType="afterEffect">
+                                <p:cTn id="481" presetID="10" presetClass="exit" presetSubtype="0" fill="hold" grpId="1" nodeType="afterEffect">
                                   <p:stCondLst>
                                     <p:cond delay="0"/>
                                   </p:stCondLst>
                                   <p:childTnLst>
-                                    <p:animMotion origin="layout" path="M 0.00313 0.00162 L 0.07579 -0.20533 " pathEditMode="relative" rAng="0" ptsTypes="AA">
-                                      <p:cBhvr>
-                                        <p:cTn id="431" dur="2000" fill="hold"/>
-                                        <p:tgtEl>
-                                          <p:spTgt spid="356"/>
-                                        </p:tgtEl>
-                                        <p:attrNameLst>
-                                          <p:attrName>ppt_x</p:attrName>
-                                          <p:attrName>ppt_y</p:attrName>
-                                        </p:attrNameLst>
-                                      </p:cBhvr>
-                                      <p:rCtr x="3633" y="-10347"/>
-                                    </p:animMotion>
+                                    <p:animEffect transition="out" filter="fade">
+                                      <p:cBhvr>
+                                        <p:cTn id="482" dur="500"/>
+                                        <p:tgtEl>
+                                          <p:spTgt spid="354"/>
+                                        </p:tgtEl>
+                                      </p:cBhvr>
+                                    </p:animEffect>
+                                    <p:set>
+                                      <p:cBhvr>
+                                        <p:cTn id="483" dur="1" fill="hold">
+                                          <p:stCondLst>
+                                            <p:cond delay="499"/>
+                                          </p:stCondLst>
+                                        </p:cTn>
+                                        <p:tgtEl>
+                                          <p:spTgt spid="354"/>
+                                        </p:tgtEl>
+                                        <p:attrNameLst>
+                                          <p:attrName>style.visibility</p:attrName>
+                                        </p:attrNameLst>
+                                      </p:cBhvr>
+                                      <p:to>
+                                        <p:strVal val="hidden"/>
+                                      </p:to>
+                                    </p:set>
                                   </p:childTnLst>
                                 </p:cTn>
                               </p:par>
@@ -15701,34 +16871,34 @@
                           </p:cTn>
                         </p:par>
                         <p:par>
-                          <p:cTn id="432" fill="hold">
+                          <p:cTn id="484" fill="hold">
                             <p:stCondLst>
-                              <p:cond delay="73700"/>
+                              <p:cond delay="74700"/>
                             </p:stCondLst>
                             <p:childTnLst>
                               <p:par>
-                                <p:cTn id="433" presetID="10" presetClass="exit" presetSubtype="0" fill="hold" grpId="2" nodeType="afterEffect">
+                                <p:cTn id="485" presetID="10" presetClass="exit" presetSubtype="0" fill="hold" grpId="1" nodeType="afterEffect">
                                   <p:stCondLst>
                                     <p:cond delay="0"/>
                                   </p:stCondLst>
                                   <p:childTnLst>
                                     <p:animEffect transition="out" filter="fade">
                                       <p:cBhvr>
-                                        <p:cTn id="434" dur="500"/>
-                                        <p:tgtEl>
-                                          <p:spTgt spid="356"/>
+                                        <p:cTn id="486" dur="500"/>
+                                        <p:tgtEl>
+                                          <p:spTgt spid="277"/>
                                         </p:tgtEl>
                                       </p:cBhvr>
                                     </p:animEffect>
                                     <p:set>
                                       <p:cBhvr>
-                                        <p:cTn id="435" dur="1" fill="hold">
+                                        <p:cTn id="487" dur="1" fill="hold">
                                           <p:stCondLst>
                                             <p:cond delay="499"/>
                                           </p:stCondLst>
                                         </p:cTn>
                                         <p:tgtEl>
-                                          <p:spTgt spid="356"/>
+                                          <p:spTgt spid="277"/>
                                         </p:tgtEl>
                                         <p:attrNameLst>
                                           <p:attrName>style.visibility</p:attrName>
@@ -15741,70 +16911,96 @@
                                   </p:childTnLst>
                                 </p:cTn>
                               </p:par>
+                              <p:par>
+                                <p:cTn id="488" presetID="10" presetClass="exit" presetSubtype="0" fill="hold" grpId="2" nodeType="withEffect">
+                                  <p:stCondLst>
+                                    <p:cond delay="0"/>
+                                  </p:stCondLst>
+                                  <p:childTnLst>
+                                    <p:animEffect transition="out" filter="fade">
+                                      <p:cBhvr>
+                                        <p:cTn id="489" dur="500"/>
+                                        <p:tgtEl>
+                                          <p:spTgt spid="287"/>
+                                        </p:tgtEl>
+                                      </p:cBhvr>
+                                    </p:animEffect>
+                                    <p:set>
+                                      <p:cBhvr>
+                                        <p:cTn id="490" dur="1" fill="hold">
+                                          <p:stCondLst>
+                                            <p:cond delay="499"/>
+                                          </p:stCondLst>
+                                        </p:cTn>
+                                        <p:tgtEl>
+                                          <p:spTgt spid="287"/>
+                                        </p:tgtEl>
+                                        <p:attrNameLst>
+                                          <p:attrName>style.visibility</p:attrName>
+                                        </p:attrNameLst>
+                                      </p:cBhvr>
+                                      <p:to>
+                                        <p:strVal val="hidden"/>
+                                      </p:to>
+                                    </p:set>
+                                  </p:childTnLst>
+                                </p:cTn>
+                              </p:par>
+                              <p:par>
+                                <p:cTn id="491" presetID="10" presetClass="exit" presetSubtype="0" fill="hold" grpId="2" nodeType="withEffect">
+                                  <p:stCondLst>
+                                    <p:cond delay="0"/>
+                                  </p:stCondLst>
+                                  <p:childTnLst>
+                                    <p:animEffect transition="out" filter="fade">
+                                      <p:cBhvr>
+                                        <p:cTn id="492" dur="500"/>
+                                        <p:tgtEl>
+                                          <p:spTgt spid="288"/>
+                                        </p:tgtEl>
+                                      </p:cBhvr>
+                                    </p:animEffect>
+                                    <p:set>
+                                      <p:cBhvr>
+                                        <p:cTn id="493" dur="1" fill="hold">
+                                          <p:stCondLst>
+                                            <p:cond delay="499"/>
+                                          </p:stCondLst>
+                                        </p:cTn>
+                                        <p:tgtEl>
+                                          <p:spTgt spid="288"/>
+                                        </p:tgtEl>
+                                        <p:attrNameLst>
+                                          <p:attrName>style.visibility</p:attrName>
+                                        </p:attrNameLst>
+                                      </p:cBhvr>
+                                      <p:to>
+                                        <p:strVal val="hidden"/>
+                                      </p:to>
+                                    </p:set>
+                                  </p:childTnLst>
+                                </p:cTn>
+                              </p:par>
                             </p:childTnLst>
                           </p:cTn>
                         </p:par>
                         <p:par>
-                          <p:cTn id="436" fill="hold">
-                            <p:stCondLst>
-                              <p:cond delay="74200"/>
-                            </p:stCondLst>
-                            <p:childTnLst>
-                              <p:par>
-                                <p:cTn id="437" presetID="10" presetClass="entr" presetSubtype="0" fill="hold" grpId="0" nodeType="afterEffect">
-                                  <p:stCondLst>
-                                    <p:cond delay="0"/>
-                                  </p:stCondLst>
-                                  <p:childTnLst>
-                                    <p:set>
-                                      <p:cBhvr>
-                                        <p:cTn id="438" dur="1" fill="hold">
-                                          <p:stCondLst>
-                                            <p:cond delay="0"/>
-                                          </p:stCondLst>
-                                        </p:cTn>
-                                        <p:tgtEl>
-                                          <p:spTgt spid="357"/>
-                                        </p:tgtEl>
-                                        <p:attrNameLst>
-                                          <p:attrName>style.visibility</p:attrName>
-                                        </p:attrNameLst>
-                                      </p:cBhvr>
-                                      <p:to>
-                                        <p:strVal val="visible"/>
-                                      </p:to>
-                                    </p:set>
-                                    <p:animEffect transition="in" filter="fade">
-                                      <p:cBhvr>
-                                        <p:cTn id="439" dur="1000"/>
-                                        <p:tgtEl>
-                                          <p:spTgt spid="357"/>
-                                        </p:tgtEl>
-                                      </p:cBhvr>
-                                    </p:animEffect>
-                                  </p:childTnLst>
-                                </p:cTn>
-                              </p:par>
-                            </p:childTnLst>
-                          </p:cTn>
-                        </p:par>
-                        <p:par>
-                          <p:cTn id="440" fill="hold">
+                          <p:cTn id="494" fill="hold">
                             <p:stCondLst>
                               <p:cond delay="75200"/>
                             </p:stCondLst>
                             <p:childTnLst>
                               <p:par>
-                                <p:cTn id="441" presetID="0" presetClass="path" presetSubtype="0" accel="50000" decel="50000" fill="hold" grpId="1" nodeType="afterEffect">
+                                <p:cTn id="495" presetID="0" presetClass="path" presetSubtype="0" accel="50000" decel="50000" fill="hold" grpId="3" nodeType="afterEffect">
                                   <p:stCondLst>
                                     <p:cond delay="0"/>
                                   </p:stCondLst>
                                   <p:childTnLst>
-                                    <p:animMotion origin="layout" path="M -2.5E-6 0.00139 L -0.22109 -0.13472 L -0.22187 -0.27639 L -0.22187 -0.27639 L -0.22265 -0.27778 " pathEditMode="relative" ptsTypes="AAAAA">
-                                      <p:cBhvr>
-                                        <p:cTn id="442" dur="2000" fill="hold"/>
-                                        <p:tgtEl>
-                                          <p:spTgt spid="357"/>
+                                    <p:animMotion origin="layout" path="M 0.06914 0.21273 L 0.11237 0.26829 L 0.03997 0.48773 " pathEditMode="relative" ptsTypes="AAA">
+                                      <p:cBhvr>
+                                        <p:cTn id="496" dur="2000" fill="hold"/>
+                                        <p:tgtEl>
+                                          <p:spTgt spid="294"/>
                                         </p:tgtEl>
                                         <p:attrNameLst>
                                           <p:attrName>ppt_x</p:attrName>
@@ -15812,622 +17008,6 @@
                                         </p:attrNameLst>
                                       </p:cBhvr>
                                     </p:animMotion>
-                                  </p:childTnLst>
-                                </p:cTn>
-                              </p:par>
-                            </p:childTnLst>
-                          </p:cTn>
-                        </p:par>
-                        <p:par>
-                          <p:cTn id="443" fill="hold">
-                            <p:stCondLst>
-                              <p:cond delay="77200"/>
-                            </p:stCondLst>
-                            <p:childTnLst>
-                              <p:par>
-                                <p:cTn id="444" presetID="10" presetClass="exit" presetSubtype="0" fill="hold" grpId="2" nodeType="afterEffect">
-                                  <p:stCondLst>
-                                    <p:cond delay="0"/>
-                                  </p:stCondLst>
-                                  <p:childTnLst>
-                                    <p:animEffect transition="out" filter="fade">
-                                      <p:cBhvr>
-                                        <p:cTn id="445" dur="500"/>
-                                        <p:tgtEl>
-                                          <p:spTgt spid="357"/>
-                                        </p:tgtEl>
-                                      </p:cBhvr>
-                                    </p:animEffect>
-                                    <p:set>
-                                      <p:cBhvr>
-                                        <p:cTn id="446" dur="1" fill="hold">
-                                          <p:stCondLst>
-                                            <p:cond delay="499"/>
-                                          </p:stCondLst>
-                                        </p:cTn>
-                                        <p:tgtEl>
-                                          <p:spTgt spid="357"/>
-                                        </p:tgtEl>
-                                        <p:attrNameLst>
-                                          <p:attrName>style.visibility</p:attrName>
-                                        </p:attrNameLst>
-                                      </p:cBhvr>
-                                      <p:to>
-                                        <p:strVal val="hidden"/>
-                                      </p:to>
-                                    </p:set>
-                                  </p:childTnLst>
-                                </p:cTn>
-                              </p:par>
-                            </p:childTnLst>
-                          </p:cTn>
-                        </p:par>
-                        <p:par>
-                          <p:cTn id="447" fill="hold">
-                            <p:stCondLst>
-                              <p:cond delay="77700"/>
-                            </p:stCondLst>
-                            <p:childTnLst>
-                              <p:par>
-                                <p:cTn id="448" presetID="10" presetClass="entr" presetSubtype="0" fill="hold" grpId="0" nodeType="afterEffect">
-                                  <p:stCondLst>
-                                    <p:cond delay="0"/>
-                                  </p:stCondLst>
-                                  <p:childTnLst>
-                                    <p:set>
-                                      <p:cBhvr>
-                                        <p:cTn id="449" dur="1" fill="hold">
-                                          <p:stCondLst>
-                                            <p:cond delay="0"/>
-                                          </p:stCondLst>
-                                        </p:cTn>
-                                        <p:tgtEl>
-                                          <p:spTgt spid="359"/>
-                                        </p:tgtEl>
-                                        <p:attrNameLst>
-                                          <p:attrName>style.visibility</p:attrName>
-                                        </p:attrNameLst>
-                                      </p:cBhvr>
-                                      <p:to>
-                                        <p:strVal val="visible"/>
-                                      </p:to>
-                                    </p:set>
-                                    <p:animEffect transition="in" filter="fade">
-                                      <p:cBhvr>
-                                        <p:cTn id="450" dur="500"/>
-                                        <p:tgtEl>
-                                          <p:spTgt spid="359"/>
-                                        </p:tgtEl>
-                                      </p:cBhvr>
-                                    </p:animEffect>
-                                  </p:childTnLst>
-                                </p:cTn>
-                              </p:par>
-                              <p:par>
-                                <p:cTn id="451" presetID="10" presetClass="entr" presetSubtype="0" fill="hold" grpId="0" nodeType="withEffect">
-                                  <p:stCondLst>
-                                    <p:cond delay="0"/>
-                                  </p:stCondLst>
-                                  <p:childTnLst>
-                                    <p:set>
-                                      <p:cBhvr>
-                                        <p:cTn id="452" dur="1" fill="hold">
-                                          <p:stCondLst>
-                                            <p:cond delay="0"/>
-                                          </p:stCondLst>
-                                        </p:cTn>
-                                        <p:tgtEl>
-                                          <p:spTgt spid="361"/>
-                                        </p:tgtEl>
-                                        <p:attrNameLst>
-                                          <p:attrName>style.visibility</p:attrName>
-                                        </p:attrNameLst>
-                                      </p:cBhvr>
-                                      <p:to>
-                                        <p:strVal val="visible"/>
-                                      </p:to>
-                                    </p:set>
-                                    <p:animEffect transition="in" filter="fade">
-                                      <p:cBhvr>
-                                        <p:cTn id="453" dur="500"/>
-                                        <p:tgtEl>
-                                          <p:spTgt spid="361"/>
-                                        </p:tgtEl>
-                                      </p:cBhvr>
-                                    </p:animEffect>
-                                  </p:childTnLst>
-                                </p:cTn>
-                              </p:par>
-                              <p:par>
-                                <p:cTn id="454" presetID="10" presetClass="entr" presetSubtype="0" fill="hold" grpId="0" nodeType="withEffect">
-                                  <p:stCondLst>
-                                    <p:cond delay="0"/>
-                                  </p:stCondLst>
-                                  <p:childTnLst>
-                                    <p:set>
-                                      <p:cBhvr>
-                                        <p:cTn id="455" dur="1" fill="hold">
-                                          <p:stCondLst>
-                                            <p:cond delay="0"/>
-                                          </p:stCondLst>
-                                        </p:cTn>
-                                        <p:tgtEl>
-                                          <p:spTgt spid="362"/>
-                                        </p:tgtEl>
-                                        <p:attrNameLst>
-                                          <p:attrName>style.visibility</p:attrName>
-                                        </p:attrNameLst>
-                                      </p:cBhvr>
-                                      <p:to>
-                                        <p:strVal val="visible"/>
-                                      </p:to>
-                                    </p:set>
-                                    <p:animEffect transition="in" filter="fade">
-                                      <p:cBhvr>
-                                        <p:cTn id="456" dur="500"/>
-                                        <p:tgtEl>
-                                          <p:spTgt spid="362"/>
-                                        </p:tgtEl>
-                                      </p:cBhvr>
-                                    </p:animEffect>
-                                  </p:childTnLst>
-                                </p:cTn>
-                              </p:par>
-                              <p:par>
-                                <p:cTn id="457" presetID="10" presetClass="entr" presetSubtype="0" fill="hold" grpId="0" nodeType="withEffect">
-                                  <p:stCondLst>
-                                    <p:cond delay="0"/>
-                                  </p:stCondLst>
-                                  <p:childTnLst>
-                                    <p:set>
-                                      <p:cBhvr>
-                                        <p:cTn id="458" dur="1" fill="hold">
-                                          <p:stCondLst>
-                                            <p:cond delay="0"/>
-                                          </p:stCondLst>
-                                        </p:cTn>
-                                        <p:tgtEl>
-                                          <p:spTgt spid="363"/>
-                                        </p:tgtEl>
-                                        <p:attrNameLst>
-                                          <p:attrName>style.visibility</p:attrName>
-                                        </p:attrNameLst>
-                                      </p:cBhvr>
-                                      <p:to>
-                                        <p:strVal val="visible"/>
-                                      </p:to>
-                                    </p:set>
-                                    <p:animEffect transition="in" filter="fade">
-                                      <p:cBhvr>
-                                        <p:cTn id="459" dur="500"/>
-                                        <p:tgtEl>
-                                          <p:spTgt spid="363"/>
-                                        </p:tgtEl>
-                                      </p:cBhvr>
-                                    </p:animEffect>
-                                  </p:childTnLst>
-                                </p:cTn>
-                              </p:par>
-                              <p:par>
-                                <p:cTn id="460" presetID="10" presetClass="entr" presetSubtype="0" fill="hold" grpId="0" nodeType="withEffect">
-                                  <p:stCondLst>
-                                    <p:cond delay="0"/>
-                                  </p:stCondLst>
-                                  <p:childTnLst>
-                                    <p:set>
-                                      <p:cBhvr>
-                                        <p:cTn id="461" dur="1" fill="hold">
-                                          <p:stCondLst>
-                                            <p:cond delay="0"/>
-                                          </p:stCondLst>
-                                        </p:cTn>
-                                        <p:tgtEl>
-                                          <p:spTgt spid="364"/>
-                                        </p:tgtEl>
-                                        <p:attrNameLst>
-                                          <p:attrName>style.visibility</p:attrName>
-                                        </p:attrNameLst>
-                                      </p:cBhvr>
-                                      <p:to>
-                                        <p:strVal val="visible"/>
-                                      </p:to>
-                                    </p:set>
-                                    <p:animEffect transition="in" filter="fade">
-                                      <p:cBhvr>
-                                        <p:cTn id="462" dur="500"/>
-                                        <p:tgtEl>
-                                          <p:spTgt spid="364"/>
-                                        </p:tgtEl>
-                                      </p:cBhvr>
-                                    </p:animEffect>
-                                  </p:childTnLst>
-                                </p:cTn>
-                              </p:par>
-                              <p:par>
-                                <p:cTn id="463" presetID="10" presetClass="entr" presetSubtype="0" fill="hold" grpId="0" nodeType="withEffect">
-                                  <p:stCondLst>
-                                    <p:cond delay="0"/>
-                                  </p:stCondLst>
-                                  <p:childTnLst>
-                                    <p:set>
-                                      <p:cBhvr>
-                                        <p:cTn id="464" dur="1" fill="hold">
-                                          <p:stCondLst>
-                                            <p:cond delay="0"/>
-                                          </p:stCondLst>
-                                        </p:cTn>
-                                        <p:tgtEl>
-                                          <p:spTgt spid="365"/>
-                                        </p:tgtEl>
-                                        <p:attrNameLst>
-                                          <p:attrName>style.visibility</p:attrName>
-                                        </p:attrNameLst>
-                                      </p:cBhvr>
-                                      <p:to>
-                                        <p:strVal val="visible"/>
-                                      </p:to>
-                                    </p:set>
-                                    <p:animEffect transition="in" filter="fade">
-                                      <p:cBhvr>
-                                        <p:cTn id="465" dur="500"/>
-                                        <p:tgtEl>
-                                          <p:spTgt spid="365"/>
-                                        </p:tgtEl>
-                                      </p:cBhvr>
-                                    </p:animEffect>
-                                  </p:childTnLst>
-                                </p:cTn>
-                              </p:par>
-                              <p:par>
-                                <p:cTn id="466" presetID="10" presetClass="entr" presetSubtype="0" fill="hold" grpId="0" nodeType="withEffect">
-                                  <p:stCondLst>
-                                    <p:cond delay="0"/>
-                                  </p:stCondLst>
-                                  <p:childTnLst>
-                                    <p:set>
-                                      <p:cBhvr>
-                                        <p:cTn id="467" dur="1" fill="hold">
-                                          <p:stCondLst>
-                                            <p:cond delay="0"/>
-                                          </p:stCondLst>
-                                        </p:cTn>
-                                        <p:tgtEl>
-                                          <p:spTgt spid="366"/>
-                                        </p:tgtEl>
-                                        <p:attrNameLst>
-                                          <p:attrName>style.visibility</p:attrName>
-                                        </p:attrNameLst>
-                                      </p:cBhvr>
-                                      <p:to>
-                                        <p:strVal val="visible"/>
-                                      </p:to>
-                                    </p:set>
-                                    <p:animEffect transition="in" filter="fade">
-                                      <p:cBhvr>
-                                        <p:cTn id="468" dur="500"/>
-                                        <p:tgtEl>
-                                          <p:spTgt spid="366"/>
-                                        </p:tgtEl>
-                                      </p:cBhvr>
-                                    </p:animEffect>
-                                  </p:childTnLst>
-                                </p:cTn>
-                              </p:par>
-                              <p:par>
-                                <p:cTn id="469" presetID="10" presetClass="entr" presetSubtype="0" fill="hold" grpId="0" nodeType="withEffect">
-                                  <p:stCondLst>
-                                    <p:cond delay="0"/>
-                                  </p:stCondLst>
-                                  <p:childTnLst>
-                                    <p:set>
-                                      <p:cBhvr>
-                                        <p:cTn id="470" dur="1" fill="hold">
-                                          <p:stCondLst>
-                                            <p:cond delay="0"/>
-                                          </p:stCondLst>
-                                        </p:cTn>
-                                        <p:tgtEl>
-                                          <p:spTgt spid="367"/>
-                                        </p:tgtEl>
-                                        <p:attrNameLst>
-                                          <p:attrName>style.visibility</p:attrName>
-                                        </p:attrNameLst>
-                                      </p:cBhvr>
-                                      <p:to>
-                                        <p:strVal val="visible"/>
-                                      </p:to>
-                                    </p:set>
-                                    <p:animEffect transition="in" filter="fade">
-                                      <p:cBhvr>
-                                        <p:cTn id="471" dur="500"/>
-                                        <p:tgtEl>
-                                          <p:spTgt spid="367"/>
-                                        </p:tgtEl>
-                                      </p:cBhvr>
-                                    </p:animEffect>
-                                  </p:childTnLst>
-                                </p:cTn>
-                              </p:par>
-                              <p:par>
-                                <p:cTn id="472" presetID="10" presetClass="entr" presetSubtype="0" fill="hold" grpId="0" nodeType="withEffect">
-                                  <p:stCondLst>
-                                    <p:cond delay="0"/>
-                                  </p:stCondLst>
-                                  <p:childTnLst>
-                                    <p:set>
-                                      <p:cBhvr>
-                                        <p:cTn id="473" dur="1" fill="hold">
-                                          <p:stCondLst>
-                                            <p:cond delay="0"/>
-                                          </p:stCondLst>
-                                        </p:cTn>
-                                        <p:tgtEl>
-                                          <p:spTgt spid="368"/>
-                                        </p:tgtEl>
-                                        <p:attrNameLst>
-                                          <p:attrName>style.visibility</p:attrName>
-                                        </p:attrNameLst>
-                                      </p:cBhvr>
-                                      <p:to>
-                                        <p:strVal val="visible"/>
-                                      </p:to>
-                                    </p:set>
-                                    <p:animEffect transition="in" filter="fade">
-                                      <p:cBhvr>
-                                        <p:cTn id="474" dur="500"/>
-                                        <p:tgtEl>
-                                          <p:spTgt spid="368"/>
-                                        </p:tgtEl>
-                                      </p:cBhvr>
-                                    </p:animEffect>
-                                  </p:childTnLst>
-                                </p:cTn>
-                              </p:par>
-                              <p:par>
-                                <p:cTn id="475" presetID="10" presetClass="entr" presetSubtype="0" fill="hold" grpId="0" nodeType="withEffect">
-                                  <p:stCondLst>
-                                    <p:cond delay="0"/>
-                                  </p:stCondLst>
-                                  <p:childTnLst>
-                                    <p:set>
-                                      <p:cBhvr>
-                                        <p:cTn id="476" dur="1" fill="hold">
-                                          <p:stCondLst>
-                                            <p:cond delay="0"/>
-                                          </p:stCondLst>
-                                        </p:cTn>
-                                        <p:tgtEl>
-                                          <p:spTgt spid="369"/>
-                                        </p:tgtEl>
-                                        <p:attrNameLst>
-                                          <p:attrName>style.visibility</p:attrName>
-                                        </p:attrNameLst>
-                                      </p:cBhvr>
-                                      <p:to>
-                                        <p:strVal val="visible"/>
-                                      </p:to>
-                                    </p:set>
-                                    <p:animEffect transition="in" filter="fade">
-                                      <p:cBhvr>
-                                        <p:cTn id="477" dur="500"/>
-                                        <p:tgtEl>
-                                          <p:spTgt spid="369"/>
-                                        </p:tgtEl>
-                                      </p:cBhvr>
-                                    </p:animEffect>
-                                  </p:childTnLst>
-                                </p:cTn>
-                              </p:par>
-                              <p:par>
-                                <p:cTn id="478" presetID="10" presetClass="entr" presetSubtype="0" fill="hold" grpId="0" nodeType="withEffect">
-                                  <p:stCondLst>
-                                    <p:cond delay="0"/>
-                                  </p:stCondLst>
-                                  <p:childTnLst>
-                                    <p:set>
-                                      <p:cBhvr>
-                                        <p:cTn id="479" dur="1" fill="hold">
-                                          <p:stCondLst>
-                                            <p:cond delay="0"/>
-                                          </p:stCondLst>
-                                        </p:cTn>
-                                        <p:tgtEl>
-                                          <p:spTgt spid="370"/>
-                                        </p:tgtEl>
-                                        <p:attrNameLst>
-                                          <p:attrName>style.visibility</p:attrName>
-                                        </p:attrNameLst>
-                                      </p:cBhvr>
-                                      <p:to>
-                                        <p:strVal val="visible"/>
-                                      </p:to>
-                                    </p:set>
-                                    <p:animEffect transition="in" filter="fade">
-                                      <p:cBhvr>
-                                        <p:cTn id="480" dur="500"/>
-                                        <p:tgtEl>
-                                          <p:spTgt spid="370"/>
-                                        </p:tgtEl>
-                                      </p:cBhvr>
-                                    </p:animEffect>
-                                  </p:childTnLst>
-                                </p:cTn>
-                              </p:par>
-                              <p:par>
-                                <p:cTn id="481" presetID="10" presetClass="entr" presetSubtype="0" fill="hold" grpId="0" nodeType="withEffect">
-                                  <p:stCondLst>
-                                    <p:cond delay="0"/>
-                                  </p:stCondLst>
-                                  <p:childTnLst>
-                                    <p:set>
-                                      <p:cBhvr>
-                                        <p:cTn id="482" dur="1" fill="hold">
-                                          <p:stCondLst>
-                                            <p:cond delay="0"/>
-                                          </p:stCondLst>
-                                        </p:cTn>
-                                        <p:tgtEl>
-                                          <p:spTgt spid="371"/>
-                                        </p:tgtEl>
-                                        <p:attrNameLst>
-                                          <p:attrName>style.visibility</p:attrName>
-                                        </p:attrNameLst>
-                                      </p:cBhvr>
-                                      <p:to>
-                                        <p:strVal val="visible"/>
-                                      </p:to>
-                                    </p:set>
-                                    <p:animEffect transition="in" filter="fade">
-                                      <p:cBhvr>
-                                        <p:cTn id="483" dur="500"/>
-                                        <p:tgtEl>
-                                          <p:spTgt spid="371"/>
-                                        </p:tgtEl>
-                                      </p:cBhvr>
-                                    </p:animEffect>
-                                  </p:childTnLst>
-                                </p:cTn>
-                              </p:par>
-                              <p:par>
-                                <p:cTn id="484" presetID="10" presetClass="entr" presetSubtype="0" fill="hold" grpId="0" nodeType="withEffect">
-                                  <p:stCondLst>
-                                    <p:cond delay="0"/>
-                                  </p:stCondLst>
-                                  <p:childTnLst>
-                                    <p:set>
-                                      <p:cBhvr>
-                                        <p:cTn id="485" dur="1" fill="hold">
-                                          <p:stCondLst>
-                                            <p:cond delay="0"/>
-                                          </p:stCondLst>
-                                        </p:cTn>
-                                        <p:tgtEl>
-                                          <p:spTgt spid="372"/>
-                                        </p:tgtEl>
-                                        <p:attrNameLst>
-                                          <p:attrName>style.visibility</p:attrName>
-                                        </p:attrNameLst>
-                                      </p:cBhvr>
-                                      <p:to>
-                                        <p:strVal val="visible"/>
-                                      </p:to>
-                                    </p:set>
-                                    <p:animEffect transition="in" filter="fade">
-                                      <p:cBhvr>
-                                        <p:cTn id="486" dur="500"/>
-                                        <p:tgtEl>
-                                          <p:spTgt spid="372"/>
-                                        </p:tgtEl>
-                                      </p:cBhvr>
-                                    </p:animEffect>
-                                  </p:childTnLst>
-                                </p:cTn>
-                              </p:par>
-                              <p:par>
-                                <p:cTn id="487" presetID="10" presetClass="entr" presetSubtype="0" fill="hold" nodeType="withEffect">
-                                  <p:stCondLst>
-                                    <p:cond delay="0"/>
-                                  </p:stCondLst>
-                                  <p:childTnLst>
-                                    <p:set>
-                                      <p:cBhvr>
-                                        <p:cTn id="488" dur="1" fill="hold">
-                                          <p:stCondLst>
-                                            <p:cond delay="0"/>
-                                          </p:stCondLst>
-                                        </p:cTn>
-                                        <p:tgtEl>
-                                          <p:spTgt spid="373"/>
-                                        </p:tgtEl>
-                                        <p:attrNameLst>
-                                          <p:attrName>style.visibility</p:attrName>
-                                        </p:attrNameLst>
-                                      </p:cBhvr>
-                                      <p:to>
-                                        <p:strVal val="visible"/>
-                                      </p:to>
-                                    </p:set>
-                                    <p:animEffect transition="in" filter="fade">
-                                      <p:cBhvr>
-                                        <p:cTn id="489" dur="500"/>
-                                        <p:tgtEl>
-                                          <p:spTgt spid="373"/>
-                                        </p:tgtEl>
-                                      </p:cBhvr>
-                                    </p:animEffect>
-                                  </p:childTnLst>
-                                </p:cTn>
-                              </p:par>
-                            </p:childTnLst>
-                          </p:cTn>
-                        </p:par>
-                        <p:par>
-                          <p:cTn id="490" fill="hold">
-                            <p:stCondLst>
-                              <p:cond delay="78200"/>
-                            </p:stCondLst>
-                            <p:childTnLst>
-                              <p:par>
-                                <p:cTn id="491" presetID="8" presetClass="emph" presetSubtype="0" fill="hold" nodeType="afterEffect">
-                                  <p:stCondLst>
-                                    <p:cond delay="0"/>
-                                  </p:stCondLst>
-                                  <p:childTnLst>
-                                    <p:animRot by="21600000">
-                                      <p:cBhvr>
-                                        <p:cTn id="492" dur="2000" fill="hold"/>
-                                        <p:tgtEl>
-                                          <p:spTgt spid="373"/>
-                                        </p:tgtEl>
-                                        <p:attrNameLst>
-                                          <p:attrName>r</p:attrName>
-                                        </p:attrNameLst>
-                                      </p:cBhvr>
-                                    </p:animRot>
-                                  </p:childTnLst>
-                                </p:cTn>
-                              </p:par>
-                            </p:childTnLst>
-                          </p:cTn>
-                        </p:par>
-                        <p:par>
-                          <p:cTn id="493" fill="hold">
-                            <p:stCondLst>
-                              <p:cond delay="80200"/>
-                            </p:stCondLst>
-                            <p:childTnLst>
-                              <p:par>
-                                <p:cTn id="494" presetID="10" presetClass="entr" presetSubtype="0" fill="hold" grpId="0" nodeType="afterEffect">
-                                  <p:stCondLst>
-                                    <p:cond delay="0"/>
-                                  </p:stCondLst>
-                                  <p:childTnLst>
-                                    <p:set>
-                                      <p:cBhvr>
-                                        <p:cTn id="495" dur="1" fill="hold">
-                                          <p:stCondLst>
-                                            <p:cond delay="0"/>
-                                          </p:stCondLst>
-                                        </p:cTn>
-                                        <p:tgtEl>
-                                          <p:spTgt spid="376"/>
-                                        </p:tgtEl>
-                                        <p:attrNameLst>
-                                          <p:attrName>style.visibility</p:attrName>
-                                        </p:attrNameLst>
-                                      </p:cBhvr>
-                                      <p:to>
-                                        <p:strVal val="visible"/>
-                                      </p:to>
-                                    </p:set>
-                                    <p:animEffect transition="in" filter="fade">
-                                      <p:cBhvr>
-                                        <p:cTn id="496" dur="1000"/>
-                                        <p:tgtEl>
-                                          <p:spTgt spid="376"/>
-                                        </p:tgtEl>
-                                      </p:cBhvr>
-                                    </p:animEffect>
                                   </p:childTnLst>
                                 </p:cTn>
                               </p:par>
@@ -16437,20 +17017,20 @@
                         <p:par>
                           <p:cTn id="497" fill="hold">
                             <p:stCondLst>
-                              <p:cond delay="81200"/>
+                              <p:cond delay="77200"/>
                             </p:stCondLst>
                             <p:childTnLst>
                               <p:par>
-                                <p:cTn id="498" presetID="10" presetClass="exit" presetSubtype="0" fill="hold" grpId="1" nodeType="afterEffect">
-                                  <p:stCondLst>
-                                    <p:cond delay="500"/>
+                                <p:cTn id="498" presetID="10" presetClass="exit" presetSubtype="0" fill="hold" grpId="4" nodeType="afterEffect">
+                                  <p:stCondLst>
+                                    <p:cond delay="0"/>
                                   </p:stCondLst>
                                   <p:childTnLst>
                                     <p:animEffect transition="out" filter="fade">
                                       <p:cBhvr>
                                         <p:cTn id="499" dur="500"/>
                                         <p:tgtEl>
-                                          <p:spTgt spid="359"/>
+                                          <p:spTgt spid="294"/>
                                         </p:tgtEl>
                                       </p:cBhvr>
                                     </p:animEffect>
@@ -16462,7 +17042,7 @@
                                           </p:stCondLst>
                                         </p:cTn>
                                         <p:tgtEl>
-                                          <p:spTgt spid="359"/>
+                                          <p:spTgt spid="294"/>
                                         </p:tgtEl>
                                         <p:attrNameLst>
                                           <p:attrName>style.visibility</p:attrName>
@@ -16475,520 +17055,30 @@
                                   </p:childTnLst>
                                 </p:cTn>
                               </p:par>
-                              <p:par>
-                                <p:cTn id="501" presetID="10" presetClass="exit" presetSubtype="0" fill="hold" grpId="1" nodeType="withEffect">
-                                  <p:stCondLst>
-                                    <p:cond delay="500"/>
-                                  </p:stCondLst>
-                                  <p:childTnLst>
-                                    <p:animEffect transition="out" filter="fade">
-                                      <p:cBhvr>
-                                        <p:cTn id="502" dur="500"/>
-                                        <p:tgtEl>
-                                          <p:spTgt spid="361"/>
-                                        </p:tgtEl>
-                                      </p:cBhvr>
-                                    </p:animEffect>
-                                    <p:set>
-                                      <p:cBhvr>
-                                        <p:cTn id="503" dur="1" fill="hold">
-                                          <p:stCondLst>
-                                            <p:cond delay="499"/>
-                                          </p:stCondLst>
-                                        </p:cTn>
-                                        <p:tgtEl>
-                                          <p:spTgt spid="361"/>
-                                        </p:tgtEl>
-                                        <p:attrNameLst>
-                                          <p:attrName>style.visibility</p:attrName>
-                                        </p:attrNameLst>
-                                      </p:cBhvr>
-                                      <p:to>
-                                        <p:strVal val="hidden"/>
-                                      </p:to>
-                                    </p:set>
-                                  </p:childTnLst>
-                                </p:cTn>
-                              </p:par>
-                              <p:par>
-                                <p:cTn id="504" presetID="10" presetClass="exit" presetSubtype="0" fill="hold" grpId="1" nodeType="withEffect">
-                                  <p:stCondLst>
-                                    <p:cond delay="500"/>
-                                  </p:stCondLst>
-                                  <p:childTnLst>
-                                    <p:animEffect transition="out" filter="fade">
-                                      <p:cBhvr>
-                                        <p:cTn id="505" dur="500"/>
-                                        <p:tgtEl>
-                                          <p:spTgt spid="362"/>
-                                        </p:tgtEl>
-                                      </p:cBhvr>
-                                    </p:animEffect>
-                                    <p:set>
-                                      <p:cBhvr>
-                                        <p:cTn id="506" dur="1" fill="hold">
-                                          <p:stCondLst>
-                                            <p:cond delay="499"/>
-                                          </p:stCondLst>
-                                        </p:cTn>
-                                        <p:tgtEl>
-                                          <p:spTgt spid="362"/>
-                                        </p:tgtEl>
-                                        <p:attrNameLst>
-                                          <p:attrName>style.visibility</p:attrName>
-                                        </p:attrNameLst>
-                                      </p:cBhvr>
-                                      <p:to>
-                                        <p:strVal val="hidden"/>
-                                      </p:to>
-                                    </p:set>
-                                  </p:childTnLst>
-                                </p:cTn>
-                              </p:par>
-                              <p:par>
-                                <p:cTn id="507" presetID="10" presetClass="exit" presetSubtype="0" fill="hold" grpId="1" nodeType="withEffect">
-                                  <p:stCondLst>
-                                    <p:cond delay="500"/>
-                                  </p:stCondLst>
-                                  <p:childTnLst>
-                                    <p:animEffect transition="out" filter="fade">
-                                      <p:cBhvr>
-                                        <p:cTn id="508" dur="500"/>
-                                        <p:tgtEl>
-                                          <p:spTgt spid="363"/>
-                                        </p:tgtEl>
-                                      </p:cBhvr>
-                                    </p:animEffect>
-                                    <p:set>
-                                      <p:cBhvr>
-                                        <p:cTn id="509" dur="1" fill="hold">
-                                          <p:stCondLst>
-                                            <p:cond delay="499"/>
-                                          </p:stCondLst>
-                                        </p:cTn>
-                                        <p:tgtEl>
-                                          <p:spTgt spid="363"/>
-                                        </p:tgtEl>
-                                        <p:attrNameLst>
-                                          <p:attrName>style.visibility</p:attrName>
-                                        </p:attrNameLst>
-                                      </p:cBhvr>
-                                      <p:to>
-                                        <p:strVal val="hidden"/>
-                                      </p:to>
-                                    </p:set>
-                                  </p:childTnLst>
-                                </p:cTn>
-                              </p:par>
-                              <p:par>
-                                <p:cTn id="510" presetID="10" presetClass="exit" presetSubtype="0" fill="hold" grpId="1" nodeType="withEffect">
-                                  <p:stCondLst>
-                                    <p:cond delay="500"/>
-                                  </p:stCondLst>
-                                  <p:childTnLst>
-                                    <p:animEffect transition="out" filter="fade">
-                                      <p:cBhvr>
-                                        <p:cTn id="511" dur="500"/>
-                                        <p:tgtEl>
-                                          <p:spTgt spid="364"/>
-                                        </p:tgtEl>
-                                      </p:cBhvr>
-                                    </p:animEffect>
-                                    <p:set>
-                                      <p:cBhvr>
-                                        <p:cTn id="512" dur="1" fill="hold">
-                                          <p:stCondLst>
-                                            <p:cond delay="499"/>
-                                          </p:stCondLst>
-                                        </p:cTn>
-                                        <p:tgtEl>
-                                          <p:spTgt spid="364"/>
-                                        </p:tgtEl>
-                                        <p:attrNameLst>
-                                          <p:attrName>style.visibility</p:attrName>
-                                        </p:attrNameLst>
-                                      </p:cBhvr>
-                                      <p:to>
-                                        <p:strVal val="hidden"/>
-                                      </p:to>
-                                    </p:set>
-                                  </p:childTnLst>
-                                </p:cTn>
-                              </p:par>
-                              <p:par>
-                                <p:cTn id="513" presetID="10" presetClass="exit" presetSubtype="0" fill="hold" grpId="1" nodeType="withEffect">
-                                  <p:stCondLst>
-                                    <p:cond delay="500"/>
-                                  </p:stCondLst>
-                                  <p:childTnLst>
-                                    <p:animEffect transition="out" filter="fade">
-                                      <p:cBhvr>
-                                        <p:cTn id="514" dur="500"/>
-                                        <p:tgtEl>
-                                          <p:spTgt spid="365"/>
-                                        </p:tgtEl>
-                                      </p:cBhvr>
-                                    </p:animEffect>
-                                    <p:set>
-                                      <p:cBhvr>
-                                        <p:cTn id="515" dur="1" fill="hold">
-                                          <p:stCondLst>
-                                            <p:cond delay="499"/>
-                                          </p:stCondLst>
-                                        </p:cTn>
-                                        <p:tgtEl>
-                                          <p:spTgt spid="365"/>
-                                        </p:tgtEl>
-                                        <p:attrNameLst>
-                                          <p:attrName>style.visibility</p:attrName>
-                                        </p:attrNameLst>
-                                      </p:cBhvr>
-                                      <p:to>
-                                        <p:strVal val="hidden"/>
-                                      </p:to>
-                                    </p:set>
-                                  </p:childTnLst>
-                                </p:cTn>
-                              </p:par>
-                              <p:par>
-                                <p:cTn id="516" presetID="10" presetClass="exit" presetSubtype="0" fill="hold" grpId="1" nodeType="withEffect">
-                                  <p:stCondLst>
-                                    <p:cond delay="500"/>
-                                  </p:stCondLst>
-                                  <p:childTnLst>
-                                    <p:animEffect transition="out" filter="fade">
-                                      <p:cBhvr>
-                                        <p:cTn id="517" dur="500"/>
-                                        <p:tgtEl>
-                                          <p:spTgt spid="366"/>
-                                        </p:tgtEl>
-                                      </p:cBhvr>
-                                    </p:animEffect>
-                                    <p:set>
-                                      <p:cBhvr>
-                                        <p:cTn id="518" dur="1" fill="hold">
-                                          <p:stCondLst>
-                                            <p:cond delay="499"/>
-                                          </p:stCondLst>
-                                        </p:cTn>
-                                        <p:tgtEl>
-                                          <p:spTgt spid="366"/>
-                                        </p:tgtEl>
-                                        <p:attrNameLst>
-                                          <p:attrName>style.visibility</p:attrName>
-                                        </p:attrNameLst>
-                                      </p:cBhvr>
-                                      <p:to>
-                                        <p:strVal val="hidden"/>
-                                      </p:to>
-                                    </p:set>
-                                  </p:childTnLst>
-                                </p:cTn>
-                              </p:par>
-                              <p:par>
-                                <p:cTn id="519" presetID="10" presetClass="exit" presetSubtype="0" fill="hold" grpId="1" nodeType="withEffect">
-                                  <p:stCondLst>
-                                    <p:cond delay="500"/>
-                                  </p:stCondLst>
-                                  <p:childTnLst>
-                                    <p:animEffect transition="out" filter="fade">
-                                      <p:cBhvr>
-                                        <p:cTn id="520" dur="500"/>
-                                        <p:tgtEl>
-                                          <p:spTgt spid="367"/>
-                                        </p:tgtEl>
-                                      </p:cBhvr>
-                                    </p:animEffect>
-                                    <p:set>
-                                      <p:cBhvr>
-                                        <p:cTn id="521" dur="1" fill="hold">
-                                          <p:stCondLst>
-                                            <p:cond delay="499"/>
-                                          </p:stCondLst>
-                                        </p:cTn>
-                                        <p:tgtEl>
-                                          <p:spTgt spid="367"/>
-                                        </p:tgtEl>
-                                        <p:attrNameLst>
-                                          <p:attrName>style.visibility</p:attrName>
-                                        </p:attrNameLst>
-                                      </p:cBhvr>
-                                      <p:to>
-                                        <p:strVal val="hidden"/>
-                                      </p:to>
-                                    </p:set>
-                                  </p:childTnLst>
-                                </p:cTn>
-                              </p:par>
-                              <p:par>
-                                <p:cTn id="522" presetID="10" presetClass="exit" presetSubtype="0" fill="hold" grpId="1" nodeType="withEffect">
-                                  <p:stCondLst>
-                                    <p:cond delay="500"/>
-                                  </p:stCondLst>
-                                  <p:childTnLst>
-                                    <p:animEffect transition="out" filter="fade">
-                                      <p:cBhvr>
-                                        <p:cTn id="523" dur="500"/>
-                                        <p:tgtEl>
-                                          <p:spTgt spid="368"/>
-                                        </p:tgtEl>
-                                      </p:cBhvr>
-                                    </p:animEffect>
-                                    <p:set>
-                                      <p:cBhvr>
-                                        <p:cTn id="524" dur="1" fill="hold">
-                                          <p:stCondLst>
-                                            <p:cond delay="499"/>
-                                          </p:stCondLst>
-                                        </p:cTn>
-                                        <p:tgtEl>
-                                          <p:spTgt spid="368"/>
-                                        </p:tgtEl>
-                                        <p:attrNameLst>
-                                          <p:attrName>style.visibility</p:attrName>
-                                        </p:attrNameLst>
-                                      </p:cBhvr>
-                                      <p:to>
-                                        <p:strVal val="hidden"/>
-                                      </p:to>
-                                    </p:set>
-                                  </p:childTnLst>
-                                </p:cTn>
-                              </p:par>
-                              <p:par>
-                                <p:cTn id="525" presetID="10" presetClass="exit" presetSubtype="0" fill="hold" grpId="1" nodeType="withEffect">
-                                  <p:stCondLst>
-                                    <p:cond delay="500"/>
-                                  </p:stCondLst>
-                                  <p:childTnLst>
-                                    <p:animEffect transition="out" filter="fade">
-                                      <p:cBhvr>
-                                        <p:cTn id="526" dur="500"/>
-                                        <p:tgtEl>
-                                          <p:spTgt spid="369"/>
-                                        </p:tgtEl>
-                                      </p:cBhvr>
-                                    </p:animEffect>
-                                    <p:set>
-                                      <p:cBhvr>
-                                        <p:cTn id="527" dur="1" fill="hold">
-                                          <p:stCondLst>
-                                            <p:cond delay="499"/>
-                                          </p:stCondLst>
-                                        </p:cTn>
-                                        <p:tgtEl>
-                                          <p:spTgt spid="369"/>
-                                        </p:tgtEl>
-                                        <p:attrNameLst>
-                                          <p:attrName>style.visibility</p:attrName>
-                                        </p:attrNameLst>
-                                      </p:cBhvr>
-                                      <p:to>
-                                        <p:strVal val="hidden"/>
-                                      </p:to>
-                                    </p:set>
-                                  </p:childTnLst>
-                                </p:cTn>
-                              </p:par>
-                              <p:par>
-                                <p:cTn id="528" presetID="10" presetClass="exit" presetSubtype="0" fill="hold" grpId="1" nodeType="withEffect">
-                                  <p:stCondLst>
-                                    <p:cond delay="500"/>
-                                  </p:stCondLst>
-                                  <p:childTnLst>
-                                    <p:animEffect transition="out" filter="fade">
-                                      <p:cBhvr>
-                                        <p:cTn id="529" dur="500"/>
-                                        <p:tgtEl>
-                                          <p:spTgt spid="370"/>
-                                        </p:tgtEl>
-                                      </p:cBhvr>
-                                    </p:animEffect>
-                                    <p:set>
-                                      <p:cBhvr>
-                                        <p:cTn id="530" dur="1" fill="hold">
-                                          <p:stCondLst>
-                                            <p:cond delay="499"/>
-                                          </p:stCondLst>
-                                        </p:cTn>
-                                        <p:tgtEl>
-                                          <p:spTgt spid="370"/>
-                                        </p:tgtEl>
-                                        <p:attrNameLst>
-                                          <p:attrName>style.visibility</p:attrName>
-                                        </p:attrNameLst>
-                                      </p:cBhvr>
-                                      <p:to>
-                                        <p:strVal val="hidden"/>
-                                      </p:to>
-                                    </p:set>
-                                  </p:childTnLst>
-                                </p:cTn>
-                              </p:par>
-                              <p:par>
-                                <p:cTn id="531" presetID="10" presetClass="exit" presetSubtype="0" fill="hold" grpId="1" nodeType="withEffect">
-                                  <p:stCondLst>
-                                    <p:cond delay="500"/>
-                                  </p:stCondLst>
-                                  <p:childTnLst>
-                                    <p:animEffect transition="out" filter="fade">
-                                      <p:cBhvr>
-                                        <p:cTn id="532" dur="500"/>
-                                        <p:tgtEl>
-                                          <p:spTgt spid="371"/>
-                                        </p:tgtEl>
-                                      </p:cBhvr>
-                                    </p:animEffect>
-                                    <p:set>
-                                      <p:cBhvr>
-                                        <p:cTn id="533" dur="1" fill="hold">
-                                          <p:stCondLst>
-                                            <p:cond delay="499"/>
-                                          </p:stCondLst>
-                                        </p:cTn>
-                                        <p:tgtEl>
-                                          <p:spTgt spid="371"/>
-                                        </p:tgtEl>
-                                        <p:attrNameLst>
-                                          <p:attrName>style.visibility</p:attrName>
-                                        </p:attrNameLst>
-                                      </p:cBhvr>
-                                      <p:to>
-                                        <p:strVal val="hidden"/>
-                                      </p:to>
-                                    </p:set>
-                                  </p:childTnLst>
-                                </p:cTn>
-                              </p:par>
-                              <p:par>
-                                <p:cTn id="534" presetID="10" presetClass="exit" presetSubtype="0" fill="hold" grpId="1" nodeType="withEffect">
-                                  <p:stCondLst>
-                                    <p:cond delay="500"/>
-                                  </p:stCondLst>
-                                  <p:childTnLst>
-                                    <p:animEffect transition="out" filter="fade">
-                                      <p:cBhvr>
-                                        <p:cTn id="535" dur="500"/>
-                                        <p:tgtEl>
-                                          <p:spTgt spid="372"/>
-                                        </p:tgtEl>
-                                      </p:cBhvr>
-                                    </p:animEffect>
-                                    <p:set>
-                                      <p:cBhvr>
-                                        <p:cTn id="536" dur="1" fill="hold">
-                                          <p:stCondLst>
-                                            <p:cond delay="499"/>
-                                          </p:stCondLst>
-                                        </p:cTn>
-                                        <p:tgtEl>
-                                          <p:spTgt spid="372"/>
-                                        </p:tgtEl>
-                                        <p:attrNameLst>
-                                          <p:attrName>style.visibility</p:attrName>
-                                        </p:attrNameLst>
-                                      </p:cBhvr>
-                                      <p:to>
-                                        <p:strVal val="hidden"/>
-                                      </p:to>
-                                    </p:set>
-                                  </p:childTnLst>
-                                </p:cTn>
-                              </p:par>
-                              <p:par>
-                                <p:cTn id="537" presetID="10" presetClass="exit" presetSubtype="0" fill="hold" nodeType="withEffect">
-                                  <p:stCondLst>
-                                    <p:cond delay="500"/>
-                                  </p:stCondLst>
-                                  <p:childTnLst>
-                                    <p:animEffect transition="out" filter="fade">
-                                      <p:cBhvr>
-                                        <p:cTn id="538" dur="500"/>
-                                        <p:tgtEl>
-                                          <p:spTgt spid="373"/>
-                                        </p:tgtEl>
-                                      </p:cBhvr>
-                                    </p:animEffect>
-                                    <p:set>
-                                      <p:cBhvr>
-                                        <p:cTn id="539" dur="1" fill="hold">
-                                          <p:stCondLst>
-                                            <p:cond delay="499"/>
-                                          </p:stCondLst>
-                                        </p:cTn>
-                                        <p:tgtEl>
-                                          <p:spTgt spid="373"/>
-                                        </p:tgtEl>
-                                        <p:attrNameLst>
-                                          <p:attrName>style.visibility</p:attrName>
-                                        </p:attrNameLst>
-                                      </p:cBhvr>
-                                      <p:to>
-                                        <p:strVal val="hidden"/>
-                                      </p:to>
-                                    </p:set>
-                                  </p:childTnLst>
-                                </p:cTn>
-                              </p:par>
-                              <p:par>
-                                <p:cTn id="540" presetID="10" presetClass="exit" presetSubtype="0" fill="hold" grpId="1" nodeType="withEffect">
-                                  <p:stCondLst>
-                                    <p:cond delay="500"/>
-                                  </p:stCondLst>
-                                  <p:childTnLst>
-                                    <p:animEffect transition="out" filter="fade">
-                                      <p:cBhvr>
-                                        <p:cTn id="541" dur="500"/>
-                                        <p:tgtEl>
-                                          <p:spTgt spid="376"/>
-                                        </p:tgtEl>
-                                      </p:cBhvr>
-                                    </p:animEffect>
-                                    <p:set>
-                                      <p:cBhvr>
-                                        <p:cTn id="542" dur="1" fill="hold">
-                                          <p:stCondLst>
-                                            <p:cond delay="499"/>
-                                          </p:stCondLst>
-                                        </p:cTn>
-                                        <p:tgtEl>
-                                          <p:spTgt spid="376"/>
-                                        </p:tgtEl>
-                                        <p:attrNameLst>
-                                          <p:attrName>style.visibility</p:attrName>
-                                        </p:attrNameLst>
-                                      </p:cBhvr>
-                                      <p:to>
-                                        <p:strVal val="hidden"/>
-                                      </p:to>
-                                    </p:set>
-                                  </p:childTnLst>
-                                </p:cTn>
-                              </p:par>
                             </p:childTnLst>
                           </p:cTn>
                         </p:par>
                         <p:par>
-                          <p:cTn id="543" fill="hold">
+                          <p:cTn id="501" fill="hold">
                             <p:stCondLst>
-                              <p:cond delay="82200"/>
+                              <p:cond delay="77700"/>
                             </p:stCondLst>
                             <p:childTnLst>
                               <p:par>
-                                <p:cTn id="544" presetID="10" presetClass="entr" presetSubtype="0" fill="hold" grpId="0" nodeType="afterEffect">
-                                  <p:stCondLst>
-                                    <p:cond delay="500"/>
+                                <p:cTn id="502" presetID="10" presetClass="entr" presetSubtype="0" fill="hold" grpId="0" nodeType="afterEffect">
+                                  <p:stCondLst>
+                                    <p:cond delay="0"/>
                                   </p:stCondLst>
                                   <p:childTnLst>
                                     <p:set>
                                       <p:cBhvr>
-                                        <p:cTn id="545" dur="1" fill="hold">
+                                        <p:cTn id="503" dur="1" fill="hold">
                                           <p:stCondLst>
                                             <p:cond delay="0"/>
                                           </p:stCondLst>
                                         </p:cTn>
                                         <p:tgtEl>
-                                          <p:spTgt spid="377"/>
+                                          <p:spTgt spid="356"/>
                                         </p:tgtEl>
                                         <p:attrNameLst>
                                           <p:attrName>style.visibility</p:attrName>
@@ -17000,9 +17090,9 @@
                                     </p:set>
                                     <p:animEffect transition="in" filter="fade">
                                       <p:cBhvr>
-                                        <p:cTn id="546" dur="1000"/>
-                                        <p:tgtEl>
-                                          <p:spTgt spid="377"/>
+                                        <p:cTn id="504" dur="1000"/>
+                                        <p:tgtEl>
+                                          <p:spTgt spid="356"/>
                                         </p:tgtEl>
                                       </p:cBhvr>
                                     </p:animEffect>
@@ -17013,13 +17103,486 @@
                           </p:cTn>
                         </p:par>
                         <p:par>
-                          <p:cTn id="547" fill="hold">
+                          <p:cTn id="505" fill="hold">
                             <p:stCondLst>
-                              <p:cond delay="83700"/>
+                              <p:cond delay="78700"/>
                             </p:stCondLst>
                             <p:childTnLst>
                               <p:par>
-                                <p:cTn id="548" presetID="10" presetClass="entr" presetSubtype="0" fill="hold" grpId="0" nodeType="afterEffect">
+                                <p:cTn id="506" presetID="0" presetClass="path" presetSubtype="0" accel="50000" decel="50000" fill="hold" grpId="1" nodeType="afterEffect">
+                                  <p:stCondLst>
+                                    <p:cond delay="0"/>
+                                  </p:stCondLst>
+                                  <p:childTnLst>
+                                    <p:animMotion origin="layout" path="M 0.00313 0.00162 L 0.07579 -0.20533 " pathEditMode="relative" rAng="0" ptsTypes="AA">
+                                      <p:cBhvr>
+                                        <p:cTn id="507" dur="2000" fill="hold"/>
+                                        <p:tgtEl>
+                                          <p:spTgt spid="356"/>
+                                        </p:tgtEl>
+                                        <p:attrNameLst>
+                                          <p:attrName>ppt_x</p:attrName>
+                                          <p:attrName>ppt_y</p:attrName>
+                                        </p:attrNameLst>
+                                      </p:cBhvr>
+                                      <p:rCtr x="3633" y="-10347"/>
+                                    </p:animMotion>
+                                  </p:childTnLst>
+                                </p:cTn>
+                              </p:par>
+                            </p:childTnLst>
+                          </p:cTn>
+                        </p:par>
+                        <p:par>
+                          <p:cTn id="508" fill="hold">
+                            <p:stCondLst>
+                              <p:cond delay="80700"/>
+                            </p:stCondLst>
+                            <p:childTnLst>
+                              <p:par>
+                                <p:cTn id="509" presetID="10" presetClass="exit" presetSubtype="0" fill="hold" grpId="2" nodeType="afterEffect">
+                                  <p:stCondLst>
+                                    <p:cond delay="0"/>
+                                  </p:stCondLst>
+                                  <p:childTnLst>
+                                    <p:animEffect transition="out" filter="fade">
+                                      <p:cBhvr>
+                                        <p:cTn id="510" dur="500"/>
+                                        <p:tgtEl>
+                                          <p:spTgt spid="356"/>
+                                        </p:tgtEl>
+                                      </p:cBhvr>
+                                    </p:animEffect>
+                                    <p:set>
+                                      <p:cBhvr>
+                                        <p:cTn id="511" dur="1" fill="hold">
+                                          <p:stCondLst>
+                                            <p:cond delay="499"/>
+                                          </p:stCondLst>
+                                        </p:cTn>
+                                        <p:tgtEl>
+                                          <p:spTgt spid="356"/>
+                                        </p:tgtEl>
+                                        <p:attrNameLst>
+                                          <p:attrName>style.visibility</p:attrName>
+                                        </p:attrNameLst>
+                                      </p:cBhvr>
+                                      <p:to>
+                                        <p:strVal val="hidden"/>
+                                      </p:to>
+                                    </p:set>
+                                  </p:childTnLst>
+                                </p:cTn>
+                              </p:par>
+                            </p:childTnLst>
+                          </p:cTn>
+                        </p:par>
+                        <p:par>
+                          <p:cTn id="512" fill="hold">
+                            <p:stCondLst>
+                              <p:cond delay="81200"/>
+                            </p:stCondLst>
+                            <p:childTnLst>
+                              <p:par>
+                                <p:cTn id="513" presetID="10" presetClass="entr" presetSubtype="0" fill="hold" grpId="0" nodeType="afterEffect">
+                                  <p:stCondLst>
+                                    <p:cond delay="0"/>
+                                  </p:stCondLst>
+                                  <p:childTnLst>
+                                    <p:set>
+                                      <p:cBhvr>
+                                        <p:cTn id="514" dur="1" fill="hold">
+                                          <p:stCondLst>
+                                            <p:cond delay="0"/>
+                                          </p:stCondLst>
+                                        </p:cTn>
+                                        <p:tgtEl>
+                                          <p:spTgt spid="357"/>
+                                        </p:tgtEl>
+                                        <p:attrNameLst>
+                                          <p:attrName>style.visibility</p:attrName>
+                                        </p:attrNameLst>
+                                      </p:cBhvr>
+                                      <p:to>
+                                        <p:strVal val="visible"/>
+                                      </p:to>
+                                    </p:set>
+                                    <p:animEffect transition="in" filter="fade">
+                                      <p:cBhvr>
+                                        <p:cTn id="515" dur="1000"/>
+                                        <p:tgtEl>
+                                          <p:spTgt spid="357"/>
+                                        </p:tgtEl>
+                                      </p:cBhvr>
+                                    </p:animEffect>
+                                  </p:childTnLst>
+                                </p:cTn>
+                              </p:par>
+                            </p:childTnLst>
+                          </p:cTn>
+                        </p:par>
+                        <p:par>
+                          <p:cTn id="516" fill="hold">
+                            <p:stCondLst>
+                              <p:cond delay="82200"/>
+                            </p:stCondLst>
+                            <p:childTnLst>
+                              <p:par>
+                                <p:cTn id="517" presetID="0" presetClass="path" presetSubtype="0" accel="50000" decel="50000" fill="hold" grpId="1" nodeType="afterEffect">
+                                  <p:stCondLst>
+                                    <p:cond delay="0"/>
+                                  </p:stCondLst>
+                                  <p:childTnLst>
+                                    <p:animMotion origin="layout" path="M -2.5E-6 0.00139 L -0.22109 -0.13472 L -0.22187 -0.27639 L -0.22187 -0.27639 L -0.22265 -0.27778 " pathEditMode="relative" ptsTypes="AAAAA">
+                                      <p:cBhvr>
+                                        <p:cTn id="518" dur="2000" fill="hold"/>
+                                        <p:tgtEl>
+                                          <p:spTgt spid="357"/>
+                                        </p:tgtEl>
+                                        <p:attrNameLst>
+                                          <p:attrName>ppt_x</p:attrName>
+                                          <p:attrName>ppt_y</p:attrName>
+                                        </p:attrNameLst>
+                                      </p:cBhvr>
+                                    </p:animMotion>
+                                  </p:childTnLst>
+                                </p:cTn>
+                              </p:par>
+                            </p:childTnLst>
+                          </p:cTn>
+                        </p:par>
+                        <p:par>
+                          <p:cTn id="519" fill="hold">
+                            <p:stCondLst>
+                              <p:cond delay="84200"/>
+                            </p:stCondLst>
+                            <p:childTnLst>
+                              <p:par>
+                                <p:cTn id="520" presetID="10" presetClass="exit" presetSubtype="0" fill="hold" grpId="2" nodeType="afterEffect">
+                                  <p:stCondLst>
+                                    <p:cond delay="0"/>
+                                  </p:stCondLst>
+                                  <p:childTnLst>
+                                    <p:animEffect transition="out" filter="fade">
+                                      <p:cBhvr>
+                                        <p:cTn id="521" dur="500"/>
+                                        <p:tgtEl>
+                                          <p:spTgt spid="357"/>
+                                        </p:tgtEl>
+                                      </p:cBhvr>
+                                    </p:animEffect>
+                                    <p:set>
+                                      <p:cBhvr>
+                                        <p:cTn id="522" dur="1" fill="hold">
+                                          <p:stCondLst>
+                                            <p:cond delay="499"/>
+                                          </p:stCondLst>
+                                        </p:cTn>
+                                        <p:tgtEl>
+                                          <p:spTgt spid="357"/>
+                                        </p:tgtEl>
+                                        <p:attrNameLst>
+                                          <p:attrName>style.visibility</p:attrName>
+                                        </p:attrNameLst>
+                                      </p:cBhvr>
+                                      <p:to>
+                                        <p:strVal val="hidden"/>
+                                      </p:to>
+                                    </p:set>
+                                  </p:childTnLst>
+                                </p:cTn>
+                              </p:par>
+                            </p:childTnLst>
+                          </p:cTn>
+                        </p:par>
+                        <p:par>
+                          <p:cTn id="523" fill="hold">
+                            <p:stCondLst>
+                              <p:cond delay="84700"/>
+                            </p:stCondLst>
+                            <p:childTnLst>
+                              <p:par>
+                                <p:cTn id="524" presetID="10" presetClass="entr" presetSubtype="0" fill="hold" grpId="0" nodeType="afterEffect">
+                                  <p:stCondLst>
+                                    <p:cond delay="0"/>
+                                  </p:stCondLst>
+                                  <p:childTnLst>
+                                    <p:set>
+                                      <p:cBhvr>
+                                        <p:cTn id="525" dur="1" fill="hold">
+                                          <p:stCondLst>
+                                            <p:cond delay="0"/>
+                                          </p:stCondLst>
+                                        </p:cTn>
+                                        <p:tgtEl>
+                                          <p:spTgt spid="359"/>
+                                        </p:tgtEl>
+                                        <p:attrNameLst>
+                                          <p:attrName>style.visibility</p:attrName>
+                                        </p:attrNameLst>
+                                      </p:cBhvr>
+                                      <p:to>
+                                        <p:strVal val="visible"/>
+                                      </p:to>
+                                    </p:set>
+                                    <p:animEffect transition="in" filter="fade">
+                                      <p:cBhvr>
+                                        <p:cTn id="526" dur="500"/>
+                                        <p:tgtEl>
+                                          <p:spTgt spid="359"/>
+                                        </p:tgtEl>
+                                      </p:cBhvr>
+                                    </p:animEffect>
+                                  </p:childTnLst>
+                                </p:cTn>
+                              </p:par>
+                              <p:par>
+                                <p:cTn id="527" presetID="10" presetClass="entr" presetSubtype="0" fill="hold" grpId="0" nodeType="withEffect">
+                                  <p:stCondLst>
+                                    <p:cond delay="0"/>
+                                  </p:stCondLst>
+                                  <p:childTnLst>
+                                    <p:set>
+                                      <p:cBhvr>
+                                        <p:cTn id="528" dur="1" fill="hold">
+                                          <p:stCondLst>
+                                            <p:cond delay="0"/>
+                                          </p:stCondLst>
+                                        </p:cTn>
+                                        <p:tgtEl>
+                                          <p:spTgt spid="165"/>
+                                        </p:tgtEl>
+                                        <p:attrNameLst>
+                                          <p:attrName>style.visibility</p:attrName>
+                                        </p:attrNameLst>
+                                      </p:cBhvr>
+                                      <p:to>
+                                        <p:strVal val="visible"/>
+                                      </p:to>
+                                    </p:set>
+                                    <p:animEffect transition="in" filter="fade">
+                                      <p:cBhvr>
+                                        <p:cTn id="529" dur="500"/>
+                                        <p:tgtEl>
+                                          <p:spTgt spid="165"/>
+                                        </p:tgtEl>
+                                      </p:cBhvr>
+                                    </p:animEffect>
+                                  </p:childTnLst>
+                                </p:cTn>
+                              </p:par>
+                              <p:par>
+                                <p:cTn id="530" presetID="10" presetClass="entr" presetSubtype="0" fill="hold" grpId="0" nodeType="withEffect">
+                                  <p:stCondLst>
+                                    <p:cond delay="0"/>
+                                  </p:stCondLst>
+                                  <p:childTnLst>
+                                    <p:set>
+                                      <p:cBhvr>
+                                        <p:cTn id="531" dur="1" fill="hold">
+                                          <p:stCondLst>
+                                            <p:cond delay="0"/>
+                                          </p:stCondLst>
+                                        </p:cTn>
+                                        <p:tgtEl>
+                                          <p:spTgt spid="361"/>
+                                        </p:tgtEl>
+                                        <p:attrNameLst>
+                                          <p:attrName>style.visibility</p:attrName>
+                                        </p:attrNameLst>
+                                      </p:cBhvr>
+                                      <p:to>
+                                        <p:strVal val="visible"/>
+                                      </p:to>
+                                    </p:set>
+                                    <p:animEffect transition="in" filter="fade">
+                                      <p:cBhvr>
+                                        <p:cTn id="532" dur="500"/>
+                                        <p:tgtEl>
+                                          <p:spTgt spid="361"/>
+                                        </p:tgtEl>
+                                      </p:cBhvr>
+                                    </p:animEffect>
+                                  </p:childTnLst>
+                                </p:cTn>
+                              </p:par>
+                              <p:par>
+                                <p:cTn id="533" presetID="10" presetClass="entr" presetSubtype="0" fill="hold" grpId="0" nodeType="withEffect">
+                                  <p:stCondLst>
+                                    <p:cond delay="0"/>
+                                  </p:stCondLst>
+                                  <p:childTnLst>
+                                    <p:set>
+                                      <p:cBhvr>
+                                        <p:cTn id="534" dur="1" fill="hold">
+                                          <p:stCondLst>
+                                            <p:cond delay="0"/>
+                                          </p:stCondLst>
+                                        </p:cTn>
+                                        <p:tgtEl>
+                                          <p:spTgt spid="362"/>
+                                        </p:tgtEl>
+                                        <p:attrNameLst>
+                                          <p:attrName>style.visibility</p:attrName>
+                                        </p:attrNameLst>
+                                      </p:cBhvr>
+                                      <p:to>
+                                        <p:strVal val="visible"/>
+                                      </p:to>
+                                    </p:set>
+                                    <p:animEffect transition="in" filter="fade">
+                                      <p:cBhvr>
+                                        <p:cTn id="535" dur="500"/>
+                                        <p:tgtEl>
+                                          <p:spTgt spid="362"/>
+                                        </p:tgtEl>
+                                      </p:cBhvr>
+                                    </p:animEffect>
+                                  </p:childTnLst>
+                                </p:cTn>
+                              </p:par>
+                              <p:par>
+                                <p:cTn id="536" presetID="10" presetClass="entr" presetSubtype="0" fill="hold" grpId="0" nodeType="withEffect">
+                                  <p:stCondLst>
+                                    <p:cond delay="0"/>
+                                  </p:stCondLst>
+                                  <p:childTnLst>
+                                    <p:set>
+                                      <p:cBhvr>
+                                        <p:cTn id="537" dur="1" fill="hold">
+                                          <p:stCondLst>
+                                            <p:cond delay="0"/>
+                                          </p:stCondLst>
+                                        </p:cTn>
+                                        <p:tgtEl>
+                                          <p:spTgt spid="363"/>
+                                        </p:tgtEl>
+                                        <p:attrNameLst>
+                                          <p:attrName>style.visibility</p:attrName>
+                                        </p:attrNameLst>
+                                      </p:cBhvr>
+                                      <p:to>
+                                        <p:strVal val="visible"/>
+                                      </p:to>
+                                    </p:set>
+                                    <p:animEffect transition="in" filter="fade">
+                                      <p:cBhvr>
+                                        <p:cTn id="538" dur="500"/>
+                                        <p:tgtEl>
+                                          <p:spTgt spid="363"/>
+                                        </p:tgtEl>
+                                      </p:cBhvr>
+                                    </p:animEffect>
+                                  </p:childTnLst>
+                                </p:cTn>
+                              </p:par>
+                              <p:par>
+                                <p:cTn id="539" presetID="10" presetClass="entr" presetSubtype="0" fill="hold" grpId="0" nodeType="withEffect">
+                                  <p:stCondLst>
+                                    <p:cond delay="0"/>
+                                  </p:stCondLst>
+                                  <p:childTnLst>
+                                    <p:set>
+                                      <p:cBhvr>
+                                        <p:cTn id="540" dur="1" fill="hold">
+                                          <p:stCondLst>
+                                            <p:cond delay="0"/>
+                                          </p:stCondLst>
+                                        </p:cTn>
+                                        <p:tgtEl>
+                                          <p:spTgt spid="364"/>
+                                        </p:tgtEl>
+                                        <p:attrNameLst>
+                                          <p:attrName>style.visibility</p:attrName>
+                                        </p:attrNameLst>
+                                      </p:cBhvr>
+                                      <p:to>
+                                        <p:strVal val="visible"/>
+                                      </p:to>
+                                    </p:set>
+                                    <p:animEffect transition="in" filter="fade">
+                                      <p:cBhvr>
+                                        <p:cTn id="541" dur="500"/>
+                                        <p:tgtEl>
+                                          <p:spTgt spid="364"/>
+                                        </p:tgtEl>
+                                      </p:cBhvr>
+                                    </p:animEffect>
+                                  </p:childTnLst>
+                                </p:cTn>
+                              </p:par>
+                              <p:par>
+                                <p:cTn id="542" presetID="10" presetClass="entr" presetSubtype="0" fill="hold" grpId="0" nodeType="withEffect">
+                                  <p:stCondLst>
+                                    <p:cond delay="0"/>
+                                  </p:stCondLst>
+                                  <p:childTnLst>
+                                    <p:set>
+                                      <p:cBhvr>
+                                        <p:cTn id="543" dur="1" fill="hold">
+                                          <p:stCondLst>
+                                            <p:cond delay="0"/>
+                                          </p:stCondLst>
+                                        </p:cTn>
+                                        <p:tgtEl>
+                                          <p:spTgt spid="365"/>
+                                        </p:tgtEl>
+                                        <p:attrNameLst>
+                                          <p:attrName>style.visibility</p:attrName>
+                                        </p:attrNameLst>
+                                      </p:cBhvr>
+                                      <p:to>
+                                        <p:strVal val="visible"/>
+                                      </p:to>
+                                    </p:set>
+                                    <p:animEffect transition="in" filter="fade">
+                                      <p:cBhvr>
+                                        <p:cTn id="544" dur="500"/>
+                                        <p:tgtEl>
+                                          <p:spTgt spid="365"/>
+                                        </p:tgtEl>
+                                      </p:cBhvr>
+                                    </p:animEffect>
+                                  </p:childTnLst>
+                                </p:cTn>
+                              </p:par>
+                              <p:par>
+                                <p:cTn id="545" presetID="10" presetClass="entr" presetSubtype="0" fill="hold" grpId="0" nodeType="withEffect">
+                                  <p:stCondLst>
+                                    <p:cond delay="0"/>
+                                  </p:stCondLst>
+                                  <p:childTnLst>
+                                    <p:set>
+                                      <p:cBhvr>
+                                        <p:cTn id="546" dur="1" fill="hold">
+                                          <p:stCondLst>
+                                            <p:cond delay="0"/>
+                                          </p:stCondLst>
+                                        </p:cTn>
+                                        <p:tgtEl>
+                                          <p:spTgt spid="366"/>
+                                        </p:tgtEl>
+                                        <p:attrNameLst>
+                                          <p:attrName>style.visibility</p:attrName>
+                                        </p:attrNameLst>
+                                      </p:cBhvr>
+                                      <p:to>
+                                        <p:strVal val="visible"/>
+                                      </p:to>
+                                    </p:set>
+                                    <p:animEffect transition="in" filter="fade">
+                                      <p:cBhvr>
+                                        <p:cTn id="547" dur="500"/>
+                                        <p:tgtEl>
+                                          <p:spTgt spid="366"/>
+                                        </p:tgtEl>
+                                      </p:cBhvr>
+                                    </p:animEffect>
+                                  </p:childTnLst>
+                                </p:cTn>
+                              </p:par>
+                              <p:par>
+                                <p:cTn id="548" presetID="10" presetClass="entr" presetSubtype="0" fill="hold" grpId="0" nodeType="withEffect">
                                   <p:stCondLst>
                                     <p:cond delay="0"/>
                                   </p:stCondLst>
@@ -17032,7 +17595,7 @@
                                           </p:stCondLst>
                                         </p:cTn>
                                         <p:tgtEl>
-                                          <p:spTgt spid="378"/>
+                                          <p:spTgt spid="367"/>
                                         </p:tgtEl>
                                         <p:attrNameLst>
                                           <p:attrName>style.visibility</p:attrName>
@@ -17044,9 +17607,9 @@
                                     </p:set>
                                     <p:animEffect transition="in" filter="fade">
                                       <p:cBhvr>
-                                        <p:cTn id="550" dur="1000"/>
-                                        <p:tgtEl>
-                                          <p:spTgt spid="378"/>
+                                        <p:cTn id="550" dur="500"/>
+                                        <p:tgtEl>
+                                          <p:spTgt spid="367"/>
                                         </p:tgtEl>
                                       </p:cBhvr>
                                     </p:animEffect>
@@ -17067,7 +17630,7 @@
                                           </p:stCondLst>
                                         </p:cTn>
                                         <p:tgtEl>
-                                          <p:spTgt spid="380"/>
+                                          <p:spTgt spid="368"/>
                                         </p:tgtEl>
                                         <p:attrNameLst>
                                           <p:attrName>style.visibility</p:attrName>
@@ -17079,179 +17642,187 @@
                                     </p:set>
                                     <p:animEffect transition="in" filter="fade">
                                       <p:cBhvr>
-                                        <p:cTn id="553" dur="1000"/>
-                                        <p:tgtEl>
-                                          <p:spTgt spid="380"/>
+                                        <p:cTn id="553" dur="500"/>
+                                        <p:tgtEl>
+                                          <p:spTgt spid="368"/>
                                         </p:tgtEl>
                                       </p:cBhvr>
                                     </p:animEffect>
                                   </p:childTnLst>
                                 </p:cTn>
                               </p:par>
-                            </p:childTnLst>
-                          </p:cTn>
-                        </p:par>
-                        <p:par>
-                          <p:cTn id="554" fill="hold">
-                            <p:stCondLst>
-                              <p:cond delay="84700"/>
-                            </p:stCondLst>
-                            <p:childTnLst>
-                              <p:par>
-                                <p:cTn id="555" presetID="42" presetClass="path" presetSubtype="0" accel="50000" decel="50000" fill="hold" grpId="1" nodeType="afterEffect">
+                              <p:par>
+                                <p:cTn id="554" presetID="10" presetClass="entr" presetSubtype="0" fill="hold" grpId="0" nodeType="withEffect">
                                   <p:stCondLst>
                                     <p:cond delay="0"/>
                                   </p:stCondLst>
                                   <p:childTnLst>
-                                    <p:animMotion origin="layout" path="M 1.66667E-6 2.59259E-6 L -0.1513 0.20973 " pathEditMode="relative" rAng="0" ptsTypes="AA">
-                                      <p:cBhvr>
-                                        <p:cTn id="556" dur="2000" fill="hold"/>
-                                        <p:tgtEl>
-                                          <p:spTgt spid="378"/>
-                                        </p:tgtEl>
-                                        <p:attrNameLst>
-                                          <p:attrName>ppt_x</p:attrName>
-                                          <p:attrName>ppt_y</p:attrName>
-                                        </p:attrNameLst>
-                                      </p:cBhvr>
-                                      <p:rCtr x="-7760" y="10764"/>
-                                    </p:animMotion>
-                                  </p:childTnLst>
-                                </p:cTn>
-                              </p:par>
-                              <p:par>
-                                <p:cTn id="557" presetID="42" presetClass="path" presetSubtype="0" accel="50000" decel="50000" fill="hold" grpId="1" nodeType="withEffect">
-                                  <p:stCondLst>
-                                    <p:cond delay="0"/>
-                                  </p:stCondLst>
-                                  <p:childTnLst>
-                                    <p:animMotion origin="layout" path="M -2.5E-6 -1.11111E-6 L 0.12799 0.20787 " pathEditMode="relative" rAng="0" ptsTypes="AA">
-                                      <p:cBhvr>
-                                        <p:cTn id="558" dur="2000" fill="hold"/>
-                                        <p:tgtEl>
-                                          <p:spTgt spid="380"/>
-                                        </p:tgtEl>
-                                        <p:attrNameLst>
-                                          <p:attrName>ppt_x</p:attrName>
-                                          <p:attrName>ppt_y</p:attrName>
-                                        </p:attrNameLst>
-                                      </p:cBhvr>
-                                      <p:rCtr x="6276" y="10417"/>
-                                    </p:animMotion>
-                                  </p:childTnLst>
-                                </p:cTn>
-                              </p:par>
-                            </p:childTnLst>
-                          </p:cTn>
-                        </p:par>
-                        <p:par>
-                          <p:cTn id="559" fill="hold">
-                            <p:stCondLst>
-                              <p:cond delay="86700"/>
-                            </p:stCondLst>
-                            <p:childTnLst>
-                              <p:par>
-                                <p:cTn id="560" presetID="10" presetClass="exit" presetSubtype="0" fill="hold" grpId="2" nodeType="afterEffect">
-                                  <p:stCondLst>
-                                    <p:cond delay="0"/>
-                                  </p:stCondLst>
-                                  <p:childTnLst>
-                                    <p:animEffect transition="out" filter="fade">
-                                      <p:cBhvr>
-                                        <p:cTn id="561" dur="500"/>
-                                        <p:tgtEl>
-                                          <p:spTgt spid="378"/>
-                                        </p:tgtEl>
-                                      </p:cBhvr>
-                                    </p:animEffect>
                                     <p:set>
                                       <p:cBhvr>
-                                        <p:cTn id="562" dur="1" fill="hold">
+                                        <p:cTn id="555" dur="1" fill="hold">
                                           <p:stCondLst>
-                                            <p:cond delay="499"/>
+                                            <p:cond delay="0"/>
                                           </p:stCondLst>
                                         </p:cTn>
                                         <p:tgtEl>
-                                          <p:spTgt spid="378"/>
+                                          <p:spTgt spid="369"/>
                                         </p:tgtEl>
                                         <p:attrNameLst>
                                           <p:attrName>style.visibility</p:attrName>
                                         </p:attrNameLst>
                                       </p:cBhvr>
                                       <p:to>
-                                        <p:strVal val="hidden"/>
+                                        <p:strVal val="visible"/>
                                       </p:to>
                                     </p:set>
-                                  </p:childTnLst>
-                                </p:cTn>
-                              </p:par>
-                              <p:par>
-                                <p:cTn id="563" presetID="10" presetClass="exit" presetSubtype="0" fill="hold" grpId="2" nodeType="withEffect">
+                                    <p:animEffect transition="in" filter="fade">
+                                      <p:cBhvr>
+                                        <p:cTn id="556" dur="500"/>
+                                        <p:tgtEl>
+                                          <p:spTgt spid="369"/>
+                                        </p:tgtEl>
+                                      </p:cBhvr>
+                                    </p:animEffect>
+                                  </p:childTnLst>
+                                </p:cTn>
+                              </p:par>
+                              <p:par>
+                                <p:cTn id="557" presetID="10" presetClass="entr" presetSubtype="0" fill="hold" grpId="0" nodeType="withEffect">
                                   <p:stCondLst>
                                     <p:cond delay="0"/>
                                   </p:stCondLst>
                                   <p:childTnLst>
-                                    <p:animEffect transition="out" filter="fade">
-                                      <p:cBhvr>
-                                        <p:cTn id="564" dur="500"/>
-                                        <p:tgtEl>
-                                          <p:spTgt spid="380"/>
-                                        </p:tgtEl>
-                                      </p:cBhvr>
-                                    </p:animEffect>
                                     <p:set>
                                       <p:cBhvr>
-                                        <p:cTn id="565" dur="1" fill="hold">
+                                        <p:cTn id="558" dur="1" fill="hold">
                                           <p:stCondLst>
-                                            <p:cond delay="499"/>
+                                            <p:cond delay="0"/>
                                           </p:stCondLst>
                                         </p:cTn>
                                         <p:tgtEl>
-                                          <p:spTgt spid="380"/>
+                                          <p:spTgt spid="370"/>
                                         </p:tgtEl>
                                         <p:attrNameLst>
                                           <p:attrName>style.visibility</p:attrName>
                                         </p:attrNameLst>
                                       </p:cBhvr>
                                       <p:to>
-                                        <p:strVal val="hidden"/>
+                                        <p:strVal val="visible"/>
                                       </p:to>
                                     </p:set>
-                                  </p:childTnLst>
-                                </p:cTn>
-                              </p:par>
-                              <p:par>
-                                <p:cTn id="566" presetID="10" presetClass="exit" presetSubtype="0" fill="hold" grpId="1" nodeType="withEffect">
+                                    <p:animEffect transition="in" filter="fade">
+                                      <p:cBhvr>
+                                        <p:cTn id="559" dur="500"/>
+                                        <p:tgtEl>
+                                          <p:spTgt spid="370"/>
+                                        </p:tgtEl>
+                                      </p:cBhvr>
+                                    </p:animEffect>
+                                  </p:childTnLst>
+                                </p:cTn>
+                              </p:par>
+                              <p:par>
+                                <p:cTn id="560" presetID="10" presetClass="entr" presetSubtype="0" fill="hold" grpId="0" nodeType="withEffect">
                                   <p:stCondLst>
                                     <p:cond delay="0"/>
                                   </p:stCondLst>
                                   <p:childTnLst>
-                                    <p:animEffect transition="out" filter="fade">
-                                      <p:cBhvr>
-                                        <p:cTn id="567" dur="500"/>
-                                        <p:tgtEl>
-                                          <p:spTgt spid="377"/>
-                                        </p:tgtEl>
-                                      </p:cBhvr>
-                                    </p:animEffect>
                                     <p:set>
                                       <p:cBhvr>
-                                        <p:cTn id="568" dur="1" fill="hold">
+                                        <p:cTn id="561" dur="1" fill="hold">
                                           <p:stCondLst>
-                                            <p:cond delay="499"/>
+                                            <p:cond delay="0"/>
                                           </p:stCondLst>
                                         </p:cTn>
                                         <p:tgtEl>
-                                          <p:spTgt spid="377"/>
+                                          <p:spTgt spid="371"/>
                                         </p:tgtEl>
                                         <p:attrNameLst>
                                           <p:attrName>style.visibility</p:attrName>
                                         </p:attrNameLst>
                                       </p:cBhvr>
                                       <p:to>
-                                        <p:strVal val="hidden"/>
+                                        <p:strVal val="visible"/>
                                       </p:to>
                                     </p:set>
+                                    <p:animEffect transition="in" filter="fade">
+                                      <p:cBhvr>
+                                        <p:cTn id="562" dur="500"/>
+                                        <p:tgtEl>
+                                          <p:spTgt spid="371"/>
+                                        </p:tgtEl>
+                                      </p:cBhvr>
+                                    </p:animEffect>
+                                  </p:childTnLst>
+                                </p:cTn>
+                              </p:par>
+                              <p:par>
+                                <p:cTn id="563" presetID="10" presetClass="entr" presetSubtype="0" fill="hold" grpId="0" nodeType="withEffect">
+                                  <p:stCondLst>
+                                    <p:cond delay="0"/>
+                                  </p:stCondLst>
+                                  <p:childTnLst>
+                                    <p:set>
+                                      <p:cBhvr>
+                                        <p:cTn id="564" dur="1" fill="hold">
+                                          <p:stCondLst>
+                                            <p:cond delay="0"/>
+                                          </p:stCondLst>
+                                        </p:cTn>
+                                        <p:tgtEl>
+                                          <p:spTgt spid="372"/>
+                                        </p:tgtEl>
+                                        <p:attrNameLst>
+                                          <p:attrName>style.visibility</p:attrName>
+                                        </p:attrNameLst>
+                                      </p:cBhvr>
+                                      <p:to>
+                                        <p:strVal val="visible"/>
+                                      </p:to>
+                                    </p:set>
+                                    <p:animEffect transition="in" filter="fade">
+                                      <p:cBhvr>
+                                        <p:cTn id="565" dur="500"/>
+                                        <p:tgtEl>
+                                          <p:spTgt spid="372"/>
+                                        </p:tgtEl>
+                                      </p:cBhvr>
+                                    </p:animEffect>
+                                  </p:childTnLst>
+                                </p:cTn>
+                              </p:par>
+                              <p:par>
+                                <p:cTn id="566" presetID="10" presetClass="entr" presetSubtype="0" fill="hold" nodeType="withEffect">
+                                  <p:stCondLst>
+                                    <p:cond delay="0"/>
+                                  </p:stCondLst>
+                                  <p:childTnLst>
+                                    <p:set>
+                                      <p:cBhvr>
+                                        <p:cTn id="567" dur="1" fill="hold">
+                                          <p:stCondLst>
+                                            <p:cond delay="0"/>
+                                          </p:stCondLst>
+                                        </p:cTn>
+                                        <p:tgtEl>
+                                          <p:spTgt spid="373"/>
+                                        </p:tgtEl>
+                                        <p:attrNameLst>
+                                          <p:attrName>style.visibility</p:attrName>
+                                        </p:attrNameLst>
+                                      </p:cBhvr>
+                                      <p:to>
+                                        <p:strVal val="visible"/>
+                                      </p:to>
+                                    </p:set>
+                                    <p:animEffect transition="in" filter="fade">
+                                      <p:cBhvr>
+                                        <p:cTn id="568" dur="500"/>
+                                        <p:tgtEl>
+                                          <p:spTgt spid="373"/>
+                                        </p:tgtEl>
+                                      </p:cBhvr>
+                                    </p:animEffect>
                                   </p:childTnLst>
                                 </p:cTn>
                               </p:par>
@@ -17261,32 +17832,105 @@
                         <p:par>
                           <p:cTn id="569" fill="hold">
                             <p:stCondLst>
+                              <p:cond delay="85200"/>
+                            </p:stCondLst>
+                            <p:childTnLst>
+                              <p:par>
+                                <p:cTn id="570" presetID="8" presetClass="emph" presetSubtype="0" fill="hold" nodeType="afterEffect">
+                                  <p:stCondLst>
+                                    <p:cond delay="0"/>
+                                  </p:stCondLst>
+                                  <p:childTnLst>
+                                    <p:animRot by="21600000">
+                                      <p:cBhvr>
+                                        <p:cTn id="571" dur="2000" fill="hold"/>
+                                        <p:tgtEl>
+                                          <p:spTgt spid="373"/>
+                                        </p:tgtEl>
+                                        <p:attrNameLst>
+                                          <p:attrName>r</p:attrName>
+                                        </p:attrNameLst>
+                                      </p:cBhvr>
+                                    </p:animRot>
+                                  </p:childTnLst>
+                                </p:cTn>
+                              </p:par>
+                            </p:childTnLst>
+                          </p:cTn>
+                        </p:par>
+                        <p:par>
+                          <p:cTn id="572" fill="hold">
+                            <p:stCondLst>
                               <p:cond delay="87200"/>
                             </p:stCondLst>
                             <p:childTnLst>
                               <p:par>
-                                <p:cTn id="570" presetID="10" presetClass="exit" presetSubtype="0" fill="hold" nodeType="afterEffect">
+                                <p:cTn id="573" presetID="10" presetClass="entr" presetSubtype="0" fill="hold" grpId="0" nodeType="afterEffect">
                                   <p:stCondLst>
                                     <p:cond delay="0"/>
                                   </p:stCondLst>
                                   <p:childTnLst>
+                                    <p:set>
+                                      <p:cBhvr>
+                                        <p:cTn id="574" dur="1" fill="hold">
+                                          <p:stCondLst>
+                                            <p:cond delay="0"/>
+                                          </p:stCondLst>
+                                        </p:cTn>
+                                        <p:tgtEl>
+                                          <p:spTgt spid="376"/>
+                                        </p:tgtEl>
+                                        <p:attrNameLst>
+                                          <p:attrName>style.visibility</p:attrName>
+                                        </p:attrNameLst>
+                                      </p:cBhvr>
+                                      <p:to>
+                                        <p:strVal val="visible"/>
+                                      </p:to>
+                                    </p:set>
+                                    <p:animEffect transition="in" filter="fade">
+                                      <p:cBhvr>
+                                        <p:cTn id="575" dur="1000"/>
+                                        <p:tgtEl>
+                                          <p:spTgt spid="376"/>
+                                        </p:tgtEl>
+                                      </p:cBhvr>
+                                    </p:animEffect>
+                                  </p:childTnLst>
+                                </p:cTn>
+                              </p:par>
+                            </p:childTnLst>
+                          </p:cTn>
+                        </p:par>
+                        <p:par>
+                          <p:cTn id="576" fill="hold">
+                            <p:stCondLst>
+                              <p:cond delay="88200"/>
+                            </p:stCondLst>
+                            <p:childTnLst>
+                              <p:par>
+                                <p:cTn id="577" presetID="10" presetClass="exit" presetSubtype="0" fill="hold" grpId="1" nodeType="afterEffect">
+                                  <p:stCondLst>
+                                    <p:cond delay="500"/>
+                                  </p:stCondLst>
+                                  <p:childTnLst>
                                     <p:animEffect transition="out" filter="fade">
                                       <p:cBhvr>
-                                        <p:cTn id="571" dur="500"/>
-                                        <p:tgtEl>
-                                          <p:spTgt spid="296"/>
+                                        <p:cTn id="578" dur="500"/>
+                                        <p:tgtEl>
+                                          <p:spTgt spid="359"/>
                                         </p:tgtEl>
                                       </p:cBhvr>
                                     </p:animEffect>
                                     <p:set>
                                       <p:cBhvr>
-                                        <p:cTn id="572" dur="1" fill="hold">
+                                        <p:cTn id="579" dur="1" fill="hold">
                                           <p:stCondLst>
                                             <p:cond delay="499"/>
                                           </p:stCondLst>
                                         </p:cTn>
                                         <p:tgtEl>
-                                          <p:spTgt spid="296"/>
+                                          <p:spTgt spid="359"/>
                                         </p:tgtEl>
                                         <p:attrNameLst>
                                           <p:attrName>style.visibility</p:attrName>
@@ -17300,28 +17944,896 @@
                                 </p:cTn>
                               </p:par>
                               <p:par>
-                                <p:cTn id="573" presetID="10" presetClass="exit" presetSubtype="0" fill="hold" nodeType="withEffect">
-                                  <p:stCondLst>
-                                    <p:cond delay="0"/>
+                                <p:cTn id="580" presetID="10" presetClass="exit" presetSubtype="0" fill="hold" grpId="1" nodeType="withEffect">
+                                  <p:stCondLst>
+                                    <p:cond delay="500"/>
                                   </p:stCondLst>
                                   <p:childTnLst>
                                     <p:animEffect transition="out" filter="fade">
                                       <p:cBhvr>
-                                        <p:cTn id="574" dur="500"/>
-                                        <p:tgtEl>
-                                          <p:spTgt spid="301"/>
+                                        <p:cTn id="581" dur="500"/>
+                                        <p:tgtEl>
+                                          <p:spTgt spid="165"/>
                                         </p:tgtEl>
                                       </p:cBhvr>
                                     </p:animEffect>
                                     <p:set>
                                       <p:cBhvr>
-                                        <p:cTn id="575" dur="1" fill="hold">
+                                        <p:cTn id="582" dur="1" fill="hold">
                                           <p:stCondLst>
                                             <p:cond delay="499"/>
                                           </p:stCondLst>
                                         </p:cTn>
                                         <p:tgtEl>
+                                          <p:spTgt spid="165"/>
+                                        </p:tgtEl>
+                                        <p:attrNameLst>
+                                          <p:attrName>style.visibility</p:attrName>
+                                        </p:attrNameLst>
+                                      </p:cBhvr>
+                                      <p:to>
+                                        <p:strVal val="hidden"/>
+                                      </p:to>
+                                    </p:set>
+                                  </p:childTnLst>
+                                </p:cTn>
+                              </p:par>
+                              <p:par>
+                                <p:cTn id="583" presetID="10" presetClass="exit" presetSubtype="0" fill="hold" grpId="1" nodeType="withEffect">
+                                  <p:stCondLst>
+                                    <p:cond delay="500"/>
+                                  </p:stCondLst>
+                                  <p:childTnLst>
+                                    <p:animEffect transition="out" filter="fade">
+                                      <p:cBhvr>
+                                        <p:cTn id="584" dur="500"/>
+                                        <p:tgtEl>
+                                          <p:spTgt spid="361"/>
+                                        </p:tgtEl>
+                                      </p:cBhvr>
+                                    </p:animEffect>
+                                    <p:set>
+                                      <p:cBhvr>
+                                        <p:cTn id="585" dur="1" fill="hold">
+                                          <p:stCondLst>
+                                            <p:cond delay="499"/>
+                                          </p:stCondLst>
+                                        </p:cTn>
+                                        <p:tgtEl>
+                                          <p:spTgt spid="361"/>
+                                        </p:tgtEl>
+                                        <p:attrNameLst>
+                                          <p:attrName>style.visibility</p:attrName>
+                                        </p:attrNameLst>
+                                      </p:cBhvr>
+                                      <p:to>
+                                        <p:strVal val="hidden"/>
+                                      </p:to>
+                                    </p:set>
+                                  </p:childTnLst>
+                                </p:cTn>
+                              </p:par>
+                              <p:par>
+                                <p:cTn id="586" presetID="10" presetClass="exit" presetSubtype="0" fill="hold" grpId="1" nodeType="withEffect">
+                                  <p:stCondLst>
+                                    <p:cond delay="500"/>
+                                  </p:stCondLst>
+                                  <p:childTnLst>
+                                    <p:animEffect transition="out" filter="fade">
+                                      <p:cBhvr>
+                                        <p:cTn id="587" dur="500"/>
+                                        <p:tgtEl>
+                                          <p:spTgt spid="362"/>
+                                        </p:tgtEl>
+                                      </p:cBhvr>
+                                    </p:animEffect>
+                                    <p:set>
+                                      <p:cBhvr>
+                                        <p:cTn id="588" dur="1" fill="hold">
+                                          <p:stCondLst>
+                                            <p:cond delay="499"/>
+                                          </p:stCondLst>
+                                        </p:cTn>
+                                        <p:tgtEl>
+                                          <p:spTgt spid="362"/>
+                                        </p:tgtEl>
+                                        <p:attrNameLst>
+                                          <p:attrName>style.visibility</p:attrName>
+                                        </p:attrNameLst>
+                                      </p:cBhvr>
+                                      <p:to>
+                                        <p:strVal val="hidden"/>
+                                      </p:to>
+                                    </p:set>
+                                  </p:childTnLst>
+                                </p:cTn>
+                              </p:par>
+                              <p:par>
+                                <p:cTn id="589" presetID="10" presetClass="exit" presetSubtype="0" fill="hold" grpId="1" nodeType="withEffect">
+                                  <p:stCondLst>
+                                    <p:cond delay="500"/>
+                                  </p:stCondLst>
+                                  <p:childTnLst>
+                                    <p:animEffect transition="out" filter="fade">
+                                      <p:cBhvr>
+                                        <p:cTn id="590" dur="500"/>
+                                        <p:tgtEl>
+                                          <p:spTgt spid="363"/>
+                                        </p:tgtEl>
+                                      </p:cBhvr>
+                                    </p:animEffect>
+                                    <p:set>
+                                      <p:cBhvr>
+                                        <p:cTn id="591" dur="1" fill="hold">
+                                          <p:stCondLst>
+                                            <p:cond delay="499"/>
+                                          </p:stCondLst>
+                                        </p:cTn>
+                                        <p:tgtEl>
+                                          <p:spTgt spid="363"/>
+                                        </p:tgtEl>
+                                        <p:attrNameLst>
+                                          <p:attrName>style.visibility</p:attrName>
+                                        </p:attrNameLst>
+                                      </p:cBhvr>
+                                      <p:to>
+                                        <p:strVal val="hidden"/>
+                                      </p:to>
+                                    </p:set>
+                                  </p:childTnLst>
+                                </p:cTn>
+                              </p:par>
+                              <p:par>
+                                <p:cTn id="592" presetID="10" presetClass="exit" presetSubtype="0" fill="hold" grpId="1" nodeType="withEffect">
+                                  <p:stCondLst>
+                                    <p:cond delay="500"/>
+                                  </p:stCondLst>
+                                  <p:childTnLst>
+                                    <p:animEffect transition="out" filter="fade">
+                                      <p:cBhvr>
+                                        <p:cTn id="593" dur="500"/>
+                                        <p:tgtEl>
+                                          <p:spTgt spid="364"/>
+                                        </p:tgtEl>
+                                      </p:cBhvr>
+                                    </p:animEffect>
+                                    <p:set>
+                                      <p:cBhvr>
+                                        <p:cTn id="594" dur="1" fill="hold">
+                                          <p:stCondLst>
+                                            <p:cond delay="499"/>
+                                          </p:stCondLst>
+                                        </p:cTn>
+                                        <p:tgtEl>
+                                          <p:spTgt spid="364"/>
+                                        </p:tgtEl>
+                                        <p:attrNameLst>
+                                          <p:attrName>style.visibility</p:attrName>
+                                        </p:attrNameLst>
+                                      </p:cBhvr>
+                                      <p:to>
+                                        <p:strVal val="hidden"/>
+                                      </p:to>
+                                    </p:set>
+                                  </p:childTnLst>
+                                </p:cTn>
+                              </p:par>
+                              <p:par>
+                                <p:cTn id="595" presetID="10" presetClass="exit" presetSubtype="0" fill="hold" grpId="1" nodeType="withEffect">
+                                  <p:stCondLst>
+                                    <p:cond delay="500"/>
+                                  </p:stCondLst>
+                                  <p:childTnLst>
+                                    <p:animEffect transition="out" filter="fade">
+                                      <p:cBhvr>
+                                        <p:cTn id="596" dur="500"/>
+                                        <p:tgtEl>
+                                          <p:spTgt spid="365"/>
+                                        </p:tgtEl>
+                                      </p:cBhvr>
+                                    </p:animEffect>
+                                    <p:set>
+                                      <p:cBhvr>
+                                        <p:cTn id="597" dur="1" fill="hold">
+                                          <p:stCondLst>
+                                            <p:cond delay="499"/>
+                                          </p:stCondLst>
+                                        </p:cTn>
+                                        <p:tgtEl>
+                                          <p:spTgt spid="365"/>
+                                        </p:tgtEl>
+                                        <p:attrNameLst>
+                                          <p:attrName>style.visibility</p:attrName>
+                                        </p:attrNameLst>
+                                      </p:cBhvr>
+                                      <p:to>
+                                        <p:strVal val="hidden"/>
+                                      </p:to>
+                                    </p:set>
+                                  </p:childTnLst>
+                                </p:cTn>
+                              </p:par>
+                              <p:par>
+                                <p:cTn id="598" presetID="10" presetClass="exit" presetSubtype="0" fill="hold" grpId="1" nodeType="withEffect">
+                                  <p:stCondLst>
+                                    <p:cond delay="500"/>
+                                  </p:stCondLst>
+                                  <p:childTnLst>
+                                    <p:animEffect transition="out" filter="fade">
+                                      <p:cBhvr>
+                                        <p:cTn id="599" dur="500"/>
+                                        <p:tgtEl>
+                                          <p:spTgt spid="366"/>
+                                        </p:tgtEl>
+                                      </p:cBhvr>
+                                    </p:animEffect>
+                                    <p:set>
+                                      <p:cBhvr>
+                                        <p:cTn id="600" dur="1" fill="hold">
+                                          <p:stCondLst>
+                                            <p:cond delay="499"/>
+                                          </p:stCondLst>
+                                        </p:cTn>
+                                        <p:tgtEl>
+                                          <p:spTgt spid="366"/>
+                                        </p:tgtEl>
+                                        <p:attrNameLst>
+                                          <p:attrName>style.visibility</p:attrName>
+                                        </p:attrNameLst>
+                                      </p:cBhvr>
+                                      <p:to>
+                                        <p:strVal val="hidden"/>
+                                      </p:to>
+                                    </p:set>
+                                  </p:childTnLst>
+                                </p:cTn>
+                              </p:par>
+                              <p:par>
+                                <p:cTn id="601" presetID="10" presetClass="exit" presetSubtype="0" fill="hold" grpId="1" nodeType="withEffect">
+                                  <p:stCondLst>
+                                    <p:cond delay="500"/>
+                                  </p:stCondLst>
+                                  <p:childTnLst>
+                                    <p:animEffect transition="out" filter="fade">
+                                      <p:cBhvr>
+                                        <p:cTn id="602" dur="500"/>
+                                        <p:tgtEl>
+                                          <p:spTgt spid="367"/>
+                                        </p:tgtEl>
+                                      </p:cBhvr>
+                                    </p:animEffect>
+                                    <p:set>
+                                      <p:cBhvr>
+                                        <p:cTn id="603" dur="1" fill="hold">
+                                          <p:stCondLst>
+                                            <p:cond delay="499"/>
+                                          </p:stCondLst>
+                                        </p:cTn>
+                                        <p:tgtEl>
+                                          <p:spTgt spid="367"/>
+                                        </p:tgtEl>
+                                        <p:attrNameLst>
+                                          <p:attrName>style.visibility</p:attrName>
+                                        </p:attrNameLst>
+                                      </p:cBhvr>
+                                      <p:to>
+                                        <p:strVal val="hidden"/>
+                                      </p:to>
+                                    </p:set>
+                                  </p:childTnLst>
+                                </p:cTn>
+                              </p:par>
+                              <p:par>
+                                <p:cTn id="604" presetID="10" presetClass="exit" presetSubtype="0" fill="hold" grpId="1" nodeType="withEffect">
+                                  <p:stCondLst>
+                                    <p:cond delay="500"/>
+                                  </p:stCondLst>
+                                  <p:childTnLst>
+                                    <p:animEffect transition="out" filter="fade">
+                                      <p:cBhvr>
+                                        <p:cTn id="605" dur="500"/>
+                                        <p:tgtEl>
+                                          <p:spTgt spid="368"/>
+                                        </p:tgtEl>
+                                      </p:cBhvr>
+                                    </p:animEffect>
+                                    <p:set>
+                                      <p:cBhvr>
+                                        <p:cTn id="606" dur="1" fill="hold">
+                                          <p:stCondLst>
+                                            <p:cond delay="499"/>
+                                          </p:stCondLst>
+                                        </p:cTn>
+                                        <p:tgtEl>
+                                          <p:spTgt spid="368"/>
+                                        </p:tgtEl>
+                                        <p:attrNameLst>
+                                          <p:attrName>style.visibility</p:attrName>
+                                        </p:attrNameLst>
+                                      </p:cBhvr>
+                                      <p:to>
+                                        <p:strVal val="hidden"/>
+                                      </p:to>
+                                    </p:set>
+                                  </p:childTnLst>
+                                </p:cTn>
+                              </p:par>
+                              <p:par>
+                                <p:cTn id="607" presetID="10" presetClass="exit" presetSubtype="0" fill="hold" grpId="1" nodeType="withEffect">
+                                  <p:stCondLst>
+                                    <p:cond delay="500"/>
+                                  </p:stCondLst>
+                                  <p:childTnLst>
+                                    <p:animEffect transition="out" filter="fade">
+                                      <p:cBhvr>
+                                        <p:cTn id="608" dur="500"/>
+                                        <p:tgtEl>
+                                          <p:spTgt spid="369"/>
+                                        </p:tgtEl>
+                                      </p:cBhvr>
+                                    </p:animEffect>
+                                    <p:set>
+                                      <p:cBhvr>
+                                        <p:cTn id="609" dur="1" fill="hold">
+                                          <p:stCondLst>
+                                            <p:cond delay="499"/>
+                                          </p:stCondLst>
+                                        </p:cTn>
+                                        <p:tgtEl>
+                                          <p:spTgt spid="369"/>
+                                        </p:tgtEl>
+                                        <p:attrNameLst>
+                                          <p:attrName>style.visibility</p:attrName>
+                                        </p:attrNameLst>
+                                      </p:cBhvr>
+                                      <p:to>
+                                        <p:strVal val="hidden"/>
+                                      </p:to>
+                                    </p:set>
+                                  </p:childTnLst>
+                                </p:cTn>
+                              </p:par>
+                              <p:par>
+                                <p:cTn id="610" presetID="10" presetClass="exit" presetSubtype="0" fill="hold" grpId="1" nodeType="withEffect">
+                                  <p:stCondLst>
+                                    <p:cond delay="500"/>
+                                  </p:stCondLst>
+                                  <p:childTnLst>
+                                    <p:animEffect transition="out" filter="fade">
+                                      <p:cBhvr>
+                                        <p:cTn id="611" dur="500"/>
+                                        <p:tgtEl>
+                                          <p:spTgt spid="370"/>
+                                        </p:tgtEl>
+                                      </p:cBhvr>
+                                    </p:animEffect>
+                                    <p:set>
+                                      <p:cBhvr>
+                                        <p:cTn id="612" dur="1" fill="hold">
+                                          <p:stCondLst>
+                                            <p:cond delay="499"/>
+                                          </p:stCondLst>
+                                        </p:cTn>
+                                        <p:tgtEl>
+                                          <p:spTgt spid="370"/>
+                                        </p:tgtEl>
+                                        <p:attrNameLst>
+                                          <p:attrName>style.visibility</p:attrName>
+                                        </p:attrNameLst>
+                                      </p:cBhvr>
+                                      <p:to>
+                                        <p:strVal val="hidden"/>
+                                      </p:to>
+                                    </p:set>
+                                  </p:childTnLst>
+                                </p:cTn>
+                              </p:par>
+                              <p:par>
+                                <p:cTn id="613" presetID="10" presetClass="exit" presetSubtype="0" fill="hold" grpId="1" nodeType="withEffect">
+                                  <p:stCondLst>
+                                    <p:cond delay="500"/>
+                                  </p:stCondLst>
+                                  <p:childTnLst>
+                                    <p:animEffect transition="out" filter="fade">
+                                      <p:cBhvr>
+                                        <p:cTn id="614" dur="500"/>
+                                        <p:tgtEl>
+                                          <p:spTgt spid="371"/>
+                                        </p:tgtEl>
+                                      </p:cBhvr>
+                                    </p:animEffect>
+                                    <p:set>
+                                      <p:cBhvr>
+                                        <p:cTn id="615" dur="1" fill="hold">
+                                          <p:stCondLst>
+                                            <p:cond delay="499"/>
+                                          </p:stCondLst>
+                                        </p:cTn>
+                                        <p:tgtEl>
+                                          <p:spTgt spid="371"/>
+                                        </p:tgtEl>
+                                        <p:attrNameLst>
+                                          <p:attrName>style.visibility</p:attrName>
+                                        </p:attrNameLst>
+                                      </p:cBhvr>
+                                      <p:to>
+                                        <p:strVal val="hidden"/>
+                                      </p:to>
+                                    </p:set>
+                                  </p:childTnLst>
+                                </p:cTn>
+                              </p:par>
+                              <p:par>
+                                <p:cTn id="616" presetID="10" presetClass="exit" presetSubtype="0" fill="hold" grpId="1" nodeType="withEffect">
+                                  <p:stCondLst>
+                                    <p:cond delay="500"/>
+                                  </p:stCondLst>
+                                  <p:childTnLst>
+                                    <p:animEffect transition="out" filter="fade">
+                                      <p:cBhvr>
+                                        <p:cTn id="617" dur="500"/>
+                                        <p:tgtEl>
+                                          <p:spTgt spid="372"/>
+                                        </p:tgtEl>
+                                      </p:cBhvr>
+                                    </p:animEffect>
+                                    <p:set>
+                                      <p:cBhvr>
+                                        <p:cTn id="618" dur="1" fill="hold">
+                                          <p:stCondLst>
+                                            <p:cond delay="499"/>
+                                          </p:stCondLst>
+                                        </p:cTn>
+                                        <p:tgtEl>
+                                          <p:spTgt spid="372"/>
+                                        </p:tgtEl>
+                                        <p:attrNameLst>
+                                          <p:attrName>style.visibility</p:attrName>
+                                        </p:attrNameLst>
+                                      </p:cBhvr>
+                                      <p:to>
+                                        <p:strVal val="hidden"/>
+                                      </p:to>
+                                    </p:set>
+                                  </p:childTnLst>
+                                </p:cTn>
+                              </p:par>
+                              <p:par>
+                                <p:cTn id="619" presetID="10" presetClass="exit" presetSubtype="0" fill="hold" nodeType="withEffect">
+                                  <p:stCondLst>
+                                    <p:cond delay="500"/>
+                                  </p:stCondLst>
+                                  <p:childTnLst>
+                                    <p:animEffect transition="out" filter="fade">
+                                      <p:cBhvr>
+                                        <p:cTn id="620" dur="500"/>
+                                        <p:tgtEl>
+                                          <p:spTgt spid="373"/>
+                                        </p:tgtEl>
+                                      </p:cBhvr>
+                                    </p:animEffect>
+                                    <p:set>
+                                      <p:cBhvr>
+                                        <p:cTn id="621" dur="1" fill="hold">
+                                          <p:stCondLst>
+                                            <p:cond delay="499"/>
+                                          </p:stCondLst>
+                                        </p:cTn>
+                                        <p:tgtEl>
+                                          <p:spTgt spid="373"/>
+                                        </p:tgtEl>
+                                        <p:attrNameLst>
+                                          <p:attrName>style.visibility</p:attrName>
+                                        </p:attrNameLst>
+                                      </p:cBhvr>
+                                      <p:to>
+                                        <p:strVal val="hidden"/>
+                                      </p:to>
+                                    </p:set>
+                                  </p:childTnLst>
+                                </p:cTn>
+                              </p:par>
+                              <p:par>
+                                <p:cTn id="622" presetID="10" presetClass="exit" presetSubtype="0" fill="hold" grpId="1" nodeType="withEffect">
+                                  <p:stCondLst>
+                                    <p:cond delay="500"/>
+                                  </p:stCondLst>
+                                  <p:childTnLst>
+                                    <p:animEffect transition="out" filter="fade">
+                                      <p:cBhvr>
+                                        <p:cTn id="623" dur="500"/>
+                                        <p:tgtEl>
+                                          <p:spTgt spid="376"/>
+                                        </p:tgtEl>
+                                      </p:cBhvr>
+                                    </p:animEffect>
+                                    <p:set>
+                                      <p:cBhvr>
+                                        <p:cTn id="624" dur="1" fill="hold">
+                                          <p:stCondLst>
+                                            <p:cond delay="499"/>
+                                          </p:stCondLst>
+                                        </p:cTn>
+                                        <p:tgtEl>
+                                          <p:spTgt spid="376"/>
+                                        </p:tgtEl>
+                                        <p:attrNameLst>
+                                          <p:attrName>style.visibility</p:attrName>
+                                        </p:attrNameLst>
+                                      </p:cBhvr>
+                                      <p:to>
+                                        <p:strVal val="hidden"/>
+                                      </p:to>
+                                    </p:set>
+                                  </p:childTnLst>
+                                </p:cTn>
+                              </p:par>
+                            </p:childTnLst>
+                          </p:cTn>
+                        </p:par>
+                        <p:par>
+                          <p:cTn id="625" fill="hold">
+                            <p:stCondLst>
+                              <p:cond delay="89200"/>
+                            </p:stCondLst>
+                            <p:childTnLst>
+                              <p:par>
+                                <p:cTn id="626" presetID="10" presetClass="entr" presetSubtype="0" fill="hold" grpId="0" nodeType="afterEffect">
+                                  <p:stCondLst>
+                                    <p:cond delay="500"/>
+                                  </p:stCondLst>
+                                  <p:childTnLst>
+                                    <p:set>
+                                      <p:cBhvr>
+                                        <p:cTn id="627" dur="1" fill="hold">
+                                          <p:stCondLst>
+                                            <p:cond delay="0"/>
+                                          </p:stCondLst>
+                                        </p:cTn>
+                                        <p:tgtEl>
+                                          <p:spTgt spid="377"/>
+                                        </p:tgtEl>
+                                        <p:attrNameLst>
+                                          <p:attrName>style.visibility</p:attrName>
+                                        </p:attrNameLst>
+                                      </p:cBhvr>
+                                      <p:to>
+                                        <p:strVal val="visible"/>
+                                      </p:to>
+                                    </p:set>
+                                    <p:animEffect transition="in" filter="fade">
+                                      <p:cBhvr>
+                                        <p:cTn id="628" dur="1000"/>
+                                        <p:tgtEl>
+                                          <p:spTgt spid="377"/>
+                                        </p:tgtEl>
+                                      </p:cBhvr>
+                                    </p:animEffect>
+                                  </p:childTnLst>
+                                </p:cTn>
+                              </p:par>
+                            </p:childTnLst>
+                          </p:cTn>
+                        </p:par>
+                        <p:par>
+                          <p:cTn id="629" fill="hold">
+                            <p:stCondLst>
+                              <p:cond delay="90700"/>
+                            </p:stCondLst>
+                            <p:childTnLst>
+                              <p:par>
+                                <p:cTn id="630" presetID="10" presetClass="entr" presetSubtype="0" fill="hold" grpId="0" nodeType="afterEffect">
+                                  <p:stCondLst>
+                                    <p:cond delay="0"/>
+                                  </p:stCondLst>
+                                  <p:childTnLst>
+                                    <p:set>
+                                      <p:cBhvr>
+                                        <p:cTn id="631" dur="1" fill="hold">
+                                          <p:stCondLst>
+                                            <p:cond delay="0"/>
+                                          </p:stCondLst>
+                                        </p:cTn>
+                                        <p:tgtEl>
+                                          <p:spTgt spid="378"/>
+                                        </p:tgtEl>
+                                        <p:attrNameLst>
+                                          <p:attrName>style.visibility</p:attrName>
+                                        </p:attrNameLst>
+                                      </p:cBhvr>
+                                      <p:to>
+                                        <p:strVal val="visible"/>
+                                      </p:to>
+                                    </p:set>
+                                    <p:animEffect transition="in" filter="fade">
+                                      <p:cBhvr>
+                                        <p:cTn id="632" dur="1000"/>
+                                        <p:tgtEl>
+                                          <p:spTgt spid="378"/>
+                                        </p:tgtEl>
+                                      </p:cBhvr>
+                                    </p:animEffect>
+                                  </p:childTnLst>
+                                </p:cTn>
+                              </p:par>
+                              <p:par>
+                                <p:cTn id="633" presetID="10" presetClass="entr" presetSubtype="0" fill="hold" grpId="0" nodeType="withEffect">
+                                  <p:stCondLst>
+                                    <p:cond delay="0"/>
+                                  </p:stCondLst>
+                                  <p:childTnLst>
+                                    <p:set>
+                                      <p:cBhvr>
+                                        <p:cTn id="634" dur="1" fill="hold">
+                                          <p:stCondLst>
+                                            <p:cond delay="0"/>
+                                          </p:stCondLst>
+                                        </p:cTn>
+                                        <p:tgtEl>
+                                          <p:spTgt spid="380"/>
+                                        </p:tgtEl>
+                                        <p:attrNameLst>
+                                          <p:attrName>style.visibility</p:attrName>
+                                        </p:attrNameLst>
+                                      </p:cBhvr>
+                                      <p:to>
+                                        <p:strVal val="visible"/>
+                                      </p:to>
+                                    </p:set>
+                                    <p:animEffect transition="in" filter="fade">
+                                      <p:cBhvr>
+                                        <p:cTn id="635" dur="1000"/>
+                                        <p:tgtEl>
+                                          <p:spTgt spid="380"/>
+                                        </p:tgtEl>
+                                      </p:cBhvr>
+                                    </p:animEffect>
+                                  </p:childTnLst>
+                                </p:cTn>
+                              </p:par>
+                            </p:childTnLst>
+                          </p:cTn>
+                        </p:par>
+                        <p:par>
+                          <p:cTn id="636" fill="hold">
+                            <p:stCondLst>
+                              <p:cond delay="91700"/>
+                            </p:stCondLst>
+                            <p:childTnLst>
+                              <p:par>
+                                <p:cTn id="637" presetID="42" presetClass="path" presetSubtype="0" accel="50000" decel="50000" fill="hold" grpId="1" nodeType="afterEffect">
+                                  <p:stCondLst>
+                                    <p:cond delay="0"/>
+                                  </p:stCondLst>
+                                  <p:childTnLst>
+                                    <p:animMotion origin="layout" path="M 1.66667E-6 2.59259E-6 L -0.1513 0.20973 " pathEditMode="relative" rAng="0" ptsTypes="AA">
+                                      <p:cBhvr>
+                                        <p:cTn id="638" dur="2000" fill="hold"/>
+                                        <p:tgtEl>
+                                          <p:spTgt spid="378"/>
+                                        </p:tgtEl>
+                                        <p:attrNameLst>
+                                          <p:attrName>ppt_x</p:attrName>
+                                          <p:attrName>ppt_y</p:attrName>
+                                        </p:attrNameLst>
+                                      </p:cBhvr>
+                                      <p:rCtr x="-7760" y="10764"/>
+                                    </p:animMotion>
+                                  </p:childTnLst>
+                                </p:cTn>
+                              </p:par>
+                              <p:par>
+                                <p:cTn id="639" presetID="42" presetClass="path" presetSubtype="0" accel="50000" decel="50000" fill="hold" grpId="1" nodeType="withEffect">
+                                  <p:stCondLst>
+                                    <p:cond delay="0"/>
+                                  </p:stCondLst>
+                                  <p:childTnLst>
+                                    <p:animMotion origin="layout" path="M -2.5E-6 -1.11111E-6 L 0.12799 0.20787 " pathEditMode="relative" rAng="0" ptsTypes="AA">
+                                      <p:cBhvr>
+                                        <p:cTn id="640" dur="2000" fill="hold"/>
+                                        <p:tgtEl>
+                                          <p:spTgt spid="380"/>
+                                        </p:tgtEl>
+                                        <p:attrNameLst>
+                                          <p:attrName>ppt_x</p:attrName>
+                                          <p:attrName>ppt_y</p:attrName>
+                                        </p:attrNameLst>
+                                      </p:cBhvr>
+                                      <p:rCtr x="6276" y="10417"/>
+                                    </p:animMotion>
+                                  </p:childTnLst>
+                                </p:cTn>
+                              </p:par>
+                            </p:childTnLst>
+                          </p:cTn>
+                        </p:par>
+                        <p:par>
+                          <p:cTn id="641" fill="hold">
+                            <p:stCondLst>
+                              <p:cond delay="93700"/>
+                            </p:stCondLst>
+                            <p:childTnLst>
+                              <p:par>
+                                <p:cTn id="642" presetID="10" presetClass="exit" presetSubtype="0" fill="hold" grpId="2" nodeType="afterEffect">
+                                  <p:stCondLst>
+                                    <p:cond delay="0"/>
+                                  </p:stCondLst>
+                                  <p:childTnLst>
+                                    <p:animEffect transition="out" filter="fade">
+                                      <p:cBhvr>
+                                        <p:cTn id="643" dur="500"/>
+                                        <p:tgtEl>
+                                          <p:spTgt spid="378"/>
+                                        </p:tgtEl>
+                                      </p:cBhvr>
+                                    </p:animEffect>
+                                    <p:set>
+                                      <p:cBhvr>
+                                        <p:cTn id="644" dur="1" fill="hold">
+                                          <p:stCondLst>
+                                            <p:cond delay="499"/>
+                                          </p:stCondLst>
+                                        </p:cTn>
+                                        <p:tgtEl>
+                                          <p:spTgt spid="378"/>
+                                        </p:tgtEl>
+                                        <p:attrNameLst>
+                                          <p:attrName>style.visibility</p:attrName>
+                                        </p:attrNameLst>
+                                      </p:cBhvr>
+                                      <p:to>
+                                        <p:strVal val="hidden"/>
+                                      </p:to>
+                                    </p:set>
+                                  </p:childTnLst>
+                                </p:cTn>
+                              </p:par>
+                              <p:par>
+                                <p:cTn id="645" presetID="10" presetClass="exit" presetSubtype="0" fill="hold" grpId="2" nodeType="withEffect">
+                                  <p:stCondLst>
+                                    <p:cond delay="0"/>
+                                  </p:stCondLst>
+                                  <p:childTnLst>
+                                    <p:animEffect transition="out" filter="fade">
+                                      <p:cBhvr>
+                                        <p:cTn id="646" dur="500"/>
+                                        <p:tgtEl>
+                                          <p:spTgt spid="380"/>
+                                        </p:tgtEl>
+                                      </p:cBhvr>
+                                    </p:animEffect>
+                                    <p:set>
+                                      <p:cBhvr>
+                                        <p:cTn id="647" dur="1" fill="hold">
+                                          <p:stCondLst>
+                                            <p:cond delay="499"/>
+                                          </p:stCondLst>
+                                        </p:cTn>
+                                        <p:tgtEl>
+                                          <p:spTgt spid="380"/>
+                                        </p:tgtEl>
+                                        <p:attrNameLst>
+                                          <p:attrName>style.visibility</p:attrName>
+                                        </p:attrNameLst>
+                                      </p:cBhvr>
+                                      <p:to>
+                                        <p:strVal val="hidden"/>
+                                      </p:to>
+                                    </p:set>
+                                  </p:childTnLst>
+                                </p:cTn>
+                              </p:par>
+                            </p:childTnLst>
+                          </p:cTn>
+                        </p:par>
+                        <p:par>
+                          <p:cTn id="648" fill="hold">
+                            <p:stCondLst>
+                              <p:cond delay="94200"/>
+                            </p:stCondLst>
+                            <p:childTnLst>
+                              <p:par>
+                                <p:cTn id="649" presetID="10" presetClass="exit" presetSubtype="0" fill="hold" grpId="1" nodeType="afterEffect">
+                                  <p:stCondLst>
+                                    <p:cond delay="0"/>
+                                  </p:stCondLst>
+                                  <p:childTnLst>
+                                    <p:animEffect transition="out" filter="fade">
+                                      <p:cBhvr>
+                                        <p:cTn id="650" dur="500"/>
+                                        <p:tgtEl>
+                                          <p:spTgt spid="377"/>
+                                        </p:tgtEl>
+                                      </p:cBhvr>
+                                    </p:animEffect>
+                                    <p:set>
+                                      <p:cBhvr>
+                                        <p:cTn id="651" dur="1" fill="hold">
+                                          <p:stCondLst>
+                                            <p:cond delay="499"/>
+                                          </p:stCondLst>
+                                        </p:cTn>
+                                        <p:tgtEl>
+                                          <p:spTgt spid="377"/>
+                                        </p:tgtEl>
+                                        <p:attrNameLst>
+                                          <p:attrName>style.visibility</p:attrName>
+                                        </p:attrNameLst>
+                                      </p:cBhvr>
+                                      <p:to>
+                                        <p:strVal val="hidden"/>
+                                      </p:to>
+                                    </p:set>
+                                  </p:childTnLst>
+                                </p:cTn>
+                              </p:par>
+                            </p:childTnLst>
+                          </p:cTn>
+                        </p:par>
+                        <p:par>
+                          <p:cTn id="652" fill="hold">
+                            <p:stCondLst>
+                              <p:cond delay="94700"/>
+                            </p:stCondLst>
+                            <p:childTnLst>
+                              <p:par>
+                                <p:cTn id="653" presetID="10" presetClass="exit" presetSubtype="0" fill="hold" nodeType="afterEffect">
+                                  <p:stCondLst>
+                                    <p:cond delay="0"/>
+                                  </p:stCondLst>
+                                  <p:childTnLst>
+                                    <p:animEffect transition="out" filter="fade">
+                                      <p:cBhvr>
+                                        <p:cTn id="654" dur="500"/>
+                                        <p:tgtEl>
                                           <p:spTgt spid="301"/>
+                                        </p:tgtEl>
+                                      </p:cBhvr>
+                                    </p:animEffect>
+                                    <p:set>
+                                      <p:cBhvr>
+                                        <p:cTn id="655" dur="1" fill="hold">
+                                          <p:stCondLst>
+                                            <p:cond delay="499"/>
+                                          </p:stCondLst>
+                                        </p:cTn>
+                                        <p:tgtEl>
+                                          <p:spTgt spid="301"/>
+                                        </p:tgtEl>
+                                        <p:attrNameLst>
+                                          <p:attrName>style.visibility</p:attrName>
+                                        </p:attrNameLst>
+                                      </p:cBhvr>
+                                      <p:to>
+                                        <p:strVal val="hidden"/>
+                                      </p:to>
+                                    </p:set>
+                                  </p:childTnLst>
+                                </p:cTn>
+                              </p:par>
+                              <p:par>
+                                <p:cTn id="656" presetID="10" presetClass="exit" presetSubtype="0" fill="hold" nodeType="withEffect">
+                                  <p:stCondLst>
+                                    <p:cond delay="0"/>
+                                  </p:stCondLst>
+                                  <p:childTnLst>
+                                    <p:animEffect transition="out" filter="fade">
+                                      <p:cBhvr>
+                                        <p:cTn id="657" dur="500"/>
+                                        <p:tgtEl>
+                                          <p:spTgt spid="296"/>
+                                        </p:tgtEl>
+                                      </p:cBhvr>
+                                    </p:animEffect>
+                                    <p:set>
+                                      <p:cBhvr>
+                                        <p:cTn id="658" dur="1" fill="hold">
+                                          <p:stCondLst>
+                                            <p:cond delay="499"/>
+                                          </p:stCondLst>
+                                        </p:cTn>
+                                        <p:tgtEl>
+                                          <p:spTgt spid="296"/>
                                         </p:tgtEl>
                                         <p:attrNameLst>
                                           <p:attrName>style.visibility</p:attrName>
@@ -17464,6 +18976,8 @@
       <p:bldP spid="357" grpId="2" animBg="1"/>
       <p:bldP spid="359" grpId="0" animBg="1"/>
       <p:bldP spid="359" grpId="1" animBg="1"/>
+      <p:bldP spid="165" grpId="0" animBg="1"/>
+      <p:bldP spid="165" grpId="1" animBg="1"/>
       <p:bldP spid="361" grpId="0" animBg="1"/>
       <p:bldP spid="361" grpId="1" animBg="1"/>
       <p:bldP spid="362" grpId="0" animBg="1"/>
@@ -17501,6 +19015,30 @@
       <p:bldP spid="382" grpId="0" animBg="1"/>
       <p:bldP spid="382" grpId="1" animBg="1"/>
       <p:bldP spid="382" grpId="2" animBg="1"/>
+      <p:bldP spid="145" grpId="0" animBg="1"/>
+      <p:bldP spid="145" grpId="1" animBg="1"/>
+      <p:bldP spid="145" grpId="2" animBg="1"/>
+      <p:bldP spid="148" grpId="0" animBg="1"/>
+      <p:bldP spid="148" grpId="1" animBg="1"/>
+      <p:bldP spid="148" grpId="2" animBg="1"/>
+      <p:bldP spid="158" grpId="0" animBg="1"/>
+      <p:bldP spid="158" grpId="1" animBg="1"/>
+      <p:bldP spid="158" grpId="2" animBg="1"/>
+      <p:bldP spid="160" grpId="0" animBg="1"/>
+      <p:bldP spid="160" grpId="1" animBg="1"/>
+      <p:bldP spid="160" grpId="2" animBg="1"/>
+      <p:bldP spid="161" grpId="0" animBg="1"/>
+      <p:bldP spid="161" grpId="1" animBg="1"/>
+      <p:bldP spid="161" grpId="2" animBg="1"/>
+      <p:bldP spid="162" grpId="0" animBg="1"/>
+      <p:bldP spid="162" grpId="1" animBg="1"/>
+      <p:bldP spid="162" grpId="2" animBg="1"/>
+      <p:bldP spid="163" grpId="0" animBg="1"/>
+      <p:bldP spid="163" grpId="1" animBg="1"/>
+      <p:bldP spid="163" grpId="2" animBg="1"/>
+      <p:bldP spid="164" grpId="0" animBg="1"/>
+      <p:bldP spid="164" grpId="1" animBg="1"/>
+      <p:bldP spid="164" grpId="2" animBg="1"/>
     </p:bldLst>
   </p:timing>
 </p:sld>
